--- a/figures/sdn/figures.pptx
+++ b/figures/sdn/figures.pptx
@@ -10,9 +10,9 @@
   <p:sldIdLst>
     <p:sldId id="260" r:id="rId2"/>
     <p:sldId id="261" r:id="rId3"/>
-    <p:sldId id="262" r:id="rId4"/>
+    <p:sldId id="350" r:id="rId4"/>
     <p:sldId id="345" r:id="rId5"/>
-    <p:sldId id="263" r:id="rId6"/>
+    <p:sldId id="349" r:id="rId6"/>
     <p:sldId id="344" r:id="rId7"/>
     <p:sldId id="348" r:id="rId8"/>
     <p:sldId id="347" r:id="rId9"/>
@@ -205,7 +205,7 @@
           <a:p>
             <a:fld id="{CD99FC43-7065-F348-8836-4FD247176936}" type="datetimeFigureOut">
               <a:rPr lang="en-US" smtClean="0"/>
-              <a:t>5/5/22</a:t>
+              <a:t>7/15/22</a:t>
             </a:fld>
             <a:endParaRPr lang="en-US" dirty="0"/>
           </a:p>
@@ -601,7 +601,7 @@
           <a:p>
             <a:fld id="{5D97E163-DB95-D24D-8C95-263DECB1FC34}" type="datetimeFigureOut">
               <a:rPr lang="en-US" smtClean="0"/>
-              <a:t>5/5/22</a:t>
+              <a:t>7/15/22</a:t>
             </a:fld>
             <a:endParaRPr lang="en-US" dirty="0"/>
           </a:p>
@@ -769,7 +769,7 @@
           <a:p>
             <a:fld id="{5D97E163-DB95-D24D-8C95-263DECB1FC34}" type="datetimeFigureOut">
               <a:rPr lang="en-US" smtClean="0"/>
-              <a:t>5/5/22</a:t>
+              <a:t>7/15/22</a:t>
             </a:fld>
             <a:endParaRPr lang="en-US" dirty="0"/>
           </a:p>
@@ -947,7 +947,7 @@
           <a:p>
             <a:fld id="{5D97E163-DB95-D24D-8C95-263DECB1FC34}" type="datetimeFigureOut">
               <a:rPr lang="en-US" smtClean="0"/>
-              <a:t>5/5/22</a:t>
+              <a:t>7/15/22</a:t>
             </a:fld>
             <a:endParaRPr lang="en-US" dirty="0"/>
           </a:p>
@@ -1115,7 +1115,7 @@
           <a:p>
             <a:fld id="{5D97E163-DB95-D24D-8C95-263DECB1FC34}" type="datetimeFigureOut">
               <a:rPr lang="en-US" smtClean="0"/>
-              <a:t>5/5/22</a:t>
+              <a:t>7/15/22</a:t>
             </a:fld>
             <a:endParaRPr lang="en-US" dirty="0"/>
           </a:p>
@@ -1360,7 +1360,7 @@
           <a:p>
             <a:fld id="{5D97E163-DB95-D24D-8C95-263DECB1FC34}" type="datetimeFigureOut">
               <a:rPr lang="en-US" smtClean="0"/>
-              <a:t>5/5/22</a:t>
+              <a:t>7/15/22</a:t>
             </a:fld>
             <a:endParaRPr lang="en-US" dirty="0"/>
           </a:p>
@@ -1589,7 +1589,7 @@
           <a:p>
             <a:fld id="{5D97E163-DB95-D24D-8C95-263DECB1FC34}" type="datetimeFigureOut">
               <a:rPr lang="en-US" smtClean="0"/>
-              <a:t>5/5/22</a:t>
+              <a:t>7/15/22</a:t>
             </a:fld>
             <a:endParaRPr lang="en-US" dirty="0"/>
           </a:p>
@@ -1953,7 +1953,7 @@
           <a:p>
             <a:fld id="{5D97E163-DB95-D24D-8C95-263DECB1FC34}" type="datetimeFigureOut">
               <a:rPr lang="en-US" smtClean="0"/>
-              <a:t>5/5/22</a:t>
+              <a:t>7/15/22</a:t>
             </a:fld>
             <a:endParaRPr lang="en-US" dirty="0"/>
           </a:p>
@@ -2070,7 +2070,7 @@
           <a:p>
             <a:fld id="{5D97E163-DB95-D24D-8C95-263DECB1FC34}" type="datetimeFigureOut">
               <a:rPr lang="en-US" smtClean="0"/>
-              <a:t>5/5/22</a:t>
+              <a:t>7/15/22</a:t>
             </a:fld>
             <a:endParaRPr lang="en-US" dirty="0"/>
           </a:p>
@@ -2165,7 +2165,7 @@
           <a:p>
             <a:fld id="{5D97E163-DB95-D24D-8C95-263DECB1FC34}" type="datetimeFigureOut">
               <a:rPr lang="en-US" smtClean="0"/>
-              <a:t>5/5/22</a:t>
+              <a:t>7/15/22</a:t>
             </a:fld>
             <a:endParaRPr lang="en-US" dirty="0"/>
           </a:p>
@@ -2440,7 +2440,7 @@
           <a:p>
             <a:fld id="{5D97E163-DB95-D24D-8C95-263DECB1FC34}" type="datetimeFigureOut">
               <a:rPr lang="en-US" smtClean="0"/>
-              <a:t>5/5/22</a:t>
+              <a:t>7/15/22</a:t>
             </a:fld>
             <a:endParaRPr lang="en-US" dirty="0"/>
           </a:p>
@@ -2695,7 +2695,7 @@
           <a:p>
             <a:fld id="{5D97E163-DB95-D24D-8C95-263DECB1FC34}" type="datetimeFigureOut">
               <a:rPr lang="en-US" smtClean="0"/>
-              <a:t>5/5/22</a:t>
+              <a:t>7/15/22</a:t>
             </a:fld>
             <a:endParaRPr lang="en-US" dirty="0"/>
           </a:p>
@@ -2906,7 +2906,7 @@
           <a:p>
             <a:fld id="{5D97E163-DB95-D24D-8C95-263DECB1FC34}" type="datetimeFigureOut">
               <a:rPr lang="en-US" smtClean="0"/>
-              <a:t>5/5/22</a:t>
+              <a:t>7/15/22</a:t>
             </a:fld>
             <a:endParaRPr lang="en-US" dirty="0"/>
           </a:p>
@@ -3311,43 +3311,6 @@
           <a:chExt cx="0" cy="0"/>
         </a:xfrm>
       </p:grpSpPr>
-      <p:pic>
-        <p:nvPicPr>
-          <p:cNvPr id="101" name="Picture 100">
-            <a:extLst>
-              <a:ext uri="{FF2B5EF4-FFF2-40B4-BE49-F238E27FC236}">
-                <a16:creationId xmlns:a16="http://schemas.microsoft.com/office/drawing/2014/main" id="{18E600CF-F3EE-054B-8CCF-1C21501E3083}"/>
-              </a:ext>
-            </a:extLst>
-          </p:cNvPr>
-          <p:cNvPicPr>
-            <a:picLocks noChangeAspect="1"/>
-          </p:cNvPicPr>
-          <p:nvPr/>
-        </p:nvPicPr>
-        <p:blipFill>
-          <a:blip r:embed="rId2"/>
-          <a:stretch>
-            <a:fillRect/>
-          </a:stretch>
-        </p:blipFill>
-        <p:spPr>
-          <a:xfrm>
-            <a:off x="10621180" y="2065299"/>
-            <a:ext cx="702822" cy="1657146"/>
-          </a:xfrm>
-          <a:prstGeom prst="rect">
-            <a:avLst/>
-          </a:prstGeom>
-          <a:effectLst>
-            <a:outerShdw blurRad="50800" dist="38100" dir="2700000" algn="tl" rotWithShape="0">
-              <a:prstClr val="black">
-                <a:alpha val="40000"/>
-              </a:prstClr>
-            </a:outerShdw>
-          </a:effectLst>
-        </p:spPr>
-      </p:pic>
       <p:sp>
         <p:nvSpPr>
           <p:cNvPr id="105" name="Rectangle 104">
@@ -4951,6 +4914,42 @@
           </a:p>
         </p:txBody>
       </p:sp>
+      <p:pic>
+        <p:nvPicPr>
+          <p:cNvPr id="35" name="Graphic 34">
+            <a:extLst>
+              <a:ext uri="{FF2B5EF4-FFF2-40B4-BE49-F238E27FC236}">
+                <a16:creationId xmlns:a16="http://schemas.microsoft.com/office/drawing/2014/main" id="{DA18F9EA-9792-5F41-ABAA-63ED088336EC}"/>
+              </a:ext>
+            </a:extLst>
+          </p:cNvPr>
+          <p:cNvPicPr>
+            <a:picLocks/>
+          </p:cNvPicPr>
+          <p:nvPr/>
+        </p:nvPicPr>
+        <p:blipFill>
+          <a:blip r:embed="rId2">
+            <a:extLst>
+              <a:ext uri="{96DAC541-7B7A-43D3-8B79-37D633B846F1}">
+                <asvg:svgBlip xmlns:asvg="http://schemas.microsoft.com/office/drawing/2016/SVG/main" r:embed="rId3"/>
+              </a:ext>
+            </a:extLst>
+          </a:blip>
+          <a:stretch>
+            <a:fillRect/>
+          </a:stretch>
+        </p:blipFill>
+        <p:spPr>
+          <a:xfrm>
+            <a:off x="10601434" y="2065300"/>
+            <a:ext cx="799241" cy="1707270"/>
+          </a:xfrm>
+          <a:prstGeom prst="rect">
+            <a:avLst/>
+          </a:prstGeom>
+        </p:spPr>
+      </p:pic>
     </p:spTree>
     <p:extLst>
       <p:ext uri="{BB962C8B-B14F-4D97-AF65-F5344CB8AC3E}">
@@ -6608,39 +6607,38 @@
       </p:sp>
       <p:pic>
         <p:nvPicPr>
-          <p:cNvPr id="32" name="Picture 31">
-            <a:extLst>
-              <a:ext uri="{FF2B5EF4-FFF2-40B4-BE49-F238E27FC236}">
-                <a16:creationId xmlns:a16="http://schemas.microsoft.com/office/drawing/2014/main" id="{21000CFF-4CE7-C54F-9BF7-5A0A03C89AB5}"/>
+          <p:cNvPr id="33" name="Graphic 32">
+            <a:extLst>
+              <a:ext uri="{FF2B5EF4-FFF2-40B4-BE49-F238E27FC236}">
+                <a16:creationId xmlns:a16="http://schemas.microsoft.com/office/drawing/2014/main" id="{4DBB64AD-A4C3-8F47-A1CB-F65A08194F5C}"/>
               </a:ext>
             </a:extLst>
           </p:cNvPr>
           <p:cNvPicPr>
-            <a:picLocks noChangeAspect="1"/>
+            <a:picLocks/>
           </p:cNvPicPr>
           <p:nvPr/>
         </p:nvPicPr>
         <p:blipFill>
-          <a:blip r:embed="rId2"/>
+          <a:blip r:embed="rId2">
+            <a:extLst>
+              <a:ext uri="{96DAC541-7B7A-43D3-8B79-37D633B846F1}">
+                <asvg:svgBlip xmlns:asvg="http://schemas.microsoft.com/office/drawing/2016/SVG/main" r:embed="rId3"/>
+              </a:ext>
+            </a:extLst>
+          </a:blip>
           <a:stretch>
             <a:fillRect/>
           </a:stretch>
         </p:blipFill>
         <p:spPr>
           <a:xfrm>
-            <a:off x="10670608" y="2065299"/>
-            <a:ext cx="702822" cy="1657146"/>
+            <a:off x="10601434" y="2065300"/>
+            <a:ext cx="799241" cy="1707270"/>
           </a:xfrm>
           <a:prstGeom prst="rect">
             <a:avLst/>
           </a:prstGeom>
-          <a:effectLst>
-            <a:outerShdw blurRad="50800" dist="38100" dir="2700000" algn="tl" rotWithShape="0">
-              <a:prstClr val="black">
-                <a:alpha val="40000"/>
-              </a:prstClr>
-            </a:outerShdw>
-          </a:effectLst>
         </p:spPr>
       </p:pic>
     </p:spTree>
@@ -6675,10 +6673,10 @@
       </p:grpSpPr>
       <p:sp>
         <p:nvSpPr>
-          <p:cNvPr id="68" name="Cloud 67">
-            <a:extLst>
-              <a:ext uri="{FF2B5EF4-FFF2-40B4-BE49-F238E27FC236}">
-                <a16:creationId xmlns:a16="http://schemas.microsoft.com/office/drawing/2014/main" id="{910DECC7-D726-784B-AA62-BDDCE84F58DD}"/>
+          <p:cNvPr id="69" name="Cloud 68">
+            <a:extLst>
+              <a:ext uri="{FF2B5EF4-FFF2-40B4-BE49-F238E27FC236}">
+                <a16:creationId xmlns:a16="http://schemas.microsoft.com/office/drawing/2014/main" id="{B7952989-F578-974F-BD5F-42F922E15E6C}"/>
               </a:ext>
             </a:extLst>
           </p:cNvPr>
@@ -6729,308 +6727,12 @@
           </a:p>
         </p:txBody>
       </p:sp>
-      <p:pic>
-        <p:nvPicPr>
-          <p:cNvPr id="33" name="Picture 32">
-            <a:extLst>
-              <a:ext uri="{FF2B5EF4-FFF2-40B4-BE49-F238E27FC236}">
-                <a16:creationId xmlns:a16="http://schemas.microsoft.com/office/drawing/2014/main" id="{6F820F0A-D50C-B04A-AF0C-9AE69CB2D19B}"/>
-              </a:ext>
-            </a:extLst>
-          </p:cNvPr>
-          <p:cNvPicPr>
-            <a:picLocks noChangeAspect="1"/>
-          </p:cNvPicPr>
-          <p:nvPr/>
-        </p:nvPicPr>
-        <p:blipFill>
-          <a:blip r:embed="rId2"/>
-          <a:stretch>
-            <a:fillRect/>
-          </a:stretch>
-        </p:blipFill>
-        <p:spPr>
-          <a:xfrm>
-            <a:off x="3499737" y="3358599"/>
-            <a:ext cx="316665" cy="675418"/>
-          </a:xfrm>
-          <a:prstGeom prst="rect">
-            <a:avLst/>
-          </a:prstGeom>
-          <a:effectLst>
-            <a:outerShdw blurRad="50800" dist="38100" dir="2700000" algn="tl" rotWithShape="0">
-              <a:prstClr val="black">
-                <a:alpha val="40000"/>
-              </a:prstClr>
-            </a:outerShdw>
-          </a:effectLst>
-        </p:spPr>
-      </p:pic>
-      <p:pic>
-        <p:nvPicPr>
-          <p:cNvPr id="36" name="Picture 35">
-            <a:extLst>
-              <a:ext uri="{FF2B5EF4-FFF2-40B4-BE49-F238E27FC236}">
-                <a16:creationId xmlns:a16="http://schemas.microsoft.com/office/drawing/2014/main" id="{347DC148-4643-2240-B61C-2028D3645EC9}"/>
-              </a:ext>
-            </a:extLst>
-          </p:cNvPr>
-          <p:cNvPicPr>
-            <a:picLocks noChangeAspect="1"/>
-          </p:cNvPicPr>
-          <p:nvPr/>
-        </p:nvPicPr>
-        <p:blipFill>
-          <a:blip r:embed="rId2"/>
-          <a:stretch>
-            <a:fillRect/>
-          </a:stretch>
-        </p:blipFill>
-        <p:spPr>
-          <a:xfrm>
-            <a:off x="3902509" y="3718079"/>
-            <a:ext cx="316665" cy="675418"/>
-          </a:xfrm>
-          <a:prstGeom prst="rect">
-            <a:avLst/>
-          </a:prstGeom>
-          <a:effectLst>
-            <a:outerShdw blurRad="50800" dist="38100" dir="2700000" algn="tl" rotWithShape="0">
-              <a:prstClr val="black">
-                <a:alpha val="40000"/>
-              </a:prstClr>
-            </a:outerShdw>
-          </a:effectLst>
-        </p:spPr>
-      </p:pic>
-      <p:pic>
-        <p:nvPicPr>
-          <p:cNvPr id="37" name="Picture 36">
-            <a:extLst>
-              <a:ext uri="{FF2B5EF4-FFF2-40B4-BE49-F238E27FC236}">
-                <a16:creationId xmlns:a16="http://schemas.microsoft.com/office/drawing/2014/main" id="{EEE5F724-26CC-FA4F-A613-52C4B3A05272}"/>
-              </a:ext>
-            </a:extLst>
-          </p:cNvPr>
-          <p:cNvPicPr>
-            <a:picLocks noChangeAspect="1"/>
-          </p:cNvPicPr>
-          <p:nvPr/>
-        </p:nvPicPr>
-        <p:blipFill>
-          <a:blip r:embed="rId2"/>
-          <a:stretch>
-            <a:fillRect/>
-          </a:stretch>
-        </p:blipFill>
-        <p:spPr>
-          <a:xfrm>
-            <a:off x="4631853" y="3358599"/>
-            <a:ext cx="316665" cy="675418"/>
-          </a:xfrm>
-          <a:prstGeom prst="rect">
-            <a:avLst/>
-          </a:prstGeom>
-          <a:effectLst>
-            <a:outerShdw blurRad="50800" dist="38100" dir="2700000" algn="tl" rotWithShape="0">
-              <a:prstClr val="black">
-                <a:alpha val="40000"/>
-              </a:prstClr>
-            </a:outerShdw>
-          </a:effectLst>
-        </p:spPr>
-      </p:pic>
-      <p:pic>
-        <p:nvPicPr>
-          <p:cNvPr id="38" name="Picture 37">
-            <a:extLst>
-              <a:ext uri="{FF2B5EF4-FFF2-40B4-BE49-F238E27FC236}">
-                <a16:creationId xmlns:a16="http://schemas.microsoft.com/office/drawing/2014/main" id="{9FEA4D24-4972-994D-AEE7-41324BB91749}"/>
-              </a:ext>
-            </a:extLst>
-          </p:cNvPr>
-          <p:cNvPicPr>
-            <a:picLocks noChangeAspect="1"/>
-          </p:cNvPicPr>
-          <p:nvPr/>
-        </p:nvPicPr>
-        <p:blipFill>
-          <a:blip r:embed="rId2"/>
-          <a:stretch>
-            <a:fillRect/>
-          </a:stretch>
-        </p:blipFill>
-        <p:spPr>
-          <a:xfrm>
-            <a:off x="5034625" y="3718079"/>
-            <a:ext cx="316665" cy="675418"/>
-          </a:xfrm>
-          <a:prstGeom prst="rect">
-            <a:avLst/>
-          </a:prstGeom>
-          <a:effectLst>
-            <a:outerShdw blurRad="50800" dist="38100" dir="2700000" algn="tl" rotWithShape="0">
-              <a:prstClr val="black">
-                <a:alpha val="40000"/>
-              </a:prstClr>
-            </a:outerShdw>
-          </a:effectLst>
-        </p:spPr>
-      </p:pic>
-      <p:pic>
-        <p:nvPicPr>
-          <p:cNvPr id="39" name="Picture 38">
-            <a:extLst>
-              <a:ext uri="{FF2B5EF4-FFF2-40B4-BE49-F238E27FC236}">
-                <a16:creationId xmlns:a16="http://schemas.microsoft.com/office/drawing/2014/main" id="{F3D45064-044F-2140-82B5-6DBE3C8F7DAC}"/>
-              </a:ext>
-            </a:extLst>
-          </p:cNvPr>
-          <p:cNvPicPr>
-            <a:picLocks noChangeAspect="1"/>
-          </p:cNvPicPr>
-          <p:nvPr/>
-        </p:nvPicPr>
-        <p:blipFill>
-          <a:blip r:embed="rId2"/>
-          <a:stretch>
-            <a:fillRect/>
-          </a:stretch>
-        </p:blipFill>
-        <p:spPr>
-          <a:xfrm>
-            <a:off x="6885198" y="3358599"/>
-            <a:ext cx="316665" cy="675418"/>
-          </a:xfrm>
-          <a:prstGeom prst="rect">
-            <a:avLst/>
-          </a:prstGeom>
-          <a:effectLst>
-            <a:outerShdw blurRad="50800" dist="38100" dir="2700000" algn="tl" rotWithShape="0">
-              <a:prstClr val="black">
-                <a:alpha val="40000"/>
-              </a:prstClr>
-            </a:outerShdw>
-          </a:effectLst>
-        </p:spPr>
-      </p:pic>
-      <p:pic>
-        <p:nvPicPr>
-          <p:cNvPr id="40" name="Picture 39">
-            <a:extLst>
-              <a:ext uri="{FF2B5EF4-FFF2-40B4-BE49-F238E27FC236}">
-                <a16:creationId xmlns:a16="http://schemas.microsoft.com/office/drawing/2014/main" id="{19D4616D-FC30-2746-AF09-39D51832F90F}"/>
-              </a:ext>
-            </a:extLst>
-          </p:cNvPr>
-          <p:cNvPicPr>
-            <a:picLocks noChangeAspect="1"/>
-          </p:cNvPicPr>
-          <p:nvPr/>
-        </p:nvPicPr>
-        <p:blipFill>
-          <a:blip r:embed="rId2"/>
-          <a:stretch>
-            <a:fillRect/>
-          </a:stretch>
-        </p:blipFill>
-        <p:spPr>
-          <a:xfrm>
-            <a:off x="6482426" y="3718079"/>
-            <a:ext cx="316665" cy="675418"/>
-          </a:xfrm>
-          <a:prstGeom prst="rect">
-            <a:avLst/>
-          </a:prstGeom>
-          <a:effectLst>
-            <a:outerShdw blurRad="50800" dist="38100" dir="2700000" algn="tl" rotWithShape="0">
-              <a:prstClr val="black">
-                <a:alpha val="40000"/>
-              </a:prstClr>
-            </a:outerShdw>
-          </a:effectLst>
-        </p:spPr>
-      </p:pic>
-      <p:pic>
-        <p:nvPicPr>
-          <p:cNvPr id="41" name="Picture 40">
-            <a:extLst>
-              <a:ext uri="{FF2B5EF4-FFF2-40B4-BE49-F238E27FC236}">
-                <a16:creationId xmlns:a16="http://schemas.microsoft.com/office/drawing/2014/main" id="{CD18DB82-E646-754B-B4B1-354D88289117}"/>
-              </a:ext>
-            </a:extLst>
-          </p:cNvPr>
-          <p:cNvPicPr>
-            <a:picLocks noChangeAspect="1"/>
-          </p:cNvPicPr>
-          <p:nvPr/>
-        </p:nvPicPr>
-        <p:blipFill>
-          <a:blip r:embed="rId2"/>
-          <a:stretch>
-            <a:fillRect/>
-          </a:stretch>
-        </p:blipFill>
-        <p:spPr>
-          <a:xfrm>
-            <a:off x="8017310" y="3358599"/>
-            <a:ext cx="316665" cy="675418"/>
-          </a:xfrm>
-          <a:prstGeom prst="rect">
-            <a:avLst/>
-          </a:prstGeom>
-          <a:effectLst>
-            <a:outerShdw blurRad="50800" dist="38100" dir="2700000" algn="tl" rotWithShape="0">
-              <a:prstClr val="black">
-                <a:alpha val="40000"/>
-              </a:prstClr>
-            </a:outerShdw>
-          </a:effectLst>
-        </p:spPr>
-      </p:pic>
-      <p:pic>
-        <p:nvPicPr>
-          <p:cNvPr id="42" name="Picture 41">
-            <a:extLst>
-              <a:ext uri="{FF2B5EF4-FFF2-40B4-BE49-F238E27FC236}">
-                <a16:creationId xmlns:a16="http://schemas.microsoft.com/office/drawing/2014/main" id="{B1411B64-BF4F-3249-9FBD-A1623FA66AD2}"/>
-              </a:ext>
-            </a:extLst>
-          </p:cNvPr>
-          <p:cNvPicPr>
-            <a:picLocks noChangeAspect="1"/>
-          </p:cNvPicPr>
-          <p:nvPr/>
-        </p:nvPicPr>
-        <p:blipFill>
-          <a:blip r:embed="rId2"/>
-          <a:stretch>
-            <a:fillRect/>
-          </a:stretch>
-        </p:blipFill>
-        <p:spPr>
-          <a:xfrm>
-            <a:off x="7603656" y="3718079"/>
-            <a:ext cx="316665" cy="675418"/>
-          </a:xfrm>
-          <a:prstGeom prst="rect">
-            <a:avLst/>
-          </a:prstGeom>
-          <a:effectLst>
-            <a:outerShdw blurRad="50800" dist="38100" dir="2700000" algn="tl" rotWithShape="0">
-              <a:prstClr val="black">
-                <a:alpha val="40000"/>
-              </a:prstClr>
-            </a:outerShdw>
-          </a:effectLst>
-        </p:spPr>
-      </p:pic>
-      <p:sp>
-        <p:nvSpPr>
-          <p:cNvPr id="43" name="TextBox 42">
-            <a:extLst>
-              <a:ext uri="{FF2B5EF4-FFF2-40B4-BE49-F238E27FC236}">
-                <a16:creationId xmlns:a16="http://schemas.microsoft.com/office/drawing/2014/main" id="{481892C0-0AB1-E14B-B212-114896D30CE7}"/>
+      <p:sp>
+        <p:nvSpPr>
+          <p:cNvPr id="70" name="TextBox 69">
+            <a:extLst>
+              <a:ext uri="{FF2B5EF4-FFF2-40B4-BE49-F238E27FC236}">
+                <a16:creationId xmlns:a16="http://schemas.microsoft.com/office/drawing/2014/main" id="{EEC3A919-EDDB-DB46-88D5-469E7F697E6D}"/>
               </a:ext>
             </a:extLst>
           </p:cNvPr>
@@ -7039,7 +6741,7 @@
         </p:nvSpPr>
         <p:spPr>
           <a:xfrm>
-            <a:off x="3555146" y="4034016"/>
+            <a:off x="3446524" y="3980589"/>
             <a:ext cx="397866" cy="307777"/>
           </a:xfrm>
           <a:prstGeom prst="rect">
@@ -7062,10 +6764,10 @@
       </p:sp>
       <p:sp>
         <p:nvSpPr>
-          <p:cNvPr id="44" name="TextBox 43">
-            <a:extLst>
-              <a:ext uri="{FF2B5EF4-FFF2-40B4-BE49-F238E27FC236}">
-                <a16:creationId xmlns:a16="http://schemas.microsoft.com/office/drawing/2014/main" id="{4945ACA5-7AC6-7846-8E17-85A4D04DFF18}"/>
+          <p:cNvPr id="71" name="TextBox 70">
+            <a:extLst>
+              <a:ext uri="{FF2B5EF4-FFF2-40B4-BE49-F238E27FC236}">
+                <a16:creationId xmlns:a16="http://schemas.microsoft.com/office/drawing/2014/main" id="{C5958BC6-6C27-5640-9186-36FF2C1EA3FC}"/>
               </a:ext>
             </a:extLst>
           </p:cNvPr>
@@ -7074,7 +6776,7 @@
         </p:nvSpPr>
         <p:spPr>
           <a:xfrm>
-            <a:off x="3953012" y="4393497"/>
+            <a:off x="3861909" y="4325039"/>
             <a:ext cx="397866" cy="307777"/>
           </a:xfrm>
           <a:prstGeom prst="rect">
@@ -7097,10 +6799,10 @@
       </p:sp>
       <p:sp>
         <p:nvSpPr>
-          <p:cNvPr id="45" name="TextBox 44">
-            <a:extLst>
-              <a:ext uri="{FF2B5EF4-FFF2-40B4-BE49-F238E27FC236}">
-                <a16:creationId xmlns:a16="http://schemas.microsoft.com/office/drawing/2014/main" id="{569F7A85-737A-7C40-B5F5-DF9C4BA5D34C}"/>
+          <p:cNvPr id="72" name="TextBox 71">
+            <a:extLst>
+              <a:ext uri="{FF2B5EF4-FFF2-40B4-BE49-F238E27FC236}">
+                <a16:creationId xmlns:a16="http://schemas.microsoft.com/office/drawing/2014/main" id="{8D604D82-DE5F-4240-B370-C73D8E6A17F9}"/>
               </a:ext>
             </a:extLst>
           </p:cNvPr>
@@ -7109,7 +6811,7 @@
         </p:nvSpPr>
         <p:spPr>
           <a:xfrm>
-            <a:off x="5101013" y="4393497"/>
+            <a:off x="4994562" y="4307619"/>
             <a:ext cx="397866" cy="307777"/>
           </a:xfrm>
           <a:prstGeom prst="rect">
@@ -7132,10 +6834,10 @@
       </p:sp>
       <p:sp>
         <p:nvSpPr>
-          <p:cNvPr id="46" name="TextBox 45">
-            <a:extLst>
-              <a:ext uri="{FF2B5EF4-FFF2-40B4-BE49-F238E27FC236}">
-                <a16:creationId xmlns:a16="http://schemas.microsoft.com/office/drawing/2014/main" id="{0F08FB1B-861E-8D4E-BE2A-6840DFF47D36}"/>
+          <p:cNvPr id="73" name="TextBox 72">
+            <a:extLst>
+              <a:ext uri="{FF2B5EF4-FFF2-40B4-BE49-F238E27FC236}">
+                <a16:creationId xmlns:a16="http://schemas.microsoft.com/office/drawing/2014/main" id="{BFCEC63A-C62B-3445-A298-7BC44557ED48}"/>
               </a:ext>
             </a:extLst>
           </p:cNvPr>
@@ -7144,7 +6846,7 @@
         </p:nvSpPr>
         <p:spPr>
           <a:xfrm>
-            <a:off x="4688103" y="4034016"/>
+            <a:off x="4579647" y="3980590"/>
             <a:ext cx="397866" cy="307777"/>
           </a:xfrm>
           <a:prstGeom prst="rect">
@@ -7167,10 +6869,10 @@
       </p:sp>
       <p:sp>
         <p:nvSpPr>
-          <p:cNvPr id="47" name="TextBox 46">
-            <a:extLst>
-              <a:ext uri="{FF2B5EF4-FFF2-40B4-BE49-F238E27FC236}">
-                <a16:creationId xmlns:a16="http://schemas.microsoft.com/office/drawing/2014/main" id="{35E9058A-6356-C64F-B78D-A866B44270B1}"/>
+          <p:cNvPr id="74" name="TextBox 73">
+            <a:extLst>
+              <a:ext uri="{FF2B5EF4-FFF2-40B4-BE49-F238E27FC236}">
+                <a16:creationId xmlns:a16="http://schemas.microsoft.com/office/drawing/2014/main" id="{3B80B7EB-FEF7-B549-A570-F9D7E47CF115}"/>
               </a:ext>
             </a:extLst>
           </p:cNvPr>
@@ -7179,7 +6881,7 @@
         </p:nvSpPr>
         <p:spPr>
           <a:xfrm>
-            <a:off x="6951491" y="4034016"/>
+            <a:off x="6826691" y="3944321"/>
             <a:ext cx="397866" cy="307777"/>
           </a:xfrm>
           <a:prstGeom prst="rect">
@@ -7202,10 +6904,10 @@
       </p:sp>
       <p:sp>
         <p:nvSpPr>
-          <p:cNvPr id="48" name="TextBox 47">
-            <a:extLst>
-              <a:ext uri="{FF2B5EF4-FFF2-40B4-BE49-F238E27FC236}">
-                <a16:creationId xmlns:a16="http://schemas.microsoft.com/office/drawing/2014/main" id="{B68679F9-AFF1-F147-94BE-4AA5FEA32249}"/>
+          <p:cNvPr id="75" name="TextBox 74">
+            <a:extLst>
+              <a:ext uri="{FF2B5EF4-FFF2-40B4-BE49-F238E27FC236}">
+                <a16:creationId xmlns:a16="http://schemas.microsoft.com/office/drawing/2014/main" id="{0818D23B-E6DD-6E43-8034-0466B59A5D1B}"/>
               </a:ext>
             </a:extLst>
           </p:cNvPr>
@@ -7214,7 +6916,7 @@
         </p:nvSpPr>
         <p:spPr>
           <a:xfrm>
-            <a:off x="8084444" y="4034016"/>
+            <a:off x="7994139" y="3944321"/>
             <a:ext cx="397866" cy="307777"/>
           </a:xfrm>
           <a:prstGeom prst="rect">
@@ -7237,10 +6939,10 @@
       </p:sp>
       <p:sp>
         <p:nvSpPr>
-          <p:cNvPr id="49" name="TextBox 48">
-            <a:extLst>
-              <a:ext uri="{FF2B5EF4-FFF2-40B4-BE49-F238E27FC236}">
-                <a16:creationId xmlns:a16="http://schemas.microsoft.com/office/drawing/2014/main" id="{E4F9689E-966F-1E42-94D7-55573311BC12}"/>
+          <p:cNvPr id="76" name="TextBox 75">
+            <a:extLst>
+              <a:ext uri="{FF2B5EF4-FFF2-40B4-BE49-F238E27FC236}">
+                <a16:creationId xmlns:a16="http://schemas.microsoft.com/office/drawing/2014/main" id="{3E9F6BDC-4A85-3849-9E12-7065F5A87AAE}"/>
               </a:ext>
             </a:extLst>
           </p:cNvPr>
@@ -7249,7 +6951,7 @@
         </p:nvSpPr>
         <p:spPr>
           <a:xfrm>
-            <a:off x="6540752" y="4393497"/>
+            <a:off x="6426939" y="4339710"/>
             <a:ext cx="397866" cy="307777"/>
           </a:xfrm>
           <a:prstGeom prst="rect">
@@ -7272,10 +6974,10 @@
       </p:sp>
       <p:sp>
         <p:nvSpPr>
-          <p:cNvPr id="50" name="TextBox 49">
-            <a:extLst>
-              <a:ext uri="{FF2B5EF4-FFF2-40B4-BE49-F238E27FC236}">
-                <a16:creationId xmlns:a16="http://schemas.microsoft.com/office/drawing/2014/main" id="{923B29C3-5E44-EB42-8184-D47DFAEBC7CE}"/>
+          <p:cNvPr id="77" name="TextBox 76">
+            <a:extLst>
+              <a:ext uri="{FF2B5EF4-FFF2-40B4-BE49-F238E27FC236}">
+                <a16:creationId xmlns:a16="http://schemas.microsoft.com/office/drawing/2014/main" id="{C7BB185B-8A09-EC45-89E8-A0EC1AEC321C}"/>
               </a:ext>
             </a:extLst>
           </p:cNvPr>
@@ -7284,7 +6986,7 @@
         </p:nvSpPr>
         <p:spPr>
           <a:xfrm>
-            <a:off x="7688753" y="4393497"/>
+            <a:off x="7552730" y="4317393"/>
             <a:ext cx="397866" cy="307777"/>
           </a:xfrm>
           <a:prstGeom prst="rect">
@@ -7307,10 +7009,10 @@
       </p:sp>
       <p:sp>
         <p:nvSpPr>
-          <p:cNvPr id="51" name="Rectangle 50">
-            <a:extLst>
-              <a:ext uri="{FF2B5EF4-FFF2-40B4-BE49-F238E27FC236}">
-                <a16:creationId xmlns:a16="http://schemas.microsoft.com/office/drawing/2014/main" id="{5EFD66A4-F77D-A644-8776-3F920734919D}"/>
+          <p:cNvPr id="78" name="Rectangle 77">
+            <a:extLst>
+              <a:ext uri="{FF2B5EF4-FFF2-40B4-BE49-F238E27FC236}">
+                <a16:creationId xmlns:a16="http://schemas.microsoft.com/office/drawing/2014/main" id="{FAE77788-6BDE-DD48-A327-7A3692D0082B}"/>
               </a:ext>
             </a:extLst>
           </p:cNvPr>
@@ -7364,10 +7066,10 @@
       </p:sp>
       <p:sp>
         <p:nvSpPr>
-          <p:cNvPr id="52" name="Rectangle 51">
-            <a:extLst>
-              <a:ext uri="{FF2B5EF4-FFF2-40B4-BE49-F238E27FC236}">
-                <a16:creationId xmlns:a16="http://schemas.microsoft.com/office/drawing/2014/main" id="{A1B936D2-3C9A-0442-B000-D805B2E84CC9}"/>
+          <p:cNvPr id="79" name="Rectangle 78">
+            <a:extLst>
+              <a:ext uri="{FF2B5EF4-FFF2-40B4-BE49-F238E27FC236}">
+                <a16:creationId xmlns:a16="http://schemas.microsoft.com/office/drawing/2014/main" id="{3A4D215E-C7D0-154D-869F-3CB7CFF20641}"/>
               </a:ext>
             </a:extLst>
           </p:cNvPr>
@@ -7421,10 +7123,10 @@
       </p:sp>
       <p:sp>
         <p:nvSpPr>
-          <p:cNvPr id="53" name="Rectangle 52">
-            <a:extLst>
-              <a:ext uri="{FF2B5EF4-FFF2-40B4-BE49-F238E27FC236}">
-                <a16:creationId xmlns:a16="http://schemas.microsoft.com/office/drawing/2014/main" id="{D77192C3-C64C-2E4E-8CFF-E82BAC13F983}"/>
+          <p:cNvPr id="80" name="Rectangle 79">
+            <a:extLst>
+              <a:ext uri="{FF2B5EF4-FFF2-40B4-BE49-F238E27FC236}">
+                <a16:creationId xmlns:a16="http://schemas.microsoft.com/office/drawing/2014/main" id="{C2C31E39-C653-7149-BFE9-FE717574E203}"/>
               </a:ext>
             </a:extLst>
           </p:cNvPr>
@@ -7478,10 +7180,10 @@
       </p:sp>
       <p:sp>
         <p:nvSpPr>
-          <p:cNvPr id="54" name="Rectangle 53">
-            <a:extLst>
-              <a:ext uri="{FF2B5EF4-FFF2-40B4-BE49-F238E27FC236}">
-                <a16:creationId xmlns:a16="http://schemas.microsoft.com/office/drawing/2014/main" id="{FE663A06-FC48-1B4A-BCF8-01CBE6CBE284}"/>
+          <p:cNvPr id="81" name="Rectangle 80">
+            <a:extLst>
+              <a:ext uri="{FF2B5EF4-FFF2-40B4-BE49-F238E27FC236}">
+                <a16:creationId xmlns:a16="http://schemas.microsoft.com/office/drawing/2014/main" id="{F8BC2664-C823-0246-94D0-DF8B032176F9}"/>
               </a:ext>
             </a:extLst>
           </p:cNvPr>
@@ -7535,16 +7237,16 @@
       </p:sp>
       <p:cxnSp>
         <p:nvCxnSpPr>
-          <p:cNvPr id="55" name="Straight Connector 54">
-            <a:extLst>
-              <a:ext uri="{FF2B5EF4-FFF2-40B4-BE49-F238E27FC236}">
-                <a16:creationId xmlns:a16="http://schemas.microsoft.com/office/drawing/2014/main" id="{17442EAC-CD0A-0547-91C2-DDB03D5C243B}"/>
+          <p:cNvPr id="82" name="Straight Connector 81">
+            <a:extLst>
+              <a:ext uri="{FF2B5EF4-FFF2-40B4-BE49-F238E27FC236}">
+                <a16:creationId xmlns:a16="http://schemas.microsoft.com/office/drawing/2014/main" id="{005C136C-05C0-4F4A-AAA7-21DCF6DB116B}"/>
               </a:ext>
             </a:extLst>
           </p:cNvPr>
           <p:cNvCxnSpPr>
-            <a:stCxn id="51" idx="2"/>
-            <a:endCxn id="33" idx="0"/>
+            <a:cxnSpLocks/>
+            <a:stCxn id="78" idx="2"/>
           </p:cNvCxnSpPr>
           <p:nvPr/>
         </p:nvCxnSpPr>
@@ -7574,16 +7276,16 @@
       </p:cxnSp>
       <p:cxnSp>
         <p:nvCxnSpPr>
-          <p:cNvPr id="56" name="Straight Connector 55">
-            <a:extLst>
-              <a:ext uri="{FF2B5EF4-FFF2-40B4-BE49-F238E27FC236}">
-                <a16:creationId xmlns:a16="http://schemas.microsoft.com/office/drawing/2014/main" id="{5C4C22A8-114D-C641-8ABA-772B6649B476}"/>
+          <p:cNvPr id="83" name="Straight Connector 82">
+            <a:extLst>
+              <a:ext uri="{FF2B5EF4-FFF2-40B4-BE49-F238E27FC236}">
+                <a16:creationId xmlns:a16="http://schemas.microsoft.com/office/drawing/2014/main" id="{FAF55CB4-8BC3-254D-8838-65F35788D246}"/>
               </a:ext>
             </a:extLst>
           </p:cNvPr>
           <p:cNvCxnSpPr>
-            <a:stCxn id="51" idx="2"/>
-            <a:endCxn id="36" idx="0"/>
+            <a:cxnSpLocks/>
+            <a:stCxn id="78" idx="2"/>
           </p:cNvCxnSpPr>
           <p:nvPr/>
         </p:nvCxnSpPr>
@@ -7613,16 +7315,16 @@
       </p:cxnSp>
       <p:cxnSp>
         <p:nvCxnSpPr>
-          <p:cNvPr id="57" name="Straight Connector 56">
-            <a:extLst>
-              <a:ext uri="{FF2B5EF4-FFF2-40B4-BE49-F238E27FC236}">
-                <a16:creationId xmlns:a16="http://schemas.microsoft.com/office/drawing/2014/main" id="{9706A102-8D4E-DA48-9911-DA69DE20A8B8}"/>
+          <p:cNvPr id="84" name="Straight Connector 83">
+            <a:extLst>
+              <a:ext uri="{FF2B5EF4-FFF2-40B4-BE49-F238E27FC236}">
+                <a16:creationId xmlns:a16="http://schemas.microsoft.com/office/drawing/2014/main" id="{007940FD-8B33-C34E-A01D-DD2ED3AA15F9}"/>
               </a:ext>
             </a:extLst>
           </p:cNvPr>
           <p:cNvCxnSpPr>
-            <a:stCxn id="52" idx="2"/>
-            <a:endCxn id="37" idx="0"/>
+            <a:cxnSpLocks/>
+            <a:stCxn id="79" idx="2"/>
           </p:cNvCxnSpPr>
           <p:nvPr/>
         </p:nvCxnSpPr>
@@ -7652,16 +7354,16 @@
       </p:cxnSp>
       <p:cxnSp>
         <p:nvCxnSpPr>
-          <p:cNvPr id="58" name="Straight Connector 57">
-            <a:extLst>
-              <a:ext uri="{FF2B5EF4-FFF2-40B4-BE49-F238E27FC236}">
-                <a16:creationId xmlns:a16="http://schemas.microsoft.com/office/drawing/2014/main" id="{AF9E74B2-F3E2-7B40-A6C7-BEC28A37BDCC}"/>
+          <p:cNvPr id="85" name="Straight Connector 84">
+            <a:extLst>
+              <a:ext uri="{FF2B5EF4-FFF2-40B4-BE49-F238E27FC236}">
+                <a16:creationId xmlns:a16="http://schemas.microsoft.com/office/drawing/2014/main" id="{53252741-0C29-7D49-82FD-BE2D92D00282}"/>
               </a:ext>
             </a:extLst>
           </p:cNvPr>
           <p:cNvCxnSpPr>
-            <a:stCxn id="52" idx="2"/>
-            <a:endCxn id="38" idx="0"/>
+            <a:cxnSpLocks/>
+            <a:stCxn id="79" idx="2"/>
           </p:cNvCxnSpPr>
           <p:nvPr/>
         </p:nvCxnSpPr>
@@ -7691,16 +7393,16 @@
       </p:cxnSp>
       <p:cxnSp>
         <p:nvCxnSpPr>
-          <p:cNvPr id="59" name="Straight Connector 58">
-            <a:extLst>
-              <a:ext uri="{FF2B5EF4-FFF2-40B4-BE49-F238E27FC236}">
-                <a16:creationId xmlns:a16="http://schemas.microsoft.com/office/drawing/2014/main" id="{470CBAB9-2887-0842-95F6-D3322B3DAAF0}"/>
+          <p:cNvPr id="86" name="Straight Connector 85">
+            <a:extLst>
+              <a:ext uri="{FF2B5EF4-FFF2-40B4-BE49-F238E27FC236}">
+                <a16:creationId xmlns:a16="http://schemas.microsoft.com/office/drawing/2014/main" id="{B0399B7E-37CB-1D4A-B2BA-D9706340C629}"/>
               </a:ext>
             </a:extLst>
           </p:cNvPr>
           <p:cNvCxnSpPr>
-            <a:stCxn id="53" idx="2"/>
-            <a:endCxn id="40" idx="0"/>
+            <a:cxnSpLocks/>
+            <a:stCxn id="80" idx="2"/>
           </p:cNvCxnSpPr>
           <p:nvPr/>
         </p:nvCxnSpPr>
@@ -7730,16 +7432,16 @@
       </p:cxnSp>
       <p:cxnSp>
         <p:nvCxnSpPr>
-          <p:cNvPr id="60" name="Straight Connector 59">
-            <a:extLst>
-              <a:ext uri="{FF2B5EF4-FFF2-40B4-BE49-F238E27FC236}">
-                <a16:creationId xmlns:a16="http://schemas.microsoft.com/office/drawing/2014/main" id="{5C9CAD89-ABE5-524A-A31D-11B264422405}"/>
+          <p:cNvPr id="87" name="Straight Connector 86">
+            <a:extLst>
+              <a:ext uri="{FF2B5EF4-FFF2-40B4-BE49-F238E27FC236}">
+                <a16:creationId xmlns:a16="http://schemas.microsoft.com/office/drawing/2014/main" id="{268B7024-E5B3-5A46-BCD6-95B822EB6449}"/>
               </a:ext>
             </a:extLst>
           </p:cNvPr>
           <p:cNvCxnSpPr>
-            <a:stCxn id="53" idx="2"/>
-            <a:endCxn id="39" idx="0"/>
+            <a:cxnSpLocks/>
+            <a:stCxn id="80" idx="2"/>
           </p:cNvCxnSpPr>
           <p:nvPr/>
         </p:nvCxnSpPr>
@@ -7769,16 +7471,16 @@
       </p:cxnSp>
       <p:cxnSp>
         <p:nvCxnSpPr>
-          <p:cNvPr id="61" name="Straight Connector 60">
-            <a:extLst>
-              <a:ext uri="{FF2B5EF4-FFF2-40B4-BE49-F238E27FC236}">
-                <a16:creationId xmlns:a16="http://schemas.microsoft.com/office/drawing/2014/main" id="{7927315C-BCB5-1744-8C2D-5EADDCCC6DF2}"/>
+          <p:cNvPr id="88" name="Straight Connector 87">
+            <a:extLst>
+              <a:ext uri="{FF2B5EF4-FFF2-40B4-BE49-F238E27FC236}">
+                <a16:creationId xmlns:a16="http://schemas.microsoft.com/office/drawing/2014/main" id="{30A945EB-4177-EE4F-8097-0F3EE6C7E944}"/>
               </a:ext>
             </a:extLst>
           </p:cNvPr>
           <p:cNvCxnSpPr>
-            <a:stCxn id="54" idx="2"/>
-            <a:endCxn id="42" idx="0"/>
+            <a:cxnSpLocks/>
+            <a:stCxn id="81" idx="2"/>
           </p:cNvCxnSpPr>
           <p:nvPr/>
         </p:nvCxnSpPr>
@@ -7808,16 +7510,16 @@
       </p:cxnSp>
       <p:cxnSp>
         <p:nvCxnSpPr>
-          <p:cNvPr id="62" name="Straight Connector 61">
-            <a:extLst>
-              <a:ext uri="{FF2B5EF4-FFF2-40B4-BE49-F238E27FC236}">
-                <a16:creationId xmlns:a16="http://schemas.microsoft.com/office/drawing/2014/main" id="{98C33C0E-99E2-A64F-A1AE-759437BD5874}"/>
+          <p:cNvPr id="89" name="Straight Connector 88">
+            <a:extLst>
+              <a:ext uri="{FF2B5EF4-FFF2-40B4-BE49-F238E27FC236}">
+                <a16:creationId xmlns:a16="http://schemas.microsoft.com/office/drawing/2014/main" id="{C67875E3-FB43-2441-9D95-05A674E2BE6F}"/>
               </a:ext>
             </a:extLst>
           </p:cNvPr>
           <p:cNvCxnSpPr>
-            <a:stCxn id="54" idx="2"/>
-            <a:endCxn id="41" idx="0"/>
+            <a:cxnSpLocks/>
+            <a:stCxn id="81" idx="2"/>
           </p:cNvCxnSpPr>
           <p:nvPr/>
         </p:nvCxnSpPr>
@@ -7847,10 +7549,10 @@
       </p:cxnSp>
       <p:sp>
         <p:nvSpPr>
-          <p:cNvPr id="63" name="Rectangle 62">
-            <a:extLst>
-              <a:ext uri="{FF2B5EF4-FFF2-40B4-BE49-F238E27FC236}">
-                <a16:creationId xmlns:a16="http://schemas.microsoft.com/office/drawing/2014/main" id="{96AB88AF-F2BB-734B-8DE8-A3A91AE0DCA2}"/>
+          <p:cNvPr id="90" name="Rectangle 89">
+            <a:extLst>
+              <a:ext uri="{FF2B5EF4-FFF2-40B4-BE49-F238E27FC236}">
+                <a16:creationId xmlns:a16="http://schemas.microsoft.com/office/drawing/2014/main" id="{8E91E268-2375-EB43-BF34-0BDB602D4209}"/>
               </a:ext>
             </a:extLst>
           </p:cNvPr>
@@ -7907,16 +7609,16 @@
       </p:sp>
       <p:cxnSp>
         <p:nvCxnSpPr>
-          <p:cNvPr id="64" name="Straight Connector 63">
-            <a:extLst>
-              <a:ext uri="{FF2B5EF4-FFF2-40B4-BE49-F238E27FC236}">
-                <a16:creationId xmlns:a16="http://schemas.microsoft.com/office/drawing/2014/main" id="{D1221AB3-9321-CF41-A795-06A15D1A6C6F}"/>
+          <p:cNvPr id="91" name="Straight Connector 90">
+            <a:extLst>
+              <a:ext uri="{FF2B5EF4-FFF2-40B4-BE49-F238E27FC236}">
+                <a16:creationId xmlns:a16="http://schemas.microsoft.com/office/drawing/2014/main" id="{E95896E5-EC8B-014F-9649-023A89E0B043}"/>
               </a:ext>
             </a:extLst>
           </p:cNvPr>
           <p:cNvCxnSpPr>
-            <a:stCxn id="63" idx="2"/>
-            <a:endCxn id="52" idx="0"/>
+            <a:stCxn id="90" idx="2"/>
+            <a:endCxn id="79" idx="0"/>
           </p:cNvCxnSpPr>
           <p:nvPr/>
         </p:nvCxnSpPr>
@@ -7946,16 +7648,16 @@
       </p:cxnSp>
       <p:cxnSp>
         <p:nvCxnSpPr>
-          <p:cNvPr id="65" name="Straight Connector 64">
-            <a:extLst>
-              <a:ext uri="{FF2B5EF4-FFF2-40B4-BE49-F238E27FC236}">
-                <a16:creationId xmlns:a16="http://schemas.microsoft.com/office/drawing/2014/main" id="{286FC7A3-990E-5245-92E6-1C1B19E0C260}"/>
+          <p:cNvPr id="92" name="Straight Connector 91">
+            <a:extLst>
+              <a:ext uri="{FF2B5EF4-FFF2-40B4-BE49-F238E27FC236}">
+                <a16:creationId xmlns:a16="http://schemas.microsoft.com/office/drawing/2014/main" id="{146EC093-EEDE-4D4C-A584-5668DD7E45B4}"/>
               </a:ext>
             </a:extLst>
           </p:cNvPr>
           <p:cNvCxnSpPr>
-            <a:stCxn id="63" idx="2"/>
-            <a:endCxn id="51" idx="0"/>
+            <a:stCxn id="90" idx="2"/>
+            <a:endCxn id="78" idx="0"/>
           </p:cNvCxnSpPr>
           <p:nvPr/>
         </p:nvCxnSpPr>
@@ -7985,16 +7687,16 @@
       </p:cxnSp>
       <p:cxnSp>
         <p:nvCxnSpPr>
-          <p:cNvPr id="66" name="Straight Connector 65">
-            <a:extLst>
-              <a:ext uri="{FF2B5EF4-FFF2-40B4-BE49-F238E27FC236}">
-                <a16:creationId xmlns:a16="http://schemas.microsoft.com/office/drawing/2014/main" id="{C0F81949-45AC-544E-A231-AA91042A4B13}"/>
+          <p:cNvPr id="93" name="Straight Connector 92">
+            <a:extLst>
+              <a:ext uri="{FF2B5EF4-FFF2-40B4-BE49-F238E27FC236}">
+                <a16:creationId xmlns:a16="http://schemas.microsoft.com/office/drawing/2014/main" id="{8E6FB0F9-540B-734A-B0F3-7ED671A287BD}"/>
               </a:ext>
             </a:extLst>
           </p:cNvPr>
           <p:cNvCxnSpPr>
-            <a:stCxn id="63" idx="2"/>
-            <a:endCxn id="53" idx="0"/>
+            <a:stCxn id="90" idx="2"/>
+            <a:endCxn id="80" idx="0"/>
           </p:cNvCxnSpPr>
           <p:nvPr/>
         </p:nvCxnSpPr>
@@ -8024,16 +7726,16 @@
       </p:cxnSp>
       <p:cxnSp>
         <p:nvCxnSpPr>
-          <p:cNvPr id="67" name="Straight Connector 66">
-            <a:extLst>
-              <a:ext uri="{FF2B5EF4-FFF2-40B4-BE49-F238E27FC236}">
-                <a16:creationId xmlns:a16="http://schemas.microsoft.com/office/drawing/2014/main" id="{A98B801F-C735-9D4B-B8B5-A1AAC387F295}"/>
+          <p:cNvPr id="94" name="Straight Connector 93">
+            <a:extLst>
+              <a:ext uri="{FF2B5EF4-FFF2-40B4-BE49-F238E27FC236}">
+                <a16:creationId xmlns:a16="http://schemas.microsoft.com/office/drawing/2014/main" id="{CC3DAAD8-FBA0-F94F-AE45-9D8835520B85}"/>
               </a:ext>
             </a:extLst>
           </p:cNvPr>
           <p:cNvCxnSpPr>
-            <a:stCxn id="63" idx="2"/>
-            <a:endCxn id="54" idx="0"/>
+            <a:stCxn id="90" idx="2"/>
+            <a:endCxn id="81" idx="0"/>
           </p:cNvCxnSpPr>
           <p:nvPr/>
         </p:nvCxnSpPr>
@@ -8061,10 +7763,298 @@
           </a:fontRef>
         </p:style>
       </p:cxnSp>
+      <p:pic>
+        <p:nvPicPr>
+          <p:cNvPr id="95" name="Graphic 94">
+            <a:extLst>
+              <a:ext uri="{FF2B5EF4-FFF2-40B4-BE49-F238E27FC236}">
+                <a16:creationId xmlns:a16="http://schemas.microsoft.com/office/drawing/2014/main" id="{7C02CABD-6B61-1547-ADB0-3445A7CFF3E4}"/>
+              </a:ext>
+            </a:extLst>
+          </p:cNvPr>
+          <p:cNvPicPr>
+            <a:picLocks/>
+          </p:cNvPicPr>
+          <p:nvPr/>
+        </p:nvPicPr>
+        <p:blipFill>
+          <a:blip r:embed="rId2">
+            <a:extLst>
+              <a:ext uri="{96DAC541-7B7A-43D3-8B79-37D633B846F1}">
+                <asvg:svgBlip xmlns:asvg="http://schemas.microsoft.com/office/drawing/2016/SVG/main" r:embed="rId3"/>
+              </a:ext>
+            </a:extLst>
+          </a:blip>
+          <a:stretch>
+            <a:fillRect/>
+          </a:stretch>
+        </p:blipFill>
+        <p:spPr>
+          <a:xfrm>
+            <a:off x="4936260" y="3667403"/>
+            <a:ext cx="506243" cy="704629"/>
+          </a:xfrm>
+          <a:prstGeom prst="rect">
+            <a:avLst/>
+          </a:prstGeom>
+        </p:spPr>
+      </p:pic>
+      <p:pic>
+        <p:nvPicPr>
+          <p:cNvPr id="96" name="Graphic 95">
+            <a:extLst>
+              <a:ext uri="{FF2B5EF4-FFF2-40B4-BE49-F238E27FC236}">
+                <a16:creationId xmlns:a16="http://schemas.microsoft.com/office/drawing/2014/main" id="{4B36EE0E-5769-6440-AB4A-962D0C0F4F01}"/>
+              </a:ext>
+            </a:extLst>
+          </p:cNvPr>
+          <p:cNvPicPr>
+            <a:picLocks/>
+          </p:cNvPicPr>
+          <p:nvPr/>
+        </p:nvPicPr>
+        <p:blipFill>
+          <a:blip r:embed="rId2">
+            <a:extLst>
+              <a:ext uri="{96DAC541-7B7A-43D3-8B79-37D633B846F1}">
+                <asvg:svgBlip xmlns:asvg="http://schemas.microsoft.com/office/drawing/2016/SVG/main" r:embed="rId3"/>
+              </a:ext>
+            </a:extLst>
+          </a:blip>
+          <a:stretch>
+            <a:fillRect/>
+          </a:stretch>
+        </p:blipFill>
+        <p:spPr>
+          <a:xfrm>
+            <a:off x="7503284" y="3667403"/>
+            <a:ext cx="506243" cy="704629"/>
+          </a:xfrm>
+          <a:prstGeom prst="rect">
+            <a:avLst/>
+          </a:prstGeom>
+        </p:spPr>
+      </p:pic>
+      <p:pic>
+        <p:nvPicPr>
+          <p:cNvPr id="97" name="Graphic 96">
+            <a:extLst>
+              <a:ext uri="{FF2B5EF4-FFF2-40B4-BE49-F238E27FC236}">
+                <a16:creationId xmlns:a16="http://schemas.microsoft.com/office/drawing/2014/main" id="{BF657DAC-98ED-8549-B670-8DB031FDD108}"/>
+              </a:ext>
+            </a:extLst>
+          </p:cNvPr>
+          <p:cNvPicPr>
+            <a:picLocks/>
+          </p:cNvPicPr>
+          <p:nvPr/>
+        </p:nvPicPr>
+        <p:blipFill>
+          <a:blip r:embed="rId2">
+            <a:extLst>
+              <a:ext uri="{96DAC541-7B7A-43D3-8B79-37D633B846F1}">
+                <asvg:svgBlip xmlns:asvg="http://schemas.microsoft.com/office/drawing/2016/SVG/main" r:embed="rId3"/>
+              </a:ext>
+            </a:extLst>
+          </a:blip>
+          <a:stretch>
+            <a:fillRect/>
+          </a:stretch>
+        </p:blipFill>
+        <p:spPr>
+          <a:xfrm>
+            <a:off x="6769880" y="3321150"/>
+            <a:ext cx="506243" cy="704629"/>
+          </a:xfrm>
+          <a:prstGeom prst="rect">
+            <a:avLst/>
+          </a:prstGeom>
+        </p:spPr>
+      </p:pic>
+      <p:pic>
+        <p:nvPicPr>
+          <p:cNvPr id="98" name="Graphic 97">
+            <a:extLst>
+              <a:ext uri="{FF2B5EF4-FFF2-40B4-BE49-F238E27FC236}">
+                <a16:creationId xmlns:a16="http://schemas.microsoft.com/office/drawing/2014/main" id="{C1D87D53-9F48-0943-9AB9-D6C33B713F7D}"/>
+              </a:ext>
+            </a:extLst>
+          </p:cNvPr>
+          <p:cNvPicPr>
+            <a:picLocks/>
+          </p:cNvPicPr>
+          <p:nvPr/>
+        </p:nvPicPr>
+        <p:blipFill>
+          <a:blip r:embed="rId2">
+            <a:extLst>
+              <a:ext uri="{96DAC541-7B7A-43D3-8B79-37D633B846F1}">
+                <asvg:svgBlip xmlns:asvg="http://schemas.microsoft.com/office/drawing/2016/SVG/main" r:embed="rId3"/>
+              </a:ext>
+            </a:extLst>
+          </a:blip>
+          <a:stretch>
+            <a:fillRect/>
+          </a:stretch>
+        </p:blipFill>
+        <p:spPr>
+          <a:xfrm>
+            <a:off x="6373713" y="3704431"/>
+            <a:ext cx="506243" cy="704629"/>
+          </a:xfrm>
+          <a:prstGeom prst="rect">
+            <a:avLst/>
+          </a:prstGeom>
+        </p:spPr>
+      </p:pic>
+      <p:pic>
+        <p:nvPicPr>
+          <p:cNvPr id="99" name="Graphic 98">
+            <a:extLst>
+              <a:ext uri="{FF2B5EF4-FFF2-40B4-BE49-F238E27FC236}">
+                <a16:creationId xmlns:a16="http://schemas.microsoft.com/office/drawing/2014/main" id="{8C87E02C-AD68-B441-9663-018CA2F6019E}"/>
+              </a:ext>
+            </a:extLst>
+          </p:cNvPr>
+          <p:cNvPicPr>
+            <a:picLocks/>
+          </p:cNvPicPr>
+          <p:nvPr/>
+        </p:nvPicPr>
+        <p:blipFill>
+          <a:blip r:embed="rId2">
+            <a:extLst>
+              <a:ext uri="{96DAC541-7B7A-43D3-8B79-37D633B846F1}">
+                <asvg:svgBlip xmlns:asvg="http://schemas.microsoft.com/office/drawing/2016/SVG/main" r:embed="rId3"/>
+              </a:ext>
+            </a:extLst>
+          </a:blip>
+          <a:stretch>
+            <a:fillRect/>
+          </a:stretch>
+        </p:blipFill>
+        <p:spPr>
+          <a:xfrm>
+            <a:off x="3390019" y="3334799"/>
+            <a:ext cx="506243" cy="704629"/>
+          </a:xfrm>
+          <a:prstGeom prst="rect">
+            <a:avLst/>
+          </a:prstGeom>
+        </p:spPr>
+      </p:pic>
+      <p:pic>
+        <p:nvPicPr>
+          <p:cNvPr id="100" name="Graphic 99">
+            <a:extLst>
+              <a:ext uri="{FF2B5EF4-FFF2-40B4-BE49-F238E27FC236}">
+                <a16:creationId xmlns:a16="http://schemas.microsoft.com/office/drawing/2014/main" id="{4FFC9615-25FD-6E4B-85BE-DF261042A0E6}"/>
+              </a:ext>
+            </a:extLst>
+          </p:cNvPr>
+          <p:cNvPicPr>
+            <a:picLocks/>
+          </p:cNvPicPr>
+          <p:nvPr/>
+        </p:nvPicPr>
+        <p:blipFill>
+          <a:blip r:embed="rId2">
+            <a:extLst>
+              <a:ext uri="{96DAC541-7B7A-43D3-8B79-37D633B846F1}">
+                <asvg:svgBlip xmlns:asvg="http://schemas.microsoft.com/office/drawing/2016/SVG/main" r:embed="rId3"/>
+              </a:ext>
+            </a:extLst>
+          </a:blip>
+          <a:stretch>
+            <a:fillRect/>
+          </a:stretch>
+        </p:blipFill>
+        <p:spPr>
+          <a:xfrm>
+            <a:off x="3801053" y="3683842"/>
+            <a:ext cx="506243" cy="704629"/>
+          </a:xfrm>
+          <a:prstGeom prst="rect">
+            <a:avLst/>
+          </a:prstGeom>
+        </p:spPr>
+      </p:pic>
+      <p:pic>
+        <p:nvPicPr>
+          <p:cNvPr id="101" name="Graphic 100">
+            <a:extLst>
+              <a:ext uri="{FF2B5EF4-FFF2-40B4-BE49-F238E27FC236}">
+                <a16:creationId xmlns:a16="http://schemas.microsoft.com/office/drawing/2014/main" id="{6D009C78-FEAE-C940-828F-FF8C1C87F3ED}"/>
+              </a:ext>
+            </a:extLst>
+          </p:cNvPr>
+          <p:cNvPicPr>
+            <a:picLocks/>
+          </p:cNvPicPr>
+          <p:nvPr/>
+        </p:nvPicPr>
+        <p:blipFill>
+          <a:blip r:embed="rId2">
+            <a:extLst>
+              <a:ext uri="{96DAC541-7B7A-43D3-8B79-37D633B846F1}">
+                <asvg:svgBlip xmlns:asvg="http://schemas.microsoft.com/office/drawing/2016/SVG/main" r:embed="rId3"/>
+              </a:ext>
+            </a:extLst>
+          </a:blip>
+          <a:stretch>
+            <a:fillRect/>
+          </a:stretch>
+        </p:blipFill>
+        <p:spPr>
+          <a:xfrm>
+            <a:off x="4525458" y="3326010"/>
+            <a:ext cx="506243" cy="704629"/>
+          </a:xfrm>
+          <a:prstGeom prst="rect">
+            <a:avLst/>
+          </a:prstGeom>
+        </p:spPr>
+      </p:pic>
+      <p:pic>
+        <p:nvPicPr>
+          <p:cNvPr id="102" name="Graphic 101">
+            <a:extLst>
+              <a:ext uri="{FF2B5EF4-FFF2-40B4-BE49-F238E27FC236}">
+                <a16:creationId xmlns:a16="http://schemas.microsoft.com/office/drawing/2014/main" id="{5B23BCE1-0361-C247-AA3F-CF8A5CD014DF}"/>
+              </a:ext>
+            </a:extLst>
+          </p:cNvPr>
+          <p:cNvPicPr>
+            <a:picLocks/>
+          </p:cNvPicPr>
+          <p:nvPr/>
+        </p:nvPicPr>
+        <p:blipFill>
+          <a:blip r:embed="rId2">
+            <a:extLst>
+              <a:ext uri="{96DAC541-7B7A-43D3-8B79-37D633B846F1}">
+                <asvg:svgBlip xmlns:asvg="http://schemas.microsoft.com/office/drawing/2016/SVG/main" r:embed="rId3"/>
+              </a:ext>
+            </a:extLst>
+          </a:blip>
+          <a:stretch>
+            <a:fillRect/>
+          </a:stretch>
+        </p:blipFill>
+        <p:spPr>
+          <a:xfrm>
+            <a:off x="7934995" y="3312794"/>
+            <a:ext cx="506243" cy="704629"/>
+          </a:xfrm>
+          <a:prstGeom prst="rect">
+            <a:avLst/>
+          </a:prstGeom>
+        </p:spPr>
+      </p:pic>
     </p:spTree>
     <p:extLst>
       <p:ext uri="{BB962C8B-B14F-4D97-AF65-F5344CB8AC3E}">
-        <p14:creationId xmlns:p14="http://schemas.microsoft.com/office/powerpoint/2010/main" val="3154063449"/>
+        <p14:creationId xmlns:p14="http://schemas.microsoft.com/office/powerpoint/2010/main" val="2054541437"/>
       </p:ext>
     </p:extLst>
   </p:cSld>
@@ -8091,43 +8081,6 @@
           <a:chExt cx="0" cy="0"/>
         </a:xfrm>
       </p:grpSpPr>
-      <p:pic>
-        <p:nvPicPr>
-          <p:cNvPr id="101" name="Picture 100">
-            <a:extLst>
-              <a:ext uri="{FF2B5EF4-FFF2-40B4-BE49-F238E27FC236}">
-                <a16:creationId xmlns:a16="http://schemas.microsoft.com/office/drawing/2014/main" id="{18E600CF-F3EE-054B-8CCF-1C21501E3083}"/>
-              </a:ext>
-            </a:extLst>
-          </p:cNvPr>
-          <p:cNvPicPr>
-            <a:picLocks noChangeAspect="1"/>
-          </p:cNvPicPr>
-          <p:nvPr/>
-        </p:nvPicPr>
-        <p:blipFill>
-          <a:blip r:embed="rId2"/>
-          <a:stretch>
-            <a:fillRect/>
-          </a:stretch>
-        </p:blipFill>
-        <p:spPr>
-          <a:xfrm>
-            <a:off x="10621180" y="2065299"/>
-            <a:ext cx="702822" cy="1657146"/>
-          </a:xfrm>
-          <a:prstGeom prst="rect">
-            <a:avLst/>
-          </a:prstGeom>
-          <a:effectLst>
-            <a:outerShdw blurRad="50800" dist="38100" dir="2700000" algn="tl" rotWithShape="0">
-              <a:prstClr val="black">
-                <a:alpha val="40000"/>
-              </a:prstClr>
-            </a:outerShdw>
-          </a:effectLst>
-        </p:spPr>
-      </p:pic>
       <p:sp>
         <p:nvSpPr>
           <p:cNvPr id="105" name="Rectangle 104">
@@ -9741,6 +9694,42 @@
           </a:p>
         </p:txBody>
       </p:sp>
+      <p:pic>
+        <p:nvPicPr>
+          <p:cNvPr id="33" name="Graphic 32">
+            <a:extLst>
+              <a:ext uri="{FF2B5EF4-FFF2-40B4-BE49-F238E27FC236}">
+                <a16:creationId xmlns:a16="http://schemas.microsoft.com/office/drawing/2014/main" id="{6E4EC11C-2641-3B43-BCDE-6480BF1889BC}"/>
+              </a:ext>
+            </a:extLst>
+          </p:cNvPr>
+          <p:cNvPicPr>
+            <a:picLocks/>
+          </p:cNvPicPr>
+          <p:nvPr/>
+        </p:nvPicPr>
+        <p:blipFill>
+          <a:blip r:embed="rId2">
+            <a:extLst>
+              <a:ext uri="{96DAC541-7B7A-43D3-8B79-37D633B846F1}">
+                <asvg:svgBlip xmlns:asvg="http://schemas.microsoft.com/office/drawing/2016/SVG/main" r:embed="rId3"/>
+              </a:ext>
+            </a:extLst>
+          </a:blip>
+          <a:stretch>
+            <a:fillRect/>
+          </a:stretch>
+        </p:blipFill>
+        <p:spPr>
+          <a:xfrm>
+            <a:off x="10601434" y="2065300"/>
+            <a:ext cx="799241" cy="1707270"/>
+          </a:xfrm>
+          <a:prstGeom prst="rect">
+            <a:avLst/>
+          </a:prstGeom>
+        </p:spPr>
+      </p:pic>
     </p:spTree>
     <p:extLst>
       <p:ext uri="{BB962C8B-B14F-4D97-AF65-F5344CB8AC3E}">
@@ -9771,160 +9760,12 @@
           <a:chExt cx="0" cy="0"/>
         </a:xfrm>
       </p:grpSpPr>
-      <p:pic>
-        <p:nvPicPr>
-          <p:cNvPr id="33" name="Picture 32">
-            <a:extLst>
-              <a:ext uri="{FF2B5EF4-FFF2-40B4-BE49-F238E27FC236}">
-                <a16:creationId xmlns:a16="http://schemas.microsoft.com/office/drawing/2014/main" id="{6F820F0A-D50C-B04A-AF0C-9AE69CB2D19B}"/>
-              </a:ext>
-            </a:extLst>
-          </p:cNvPr>
-          <p:cNvPicPr>
-            <a:picLocks noChangeAspect="1"/>
-          </p:cNvPicPr>
-          <p:nvPr/>
-        </p:nvPicPr>
-        <p:blipFill>
-          <a:blip r:embed="rId2"/>
-          <a:stretch>
-            <a:fillRect/>
-          </a:stretch>
-        </p:blipFill>
-        <p:spPr>
-          <a:xfrm>
-            <a:off x="4245157" y="4041871"/>
-            <a:ext cx="316665" cy="675418"/>
-          </a:xfrm>
-          <a:prstGeom prst="rect">
-            <a:avLst/>
-          </a:prstGeom>
-          <a:effectLst>
-            <a:outerShdw blurRad="50800" dist="38100" dir="2700000" algn="tl" rotWithShape="0">
-              <a:prstClr val="black">
-                <a:alpha val="40000"/>
-              </a:prstClr>
-            </a:outerShdw>
-          </a:effectLst>
-        </p:spPr>
-      </p:pic>
-      <p:pic>
-        <p:nvPicPr>
-          <p:cNvPr id="36" name="Picture 35">
-            <a:extLst>
-              <a:ext uri="{FF2B5EF4-FFF2-40B4-BE49-F238E27FC236}">
-                <a16:creationId xmlns:a16="http://schemas.microsoft.com/office/drawing/2014/main" id="{347DC148-4643-2240-B61C-2028D3645EC9}"/>
-              </a:ext>
-            </a:extLst>
-          </p:cNvPr>
-          <p:cNvPicPr>
-            <a:picLocks noChangeAspect="1"/>
-          </p:cNvPicPr>
-          <p:nvPr/>
-        </p:nvPicPr>
-        <p:blipFill>
-          <a:blip r:embed="rId2"/>
-          <a:stretch>
-            <a:fillRect/>
-          </a:stretch>
-        </p:blipFill>
-        <p:spPr>
-          <a:xfrm>
-            <a:off x="3772724" y="4247464"/>
-            <a:ext cx="316665" cy="675418"/>
-          </a:xfrm>
-          <a:prstGeom prst="rect">
-            <a:avLst/>
-          </a:prstGeom>
-          <a:effectLst>
-            <a:outerShdw blurRad="50800" dist="38100" dir="2700000" algn="tl" rotWithShape="0">
-              <a:prstClr val="black">
-                <a:alpha val="40000"/>
-              </a:prstClr>
-            </a:outerShdw>
-          </a:effectLst>
-        </p:spPr>
-      </p:pic>
-      <p:pic>
-        <p:nvPicPr>
-          <p:cNvPr id="41" name="Picture 40">
-            <a:extLst>
-              <a:ext uri="{FF2B5EF4-FFF2-40B4-BE49-F238E27FC236}">
-                <a16:creationId xmlns:a16="http://schemas.microsoft.com/office/drawing/2014/main" id="{CD18DB82-E646-754B-B4B1-354D88289117}"/>
-              </a:ext>
-            </a:extLst>
-          </p:cNvPr>
-          <p:cNvPicPr>
-            <a:picLocks noChangeAspect="1"/>
-          </p:cNvPicPr>
-          <p:nvPr/>
-        </p:nvPicPr>
-        <p:blipFill>
-          <a:blip r:embed="rId2"/>
-          <a:stretch>
-            <a:fillRect/>
-          </a:stretch>
-        </p:blipFill>
-        <p:spPr>
-          <a:xfrm>
-            <a:off x="7482458" y="4041871"/>
-            <a:ext cx="316665" cy="675418"/>
-          </a:xfrm>
-          <a:prstGeom prst="rect">
-            <a:avLst/>
-          </a:prstGeom>
-          <a:effectLst>
-            <a:outerShdw blurRad="50800" dist="38100" dir="2700000" algn="tl" rotWithShape="0">
-              <a:prstClr val="black">
-                <a:alpha val="40000"/>
-              </a:prstClr>
-            </a:outerShdw>
-          </a:effectLst>
-        </p:spPr>
-      </p:pic>
-      <p:pic>
-        <p:nvPicPr>
-          <p:cNvPr id="42" name="Picture 41">
-            <a:extLst>
-              <a:ext uri="{FF2B5EF4-FFF2-40B4-BE49-F238E27FC236}">
-                <a16:creationId xmlns:a16="http://schemas.microsoft.com/office/drawing/2014/main" id="{B1411B64-BF4F-3249-9FBD-A1623FA66AD2}"/>
-              </a:ext>
-            </a:extLst>
-          </p:cNvPr>
-          <p:cNvPicPr>
-            <a:picLocks noChangeAspect="1"/>
-          </p:cNvPicPr>
-          <p:nvPr/>
-        </p:nvPicPr>
-        <p:blipFill>
-          <a:blip r:embed="rId2"/>
-          <a:stretch>
-            <a:fillRect/>
-          </a:stretch>
-        </p:blipFill>
-        <p:spPr>
-          <a:xfrm>
-            <a:off x="7952575" y="4247464"/>
-            <a:ext cx="316665" cy="675418"/>
-          </a:xfrm>
-          <a:prstGeom prst="rect">
-            <a:avLst/>
-          </a:prstGeom>
-          <a:effectLst>
-            <a:outerShdw blurRad="50800" dist="38100" dir="2700000" algn="tl" rotWithShape="0">
-              <a:prstClr val="black">
-                <a:alpha val="40000"/>
-              </a:prstClr>
-            </a:outerShdw>
-          </a:effectLst>
-        </p:spPr>
-      </p:pic>
-      <p:sp>
-        <p:nvSpPr>
-          <p:cNvPr id="43" name="TextBox 42">
-            <a:extLst>
-              <a:ext uri="{FF2B5EF4-FFF2-40B4-BE49-F238E27FC236}">
-                <a16:creationId xmlns:a16="http://schemas.microsoft.com/office/drawing/2014/main" id="{481892C0-0AB1-E14B-B212-114896D30CE7}"/>
+      <p:sp>
+        <p:nvSpPr>
+          <p:cNvPr id="4" name="TextBox 3">
+            <a:extLst>
+              <a:ext uri="{FF2B5EF4-FFF2-40B4-BE49-F238E27FC236}">
+                <a16:creationId xmlns:a16="http://schemas.microsoft.com/office/drawing/2014/main" id="{169B001E-EC71-A642-BA01-40F3ACCD97EF}"/>
               </a:ext>
             </a:extLst>
           </p:cNvPr>
@@ -9956,10 +9797,10 @@
       </p:sp>
       <p:sp>
         <p:nvSpPr>
-          <p:cNvPr id="44" name="TextBox 43">
-            <a:extLst>
-              <a:ext uri="{FF2B5EF4-FFF2-40B4-BE49-F238E27FC236}">
-                <a16:creationId xmlns:a16="http://schemas.microsoft.com/office/drawing/2014/main" id="{4945ACA5-7AC6-7846-8E17-85A4D04DFF18}"/>
+          <p:cNvPr id="5" name="TextBox 4">
+            <a:extLst>
+              <a:ext uri="{FF2B5EF4-FFF2-40B4-BE49-F238E27FC236}">
+                <a16:creationId xmlns:a16="http://schemas.microsoft.com/office/drawing/2014/main" id="{0C954EBC-3853-F946-9924-83251D058239}"/>
               </a:ext>
             </a:extLst>
           </p:cNvPr>
@@ -9991,10 +9832,10 @@
       </p:sp>
       <p:sp>
         <p:nvSpPr>
-          <p:cNvPr id="48" name="TextBox 47">
-            <a:extLst>
-              <a:ext uri="{FF2B5EF4-FFF2-40B4-BE49-F238E27FC236}">
-                <a16:creationId xmlns:a16="http://schemas.microsoft.com/office/drawing/2014/main" id="{B68679F9-AFF1-F147-94BE-4AA5FEA32249}"/>
+          <p:cNvPr id="6" name="TextBox 5">
+            <a:extLst>
+              <a:ext uri="{FF2B5EF4-FFF2-40B4-BE49-F238E27FC236}">
+                <a16:creationId xmlns:a16="http://schemas.microsoft.com/office/drawing/2014/main" id="{0FDB1621-ACF3-284B-A706-24A35EC1AFCB}"/>
               </a:ext>
             </a:extLst>
           </p:cNvPr>
@@ -10026,10 +9867,10 @@
       </p:sp>
       <p:sp>
         <p:nvSpPr>
-          <p:cNvPr id="50" name="TextBox 49">
-            <a:extLst>
-              <a:ext uri="{FF2B5EF4-FFF2-40B4-BE49-F238E27FC236}">
-                <a16:creationId xmlns:a16="http://schemas.microsoft.com/office/drawing/2014/main" id="{923B29C3-5E44-EB42-8184-D47DFAEBC7CE}"/>
+          <p:cNvPr id="7" name="TextBox 6">
+            <a:extLst>
+              <a:ext uri="{FF2B5EF4-FFF2-40B4-BE49-F238E27FC236}">
+                <a16:creationId xmlns:a16="http://schemas.microsoft.com/office/drawing/2014/main" id="{D66A7603-CAFC-E549-AF38-777B323CB54E}"/>
               </a:ext>
             </a:extLst>
           </p:cNvPr>
@@ -10061,10 +9902,10 @@
       </p:sp>
       <p:sp>
         <p:nvSpPr>
-          <p:cNvPr id="51" name="Rectangle 50">
-            <a:extLst>
-              <a:ext uri="{FF2B5EF4-FFF2-40B4-BE49-F238E27FC236}">
-                <a16:creationId xmlns:a16="http://schemas.microsoft.com/office/drawing/2014/main" id="{5EFD66A4-F77D-A644-8776-3F920734919D}"/>
+          <p:cNvPr id="8" name="Rectangle 7">
+            <a:extLst>
+              <a:ext uri="{FF2B5EF4-FFF2-40B4-BE49-F238E27FC236}">
+                <a16:creationId xmlns:a16="http://schemas.microsoft.com/office/drawing/2014/main" id="{A9B877F3-9506-4C40-BC20-14DD720A62EB}"/>
               </a:ext>
             </a:extLst>
           </p:cNvPr>
@@ -10119,10 +9960,10 @@
       </p:sp>
       <p:sp>
         <p:nvSpPr>
-          <p:cNvPr id="54" name="Rectangle 53">
-            <a:extLst>
-              <a:ext uri="{FF2B5EF4-FFF2-40B4-BE49-F238E27FC236}">
-                <a16:creationId xmlns:a16="http://schemas.microsoft.com/office/drawing/2014/main" id="{FE663A06-FC48-1B4A-BCF8-01CBE6CBE284}"/>
+          <p:cNvPr id="9" name="Rectangle 8">
+            <a:extLst>
+              <a:ext uri="{FF2B5EF4-FFF2-40B4-BE49-F238E27FC236}">
+                <a16:creationId xmlns:a16="http://schemas.microsoft.com/office/drawing/2014/main" id="{5013A0A3-B56C-EC4F-8193-10F6332CF7AB}"/>
               </a:ext>
             </a:extLst>
           </p:cNvPr>
@@ -10177,16 +10018,16 @@
       </p:sp>
       <p:cxnSp>
         <p:nvCxnSpPr>
-          <p:cNvPr id="55" name="Straight Connector 54">
-            <a:extLst>
-              <a:ext uri="{FF2B5EF4-FFF2-40B4-BE49-F238E27FC236}">
-                <a16:creationId xmlns:a16="http://schemas.microsoft.com/office/drawing/2014/main" id="{17442EAC-CD0A-0547-91C2-DDB03D5C243B}"/>
+          <p:cNvPr id="10" name="Straight Connector 9">
+            <a:extLst>
+              <a:ext uri="{FF2B5EF4-FFF2-40B4-BE49-F238E27FC236}">
+                <a16:creationId xmlns:a16="http://schemas.microsoft.com/office/drawing/2014/main" id="{89DCCBFB-0D10-CD44-AAC0-5BB10FBA22E3}"/>
               </a:ext>
             </a:extLst>
           </p:cNvPr>
           <p:cNvCxnSpPr>
-            <a:stCxn id="51" idx="2"/>
-            <a:endCxn id="33" idx="0"/>
+            <a:cxnSpLocks/>
+            <a:stCxn id="8" idx="2"/>
           </p:cNvCxnSpPr>
           <p:nvPr/>
         </p:nvCxnSpPr>
@@ -10223,16 +10064,16 @@
       </p:cxnSp>
       <p:cxnSp>
         <p:nvCxnSpPr>
-          <p:cNvPr id="56" name="Straight Connector 55">
-            <a:extLst>
-              <a:ext uri="{FF2B5EF4-FFF2-40B4-BE49-F238E27FC236}">
-                <a16:creationId xmlns:a16="http://schemas.microsoft.com/office/drawing/2014/main" id="{5C4C22A8-114D-C641-8ABA-772B6649B476}"/>
+          <p:cNvPr id="11" name="Straight Connector 10">
+            <a:extLst>
+              <a:ext uri="{FF2B5EF4-FFF2-40B4-BE49-F238E27FC236}">
+                <a16:creationId xmlns:a16="http://schemas.microsoft.com/office/drawing/2014/main" id="{2C9BC99C-E177-AA4A-B30B-87A3EDB09F28}"/>
               </a:ext>
             </a:extLst>
           </p:cNvPr>
           <p:cNvCxnSpPr>
-            <a:stCxn id="51" idx="2"/>
-            <a:endCxn id="36" idx="0"/>
+            <a:cxnSpLocks/>
+            <a:stCxn id="8" idx="2"/>
           </p:cNvCxnSpPr>
           <p:nvPr/>
         </p:nvCxnSpPr>
@@ -10269,16 +10110,16 @@
       </p:cxnSp>
       <p:cxnSp>
         <p:nvCxnSpPr>
-          <p:cNvPr id="61" name="Straight Connector 60">
-            <a:extLst>
-              <a:ext uri="{FF2B5EF4-FFF2-40B4-BE49-F238E27FC236}">
-                <a16:creationId xmlns:a16="http://schemas.microsoft.com/office/drawing/2014/main" id="{7927315C-BCB5-1744-8C2D-5EADDCCC6DF2}"/>
+          <p:cNvPr id="12" name="Straight Connector 11">
+            <a:extLst>
+              <a:ext uri="{FF2B5EF4-FFF2-40B4-BE49-F238E27FC236}">
+                <a16:creationId xmlns:a16="http://schemas.microsoft.com/office/drawing/2014/main" id="{51E1EDB5-644B-FB4F-88C3-88B5A2A73417}"/>
               </a:ext>
             </a:extLst>
           </p:cNvPr>
           <p:cNvCxnSpPr>
-            <a:stCxn id="54" idx="2"/>
-            <a:endCxn id="42" idx="0"/>
+            <a:cxnSpLocks/>
+            <a:stCxn id="9" idx="2"/>
           </p:cNvCxnSpPr>
           <p:nvPr/>
         </p:nvCxnSpPr>
@@ -10315,16 +10156,16 @@
       </p:cxnSp>
       <p:cxnSp>
         <p:nvCxnSpPr>
-          <p:cNvPr id="62" name="Straight Connector 61">
-            <a:extLst>
-              <a:ext uri="{FF2B5EF4-FFF2-40B4-BE49-F238E27FC236}">
-                <a16:creationId xmlns:a16="http://schemas.microsoft.com/office/drawing/2014/main" id="{98C33C0E-99E2-A64F-A1AE-759437BD5874}"/>
+          <p:cNvPr id="13" name="Straight Connector 12">
+            <a:extLst>
+              <a:ext uri="{FF2B5EF4-FFF2-40B4-BE49-F238E27FC236}">
+                <a16:creationId xmlns:a16="http://schemas.microsoft.com/office/drawing/2014/main" id="{87D225FD-DFEA-BF4F-AC16-5F2911AA69B8}"/>
               </a:ext>
             </a:extLst>
           </p:cNvPr>
           <p:cNvCxnSpPr>
-            <a:stCxn id="54" idx="2"/>
-            <a:endCxn id="41" idx="0"/>
+            <a:cxnSpLocks/>
+            <a:stCxn id="9" idx="2"/>
           </p:cNvCxnSpPr>
           <p:nvPr/>
         </p:nvCxnSpPr>
@@ -10361,10 +10202,10 @@
       </p:cxnSp>
       <p:sp>
         <p:nvSpPr>
-          <p:cNvPr id="63" name="Rectangle 62">
-            <a:extLst>
-              <a:ext uri="{FF2B5EF4-FFF2-40B4-BE49-F238E27FC236}">
-                <a16:creationId xmlns:a16="http://schemas.microsoft.com/office/drawing/2014/main" id="{96AB88AF-F2BB-734B-8DE8-A3A91AE0DCA2}"/>
+          <p:cNvPr id="14" name="Rectangle 13">
+            <a:extLst>
+              <a:ext uri="{FF2B5EF4-FFF2-40B4-BE49-F238E27FC236}">
+                <a16:creationId xmlns:a16="http://schemas.microsoft.com/office/drawing/2014/main" id="{E7989379-FA6F-CC47-8197-FC5DCBF92FF8}"/>
               </a:ext>
             </a:extLst>
           </p:cNvPr>
@@ -10425,16 +10266,16 @@
       </p:sp>
       <p:cxnSp>
         <p:nvCxnSpPr>
-          <p:cNvPr id="65" name="Straight Connector 64">
-            <a:extLst>
-              <a:ext uri="{FF2B5EF4-FFF2-40B4-BE49-F238E27FC236}">
-                <a16:creationId xmlns:a16="http://schemas.microsoft.com/office/drawing/2014/main" id="{286FC7A3-990E-5245-92E6-1C1B19E0C260}"/>
+          <p:cNvPr id="15" name="Straight Connector 14">
+            <a:extLst>
+              <a:ext uri="{FF2B5EF4-FFF2-40B4-BE49-F238E27FC236}">
+                <a16:creationId xmlns:a16="http://schemas.microsoft.com/office/drawing/2014/main" id="{942022E3-5493-5343-956B-A33DA49439D5}"/>
               </a:ext>
             </a:extLst>
           </p:cNvPr>
           <p:cNvCxnSpPr>
-            <a:stCxn id="63" idx="2"/>
-            <a:endCxn id="51" idx="0"/>
+            <a:stCxn id="14" idx="2"/>
+            <a:endCxn id="8" idx="0"/>
           </p:cNvCxnSpPr>
           <p:nvPr/>
         </p:nvCxnSpPr>
@@ -10471,16 +10312,16 @@
       </p:cxnSp>
       <p:cxnSp>
         <p:nvCxnSpPr>
-          <p:cNvPr id="67" name="Straight Connector 66">
-            <a:extLst>
-              <a:ext uri="{FF2B5EF4-FFF2-40B4-BE49-F238E27FC236}">
-                <a16:creationId xmlns:a16="http://schemas.microsoft.com/office/drawing/2014/main" id="{A98B801F-C735-9D4B-B8B5-A1AAC387F295}"/>
+          <p:cNvPr id="16" name="Straight Connector 15">
+            <a:extLst>
+              <a:ext uri="{FF2B5EF4-FFF2-40B4-BE49-F238E27FC236}">
+                <a16:creationId xmlns:a16="http://schemas.microsoft.com/office/drawing/2014/main" id="{FD340D67-EE37-AD47-8AF3-F000A175C183}"/>
               </a:ext>
             </a:extLst>
           </p:cNvPr>
           <p:cNvCxnSpPr>
-            <a:stCxn id="63" idx="2"/>
-            <a:endCxn id="54" idx="0"/>
+            <a:stCxn id="14" idx="2"/>
+            <a:endCxn id="9" idx="0"/>
           </p:cNvCxnSpPr>
           <p:nvPr/>
         </p:nvCxnSpPr>
@@ -10517,10 +10358,10 @@
       </p:cxnSp>
       <p:sp>
         <p:nvSpPr>
-          <p:cNvPr id="2" name="Rounded Rectangle 1">
-            <a:extLst>
-              <a:ext uri="{FF2B5EF4-FFF2-40B4-BE49-F238E27FC236}">
-                <a16:creationId xmlns:a16="http://schemas.microsoft.com/office/drawing/2014/main" id="{4AB8EB8C-8508-BA45-8B54-F7099084C117}"/>
+          <p:cNvPr id="17" name="Rounded Rectangle 16">
+            <a:extLst>
+              <a:ext uri="{FF2B5EF4-FFF2-40B4-BE49-F238E27FC236}">
+                <a16:creationId xmlns:a16="http://schemas.microsoft.com/office/drawing/2014/main" id="{7EE11985-3174-BD4F-89B8-1787F22BE9E9}"/>
               </a:ext>
             </a:extLst>
           </p:cNvPr>
@@ -10535,13 +10376,10 @@
           <a:prstGeom prst="roundRect">
             <a:avLst/>
           </a:prstGeom>
-          <a:solidFill>
-            <a:schemeClr val="accent1">
-              <a:lumMod val="75000"/>
-            </a:schemeClr>
-          </a:solidFill>
           <a:ln w="28575">
-            <a:noFill/>
+            <a:solidFill>
+              <a:schemeClr val="accent1"/>
+            </a:solidFill>
           </a:ln>
         </p:spPr>
         <p:style>
@@ -10574,16 +10412,16 @@
       </p:sp>
       <p:cxnSp>
         <p:nvCxnSpPr>
-          <p:cNvPr id="5" name="Straight Arrow Connector 4">
-            <a:extLst>
-              <a:ext uri="{FF2B5EF4-FFF2-40B4-BE49-F238E27FC236}">
-                <a16:creationId xmlns:a16="http://schemas.microsoft.com/office/drawing/2014/main" id="{1EF1E9E3-6780-554C-995C-7EB8A633931A}"/>
+          <p:cNvPr id="18" name="Straight Arrow Connector 17">
+            <a:extLst>
+              <a:ext uri="{FF2B5EF4-FFF2-40B4-BE49-F238E27FC236}">
+                <a16:creationId xmlns:a16="http://schemas.microsoft.com/office/drawing/2014/main" id="{36DD291C-4B0F-2044-9853-918694A80FD1}"/>
               </a:ext>
             </a:extLst>
           </p:cNvPr>
           <p:cNvCxnSpPr>
-            <a:stCxn id="2" idx="2"/>
-            <a:endCxn id="63" idx="0"/>
+            <a:stCxn id="17" idx="2"/>
+            <a:endCxn id="14" idx="0"/>
           </p:cNvCxnSpPr>
           <p:nvPr/>
         </p:nvCxnSpPr>
@@ -10617,17 +10455,17 @@
       </p:cxnSp>
       <p:cxnSp>
         <p:nvCxnSpPr>
-          <p:cNvPr id="68" name="Straight Arrow Connector 67">
-            <a:extLst>
-              <a:ext uri="{FF2B5EF4-FFF2-40B4-BE49-F238E27FC236}">
-                <a16:creationId xmlns:a16="http://schemas.microsoft.com/office/drawing/2014/main" id="{73E53003-9446-2F4C-A1E7-05E3E78954A2}"/>
+          <p:cNvPr id="19" name="Straight Arrow Connector 18">
+            <a:extLst>
+              <a:ext uri="{FF2B5EF4-FFF2-40B4-BE49-F238E27FC236}">
+                <a16:creationId xmlns:a16="http://schemas.microsoft.com/office/drawing/2014/main" id="{B090FE88-8421-014C-8F01-DA3BEF3AC1E3}"/>
               </a:ext>
             </a:extLst>
           </p:cNvPr>
           <p:cNvCxnSpPr>
             <a:cxnSpLocks/>
-            <a:stCxn id="2" idx="2"/>
-            <a:endCxn id="54" idx="0"/>
+            <a:stCxn id="17" idx="2"/>
+            <a:endCxn id="9" idx="0"/>
           </p:cNvCxnSpPr>
           <p:nvPr/>
         </p:nvCxnSpPr>
@@ -10661,17 +10499,16 @@
       </p:cxnSp>
       <p:cxnSp>
         <p:nvCxnSpPr>
-          <p:cNvPr id="69" name="Straight Arrow Connector 68">
-            <a:extLst>
-              <a:ext uri="{FF2B5EF4-FFF2-40B4-BE49-F238E27FC236}">
-                <a16:creationId xmlns:a16="http://schemas.microsoft.com/office/drawing/2014/main" id="{3C8E774C-C56E-824B-99F3-0E8B4523F5E2}"/>
+          <p:cNvPr id="20" name="Straight Arrow Connector 19">
+            <a:extLst>
+              <a:ext uri="{FF2B5EF4-FFF2-40B4-BE49-F238E27FC236}">
+                <a16:creationId xmlns:a16="http://schemas.microsoft.com/office/drawing/2014/main" id="{759FB3E8-9562-E047-A7EF-11253E4323DA}"/>
               </a:ext>
             </a:extLst>
           </p:cNvPr>
           <p:cNvCxnSpPr>
             <a:cxnSpLocks/>
-            <a:stCxn id="2" idx="2"/>
-            <a:endCxn id="41" idx="0"/>
+            <a:stCxn id="17" idx="2"/>
           </p:cNvCxnSpPr>
           <p:nvPr/>
         </p:nvCxnSpPr>
@@ -10705,17 +10542,16 @@
       </p:cxnSp>
       <p:cxnSp>
         <p:nvCxnSpPr>
-          <p:cNvPr id="70" name="Straight Arrow Connector 69">
-            <a:extLst>
-              <a:ext uri="{FF2B5EF4-FFF2-40B4-BE49-F238E27FC236}">
-                <a16:creationId xmlns:a16="http://schemas.microsoft.com/office/drawing/2014/main" id="{E996A897-892E-7C43-B79C-DD96FF7D9884}"/>
+          <p:cNvPr id="21" name="Straight Arrow Connector 20">
+            <a:extLst>
+              <a:ext uri="{FF2B5EF4-FFF2-40B4-BE49-F238E27FC236}">
+                <a16:creationId xmlns:a16="http://schemas.microsoft.com/office/drawing/2014/main" id="{CC0E09F7-B9A8-0942-9252-6884F3CDEF02}"/>
               </a:ext>
             </a:extLst>
           </p:cNvPr>
           <p:cNvCxnSpPr>
             <a:cxnSpLocks/>
-            <a:stCxn id="2" idx="2"/>
-            <a:endCxn id="42" idx="0"/>
+            <a:stCxn id="17" idx="2"/>
           </p:cNvCxnSpPr>
           <p:nvPr/>
         </p:nvCxnSpPr>
@@ -10749,17 +10585,16 @@
       </p:cxnSp>
       <p:cxnSp>
         <p:nvCxnSpPr>
-          <p:cNvPr id="71" name="Straight Arrow Connector 70">
-            <a:extLst>
-              <a:ext uri="{FF2B5EF4-FFF2-40B4-BE49-F238E27FC236}">
-                <a16:creationId xmlns:a16="http://schemas.microsoft.com/office/drawing/2014/main" id="{851DA5FB-8CBA-5D49-88F8-F7C14C82A73D}"/>
+          <p:cNvPr id="22" name="Straight Arrow Connector 21">
+            <a:extLst>
+              <a:ext uri="{FF2B5EF4-FFF2-40B4-BE49-F238E27FC236}">
+                <a16:creationId xmlns:a16="http://schemas.microsoft.com/office/drawing/2014/main" id="{F64AAE8C-CEA6-6E47-8CE4-5AE8041F8F90}"/>
               </a:ext>
             </a:extLst>
           </p:cNvPr>
           <p:cNvCxnSpPr>
             <a:cxnSpLocks/>
-            <a:stCxn id="2" idx="2"/>
-            <a:endCxn id="33" idx="0"/>
+            <a:stCxn id="17" idx="2"/>
           </p:cNvCxnSpPr>
           <p:nvPr/>
         </p:nvCxnSpPr>
@@ -10793,17 +10628,17 @@
       </p:cxnSp>
       <p:cxnSp>
         <p:nvCxnSpPr>
-          <p:cNvPr id="72" name="Straight Arrow Connector 71">
-            <a:extLst>
-              <a:ext uri="{FF2B5EF4-FFF2-40B4-BE49-F238E27FC236}">
-                <a16:creationId xmlns:a16="http://schemas.microsoft.com/office/drawing/2014/main" id="{A73DCCF2-2982-A447-A681-515B35545CAF}"/>
+          <p:cNvPr id="23" name="Straight Arrow Connector 22">
+            <a:extLst>
+              <a:ext uri="{FF2B5EF4-FFF2-40B4-BE49-F238E27FC236}">
+                <a16:creationId xmlns:a16="http://schemas.microsoft.com/office/drawing/2014/main" id="{18D53BBB-2920-444F-BF17-46AD3D3EA7D5}"/>
               </a:ext>
             </a:extLst>
           </p:cNvPr>
           <p:cNvCxnSpPr>
             <a:cxnSpLocks/>
-            <a:stCxn id="2" idx="2"/>
-            <a:endCxn id="51" idx="0"/>
+            <a:stCxn id="17" idx="2"/>
+            <a:endCxn id="8" idx="0"/>
           </p:cNvCxnSpPr>
           <p:nvPr/>
         </p:nvCxnSpPr>
@@ -10837,17 +10672,16 @@
       </p:cxnSp>
       <p:cxnSp>
         <p:nvCxnSpPr>
-          <p:cNvPr id="73" name="Straight Arrow Connector 72">
-            <a:extLst>
-              <a:ext uri="{FF2B5EF4-FFF2-40B4-BE49-F238E27FC236}">
-                <a16:creationId xmlns:a16="http://schemas.microsoft.com/office/drawing/2014/main" id="{CEE5F921-1478-3C47-A1FA-8BFCC30EF5F7}"/>
+          <p:cNvPr id="24" name="Straight Arrow Connector 23">
+            <a:extLst>
+              <a:ext uri="{FF2B5EF4-FFF2-40B4-BE49-F238E27FC236}">
+                <a16:creationId xmlns:a16="http://schemas.microsoft.com/office/drawing/2014/main" id="{E3A92CCE-6382-F140-933D-C7939E3E3422}"/>
               </a:ext>
             </a:extLst>
           </p:cNvPr>
           <p:cNvCxnSpPr>
             <a:cxnSpLocks/>
-            <a:stCxn id="2" idx="2"/>
-            <a:endCxn id="36" idx="0"/>
+            <a:stCxn id="17" idx="2"/>
           </p:cNvCxnSpPr>
           <p:nvPr/>
         </p:nvCxnSpPr>
@@ -10881,10 +10715,10 @@
       </p:cxnSp>
       <p:sp>
         <p:nvSpPr>
-          <p:cNvPr id="74" name="Rounded Rectangle 73">
-            <a:extLst>
-              <a:ext uri="{FF2B5EF4-FFF2-40B4-BE49-F238E27FC236}">
-                <a16:creationId xmlns:a16="http://schemas.microsoft.com/office/drawing/2014/main" id="{6489EC48-60FF-9D4F-BCCC-790D2D8A6739}"/>
+          <p:cNvPr id="25" name="Rounded Rectangle 24">
+            <a:extLst>
+              <a:ext uri="{FF2B5EF4-FFF2-40B4-BE49-F238E27FC236}">
+                <a16:creationId xmlns:a16="http://schemas.microsoft.com/office/drawing/2014/main" id="{80367D9C-1B90-F648-B0B5-5B38D12425DA}"/>
               </a:ext>
             </a:extLst>
           </p:cNvPr>
@@ -10904,9 +10738,7 @@
           </a:solidFill>
           <a:ln w="28575">
             <a:solidFill>
-              <a:schemeClr val="accent1">
-                <a:lumMod val="75000"/>
-              </a:schemeClr>
+              <a:srgbClr val="0070C0"/>
             </a:solidFill>
           </a:ln>
         </p:spPr>
@@ -10949,10 +10781,10 @@
       </p:sp>
       <p:sp>
         <p:nvSpPr>
-          <p:cNvPr id="75" name="Rounded Rectangle 74">
-            <a:extLst>
-              <a:ext uri="{FF2B5EF4-FFF2-40B4-BE49-F238E27FC236}">
-                <a16:creationId xmlns:a16="http://schemas.microsoft.com/office/drawing/2014/main" id="{C1359423-74AB-0D4B-AA03-83ACA9353813}"/>
+          <p:cNvPr id="26" name="Rounded Rectangle 25">
+            <a:extLst>
+              <a:ext uri="{FF2B5EF4-FFF2-40B4-BE49-F238E27FC236}">
+                <a16:creationId xmlns:a16="http://schemas.microsoft.com/office/drawing/2014/main" id="{C7E1CDD9-DABB-FA4D-A2D4-777910860B5A}"/>
               </a:ext>
             </a:extLst>
           </p:cNvPr>
@@ -10972,9 +10804,7 @@
           </a:solidFill>
           <a:ln w="28575">
             <a:solidFill>
-              <a:schemeClr val="accent1">
-                <a:lumMod val="75000"/>
-              </a:schemeClr>
+              <a:srgbClr val="0070C0"/>
             </a:solidFill>
           </a:ln>
         </p:spPr>
@@ -11017,10 +10847,10 @@
       </p:sp>
       <p:sp>
         <p:nvSpPr>
-          <p:cNvPr id="76" name="Rounded Rectangle 75">
-            <a:extLst>
-              <a:ext uri="{FF2B5EF4-FFF2-40B4-BE49-F238E27FC236}">
-                <a16:creationId xmlns:a16="http://schemas.microsoft.com/office/drawing/2014/main" id="{051497B8-3B7A-E64E-98D4-688878D85850}"/>
+          <p:cNvPr id="27" name="Rounded Rectangle 26">
+            <a:extLst>
+              <a:ext uri="{FF2B5EF4-FFF2-40B4-BE49-F238E27FC236}">
+                <a16:creationId xmlns:a16="http://schemas.microsoft.com/office/drawing/2014/main" id="{1604615C-D906-6B45-BEEA-20900667611D}"/>
               </a:ext>
             </a:extLst>
           </p:cNvPr>
@@ -11040,9 +10870,7 @@
           </a:solidFill>
           <a:ln w="28575">
             <a:solidFill>
-              <a:schemeClr val="accent1">
-                <a:lumMod val="75000"/>
-              </a:schemeClr>
+              <a:srgbClr val="0070C0"/>
             </a:solidFill>
           </a:ln>
         </p:spPr>
@@ -11085,10 +10913,10 @@
       </p:sp>
       <p:sp>
         <p:nvSpPr>
-          <p:cNvPr id="77" name="Rounded Rectangle 76">
-            <a:extLst>
-              <a:ext uri="{FF2B5EF4-FFF2-40B4-BE49-F238E27FC236}">
-                <a16:creationId xmlns:a16="http://schemas.microsoft.com/office/drawing/2014/main" id="{1C003D4F-70EB-B54C-839F-3A929D6CD1ED}"/>
+          <p:cNvPr id="28" name="Rounded Rectangle 27">
+            <a:extLst>
+              <a:ext uri="{FF2B5EF4-FFF2-40B4-BE49-F238E27FC236}">
+                <a16:creationId xmlns:a16="http://schemas.microsoft.com/office/drawing/2014/main" id="{7ED8802B-AC76-2B4F-B7A2-4466DECA6AC2}"/>
               </a:ext>
             </a:extLst>
           </p:cNvPr>
@@ -11108,9 +10936,7 @@
           </a:solidFill>
           <a:ln w="28575">
             <a:solidFill>
-              <a:schemeClr val="accent1">
-                <a:lumMod val="75000"/>
-              </a:schemeClr>
+              <a:srgbClr val="0070C0"/>
             </a:solidFill>
           </a:ln>
         </p:spPr>
@@ -11153,10 +10979,10 @@
       </p:sp>
       <p:sp>
         <p:nvSpPr>
-          <p:cNvPr id="78" name="Rounded Rectangle 77">
-            <a:extLst>
-              <a:ext uri="{FF2B5EF4-FFF2-40B4-BE49-F238E27FC236}">
-                <a16:creationId xmlns:a16="http://schemas.microsoft.com/office/drawing/2014/main" id="{3FEF625B-62A6-DC47-869C-5E8C545836AD}"/>
+          <p:cNvPr id="29" name="Rounded Rectangle 28">
+            <a:extLst>
+              <a:ext uri="{FF2B5EF4-FFF2-40B4-BE49-F238E27FC236}">
+                <a16:creationId xmlns:a16="http://schemas.microsoft.com/office/drawing/2014/main" id="{593FCA3F-10CF-EC42-98B1-367BDF04682E}"/>
               </a:ext>
             </a:extLst>
           </p:cNvPr>
@@ -11176,9 +11002,7 @@
           </a:solidFill>
           <a:ln w="28575">
             <a:solidFill>
-              <a:schemeClr val="accent1">
-                <a:lumMod val="75000"/>
-              </a:schemeClr>
+              <a:srgbClr val="0070C0"/>
             </a:solidFill>
           </a:ln>
         </p:spPr>
@@ -11221,10 +11045,10 @@
       </p:sp>
       <p:sp>
         <p:nvSpPr>
-          <p:cNvPr id="21" name="TextBox 20">
-            <a:extLst>
-              <a:ext uri="{FF2B5EF4-FFF2-40B4-BE49-F238E27FC236}">
-                <a16:creationId xmlns:a16="http://schemas.microsoft.com/office/drawing/2014/main" id="{235E290D-8E7E-E148-9847-814733A5A6CC}"/>
+          <p:cNvPr id="30" name="TextBox 29">
+            <a:extLst>
+              <a:ext uri="{FF2B5EF4-FFF2-40B4-BE49-F238E27FC236}">
+                <a16:creationId xmlns:a16="http://schemas.microsoft.com/office/drawing/2014/main" id="{F12EC056-9D4B-3E46-9F57-69BC36DF213C}"/>
               </a:ext>
             </a:extLst>
           </p:cNvPr>
@@ -11240,9 +11064,6 @@
             <a:avLst/>
           </a:prstGeom>
           <a:noFill/>
-          <a:ln>
-            <a:noFill/>
-          </a:ln>
         </p:spPr>
         <p:txBody>
           <a:bodyPr wrap="none" rtlCol="0">
@@ -11257,10 +11078,154 @@
           </a:p>
         </p:txBody>
       </p:sp>
+      <p:pic>
+        <p:nvPicPr>
+          <p:cNvPr id="31" name="Graphic 30">
+            <a:extLst>
+              <a:ext uri="{FF2B5EF4-FFF2-40B4-BE49-F238E27FC236}">
+                <a16:creationId xmlns:a16="http://schemas.microsoft.com/office/drawing/2014/main" id="{A7F57B9E-BE76-3649-999D-30516D421BCC}"/>
+              </a:ext>
+            </a:extLst>
+          </p:cNvPr>
+          <p:cNvPicPr>
+            <a:picLocks/>
+          </p:cNvPicPr>
+          <p:nvPr/>
+        </p:nvPicPr>
+        <p:blipFill>
+          <a:blip r:embed="rId2">
+            <a:extLst>
+              <a:ext uri="{96DAC541-7B7A-43D3-8B79-37D633B846F1}">
+                <asvg:svgBlip xmlns:asvg="http://schemas.microsoft.com/office/drawing/2016/SVG/main" r:embed="rId3"/>
+              </a:ext>
+            </a:extLst>
+          </a:blip>
+          <a:stretch>
+            <a:fillRect/>
+          </a:stretch>
+        </p:blipFill>
+        <p:spPr>
+          <a:xfrm>
+            <a:off x="7868701" y="4250937"/>
+            <a:ext cx="506243" cy="704629"/>
+          </a:xfrm>
+          <a:prstGeom prst="rect">
+            <a:avLst/>
+          </a:prstGeom>
+        </p:spPr>
+      </p:pic>
+      <p:pic>
+        <p:nvPicPr>
+          <p:cNvPr id="32" name="Graphic 31">
+            <a:extLst>
+              <a:ext uri="{FF2B5EF4-FFF2-40B4-BE49-F238E27FC236}">
+                <a16:creationId xmlns:a16="http://schemas.microsoft.com/office/drawing/2014/main" id="{968B2070-10EF-724B-A006-F391960C59EA}"/>
+              </a:ext>
+            </a:extLst>
+          </p:cNvPr>
+          <p:cNvPicPr>
+            <a:picLocks/>
+          </p:cNvPicPr>
+          <p:nvPr/>
+        </p:nvPicPr>
+        <p:blipFill>
+          <a:blip r:embed="rId2">
+            <a:extLst>
+              <a:ext uri="{96DAC541-7B7A-43D3-8B79-37D633B846F1}">
+                <asvg:svgBlip xmlns:asvg="http://schemas.microsoft.com/office/drawing/2016/SVG/main" r:embed="rId3"/>
+              </a:ext>
+            </a:extLst>
+          </a:blip>
+          <a:stretch>
+            <a:fillRect/>
+          </a:stretch>
+        </p:blipFill>
+        <p:spPr>
+          <a:xfrm>
+            <a:off x="7384956" y="4081647"/>
+            <a:ext cx="506243" cy="704629"/>
+          </a:xfrm>
+          <a:prstGeom prst="rect">
+            <a:avLst/>
+          </a:prstGeom>
+        </p:spPr>
+      </p:pic>
+      <p:pic>
+        <p:nvPicPr>
+          <p:cNvPr id="33" name="Graphic 32">
+            <a:extLst>
+              <a:ext uri="{FF2B5EF4-FFF2-40B4-BE49-F238E27FC236}">
+                <a16:creationId xmlns:a16="http://schemas.microsoft.com/office/drawing/2014/main" id="{B4C449FD-F290-F74B-BB67-D0045BEB159A}"/>
+              </a:ext>
+            </a:extLst>
+          </p:cNvPr>
+          <p:cNvPicPr>
+            <a:picLocks/>
+          </p:cNvPicPr>
+          <p:nvPr/>
+        </p:nvPicPr>
+        <p:blipFill>
+          <a:blip r:embed="rId2">
+            <a:extLst>
+              <a:ext uri="{96DAC541-7B7A-43D3-8B79-37D633B846F1}">
+                <asvg:svgBlip xmlns:asvg="http://schemas.microsoft.com/office/drawing/2016/SVG/main" r:embed="rId3"/>
+              </a:ext>
+            </a:extLst>
+          </a:blip>
+          <a:stretch>
+            <a:fillRect/>
+          </a:stretch>
+        </p:blipFill>
+        <p:spPr>
+          <a:xfrm>
+            <a:off x="4153066" y="4104216"/>
+            <a:ext cx="506243" cy="704629"/>
+          </a:xfrm>
+          <a:prstGeom prst="rect">
+            <a:avLst/>
+          </a:prstGeom>
+        </p:spPr>
+      </p:pic>
+      <p:pic>
+        <p:nvPicPr>
+          <p:cNvPr id="34" name="Graphic 33">
+            <a:extLst>
+              <a:ext uri="{FF2B5EF4-FFF2-40B4-BE49-F238E27FC236}">
+                <a16:creationId xmlns:a16="http://schemas.microsoft.com/office/drawing/2014/main" id="{6AE22A6E-C2B3-CD4A-81CB-E6818A28CD44}"/>
+              </a:ext>
+            </a:extLst>
+          </p:cNvPr>
+          <p:cNvPicPr>
+            <a:picLocks/>
+          </p:cNvPicPr>
+          <p:nvPr/>
+        </p:nvPicPr>
+        <p:blipFill>
+          <a:blip r:embed="rId2">
+            <a:extLst>
+              <a:ext uri="{96DAC541-7B7A-43D3-8B79-37D633B846F1}">
+                <asvg:svgBlip xmlns:asvg="http://schemas.microsoft.com/office/drawing/2016/SVG/main" r:embed="rId3"/>
+              </a:ext>
+            </a:extLst>
+          </a:blip>
+          <a:stretch>
+            <a:fillRect/>
+          </a:stretch>
+        </p:blipFill>
+        <p:spPr>
+          <a:xfrm>
+            <a:off x="3674494" y="4250938"/>
+            <a:ext cx="506243" cy="704629"/>
+          </a:xfrm>
+          <a:prstGeom prst="rect">
+            <a:avLst/>
+          </a:prstGeom>
+        </p:spPr>
+      </p:pic>
     </p:spTree>
     <p:extLst>
       <p:ext uri="{BB962C8B-B14F-4D97-AF65-F5344CB8AC3E}">
-        <p14:creationId xmlns:p14="http://schemas.microsoft.com/office/powerpoint/2010/main" val="1524765447"/>
+        <p14:creationId xmlns:p14="http://schemas.microsoft.com/office/powerpoint/2010/main" val="2720343213"/>
       </p:ext>
     </p:extLst>
   </p:cSld>

--- a/figures/sdn/figures.pptx
+++ b/figures/sdn/figures.pptx
@@ -205,7 +205,7 @@
           <a:p>
             <a:fld id="{CD99FC43-7065-F348-8836-4FD247176936}" type="datetimeFigureOut">
               <a:rPr lang="en-US" smtClean="0"/>
-              <a:t>7/15/22</a:t>
+              <a:t>7/25/22</a:t>
             </a:fld>
             <a:endParaRPr lang="en-US" dirty="0"/>
           </a:p>
@@ -601,7 +601,7 @@
           <a:p>
             <a:fld id="{5D97E163-DB95-D24D-8C95-263DECB1FC34}" type="datetimeFigureOut">
               <a:rPr lang="en-US" smtClean="0"/>
-              <a:t>7/15/22</a:t>
+              <a:t>7/25/22</a:t>
             </a:fld>
             <a:endParaRPr lang="en-US" dirty="0"/>
           </a:p>
@@ -769,7 +769,7 @@
           <a:p>
             <a:fld id="{5D97E163-DB95-D24D-8C95-263DECB1FC34}" type="datetimeFigureOut">
               <a:rPr lang="en-US" smtClean="0"/>
-              <a:t>7/15/22</a:t>
+              <a:t>7/25/22</a:t>
             </a:fld>
             <a:endParaRPr lang="en-US" dirty="0"/>
           </a:p>
@@ -947,7 +947,7 @@
           <a:p>
             <a:fld id="{5D97E163-DB95-D24D-8C95-263DECB1FC34}" type="datetimeFigureOut">
               <a:rPr lang="en-US" smtClean="0"/>
-              <a:t>7/15/22</a:t>
+              <a:t>7/25/22</a:t>
             </a:fld>
             <a:endParaRPr lang="en-US" dirty="0"/>
           </a:p>
@@ -1115,7 +1115,7 @@
           <a:p>
             <a:fld id="{5D97E163-DB95-D24D-8C95-263DECB1FC34}" type="datetimeFigureOut">
               <a:rPr lang="en-US" smtClean="0"/>
-              <a:t>7/15/22</a:t>
+              <a:t>7/25/22</a:t>
             </a:fld>
             <a:endParaRPr lang="en-US" dirty="0"/>
           </a:p>
@@ -1360,7 +1360,7 @@
           <a:p>
             <a:fld id="{5D97E163-DB95-D24D-8C95-263DECB1FC34}" type="datetimeFigureOut">
               <a:rPr lang="en-US" smtClean="0"/>
-              <a:t>7/15/22</a:t>
+              <a:t>7/25/22</a:t>
             </a:fld>
             <a:endParaRPr lang="en-US" dirty="0"/>
           </a:p>
@@ -1589,7 +1589,7 @@
           <a:p>
             <a:fld id="{5D97E163-DB95-D24D-8C95-263DECB1FC34}" type="datetimeFigureOut">
               <a:rPr lang="en-US" smtClean="0"/>
-              <a:t>7/15/22</a:t>
+              <a:t>7/25/22</a:t>
             </a:fld>
             <a:endParaRPr lang="en-US" dirty="0"/>
           </a:p>
@@ -1953,7 +1953,7 @@
           <a:p>
             <a:fld id="{5D97E163-DB95-D24D-8C95-263DECB1FC34}" type="datetimeFigureOut">
               <a:rPr lang="en-US" smtClean="0"/>
-              <a:t>7/15/22</a:t>
+              <a:t>7/25/22</a:t>
             </a:fld>
             <a:endParaRPr lang="en-US" dirty="0"/>
           </a:p>
@@ -2070,7 +2070,7 @@
           <a:p>
             <a:fld id="{5D97E163-DB95-D24D-8C95-263DECB1FC34}" type="datetimeFigureOut">
               <a:rPr lang="en-US" smtClean="0"/>
-              <a:t>7/15/22</a:t>
+              <a:t>7/25/22</a:t>
             </a:fld>
             <a:endParaRPr lang="en-US" dirty="0"/>
           </a:p>
@@ -2165,7 +2165,7 @@
           <a:p>
             <a:fld id="{5D97E163-DB95-D24D-8C95-263DECB1FC34}" type="datetimeFigureOut">
               <a:rPr lang="en-US" smtClean="0"/>
-              <a:t>7/15/22</a:t>
+              <a:t>7/25/22</a:t>
             </a:fld>
             <a:endParaRPr lang="en-US" dirty="0"/>
           </a:p>
@@ -2440,7 +2440,7 @@
           <a:p>
             <a:fld id="{5D97E163-DB95-D24D-8C95-263DECB1FC34}" type="datetimeFigureOut">
               <a:rPr lang="en-US" smtClean="0"/>
-              <a:t>7/15/22</a:t>
+              <a:t>7/25/22</a:t>
             </a:fld>
             <a:endParaRPr lang="en-US" dirty="0"/>
           </a:p>
@@ -2695,7 +2695,7 @@
           <a:p>
             <a:fld id="{5D97E163-DB95-D24D-8C95-263DECB1FC34}" type="datetimeFigureOut">
               <a:rPr lang="en-US" smtClean="0"/>
-              <a:t>7/15/22</a:t>
+              <a:t>7/25/22</a:t>
             </a:fld>
             <a:endParaRPr lang="en-US" dirty="0"/>
           </a:p>
@@ -2906,7 +2906,7 @@
           <a:p>
             <a:fld id="{5D97E163-DB95-D24D-8C95-263DECB1FC34}" type="datetimeFigureOut">
               <a:rPr lang="en-US" smtClean="0"/>
-              <a:t>7/15/22</a:t>
+              <a:t>7/25/22</a:t>
             </a:fld>
             <a:endParaRPr lang="en-US" dirty="0"/>
           </a:p>
@@ -4914,42 +4914,479 @@
           </a:p>
         </p:txBody>
       </p:sp>
-      <p:pic>
-        <p:nvPicPr>
-          <p:cNvPr id="35" name="Graphic 34">
-            <a:extLst>
-              <a:ext uri="{FF2B5EF4-FFF2-40B4-BE49-F238E27FC236}">
-                <a16:creationId xmlns:a16="http://schemas.microsoft.com/office/drawing/2014/main" id="{DA18F9EA-9792-5F41-ABAA-63ED088336EC}"/>
-              </a:ext>
-            </a:extLst>
-          </p:cNvPr>
-          <p:cNvPicPr>
-            <a:picLocks/>
-          </p:cNvPicPr>
-          <p:nvPr/>
-        </p:nvPicPr>
-        <p:blipFill>
-          <a:blip r:embed="rId2">
-            <a:extLst>
-              <a:ext uri="{96DAC541-7B7A-43D3-8B79-37D633B846F1}">
-                <asvg:svgBlip xmlns:asvg="http://schemas.microsoft.com/office/drawing/2016/SVG/main" r:embed="rId3"/>
-              </a:ext>
-            </a:extLst>
-          </a:blip>
-          <a:stretch>
-            <a:fillRect/>
-          </a:stretch>
-        </p:blipFill>
-        <p:spPr>
-          <a:xfrm>
-            <a:off x="10601434" y="2065300"/>
-            <a:ext cx="799241" cy="1707270"/>
-          </a:xfrm>
-          <a:prstGeom prst="rect">
-            <a:avLst/>
-          </a:prstGeom>
-        </p:spPr>
-      </p:pic>
+      <p:grpSp>
+        <p:nvGrpSpPr>
+          <p:cNvPr id="2" name="Group 1">
+            <a:extLst>
+              <a:ext uri="{FF2B5EF4-FFF2-40B4-BE49-F238E27FC236}">
+                <a16:creationId xmlns:a16="http://schemas.microsoft.com/office/drawing/2014/main" id="{3391F3CC-619C-79B8-C9DF-7EA8F683550B}"/>
+              </a:ext>
+            </a:extLst>
+          </p:cNvPr>
+          <p:cNvGrpSpPr/>
+          <p:nvPr/>
+        </p:nvGrpSpPr>
+        <p:grpSpPr>
+          <a:xfrm>
+            <a:off x="10664117" y="2065299"/>
+            <a:ext cx="674460" cy="1657145"/>
+            <a:chOff x="7814538" y="1011874"/>
+            <a:chExt cx="674460" cy="1365462"/>
+          </a:xfrm>
+        </p:grpSpPr>
+        <p:grpSp>
+          <p:nvGrpSpPr>
+            <p:cNvPr id="3" name="Group 2">
+              <a:extLst>
+                <a:ext uri="{FF2B5EF4-FFF2-40B4-BE49-F238E27FC236}">
+                  <a16:creationId xmlns:a16="http://schemas.microsoft.com/office/drawing/2014/main" id="{5159F8E2-B15A-14A2-7347-48023AD17911}"/>
+                </a:ext>
+              </a:extLst>
+            </p:cNvPr>
+            <p:cNvGrpSpPr/>
+            <p:nvPr/>
+          </p:nvGrpSpPr>
+          <p:grpSpPr>
+            <a:xfrm>
+              <a:off x="8048446" y="1076770"/>
+              <a:ext cx="202497" cy="1300566"/>
+              <a:chOff x="8048446" y="1076770"/>
+              <a:chExt cx="202497" cy="1300566"/>
+            </a:xfrm>
+          </p:grpSpPr>
+          <p:sp>
+            <p:nvSpPr>
+              <p:cNvPr id="10" name="Rectangle 9">
+                <a:extLst>
+                  <a:ext uri="{FF2B5EF4-FFF2-40B4-BE49-F238E27FC236}">
+                    <a16:creationId xmlns:a16="http://schemas.microsoft.com/office/drawing/2014/main" id="{52BFDFAE-739A-144B-2EB2-2F6D3CF18ECD}"/>
+                  </a:ext>
+                </a:extLst>
+              </p:cNvPr>
+              <p:cNvSpPr/>
+              <p:nvPr/>
+            </p:nvSpPr>
+            <p:spPr>
+              <a:xfrm>
+                <a:off x="8084321" y="2247544"/>
+                <a:ext cx="138305" cy="129792"/>
+              </a:xfrm>
+              <a:prstGeom prst="rect">
+                <a:avLst/>
+              </a:prstGeom>
+              <a:solidFill>
+                <a:schemeClr val="tx1"/>
+              </a:solidFill>
+              <a:ln>
+                <a:solidFill>
+                  <a:schemeClr val="tx1"/>
+                </a:solidFill>
+              </a:ln>
+            </p:spPr>
+            <p:style>
+              <a:lnRef idx="1">
+                <a:schemeClr val="accent1"/>
+              </a:lnRef>
+              <a:fillRef idx="3">
+                <a:schemeClr val="accent1"/>
+              </a:fillRef>
+              <a:effectRef idx="2">
+                <a:schemeClr val="accent1"/>
+              </a:effectRef>
+              <a:fontRef idx="minor">
+                <a:schemeClr val="lt1"/>
+              </a:fontRef>
+            </p:style>
+            <p:txBody>
+              <a:bodyPr rtlCol="0" anchor="ctr"/>
+              <a:lstStyle/>
+              <a:p>
+                <a:pPr algn="ctr"/>
+                <a:endParaRPr lang="en-US"/>
+              </a:p>
+            </p:txBody>
+          </p:sp>
+          <p:cxnSp>
+            <p:nvCxnSpPr>
+              <p:cNvPr id="11" name="Straight Connector 10">
+                <a:extLst>
+                  <a:ext uri="{FF2B5EF4-FFF2-40B4-BE49-F238E27FC236}">
+                    <a16:creationId xmlns:a16="http://schemas.microsoft.com/office/drawing/2014/main" id="{854EDB06-0691-7474-943C-8BFE5887AA36}"/>
+                  </a:ext>
+                </a:extLst>
+              </p:cNvPr>
+              <p:cNvCxnSpPr>
+                <a:stCxn id="10" idx="0"/>
+              </p:cNvCxnSpPr>
+              <p:nvPr/>
+            </p:nvCxnSpPr>
+            <p:spPr>
+              <a:xfrm flipH="1" flipV="1">
+                <a:off x="8153473" y="1076770"/>
+                <a:ext cx="1" cy="1170774"/>
+              </a:xfrm>
+              <a:prstGeom prst="line">
+                <a:avLst/>
+              </a:prstGeom>
+              <a:ln w="38100" cap="rnd">
+                <a:solidFill>
+                  <a:schemeClr val="tx1"/>
+                </a:solidFill>
+              </a:ln>
+            </p:spPr>
+            <p:style>
+              <a:lnRef idx="2">
+                <a:schemeClr val="accent1"/>
+              </a:lnRef>
+              <a:fillRef idx="0">
+                <a:schemeClr val="accent1"/>
+              </a:fillRef>
+              <a:effectRef idx="1">
+                <a:schemeClr val="accent1"/>
+              </a:effectRef>
+              <a:fontRef idx="minor">
+                <a:schemeClr val="tx1"/>
+              </a:fontRef>
+            </p:style>
+          </p:cxnSp>
+          <p:cxnSp>
+            <p:nvCxnSpPr>
+              <p:cNvPr id="12" name="Straight Connector 11">
+                <a:extLst>
+                  <a:ext uri="{FF2B5EF4-FFF2-40B4-BE49-F238E27FC236}">
+                    <a16:creationId xmlns:a16="http://schemas.microsoft.com/office/drawing/2014/main" id="{F070DE9B-9C15-069B-9B32-1D872D01F783}"/>
+                  </a:ext>
+                </a:extLst>
+              </p:cNvPr>
+              <p:cNvCxnSpPr>
+                <a:cxnSpLocks/>
+              </p:cNvCxnSpPr>
+              <p:nvPr/>
+            </p:nvCxnSpPr>
+            <p:spPr>
+              <a:xfrm flipV="1">
+                <a:off x="8250943" y="1076770"/>
+                <a:ext cx="0" cy="360144"/>
+              </a:xfrm>
+              <a:prstGeom prst="line">
+                <a:avLst/>
+              </a:prstGeom>
+              <a:ln w="57150" cap="rnd">
+                <a:solidFill>
+                  <a:schemeClr val="tx1"/>
+                </a:solidFill>
+              </a:ln>
+            </p:spPr>
+            <p:style>
+              <a:lnRef idx="2">
+                <a:schemeClr val="accent1"/>
+              </a:lnRef>
+              <a:fillRef idx="0">
+                <a:schemeClr val="accent1"/>
+              </a:fillRef>
+              <a:effectRef idx="1">
+                <a:schemeClr val="accent1"/>
+              </a:effectRef>
+              <a:fontRef idx="minor">
+                <a:schemeClr val="tx1"/>
+              </a:fontRef>
+            </p:style>
+          </p:cxnSp>
+          <p:cxnSp>
+            <p:nvCxnSpPr>
+              <p:cNvPr id="13" name="Straight Connector 12">
+                <a:extLst>
+                  <a:ext uri="{FF2B5EF4-FFF2-40B4-BE49-F238E27FC236}">
+                    <a16:creationId xmlns:a16="http://schemas.microsoft.com/office/drawing/2014/main" id="{BF96E4CC-7BF3-D1A9-A4D2-8E301878831A}"/>
+                  </a:ext>
+                </a:extLst>
+              </p:cNvPr>
+              <p:cNvCxnSpPr>
+                <a:cxnSpLocks/>
+              </p:cNvCxnSpPr>
+              <p:nvPr/>
+            </p:nvCxnSpPr>
+            <p:spPr>
+              <a:xfrm flipV="1">
+                <a:off x="8048446" y="1076770"/>
+                <a:ext cx="0" cy="360144"/>
+              </a:xfrm>
+              <a:prstGeom prst="line">
+                <a:avLst/>
+              </a:prstGeom>
+              <a:ln w="57150" cap="rnd">
+                <a:solidFill>
+                  <a:schemeClr val="tx1"/>
+                </a:solidFill>
+              </a:ln>
+            </p:spPr>
+            <p:style>
+              <a:lnRef idx="2">
+                <a:schemeClr val="accent1"/>
+              </a:lnRef>
+              <a:fillRef idx="0">
+                <a:schemeClr val="accent1"/>
+              </a:fillRef>
+              <a:effectRef idx="1">
+                <a:schemeClr val="accent1"/>
+              </a:effectRef>
+              <a:fontRef idx="minor">
+                <a:schemeClr val="tx1"/>
+              </a:fontRef>
+            </p:style>
+          </p:cxnSp>
+        </p:grpSp>
+        <p:grpSp>
+          <p:nvGrpSpPr>
+            <p:cNvPr id="4" name="Group 3">
+              <a:extLst>
+                <a:ext uri="{FF2B5EF4-FFF2-40B4-BE49-F238E27FC236}">
+                  <a16:creationId xmlns:a16="http://schemas.microsoft.com/office/drawing/2014/main" id="{3E40030C-04B5-1BAD-32EE-A8506CAE814C}"/>
+                </a:ext>
+              </a:extLst>
+            </p:cNvPr>
+            <p:cNvGrpSpPr/>
+            <p:nvPr/>
+          </p:nvGrpSpPr>
+          <p:grpSpPr>
+            <a:xfrm>
+              <a:off x="8153473" y="1011874"/>
+              <a:ext cx="335525" cy="489936"/>
+              <a:chOff x="8153473" y="1011874"/>
+              <a:chExt cx="335525" cy="489936"/>
+            </a:xfrm>
+          </p:grpSpPr>
+          <p:sp>
+            <p:nvSpPr>
+              <p:cNvPr id="8" name="Arc 7">
+                <a:extLst>
+                  <a:ext uri="{FF2B5EF4-FFF2-40B4-BE49-F238E27FC236}">
+                    <a16:creationId xmlns:a16="http://schemas.microsoft.com/office/drawing/2014/main" id="{4E14A654-5690-FFA1-A027-F2A7DE0EA207}"/>
+                  </a:ext>
+                </a:extLst>
+              </p:cNvPr>
+              <p:cNvSpPr/>
+              <p:nvPr/>
+            </p:nvSpPr>
+            <p:spPr>
+              <a:xfrm>
+                <a:off x="8153473" y="1011874"/>
+                <a:ext cx="249759" cy="489936"/>
+              </a:xfrm>
+              <a:prstGeom prst="arc">
+                <a:avLst>
+                  <a:gd name="adj1" fmla="val 17029861"/>
+                  <a:gd name="adj2" fmla="val 4632886"/>
+                </a:avLst>
+              </a:prstGeom>
+              <a:ln w="19050">
+                <a:solidFill>
+                  <a:schemeClr val="tx1"/>
+                </a:solidFill>
+              </a:ln>
+            </p:spPr>
+            <p:style>
+              <a:lnRef idx="2">
+                <a:schemeClr val="accent1"/>
+              </a:lnRef>
+              <a:fillRef idx="0">
+                <a:schemeClr val="accent1"/>
+              </a:fillRef>
+              <a:effectRef idx="1">
+                <a:schemeClr val="accent1"/>
+              </a:effectRef>
+              <a:fontRef idx="minor">
+                <a:schemeClr val="tx1"/>
+              </a:fontRef>
+            </p:style>
+            <p:txBody>
+              <a:bodyPr rtlCol="0" anchor="ctr"/>
+              <a:lstStyle/>
+              <a:p>
+                <a:pPr algn="ctr"/>
+                <a:endParaRPr lang="en-US"/>
+              </a:p>
+            </p:txBody>
+          </p:sp>
+          <p:sp>
+            <p:nvSpPr>
+              <p:cNvPr id="9" name="Arc 8">
+                <a:extLst>
+                  <a:ext uri="{FF2B5EF4-FFF2-40B4-BE49-F238E27FC236}">
+                    <a16:creationId xmlns:a16="http://schemas.microsoft.com/office/drawing/2014/main" id="{EA7BD15A-C677-57BF-10E3-4C5A3766A911}"/>
+                  </a:ext>
+                </a:extLst>
+              </p:cNvPr>
+              <p:cNvSpPr/>
+              <p:nvPr/>
+            </p:nvSpPr>
+            <p:spPr>
+              <a:xfrm>
+                <a:off x="8239239" y="1011874"/>
+                <a:ext cx="249759" cy="489936"/>
+              </a:xfrm>
+              <a:prstGeom prst="arc">
+                <a:avLst>
+                  <a:gd name="adj1" fmla="val 17029861"/>
+                  <a:gd name="adj2" fmla="val 4632886"/>
+                </a:avLst>
+              </a:prstGeom>
+              <a:ln w="19050">
+                <a:solidFill>
+                  <a:schemeClr val="tx1"/>
+                </a:solidFill>
+              </a:ln>
+            </p:spPr>
+            <p:style>
+              <a:lnRef idx="2">
+                <a:schemeClr val="accent1"/>
+              </a:lnRef>
+              <a:fillRef idx="0">
+                <a:schemeClr val="accent1"/>
+              </a:fillRef>
+              <a:effectRef idx="1">
+                <a:schemeClr val="accent1"/>
+              </a:effectRef>
+              <a:fontRef idx="minor">
+                <a:schemeClr val="tx1"/>
+              </a:fontRef>
+            </p:style>
+            <p:txBody>
+              <a:bodyPr rtlCol="0" anchor="ctr"/>
+              <a:lstStyle/>
+              <a:p>
+                <a:pPr algn="ctr"/>
+                <a:endParaRPr lang="en-US" dirty="0"/>
+              </a:p>
+            </p:txBody>
+          </p:sp>
+        </p:grpSp>
+        <p:grpSp>
+          <p:nvGrpSpPr>
+            <p:cNvPr id="5" name="Group 4">
+              <a:extLst>
+                <a:ext uri="{FF2B5EF4-FFF2-40B4-BE49-F238E27FC236}">
+                  <a16:creationId xmlns:a16="http://schemas.microsoft.com/office/drawing/2014/main" id="{48AAB69F-C0AA-E160-C3E8-0A9E0413AB89}"/>
+                </a:ext>
+              </a:extLst>
+            </p:cNvPr>
+            <p:cNvGrpSpPr/>
+            <p:nvPr/>
+          </p:nvGrpSpPr>
+          <p:grpSpPr>
+            <a:xfrm flipH="1">
+              <a:off x="7814538" y="1011874"/>
+              <a:ext cx="335525" cy="489936"/>
+              <a:chOff x="8153473" y="1011874"/>
+              <a:chExt cx="335525" cy="489936"/>
+            </a:xfrm>
+          </p:grpSpPr>
+          <p:sp>
+            <p:nvSpPr>
+              <p:cNvPr id="6" name="Arc 5">
+                <a:extLst>
+                  <a:ext uri="{FF2B5EF4-FFF2-40B4-BE49-F238E27FC236}">
+                    <a16:creationId xmlns:a16="http://schemas.microsoft.com/office/drawing/2014/main" id="{767B6DC0-05E9-7CCE-1BBE-5692F4CCD589}"/>
+                  </a:ext>
+                </a:extLst>
+              </p:cNvPr>
+              <p:cNvSpPr/>
+              <p:nvPr/>
+            </p:nvSpPr>
+            <p:spPr>
+              <a:xfrm>
+                <a:off x="8153473" y="1011874"/>
+                <a:ext cx="249759" cy="489936"/>
+              </a:xfrm>
+              <a:prstGeom prst="arc">
+                <a:avLst>
+                  <a:gd name="adj1" fmla="val 17029861"/>
+                  <a:gd name="adj2" fmla="val 4632886"/>
+                </a:avLst>
+              </a:prstGeom>
+              <a:ln w="19050">
+                <a:solidFill>
+                  <a:schemeClr val="tx1"/>
+                </a:solidFill>
+              </a:ln>
+            </p:spPr>
+            <p:style>
+              <a:lnRef idx="2">
+                <a:schemeClr val="accent1"/>
+              </a:lnRef>
+              <a:fillRef idx="0">
+                <a:schemeClr val="accent1"/>
+              </a:fillRef>
+              <a:effectRef idx="1">
+                <a:schemeClr val="accent1"/>
+              </a:effectRef>
+              <a:fontRef idx="minor">
+                <a:schemeClr val="tx1"/>
+              </a:fontRef>
+            </p:style>
+            <p:txBody>
+              <a:bodyPr rtlCol="0" anchor="ctr"/>
+              <a:lstStyle/>
+              <a:p>
+                <a:pPr algn="ctr"/>
+                <a:endParaRPr lang="en-US"/>
+              </a:p>
+            </p:txBody>
+          </p:sp>
+          <p:sp>
+            <p:nvSpPr>
+              <p:cNvPr id="7" name="Arc 6">
+                <a:extLst>
+                  <a:ext uri="{FF2B5EF4-FFF2-40B4-BE49-F238E27FC236}">
+                    <a16:creationId xmlns:a16="http://schemas.microsoft.com/office/drawing/2014/main" id="{2CBAA97C-FC17-76A7-C245-FC7812914E56}"/>
+                  </a:ext>
+                </a:extLst>
+              </p:cNvPr>
+              <p:cNvSpPr/>
+              <p:nvPr/>
+            </p:nvSpPr>
+            <p:spPr>
+              <a:xfrm>
+                <a:off x="8239239" y="1011874"/>
+                <a:ext cx="249759" cy="489936"/>
+              </a:xfrm>
+              <a:prstGeom prst="arc">
+                <a:avLst>
+                  <a:gd name="adj1" fmla="val 17029861"/>
+                  <a:gd name="adj2" fmla="val 4632886"/>
+                </a:avLst>
+              </a:prstGeom>
+              <a:ln w="19050">
+                <a:solidFill>
+                  <a:schemeClr val="tx1"/>
+                </a:solidFill>
+              </a:ln>
+            </p:spPr>
+            <p:style>
+              <a:lnRef idx="2">
+                <a:schemeClr val="accent1"/>
+              </a:lnRef>
+              <a:fillRef idx="0">
+                <a:schemeClr val="accent1"/>
+              </a:fillRef>
+              <a:effectRef idx="1">
+                <a:schemeClr val="accent1"/>
+              </a:effectRef>
+              <a:fontRef idx="minor">
+                <a:schemeClr val="tx1"/>
+              </a:fontRef>
+            </p:style>
+            <p:txBody>
+              <a:bodyPr rtlCol="0" anchor="ctr"/>
+              <a:lstStyle/>
+              <a:p>
+                <a:pPr algn="ctr"/>
+                <a:endParaRPr lang="en-US"/>
+              </a:p>
+            </p:txBody>
+          </p:sp>
+        </p:grpSp>
+      </p:grpSp>
     </p:spTree>
     <p:extLst>
       <p:ext uri="{BB962C8B-B14F-4D97-AF65-F5344CB8AC3E}">
@@ -6605,42 +7042,479 @@
           </a:p>
         </p:txBody>
       </p:sp>
-      <p:pic>
-        <p:nvPicPr>
-          <p:cNvPr id="33" name="Graphic 32">
-            <a:extLst>
-              <a:ext uri="{FF2B5EF4-FFF2-40B4-BE49-F238E27FC236}">
-                <a16:creationId xmlns:a16="http://schemas.microsoft.com/office/drawing/2014/main" id="{4DBB64AD-A4C3-8F47-A1CB-F65A08194F5C}"/>
-              </a:ext>
-            </a:extLst>
-          </p:cNvPr>
-          <p:cNvPicPr>
-            <a:picLocks/>
-          </p:cNvPicPr>
-          <p:nvPr/>
-        </p:nvPicPr>
-        <p:blipFill>
-          <a:blip r:embed="rId2">
-            <a:extLst>
-              <a:ext uri="{96DAC541-7B7A-43D3-8B79-37D633B846F1}">
-                <asvg:svgBlip xmlns:asvg="http://schemas.microsoft.com/office/drawing/2016/SVG/main" r:embed="rId3"/>
-              </a:ext>
-            </a:extLst>
-          </a:blip>
-          <a:stretch>
-            <a:fillRect/>
-          </a:stretch>
-        </p:blipFill>
-        <p:spPr>
-          <a:xfrm>
-            <a:off x="10601434" y="2065300"/>
-            <a:ext cx="799241" cy="1707270"/>
-          </a:xfrm>
-          <a:prstGeom prst="rect">
-            <a:avLst/>
-          </a:prstGeom>
-        </p:spPr>
-      </p:pic>
+      <p:grpSp>
+        <p:nvGrpSpPr>
+          <p:cNvPr id="4" name="Group 3">
+            <a:extLst>
+              <a:ext uri="{FF2B5EF4-FFF2-40B4-BE49-F238E27FC236}">
+                <a16:creationId xmlns:a16="http://schemas.microsoft.com/office/drawing/2014/main" id="{FA050B3F-9A1B-A958-1E83-C4877520A28D}"/>
+              </a:ext>
+            </a:extLst>
+          </p:cNvPr>
+          <p:cNvGrpSpPr/>
+          <p:nvPr/>
+        </p:nvGrpSpPr>
+        <p:grpSpPr>
+          <a:xfrm>
+            <a:off x="10664117" y="2065299"/>
+            <a:ext cx="674460" cy="1657145"/>
+            <a:chOff x="7814538" y="1011874"/>
+            <a:chExt cx="674460" cy="1365462"/>
+          </a:xfrm>
+        </p:grpSpPr>
+        <p:grpSp>
+          <p:nvGrpSpPr>
+            <p:cNvPr id="5" name="Group 4">
+              <a:extLst>
+                <a:ext uri="{FF2B5EF4-FFF2-40B4-BE49-F238E27FC236}">
+                  <a16:creationId xmlns:a16="http://schemas.microsoft.com/office/drawing/2014/main" id="{440C1EE0-F437-EBD5-B0FA-3E917454216F}"/>
+                </a:ext>
+              </a:extLst>
+            </p:cNvPr>
+            <p:cNvGrpSpPr/>
+            <p:nvPr/>
+          </p:nvGrpSpPr>
+          <p:grpSpPr>
+            <a:xfrm>
+              <a:off x="8048446" y="1076770"/>
+              <a:ext cx="202497" cy="1300566"/>
+              <a:chOff x="8048446" y="1076770"/>
+              <a:chExt cx="202497" cy="1300566"/>
+            </a:xfrm>
+          </p:grpSpPr>
+          <p:sp>
+            <p:nvSpPr>
+              <p:cNvPr id="12" name="Rectangle 11">
+                <a:extLst>
+                  <a:ext uri="{FF2B5EF4-FFF2-40B4-BE49-F238E27FC236}">
+                    <a16:creationId xmlns:a16="http://schemas.microsoft.com/office/drawing/2014/main" id="{2BBD820B-7473-ABA1-E222-CEEF60DD5513}"/>
+                  </a:ext>
+                </a:extLst>
+              </p:cNvPr>
+              <p:cNvSpPr/>
+              <p:nvPr/>
+            </p:nvSpPr>
+            <p:spPr>
+              <a:xfrm>
+                <a:off x="8084321" y="2247544"/>
+                <a:ext cx="138305" cy="129792"/>
+              </a:xfrm>
+              <a:prstGeom prst="rect">
+                <a:avLst/>
+              </a:prstGeom>
+              <a:solidFill>
+                <a:schemeClr val="tx1"/>
+              </a:solidFill>
+              <a:ln>
+                <a:solidFill>
+                  <a:schemeClr val="tx1"/>
+                </a:solidFill>
+              </a:ln>
+            </p:spPr>
+            <p:style>
+              <a:lnRef idx="1">
+                <a:schemeClr val="accent1"/>
+              </a:lnRef>
+              <a:fillRef idx="3">
+                <a:schemeClr val="accent1"/>
+              </a:fillRef>
+              <a:effectRef idx="2">
+                <a:schemeClr val="accent1"/>
+              </a:effectRef>
+              <a:fontRef idx="minor">
+                <a:schemeClr val="lt1"/>
+              </a:fontRef>
+            </p:style>
+            <p:txBody>
+              <a:bodyPr rtlCol="0" anchor="ctr"/>
+              <a:lstStyle/>
+              <a:p>
+                <a:pPr algn="ctr"/>
+                <a:endParaRPr lang="en-US"/>
+              </a:p>
+            </p:txBody>
+          </p:sp>
+          <p:cxnSp>
+            <p:nvCxnSpPr>
+              <p:cNvPr id="13" name="Straight Connector 12">
+                <a:extLst>
+                  <a:ext uri="{FF2B5EF4-FFF2-40B4-BE49-F238E27FC236}">
+                    <a16:creationId xmlns:a16="http://schemas.microsoft.com/office/drawing/2014/main" id="{FBCE44A2-91FF-2B0D-E418-F156E1C3F695}"/>
+                  </a:ext>
+                </a:extLst>
+              </p:cNvPr>
+              <p:cNvCxnSpPr>
+                <a:stCxn id="12" idx="0"/>
+              </p:cNvCxnSpPr>
+              <p:nvPr/>
+            </p:nvCxnSpPr>
+            <p:spPr>
+              <a:xfrm flipH="1" flipV="1">
+                <a:off x="8153473" y="1076770"/>
+                <a:ext cx="1" cy="1170774"/>
+              </a:xfrm>
+              <a:prstGeom prst="line">
+                <a:avLst/>
+              </a:prstGeom>
+              <a:ln w="38100" cap="rnd">
+                <a:solidFill>
+                  <a:schemeClr val="tx1"/>
+                </a:solidFill>
+              </a:ln>
+            </p:spPr>
+            <p:style>
+              <a:lnRef idx="2">
+                <a:schemeClr val="accent1"/>
+              </a:lnRef>
+              <a:fillRef idx="0">
+                <a:schemeClr val="accent1"/>
+              </a:fillRef>
+              <a:effectRef idx="1">
+                <a:schemeClr val="accent1"/>
+              </a:effectRef>
+              <a:fontRef idx="minor">
+                <a:schemeClr val="tx1"/>
+              </a:fontRef>
+            </p:style>
+          </p:cxnSp>
+          <p:cxnSp>
+            <p:nvCxnSpPr>
+              <p:cNvPr id="14" name="Straight Connector 13">
+                <a:extLst>
+                  <a:ext uri="{FF2B5EF4-FFF2-40B4-BE49-F238E27FC236}">
+                    <a16:creationId xmlns:a16="http://schemas.microsoft.com/office/drawing/2014/main" id="{8976F670-3CDE-739E-ADFC-C6F2C6298A38}"/>
+                  </a:ext>
+                </a:extLst>
+              </p:cNvPr>
+              <p:cNvCxnSpPr>
+                <a:cxnSpLocks/>
+              </p:cNvCxnSpPr>
+              <p:nvPr/>
+            </p:nvCxnSpPr>
+            <p:spPr>
+              <a:xfrm flipV="1">
+                <a:off x="8250943" y="1076770"/>
+                <a:ext cx="0" cy="360144"/>
+              </a:xfrm>
+              <a:prstGeom prst="line">
+                <a:avLst/>
+              </a:prstGeom>
+              <a:ln w="57150" cap="rnd">
+                <a:solidFill>
+                  <a:schemeClr val="tx1"/>
+                </a:solidFill>
+              </a:ln>
+            </p:spPr>
+            <p:style>
+              <a:lnRef idx="2">
+                <a:schemeClr val="accent1"/>
+              </a:lnRef>
+              <a:fillRef idx="0">
+                <a:schemeClr val="accent1"/>
+              </a:fillRef>
+              <a:effectRef idx="1">
+                <a:schemeClr val="accent1"/>
+              </a:effectRef>
+              <a:fontRef idx="minor">
+                <a:schemeClr val="tx1"/>
+              </a:fontRef>
+            </p:style>
+          </p:cxnSp>
+          <p:cxnSp>
+            <p:nvCxnSpPr>
+              <p:cNvPr id="15" name="Straight Connector 14">
+                <a:extLst>
+                  <a:ext uri="{FF2B5EF4-FFF2-40B4-BE49-F238E27FC236}">
+                    <a16:creationId xmlns:a16="http://schemas.microsoft.com/office/drawing/2014/main" id="{D2BAA8D6-CE32-088A-DD35-46DD7D596192}"/>
+                  </a:ext>
+                </a:extLst>
+              </p:cNvPr>
+              <p:cNvCxnSpPr>
+                <a:cxnSpLocks/>
+              </p:cNvCxnSpPr>
+              <p:nvPr/>
+            </p:nvCxnSpPr>
+            <p:spPr>
+              <a:xfrm flipV="1">
+                <a:off x="8048446" y="1076770"/>
+                <a:ext cx="0" cy="360144"/>
+              </a:xfrm>
+              <a:prstGeom prst="line">
+                <a:avLst/>
+              </a:prstGeom>
+              <a:ln w="57150" cap="rnd">
+                <a:solidFill>
+                  <a:schemeClr val="tx1"/>
+                </a:solidFill>
+              </a:ln>
+            </p:spPr>
+            <p:style>
+              <a:lnRef idx="2">
+                <a:schemeClr val="accent1"/>
+              </a:lnRef>
+              <a:fillRef idx="0">
+                <a:schemeClr val="accent1"/>
+              </a:fillRef>
+              <a:effectRef idx="1">
+                <a:schemeClr val="accent1"/>
+              </a:effectRef>
+              <a:fontRef idx="minor">
+                <a:schemeClr val="tx1"/>
+              </a:fontRef>
+            </p:style>
+          </p:cxnSp>
+        </p:grpSp>
+        <p:grpSp>
+          <p:nvGrpSpPr>
+            <p:cNvPr id="6" name="Group 5">
+              <a:extLst>
+                <a:ext uri="{FF2B5EF4-FFF2-40B4-BE49-F238E27FC236}">
+                  <a16:creationId xmlns:a16="http://schemas.microsoft.com/office/drawing/2014/main" id="{353DD37B-8B52-D0BF-DBDE-F8149CB7405F}"/>
+                </a:ext>
+              </a:extLst>
+            </p:cNvPr>
+            <p:cNvGrpSpPr/>
+            <p:nvPr/>
+          </p:nvGrpSpPr>
+          <p:grpSpPr>
+            <a:xfrm>
+              <a:off x="8153473" y="1011874"/>
+              <a:ext cx="335525" cy="489936"/>
+              <a:chOff x="8153473" y="1011874"/>
+              <a:chExt cx="335525" cy="489936"/>
+            </a:xfrm>
+          </p:grpSpPr>
+          <p:sp>
+            <p:nvSpPr>
+              <p:cNvPr id="10" name="Arc 9">
+                <a:extLst>
+                  <a:ext uri="{FF2B5EF4-FFF2-40B4-BE49-F238E27FC236}">
+                    <a16:creationId xmlns:a16="http://schemas.microsoft.com/office/drawing/2014/main" id="{053ABD12-8D9E-0B71-F4C6-7095C6F742A4}"/>
+                  </a:ext>
+                </a:extLst>
+              </p:cNvPr>
+              <p:cNvSpPr/>
+              <p:nvPr/>
+            </p:nvSpPr>
+            <p:spPr>
+              <a:xfrm>
+                <a:off x="8153473" y="1011874"/>
+                <a:ext cx="249759" cy="489936"/>
+              </a:xfrm>
+              <a:prstGeom prst="arc">
+                <a:avLst>
+                  <a:gd name="adj1" fmla="val 17029861"/>
+                  <a:gd name="adj2" fmla="val 4632886"/>
+                </a:avLst>
+              </a:prstGeom>
+              <a:ln w="19050">
+                <a:solidFill>
+                  <a:schemeClr val="tx1"/>
+                </a:solidFill>
+              </a:ln>
+            </p:spPr>
+            <p:style>
+              <a:lnRef idx="2">
+                <a:schemeClr val="accent1"/>
+              </a:lnRef>
+              <a:fillRef idx="0">
+                <a:schemeClr val="accent1"/>
+              </a:fillRef>
+              <a:effectRef idx="1">
+                <a:schemeClr val="accent1"/>
+              </a:effectRef>
+              <a:fontRef idx="minor">
+                <a:schemeClr val="tx1"/>
+              </a:fontRef>
+            </p:style>
+            <p:txBody>
+              <a:bodyPr rtlCol="0" anchor="ctr"/>
+              <a:lstStyle/>
+              <a:p>
+                <a:pPr algn="ctr"/>
+                <a:endParaRPr lang="en-US"/>
+              </a:p>
+            </p:txBody>
+          </p:sp>
+          <p:sp>
+            <p:nvSpPr>
+              <p:cNvPr id="11" name="Arc 10">
+                <a:extLst>
+                  <a:ext uri="{FF2B5EF4-FFF2-40B4-BE49-F238E27FC236}">
+                    <a16:creationId xmlns:a16="http://schemas.microsoft.com/office/drawing/2014/main" id="{BF8DF81F-E497-8930-16AD-A186547C8F9E}"/>
+                  </a:ext>
+                </a:extLst>
+              </p:cNvPr>
+              <p:cNvSpPr/>
+              <p:nvPr/>
+            </p:nvSpPr>
+            <p:spPr>
+              <a:xfrm>
+                <a:off x="8239239" y="1011874"/>
+                <a:ext cx="249759" cy="489936"/>
+              </a:xfrm>
+              <a:prstGeom prst="arc">
+                <a:avLst>
+                  <a:gd name="adj1" fmla="val 17029861"/>
+                  <a:gd name="adj2" fmla="val 4632886"/>
+                </a:avLst>
+              </a:prstGeom>
+              <a:ln w="19050">
+                <a:solidFill>
+                  <a:schemeClr val="tx1"/>
+                </a:solidFill>
+              </a:ln>
+            </p:spPr>
+            <p:style>
+              <a:lnRef idx="2">
+                <a:schemeClr val="accent1"/>
+              </a:lnRef>
+              <a:fillRef idx="0">
+                <a:schemeClr val="accent1"/>
+              </a:fillRef>
+              <a:effectRef idx="1">
+                <a:schemeClr val="accent1"/>
+              </a:effectRef>
+              <a:fontRef idx="minor">
+                <a:schemeClr val="tx1"/>
+              </a:fontRef>
+            </p:style>
+            <p:txBody>
+              <a:bodyPr rtlCol="0" anchor="ctr"/>
+              <a:lstStyle/>
+              <a:p>
+                <a:pPr algn="ctr"/>
+                <a:endParaRPr lang="en-US" dirty="0"/>
+              </a:p>
+            </p:txBody>
+          </p:sp>
+        </p:grpSp>
+        <p:grpSp>
+          <p:nvGrpSpPr>
+            <p:cNvPr id="7" name="Group 6">
+              <a:extLst>
+                <a:ext uri="{FF2B5EF4-FFF2-40B4-BE49-F238E27FC236}">
+                  <a16:creationId xmlns:a16="http://schemas.microsoft.com/office/drawing/2014/main" id="{670F6D64-1827-5C09-2AFE-77B1E81B41B3}"/>
+                </a:ext>
+              </a:extLst>
+            </p:cNvPr>
+            <p:cNvGrpSpPr/>
+            <p:nvPr/>
+          </p:nvGrpSpPr>
+          <p:grpSpPr>
+            <a:xfrm flipH="1">
+              <a:off x="7814538" y="1011874"/>
+              <a:ext cx="335525" cy="489936"/>
+              <a:chOff x="8153473" y="1011874"/>
+              <a:chExt cx="335525" cy="489936"/>
+            </a:xfrm>
+          </p:grpSpPr>
+          <p:sp>
+            <p:nvSpPr>
+              <p:cNvPr id="8" name="Arc 7">
+                <a:extLst>
+                  <a:ext uri="{FF2B5EF4-FFF2-40B4-BE49-F238E27FC236}">
+                    <a16:creationId xmlns:a16="http://schemas.microsoft.com/office/drawing/2014/main" id="{CD67EB81-CB43-0840-E540-3DEB3F590D48}"/>
+                  </a:ext>
+                </a:extLst>
+              </p:cNvPr>
+              <p:cNvSpPr/>
+              <p:nvPr/>
+            </p:nvSpPr>
+            <p:spPr>
+              <a:xfrm>
+                <a:off x="8153473" y="1011874"/>
+                <a:ext cx="249759" cy="489936"/>
+              </a:xfrm>
+              <a:prstGeom prst="arc">
+                <a:avLst>
+                  <a:gd name="adj1" fmla="val 17029861"/>
+                  <a:gd name="adj2" fmla="val 4632886"/>
+                </a:avLst>
+              </a:prstGeom>
+              <a:ln w="19050">
+                <a:solidFill>
+                  <a:schemeClr val="tx1"/>
+                </a:solidFill>
+              </a:ln>
+            </p:spPr>
+            <p:style>
+              <a:lnRef idx="2">
+                <a:schemeClr val="accent1"/>
+              </a:lnRef>
+              <a:fillRef idx="0">
+                <a:schemeClr val="accent1"/>
+              </a:fillRef>
+              <a:effectRef idx="1">
+                <a:schemeClr val="accent1"/>
+              </a:effectRef>
+              <a:fontRef idx="minor">
+                <a:schemeClr val="tx1"/>
+              </a:fontRef>
+            </p:style>
+            <p:txBody>
+              <a:bodyPr rtlCol="0" anchor="ctr"/>
+              <a:lstStyle/>
+              <a:p>
+                <a:pPr algn="ctr"/>
+                <a:endParaRPr lang="en-US"/>
+              </a:p>
+            </p:txBody>
+          </p:sp>
+          <p:sp>
+            <p:nvSpPr>
+              <p:cNvPr id="9" name="Arc 8">
+                <a:extLst>
+                  <a:ext uri="{FF2B5EF4-FFF2-40B4-BE49-F238E27FC236}">
+                    <a16:creationId xmlns:a16="http://schemas.microsoft.com/office/drawing/2014/main" id="{89597F4E-2790-A962-D733-6AD880B966E5}"/>
+                  </a:ext>
+                </a:extLst>
+              </p:cNvPr>
+              <p:cNvSpPr/>
+              <p:nvPr/>
+            </p:nvSpPr>
+            <p:spPr>
+              <a:xfrm>
+                <a:off x="8239239" y="1011874"/>
+                <a:ext cx="249759" cy="489936"/>
+              </a:xfrm>
+              <a:prstGeom prst="arc">
+                <a:avLst>
+                  <a:gd name="adj1" fmla="val 17029861"/>
+                  <a:gd name="adj2" fmla="val 4632886"/>
+                </a:avLst>
+              </a:prstGeom>
+              <a:ln w="19050">
+                <a:solidFill>
+                  <a:schemeClr val="tx1"/>
+                </a:solidFill>
+              </a:ln>
+            </p:spPr>
+            <p:style>
+              <a:lnRef idx="2">
+                <a:schemeClr val="accent1"/>
+              </a:lnRef>
+              <a:fillRef idx="0">
+                <a:schemeClr val="accent1"/>
+              </a:fillRef>
+              <a:effectRef idx="1">
+                <a:schemeClr val="accent1"/>
+              </a:effectRef>
+              <a:fontRef idx="minor">
+                <a:schemeClr val="tx1"/>
+              </a:fontRef>
+            </p:style>
+            <p:txBody>
+              <a:bodyPr rtlCol="0" anchor="ctr"/>
+              <a:lstStyle/>
+              <a:p>
+                <a:pPr algn="ctr"/>
+                <a:endParaRPr lang="en-US"/>
+              </a:p>
+            </p:txBody>
+          </p:sp>
+        </p:grpSp>
+      </p:grpSp>
     </p:spTree>
     <p:extLst>
       <p:ext uri="{BB962C8B-B14F-4D97-AF65-F5344CB8AC3E}">
@@ -9694,42 +10568,479 @@
           </a:p>
         </p:txBody>
       </p:sp>
-      <p:pic>
-        <p:nvPicPr>
-          <p:cNvPr id="33" name="Graphic 32">
-            <a:extLst>
-              <a:ext uri="{FF2B5EF4-FFF2-40B4-BE49-F238E27FC236}">
-                <a16:creationId xmlns:a16="http://schemas.microsoft.com/office/drawing/2014/main" id="{6E4EC11C-2641-3B43-BCDE-6480BF1889BC}"/>
-              </a:ext>
-            </a:extLst>
-          </p:cNvPr>
-          <p:cNvPicPr>
-            <a:picLocks/>
-          </p:cNvPicPr>
-          <p:nvPr/>
-        </p:nvPicPr>
-        <p:blipFill>
-          <a:blip r:embed="rId2">
-            <a:extLst>
-              <a:ext uri="{96DAC541-7B7A-43D3-8B79-37D633B846F1}">
-                <asvg:svgBlip xmlns:asvg="http://schemas.microsoft.com/office/drawing/2016/SVG/main" r:embed="rId3"/>
-              </a:ext>
-            </a:extLst>
-          </a:blip>
-          <a:stretch>
-            <a:fillRect/>
-          </a:stretch>
-        </p:blipFill>
-        <p:spPr>
-          <a:xfrm>
-            <a:off x="10601434" y="2065300"/>
-            <a:ext cx="799241" cy="1707270"/>
-          </a:xfrm>
-          <a:prstGeom prst="rect">
-            <a:avLst/>
-          </a:prstGeom>
-        </p:spPr>
-      </p:pic>
+      <p:grpSp>
+        <p:nvGrpSpPr>
+          <p:cNvPr id="2" name="Group 1">
+            <a:extLst>
+              <a:ext uri="{FF2B5EF4-FFF2-40B4-BE49-F238E27FC236}">
+                <a16:creationId xmlns:a16="http://schemas.microsoft.com/office/drawing/2014/main" id="{496FEB15-C1FB-CCD8-668B-861EF6A1D517}"/>
+              </a:ext>
+            </a:extLst>
+          </p:cNvPr>
+          <p:cNvGrpSpPr/>
+          <p:nvPr/>
+        </p:nvGrpSpPr>
+        <p:grpSpPr>
+          <a:xfrm>
+            <a:off x="10664117" y="2065299"/>
+            <a:ext cx="674460" cy="1657145"/>
+            <a:chOff x="7814538" y="1011874"/>
+            <a:chExt cx="674460" cy="1365462"/>
+          </a:xfrm>
+        </p:grpSpPr>
+        <p:grpSp>
+          <p:nvGrpSpPr>
+            <p:cNvPr id="3" name="Group 2">
+              <a:extLst>
+                <a:ext uri="{FF2B5EF4-FFF2-40B4-BE49-F238E27FC236}">
+                  <a16:creationId xmlns:a16="http://schemas.microsoft.com/office/drawing/2014/main" id="{3AE56DCA-1599-7A99-8C39-CB0ACB27FE6E}"/>
+                </a:ext>
+              </a:extLst>
+            </p:cNvPr>
+            <p:cNvGrpSpPr/>
+            <p:nvPr/>
+          </p:nvGrpSpPr>
+          <p:grpSpPr>
+            <a:xfrm>
+              <a:off x="8048446" y="1076770"/>
+              <a:ext cx="202497" cy="1300566"/>
+              <a:chOff x="8048446" y="1076770"/>
+              <a:chExt cx="202497" cy="1300566"/>
+            </a:xfrm>
+          </p:grpSpPr>
+          <p:sp>
+            <p:nvSpPr>
+              <p:cNvPr id="12" name="Rectangle 11">
+                <a:extLst>
+                  <a:ext uri="{FF2B5EF4-FFF2-40B4-BE49-F238E27FC236}">
+                    <a16:creationId xmlns:a16="http://schemas.microsoft.com/office/drawing/2014/main" id="{BB1F76B0-A9A2-9812-A475-0A4B5C557A92}"/>
+                  </a:ext>
+                </a:extLst>
+              </p:cNvPr>
+              <p:cNvSpPr/>
+              <p:nvPr/>
+            </p:nvSpPr>
+            <p:spPr>
+              <a:xfrm>
+                <a:off x="8084321" y="2247544"/>
+                <a:ext cx="138305" cy="129792"/>
+              </a:xfrm>
+              <a:prstGeom prst="rect">
+                <a:avLst/>
+              </a:prstGeom>
+              <a:solidFill>
+                <a:schemeClr val="tx1"/>
+              </a:solidFill>
+              <a:ln>
+                <a:solidFill>
+                  <a:schemeClr val="tx1"/>
+                </a:solidFill>
+              </a:ln>
+            </p:spPr>
+            <p:style>
+              <a:lnRef idx="1">
+                <a:schemeClr val="accent1"/>
+              </a:lnRef>
+              <a:fillRef idx="3">
+                <a:schemeClr val="accent1"/>
+              </a:fillRef>
+              <a:effectRef idx="2">
+                <a:schemeClr val="accent1"/>
+              </a:effectRef>
+              <a:fontRef idx="minor">
+                <a:schemeClr val="lt1"/>
+              </a:fontRef>
+            </p:style>
+            <p:txBody>
+              <a:bodyPr rtlCol="0" anchor="ctr"/>
+              <a:lstStyle/>
+              <a:p>
+                <a:pPr algn="ctr"/>
+                <a:endParaRPr lang="en-US"/>
+              </a:p>
+            </p:txBody>
+          </p:sp>
+          <p:cxnSp>
+            <p:nvCxnSpPr>
+              <p:cNvPr id="13" name="Straight Connector 12">
+                <a:extLst>
+                  <a:ext uri="{FF2B5EF4-FFF2-40B4-BE49-F238E27FC236}">
+                    <a16:creationId xmlns:a16="http://schemas.microsoft.com/office/drawing/2014/main" id="{AAD8250E-0A0A-7138-475C-2C262970F84A}"/>
+                  </a:ext>
+                </a:extLst>
+              </p:cNvPr>
+              <p:cNvCxnSpPr>
+                <a:stCxn id="12" idx="0"/>
+              </p:cNvCxnSpPr>
+              <p:nvPr/>
+            </p:nvCxnSpPr>
+            <p:spPr>
+              <a:xfrm flipH="1" flipV="1">
+                <a:off x="8153473" y="1076770"/>
+                <a:ext cx="1" cy="1170774"/>
+              </a:xfrm>
+              <a:prstGeom prst="line">
+                <a:avLst/>
+              </a:prstGeom>
+              <a:ln w="38100" cap="rnd">
+                <a:solidFill>
+                  <a:schemeClr val="tx1"/>
+                </a:solidFill>
+              </a:ln>
+            </p:spPr>
+            <p:style>
+              <a:lnRef idx="2">
+                <a:schemeClr val="accent1"/>
+              </a:lnRef>
+              <a:fillRef idx="0">
+                <a:schemeClr val="accent1"/>
+              </a:fillRef>
+              <a:effectRef idx="1">
+                <a:schemeClr val="accent1"/>
+              </a:effectRef>
+              <a:fontRef idx="minor">
+                <a:schemeClr val="tx1"/>
+              </a:fontRef>
+            </p:style>
+          </p:cxnSp>
+          <p:cxnSp>
+            <p:nvCxnSpPr>
+              <p:cNvPr id="14" name="Straight Connector 13">
+                <a:extLst>
+                  <a:ext uri="{FF2B5EF4-FFF2-40B4-BE49-F238E27FC236}">
+                    <a16:creationId xmlns:a16="http://schemas.microsoft.com/office/drawing/2014/main" id="{683EEFE6-D969-1ED9-B290-CBB155A4E208}"/>
+                  </a:ext>
+                </a:extLst>
+              </p:cNvPr>
+              <p:cNvCxnSpPr>
+                <a:cxnSpLocks/>
+              </p:cNvCxnSpPr>
+              <p:nvPr/>
+            </p:nvCxnSpPr>
+            <p:spPr>
+              <a:xfrm flipV="1">
+                <a:off x="8250943" y="1076770"/>
+                <a:ext cx="0" cy="360144"/>
+              </a:xfrm>
+              <a:prstGeom prst="line">
+                <a:avLst/>
+              </a:prstGeom>
+              <a:ln w="57150" cap="rnd">
+                <a:solidFill>
+                  <a:schemeClr val="tx1"/>
+                </a:solidFill>
+              </a:ln>
+            </p:spPr>
+            <p:style>
+              <a:lnRef idx="2">
+                <a:schemeClr val="accent1"/>
+              </a:lnRef>
+              <a:fillRef idx="0">
+                <a:schemeClr val="accent1"/>
+              </a:fillRef>
+              <a:effectRef idx="1">
+                <a:schemeClr val="accent1"/>
+              </a:effectRef>
+              <a:fontRef idx="minor">
+                <a:schemeClr val="tx1"/>
+              </a:fontRef>
+            </p:style>
+          </p:cxnSp>
+          <p:cxnSp>
+            <p:nvCxnSpPr>
+              <p:cNvPr id="15" name="Straight Connector 14">
+                <a:extLst>
+                  <a:ext uri="{FF2B5EF4-FFF2-40B4-BE49-F238E27FC236}">
+                    <a16:creationId xmlns:a16="http://schemas.microsoft.com/office/drawing/2014/main" id="{2EA819C0-6FEE-88E1-D82C-4B25D95893A8}"/>
+                  </a:ext>
+                </a:extLst>
+              </p:cNvPr>
+              <p:cNvCxnSpPr>
+                <a:cxnSpLocks/>
+              </p:cNvCxnSpPr>
+              <p:nvPr/>
+            </p:nvCxnSpPr>
+            <p:spPr>
+              <a:xfrm flipV="1">
+                <a:off x="8048446" y="1076770"/>
+                <a:ext cx="0" cy="360144"/>
+              </a:xfrm>
+              <a:prstGeom prst="line">
+                <a:avLst/>
+              </a:prstGeom>
+              <a:ln w="57150" cap="rnd">
+                <a:solidFill>
+                  <a:schemeClr val="tx1"/>
+                </a:solidFill>
+              </a:ln>
+            </p:spPr>
+            <p:style>
+              <a:lnRef idx="2">
+                <a:schemeClr val="accent1"/>
+              </a:lnRef>
+              <a:fillRef idx="0">
+                <a:schemeClr val="accent1"/>
+              </a:fillRef>
+              <a:effectRef idx="1">
+                <a:schemeClr val="accent1"/>
+              </a:effectRef>
+              <a:fontRef idx="minor">
+                <a:schemeClr val="tx1"/>
+              </a:fontRef>
+            </p:style>
+          </p:cxnSp>
+        </p:grpSp>
+        <p:grpSp>
+          <p:nvGrpSpPr>
+            <p:cNvPr id="4" name="Group 3">
+              <a:extLst>
+                <a:ext uri="{FF2B5EF4-FFF2-40B4-BE49-F238E27FC236}">
+                  <a16:creationId xmlns:a16="http://schemas.microsoft.com/office/drawing/2014/main" id="{ADE3D70E-192C-B476-C25A-1563E454FD0F}"/>
+                </a:ext>
+              </a:extLst>
+            </p:cNvPr>
+            <p:cNvGrpSpPr/>
+            <p:nvPr/>
+          </p:nvGrpSpPr>
+          <p:grpSpPr>
+            <a:xfrm>
+              <a:off x="8153473" y="1011874"/>
+              <a:ext cx="335525" cy="489936"/>
+              <a:chOff x="8153473" y="1011874"/>
+              <a:chExt cx="335525" cy="489936"/>
+            </a:xfrm>
+          </p:grpSpPr>
+          <p:sp>
+            <p:nvSpPr>
+              <p:cNvPr id="10" name="Arc 9">
+                <a:extLst>
+                  <a:ext uri="{FF2B5EF4-FFF2-40B4-BE49-F238E27FC236}">
+                    <a16:creationId xmlns:a16="http://schemas.microsoft.com/office/drawing/2014/main" id="{47F42894-0BA6-79F4-F2A7-E3FF3A9173F6}"/>
+                  </a:ext>
+                </a:extLst>
+              </p:cNvPr>
+              <p:cNvSpPr/>
+              <p:nvPr/>
+            </p:nvSpPr>
+            <p:spPr>
+              <a:xfrm>
+                <a:off x="8153473" y="1011874"/>
+                <a:ext cx="249759" cy="489936"/>
+              </a:xfrm>
+              <a:prstGeom prst="arc">
+                <a:avLst>
+                  <a:gd name="adj1" fmla="val 17029861"/>
+                  <a:gd name="adj2" fmla="val 4632886"/>
+                </a:avLst>
+              </a:prstGeom>
+              <a:ln w="19050">
+                <a:solidFill>
+                  <a:schemeClr val="tx1"/>
+                </a:solidFill>
+              </a:ln>
+            </p:spPr>
+            <p:style>
+              <a:lnRef idx="2">
+                <a:schemeClr val="accent1"/>
+              </a:lnRef>
+              <a:fillRef idx="0">
+                <a:schemeClr val="accent1"/>
+              </a:fillRef>
+              <a:effectRef idx="1">
+                <a:schemeClr val="accent1"/>
+              </a:effectRef>
+              <a:fontRef idx="minor">
+                <a:schemeClr val="tx1"/>
+              </a:fontRef>
+            </p:style>
+            <p:txBody>
+              <a:bodyPr rtlCol="0" anchor="ctr"/>
+              <a:lstStyle/>
+              <a:p>
+                <a:pPr algn="ctr"/>
+                <a:endParaRPr lang="en-US"/>
+              </a:p>
+            </p:txBody>
+          </p:sp>
+          <p:sp>
+            <p:nvSpPr>
+              <p:cNvPr id="11" name="Arc 10">
+                <a:extLst>
+                  <a:ext uri="{FF2B5EF4-FFF2-40B4-BE49-F238E27FC236}">
+                    <a16:creationId xmlns:a16="http://schemas.microsoft.com/office/drawing/2014/main" id="{FF68D973-7465-EE01-E83A-27F54A892305}"/>
+                  </a:ext>
+                </a:extLst>
+              </p:cNvPr>
+              <p:cNvSpPr/>
+              <p:nvPr/>
+            </p:nvSpPr>
+            <p:spPr>
+              <a:xfrm>
+                <a:off x="8239239" y="1011874"/>
+                <a:ext cx="249759" cy="489936"/>
+              </a:xfrm>
+              <a:prstGeom prst="arc">
+                <a:avLst>
+                  <a:gd name="adj1" fmla="val 17029861"/>
+                  <a:gd name="adj2" fmla="val 4632886"/>
+                </a:avLst>
+              </a:prstGeom>
+              <a:ln w="19050">
+                <a:solidFill>
+                  <a:schemeClr val="tx1"/>
+                </a:solidFill>
+              </a:ln>
+            </p:spPr>
+            <p:style>
+              <a:lnRef idx="2">
+                <a:schemeClr val="accent1"/>
+              </a:lnRef>
+              <a:fillRef idx="0">
+                <a:schemeClr val="accent1"/>
+              </a:fillRef>
+              <a:effectRef idx="1">
+                <a:schemeClr val="accent1"/>
+              </a:effectRef>
+              <a:fontRef idx="minor">
+                <a:schemeClr val="tx1"/>
+              </a:fontRef>
+            </p:style>
+            <p:txBody>
+              <a:bodyPr rtlCol="0" anchor="ctr"/>
+              <a:lstStyle/>
+              <a:p>
+                <a:pPr algn="ctr"/>
+                <a:endParaRPr lang="en-US" dirty="0"/>
+              </a:p>
+            </p:txBody>
+          </p:sp>
+        </p:grpSp>
+        <p:grpSp>
+          <p:nvGrpSpPr>
+            <p:cNvPr id="5" name="Group 4">
+              <a:extLst>
+                <a:ext uri="{FF2B5EF4-FFF2-40B4-BE49-F238E27FC236}">
+                  <a16:creationId xmlns:a16="http://schemas.microsoft.com/office/drawing/2014/main" id="{92E49E43-4107-789D-7D35-2244BDE7006D}"/>
+                </a:ext>
+              </a:extLst>
+            </p:cNvPr>
+            <p:cNvGrpSpPr/>
+            <p:nvPr/>
+          </p:nvGrpSpPr>
+          <p:grpSpPr>
+            <a:xfrm flipH="1">
+              <a:off x="7814538" y="1011874"/>
+              <a:ext cx="335525" cy="489936"/>
+              <a:chOff x="8153473" y="1011874"/>
+              <a:chExt cx="335525" cy="489936"/>
+            </a:xfrm>
+          </p:grpSpPr>
+          <p:sp>
+            <p:nvSpPr>
+              <p:cNvPr id="8" name="Arc 7">
+                <a:extLst>
+                  <a:ext uri="{FF2B5EF4-FFF2-40B4-BE49-F238E27FC236}">
+                    <a16:creationId xmlns:a16="http://schemas.microsoft.com/office/drawing/2014/main" id="{45CFF426-71AD-DC2F-EBA4-C8F84343F796}"/>
+                  </a:ext>
+                </a:extLst>
+              </p:cNvPr>
+              <p:cNvSpPr/>
+              <p:nvPr/>
+            </p:nvSpPr>
+            <p:spPr>
+              <a:xfrm>
+                <a:off x="8153473" y="1011874"/>
+                <a:ext cx="249759" cy="489936"/>
+              </a:xfrm>
+              <a:prstGeom prst="arc">
+                <a:avLst>
+                  <a:gd name="adj1" fmla="val 17029861"/>
+                  <a:gd name="adj2" fmla="val 4632886"/>
+                </a:avLst>
+              </a:prstGeom>
+              <a:ln w="19050">
+                <a:solidFill>
+                  <a:schemeClr val="tx1"/>
+                </a:solidFill>
+              </a:ln>
+            </p:spPr>
+            <p:style>
+              <a:lnRef idx="2">
+                <a:schemeClr val="accent1"/>
+              </a:lnRef>
+              <a:fillRef idx="0">
+                <a:schemeClr val="accent1"/>
+              </a:fillRef>
+              <a:effectRef idx="1">
+                <a:schemeClr val="accent1"/>
+              </a:effectRef>
+              <a:fontRef idx="minor">
+                <a:schemeClr val="tx1"/>
+              </a:fontRef>
+            </p:style>
+            <p:txBody>
+              <a:bodyPr rtlCol="0" anchor="ctr"/>
+              <a:lstStyle/>
+              <a:p>
+                <a:pPr algn="ctr"/>
+                <a:endParaRPr lang="en-US"/>
+              </a:p>
+            </p:txBody>
+          </p:sp>
+          <p:sp>
+            <p:nvSpPr>
+              <p:cNvPr id="9" name="Arc 8">
+                <a:extLst>
+                  <a:ext uri="{FF2B5EF4-FFF2-40B4-BE49-F238E27FC236}">
+                    <a16:creationId xmlns:a16="http://schemas.microsoft.com/office/drawing/2014/main" id="{001FB6E4-0C2D-50CB-94CD-DF8587ECAEDB}"/>
+                  </a:ext>
+                </a:extLst>
+              </p:cNvPr>
+              <p:cNvSpPr/>
+              <p:nvPr/>
+            </p:nvSpPr>
+            <p:spPr>
+              <a:xfrm>
+                <a:off x="8239239" y="1011874"/>
+                <a:ext cx="249759" cy="489936"/>
+              </a:xfrm>
+              <a:prstGeom prst="arc">
+                <a:avLst>
+                  <a:gd name="adj1" fmla="val 17029861"/>
+                  <a:gd name="adj2" fmla="val 4632886"/>
+                </a:avLst>
+              </a:prstGeom>
+              <a:ln w="19050">
+                <a:solidFill>
+                  <a:schemeClr val="tx1"/>
+                </a:solidFill>
+              </a:ln>
+            </p:spPr>
+            <p:style>
+              <a:lnRef idx="2">
+                <a:schemeClr val="accent1"/>
+              </a:lnRef>
+              <a:fillRef idx="0">
+                <a:schemeClr val="accent1"/>
+              </a:fillRef>
+              <a:effectRef idx="1">
+                <a:schemeClr val="accent1"/>
+              </a:effectRef>
+              <a:fontRef idx="minor">
+                <a:schemeClr val="tx1"/>
+              </a:fontRef>
+            </p:style>
+            <p:txBody>
+              <a:bodyPr rtlCol="0" anchor="ctr"/>
+              <a:lstStyle/>
+              <a:p>
+                <a:pPr algn="ctr"/>
+                <a:endParaRPr lang="en-US"/>
+              </a:p>
+            </p:txBody>
+          </p:sp>
+        </p:grpSp>
+      </p:grpSp>
     </p:spTree>
     <p:extLst>
       <p:ext uri="{BB962C8B-B14F-4D97-AF65-F5344CB8AC3E}">

--- a/figures/sdn/figures.pptx
+++ b/figures/sdn/figures.pptx
@@ -13,7 +13,7 @@
     <p:sldId id="350" r:id="rId4"/>
     <p:sldId id="345" r:id="rId5"/>
     <p:sldId id="349" r:id="rId6"/>
-    <p:sldId id="344" r:id="rId7"/>
+    <p:sldId id="351" r:id="rId7"/>
     <p:sldId id="348" r:id="rId8"/>
     <p:sldId id="347" r:id="rId9"/>
     <p:sldId id="346" r:id="rId10"/>
@@ -205,7 +205,7 @@
           <a:p>
             <a:fld id="{CD99FC43-7065-F348-8836-4FD247176936}" type="datetimeFigureOut">
               <a:rPr lang="en-US" smtClean="0"/>
-              <a:t>7/25/22</a:t>
+              <a:t>8/19/22</a:t>
             </a:fld>
             <a:endParaRPr lang="en-US" dirty="0"/>
           </a:p>
@@ -601,7 +601,7 @@
           <a:p>
             <a:fld id="{5D97E163-DB95-D24D-8C95-263DECB1FC34}" type="datetimeFigureOut">
               <a:rPr lang="en-US" smtClean="0"/>
-              <a:t>7/25/22</a:t>
+              <a:t>8/19/22</a:t>
             </a:fld>
             <a:endParaRPr lang="en-US" dirty="0"/>
           </a:p>
@@ -769,7 +769,7 @@
           <a:p>
             <a:fld id="{5D97E163-DB95-D24D-8C95-263DECB1FC34}" type="datetimeFigureOut">
               <a:rPr lang="en-US" smtClean="0"/>
-              <a:t>7/25/22</a:t>
+              <a:t>8/19/22</a:t>
             </a:fld>
             <a:endParaRPr lang="en-US" dirty="0"/>
           </a:p>
@@ -947,7 +947,7 @@
           <a:p>
             <a:fld id="{5D97E163-DB95-D24D-8C95-263DECB1FC34}" type="datetimeFigureOut">
               <a:rPr lang="en-US" smtClean="0"/>
-              <a:t>7/25/22</a:t>
+              <a:t>8/19/22</a:t>
             </a:fld>
             <a:endParaRPr lang="en-US" dirty="0"/>
           </a:p>
@@ -1115,7 +1115,7 @@
           <a:p>
             <a:fld id="{5D97E163-DB95-D24D-8C95-263DECB1FC34}" type="datetimeFigureOut">
               <a:rPr lang="en-US" smtClean="0"/>
-              <a:t>7/25/22</a:t>
+              <a:t>8/19/22</a:t>
             </a:fld>
             <a:endParaRPr lang="en-US" dirty="0"/>
           </a:p>
@@ -1360,7 +1360,7 @@
           <a:p>
             <a:fld id="{5D97E163-DB95-D24D-8C95-263DECB1FC34}" type="datetimeFigureOut">
               <a:rPr lang="en-US" smtClean="0"/>
-              <a:t>7/25/22</a:t>
+              <a:t>8/19/22</a:t>
             </a:fld>
             <a:endParaRPr lang="en-US" dirty="0"/>
           </a:p>
@@ -1589,7 +1589,7 @@
           <a:p>
             <a:fld id="{5D97E163-DB95-D24D-8C95-263DECB1FC34}" type="datetimeFigureOut">
               <a:rPr lang="en-US" smtClean="0"/>
-              <a:t>7/25/22</a:t>
+              <a:t>8/19/22</a:t>
             </a:fld>
             <a:endParaRPr lang="en-US" dirty="0"/>
           </a:p>
@@ -1953,7 +1953,7 @@
           <a:p>
             <a:fld id="{5D97E163-DB95-D24D-8C95-263DECB1FC34}" type="datetimeFigureOut">
               <a:rPr lang="en-US" smtClean="0"/>
-              <a:t>7/25/22</a:t>
+              <a:t>8/19/22</a:t>
             </a:fld>
             <a:endParaRPr lang="en-US" dirty="0"/>
           </a:p>
@@ -2070,7 +2070,7 @@
           <a:p>
             <a:fld id="{5D97E163-DB95-D24D-8C95-263DECB1FC34}" type="datetimeFigureOut">
               <a:rPr lang="en-US" smtClean="0"/>
-              <a:t>7/25/22</a:t>
+              <a:t>8/19/22</a:t>
             </a:fld>
             <a:endParaRPr lang="en-US" dirty="0"/>
           </a:p>
@@ -2165,7 +2165,7 @@
           <a:p>
             <a:fld id="{5D97E163-DB95-D24D-8C95-263DECB1FC34}" type="datetimeFigureOut">
               <a:rPr lang="en-US" smtClean="0"/>
-              <a:t>7/25/22</a:t>
+              <a:t>8/19/22</a:t>
             </a:fld>
             <a:endParaRPr lang="en-US" dirty="0"/>
           </a:p>
@@ -2440,7 +2440,7 @@
           <a:p>
             <a:fld id="{5D97E163-DB95-D24D-8C95-263DECB1FC34}" type="datetimeFigureOut">
               <a:rPr lang="en-US" smtClean="0"/>
-              <a:t>7/25/22</a:t>
+              <a:t>8/19/22</a:t>
             </a:fld>
             <a:endParaRPr lang="en-US" dirty="0"/>
           </a:p>
@@ -2695,7 +2695,7 @@
           <a:p>
             <a:fld id="{5D97E163-DB95-D24D-8C95-263DECB1FC34}" type="datetimeFigureOut">
               <a:rPr lang="en-US" smtClean="0"/>
-              <a:t>7/25/22</a:t>
+              <a:t>8/19/22</a:t>
             </a:fld>
             <a:endParaRPr lang="en-US" dirty="0"/>
           </a:p>
@@ -2906,7 +2906,7 @@
           <a:p>
             <a:fld id="{5D97E163-DB95-D24D-8C95-263DECB1FC34}" type="datetimeFigureOut">
               <a:rPr lang="en-US" smtClean="0"/>
-              <a:t>7/25/22</a:t>
+              <a:t>8/19/22</a:t>
             </a:fld>
             <a:endParaRPr lang="en-US" dirty="0"/>
           </a:p>
@@ -5387,6 +5387,65 @@
           </p:sp>
         </p:grpSp>
       </p:grpSp>
+      <p:sp>
+        <p:nvSpPr>
+          <p:cNvPr id="14" name="Rectangle 13">
+            <a:extLst>
+              <a:ext uri="{FF2B5EF4-FFF2-40B4-BE49-F238E27FC236}">
+                <a16:creationId xmlns:a16="http://schemas.microsoft.com/office/drawing/2014/main" id="{0F6B85D3-D7AE-91FC-3E89-F349FA9360D8}"/>
+              </a:ext>
+            </a:extLst>
+          </p:cNvPr>
+          <p:cNvSpPr/>
+          <p:nvPr/>
+        </p:nvSpPr>
+        <p:spPr>
+          <a:xfrm>
+            <a:off x="6018143" y="3082517"/>
+            <a:ext cx="260399" cy="194394"/>
+          </a:xfrm>
+          <a:prstGeom prst="rect">
+            <a:avLst/>
+          </a:prstGeom>
+          <a:solidFill>
+            <a:schemeClr val="accent1">
+              <a:lumMod val="75000"/>
+            </a:schemeClr>
+          </a:solidFill>
+          <a:ln>
+            <a:noFill/>
+          </a:ln>
+        </p:spPr>
+        <p:style>
+          <a:lnRef idx="1">
+            <a:schemeClr val="accent1"/>
+          </a:lnRef>
+          <a:fillRef idx="3">
+            <a:schemeClr val="accent1"/>
+          </a:fillRef>
+          <a:effectRef idx="2">
+            <a:schemeClr val="accent1"/>
+          </a:effectRef>
+          <a:fontRef idx="minor">
+            <a:schemeClr val="lt1"/>
+          </a:fontRef>
+        </p:style>
+        <p:txBody>
+          <a:bodyPr rtlCol="0" anchor="ctr"/>
+          <a:lstStyle/>
+          <a:p>
+            <a:pPr algn="ctr"/>
+            <a:r>
+              <a:rPr lang="en-US" sz="1400" dirty="0">
+                <a:solidFill>
+                  <a:schemeClr val="bg1"/>
+                </a:solidFill>
+              </a:rPr>
+              <a:t>S</a:t>
+            </a:r>
+          </a:p>
+        </p:txBody>
+      </p:sp>
     </p:spTree>
     <p:extLst>
       <p:ext uri="{BB962C8B-B14F-4D97-AF65-F5344CB8AC3E}">
@@ -7515,6 +7574,65 @@
           </p:sp>
         </p:grpSp>
       </p:grpSp>
+      <p:sp>
+        <p:nvSpPr>
+          <p:cNvPr id="17" name="Rectangle 16">
+            <a:extLst>
+              <a:ext uri="{FF2B5EF4-FFF2-40B4-BE49-F238E27FC236}">
+                <a16:creationId xmlns:a16="http://schemas.microsoft.com/office/drawing/2014/main" id="{D16A84D8-41BA-4426-3BF9-E499706222D5}"/>
+              </a:ext>
+            </a:extLst>
+          </p:cNvPr>
+          <p:cNvSpPr/>
+          <p:nvPr/>
+        </p:nvSpPr>
+        <p:spPr>
+          <a:xfrm>
+            <a:off x="6018143" y="3082517"/>
+            <a:ext cx="260399" cy="194394"/>
+          </a:xfrm>
+          <a:prstGeom prst="rect">
+            <a:avLst/>
+          </a:prstGeom>
+          <a:solidFill>
+            <a:schemeClr val="accent1">
+              <a:lumMod val="75000"/>
+            </a:schemeClr>
+          </a:solidFill>
+          <a:ln>
+            <a:noFill/>
+          </a:ln>
+        </p:spPr>
+        <p:style>
+          <a:lnRef idx="1">
+            <a:schemeClr val="accent1"/>
+          </a:lnRef>
+          <a:fillRef idx="3">
+            <a:schemeClr val="accent1"/>
+          </a:fillRef>
+          <a:effectRef idx="2">
+            <a:schemeClr val="accent1"/>
+          </a:effectRef>
+          <a:fontRef idx="minor">
+            <a:schemeClr val="lt1"/>
+          </a:fontRef>
+        </p:style>
+        <p:txBody>
+          <a:bodyPr rtlCol="0" anchor="ctr"/>
+          <a:lstStyle/>
+          <a:p>
+            <a:pPr algn="ctr"/>
+            <a:r>
+              <a:rPr lang="en-US" sz="1400" dirty="0">
+                <a:solidFill>
+                  <a:schemeClr val="bg1"/>
+                </a:solidFill>
+              </a:rPr>
+              <a:t>S</a:t>
+            </a:r>
+          </a:p>
+        </p:txBody>
+      </p:sp>
     </p:spTree>
     <p:extLst>
       <p:ext uri="{BB962C8B-B14F-4D97-AF65-F5344CB8AC3E}">
@@ -7565,11 +7683,15 @@
           <a:prstGeom prst="cloud">
             <a:avLst/>
           </a:prstGeom>
-          <a:noFill/>
+          <a:solidFill>
+            <a:schemeClr val="bg1">
+              <a:lumMod val="85000"/>
+            </a:schemeClr>
+          </a:solidFill>
           <a:ln w="19050">
             <a:solidFill>
               <a:schemeClr val="bg2">
-                <a:lumMod val="25000"/>
+                <a:lumMod val="75000"/>
               </a:schemeClr>
             </a:solidFill>
           </a:ln>
@@ -7902,11 +8024,13 @@
             <a:avLst/>
           </a:prstGeom>
           <a:solidFill>
-            <a:schemeClr val="accent1">
-              <a:lumMod val="60000"/>
-              <a:lumOff val="40000"/>
-            </a:schemeClr>
+            <a:schemeClr val="bg1"/>
           </a:solidFill>
+          <a:ln w="19050">
+            <a:solidFill>
+              <a:srgbClr val="0070C0"/>
+            </a:solidFill>
+          </a:ln>
         </p:spPr>
         <p:style>
           <a:lnRef idx="1">
@@ -7959,11 +8083,13 @@
             <a:avLst/>
           </a:prstGeom>
           <a:solidFill>
-            <a:schemeClr val="accent1">
-              <a:lumMod val="60000"/>
-              <a:lumOff val="40000"/>
-            </a:schemeClr>
+            <a:schemeClr val="bg1"/>
           </a:solidFill>
+          <a:ln w="19050">
+            <a:solidFill>
+              <a:srgbClr val="0070C0"/>
+            </a:solidFill>
+          </a:ln>
         </p:spPr>
         <p:style>
           <a:lnRef idx="1">
@@ -8016,11 +8142,13 @@
             <a:avLst/>
           </a:prstGeom>
           <a:solidFill>
-            <a:schemeClr val="accent1">
-              <a:lumMod val="60000"/>
-              <a:lumOff val="40000"/>
-            </a:schemeClr>
+            <a:schemeClr val="bg1"/>
           </a:solidFill>
+          <a:ln w="19050">
+            <a:solidFill>
+              <a:srgbClr val="0070C0"/>
+            </a:solidFill>
+          </a:ln>
         </p:spPr>
         <p:style>
           <a:lnRef idx="1">
@@ -8073,11 +8201,13 @@
             <a:avLst/>
           </a:prstGeom>
           <a:solidFill>
-            <a:schemeClr val="accent1">
-              <a:lumMod val="60000"/>
-              <a:lumOff val="40000"/>
-            </a:schemeClr>
+            <a:schemeClr val="bg1"/>
           </a:solidFill>
+          <a:ln w="19050">
+            <a:solidFill>
+              <a:srgbClr val="0070C0"/>
+            </a:solidFill>
+          </a:ln>
         </p:spPr>
         <p:style>
           <a:lnRef idx="1">
@@ -8132,6 +8262,14 @@
           <a:prstGeom prst="line">
             <a:avLst/>
           </a:prstGeom>
+          <a:ln w="12700">
+            <a:solidFill>
+              <a:srgbClr val="0070C0"/>
+            </a:solidFill>
+            <a:prstDash val="solid"/>
+            <a:headEnd type="none" w="med" len="med"/>
+            <a:tailEnd type="none" w="med" len="med"/>
+          </a:ln>
         </p:spPr>
         <p:style>
           <a:lnRef idx="2">
@@ -8171,6 +8309,14 @@
           <a:prstGeom prst="line">
             <a:avLst/>
           </a:prstGeom>
+          <a:ln w="12700">
+            <a:solidFill>
+              <a:srgbClr val="0070C0"/>
+            </a:solidFill>
+            <a:prstDash val="solid"/>
+            <a:headEnd type="none" w="med" len="med"/>
+            <a:tailEnd type="none" w="med" len="med"/>
+          </a:ln>
         </p:spPr>
         <p:style>
           <a:lnRef idx="2">
@@ -8210,6 +8356,14 @@
           <a:prstGeom prst="line">
             <a:avLst/>
           </a:prstGeom>
+          <a:ln w="12700">
+            <a:solidFill>
+              <a:srgbClr val="0070C0"/>
+            </a:solidFill>
+            <a:prstDash val="solid"/>
+            <a:headEnd type="none" w="med" len="med"/>
+            <a:tailEnd type="none" w="med" len="med"/>
+          </a:ln>
         </p:spPr>
         <p:style>
           <a:lnRef idx="2">
@@ -8249,6 +8403,14 @@
           <a:prstGeom prst="line">
             <a:avLst/>
           </a:prstGeom>
+          <a:ln w="12700">
+            <a:solidFill>
+              <a:srgbClr val="0070C0"/>
+            </a:solidFill>
+            <a:prstDash val="solid"/>
+            <a:headEnd type="none" w="med" len="med"/>
+            <a:tailEnd type="none" w="med" len="med"/>
+          </a:ln>
         </p:spPr>
         <p:style>
           <a:lnRef idx="2">
@@ -8288,6 +8450,14 @@
           <a:prstGeom prst="line">
             <a:avLst/>
           </a:prstGeom>
+          <a:ln w="12700">
+            <a:solidFill>
+              <a:srgbClr val="0070C0"/>
+            </a:solidFill>
+            <a:prstDash val="solid"/>
+            <a:headEnd type="none" w="med" len="med"/>
+            <a:tailEnd type="none" w="med" len="med"/>
+          </a:ln>
         </p:spPr>
         <p:style>
           <a:lnRef idx="2">
@@ -8327,6 +8497,14 @@
           <a:prstGeom prst="line">
             <a:avLst/>
           </a:prstGeom>
+          <a:ln w="12700">
+            <a:solidFill>
+              <a:srgbClr val="0070C0"/>
+            </a:solidFill>
+            <a:prstDash val="solid"/>
+            <a:headEnd type="none" w="med" len="med"/>
+            <a:tailEnd type="none" w="med" len="med"/>
+          </a:ln>
         </p:spPr>
         <p:style>
           <a:lnRef idx="2">
@@ -8366,6 +8544,14 @@
           <a:prstGeom prst="line">
             <a:avLst/>
           </a:prstGeom>
+          <a:ln w="12700">
+            <a:solidFill>
+              <a:srgbClr val="0070C0"/>
+            </a:solidFill>
+            <a:prstDash val="solid"/>
+            <a:headEnd type="none" w="med" len="med"/>
+            <a:tailEnd type="none" w="med" len="med"/>
+          </a:ln>
         </p:spPr>
         <p:style>
           <a:lnRef idx="2">
@@ -8405,6 +8591,14 @@
           <a:prstGeom prst="line">
             <a:avLst/>
           </a:prstGeom>
+          <a:ln w="12700">
+            <a:solidFill>
+              <a:srgbClr val="0070C0"/>
+            </a:solidFill>
+            <a:prstDash val="solid"/>
+            <a:headEnd type="none" w="med" len="med"/>
+            <a:tailEnd type="none" w="med" len="med"/>
+          </a:ln>
         </p:spPr>
         <p:style>
           <a:lnRef idx="2">
@@ -8442,13 +8636,12 @@
             <a:avLst/>
           </a:prstGeom>
           <a:solidFill>
-            <a:schemeClr val="accent1">
-              <a:lumMod val="60000"/>
-              <a:lumOff val="40000"/>
-            </a:schemeClr>
+            <a:schemeClr val="bg1"/>
           </a:solidFill>
           <a:ln w="19050">
-            <a:noFill/>
+            <a:solidFill>
+              <a:srgbClr val="0070C0"/>
+            </a:solidFill>
           </a:ln>
         </p:spPr>
         <p:style>
@@ -8504,6 +8697,14 @@
           <a:prstGeom prst="line">
             <a:avLst/>
           </a:prstGeom>
+          <a:ln w="12700">
+            <a:solidFill>
+              <a:srgbClr val="0070C0"/>
+            </a:solidFill>
+            <a:prstDash val="solid"/>
+            <a:headEnd type="none" w="med" len="med"/>
+            <a:tailEnd type="none" w="med" len="med"/>
+          </a:ln>
         </p:spPr>
         <p:style>
           <a:lnRef idx="2">
@@ -8543,6 +8744,14 @@
           <a:prstGeom prst="line">
             <a:avLst/>
           </a:prstGeom>
+          <a:ln w="12700">
+            <a:solidFill>
+              <a:srgbClr val="0070C0"/>
+            </a:solidFill>
+            <a:prstDash val="solid"/>
+            <a:headEnd type="none" w="med" len="med"/>
+            <a:tailEnd type="none" w="med" len="med"/>
+          </a:ln>
         </p:spPr>
         <p:style>
           <a:lnRef idx="2">
@@ -8582,6 +8791,14 @@
           <a:prstGeom prst="line">
             <a:avLst/>
           </a:prstGeom>
+          <a:ln w="12700">
+            <a:solidFill>
+              <a:srgbClr val="0070C0"/>
+            </a:solidFill>
+            <a:prstDash val="solid"/>
+            <a:headEnd type="none" w="med" len="med"/>
+            <a:tailEnd type="none" w="med" len="med"/>
+          </a:ln>
         </p:spPr>
         <p:style>
           <a:lnRef idx="2">
@@ -8621,6 +8838,14 @@
           <a:prstGeom prst="line">
             <a:avLst/>
           </a:prstGeom>
+          <a:ln w="12700">
+            <a:solidFill>
+              <a:srgbClr val="0070C0"/>
+            </a:solidFill>
+            <a:prstDash val="solid"/>
+            <a:headEnd type="none" w="med" len="med"/>
+            <a:tailEnd type="none" w="med" len="med"/>
+          </a:ln>
         </p:spPr>
         <p:style>
           <a:lnRef idx="2">
@@ -9872,7 +10097,7 @@
         </p:nvCxnSpPr>
         <p:spPr>
           <a:xfrm>
-            <a:off x="5129429" y="2286554"/>
+            <a:off x="5043701" y="2286554"/>
             <a:ext cx="1106370" cy="792133"/>
           </a:xfrm>
           <a:prstGeom prst="bentConnector2">
@@ -9920,7 +10145,7 @@
         </p:nvCxnSpPr>
         <p:spPr>
           <a:xfrm>
-            <a:off x="6282463" y="2286554"/>
+            <a:off x="6239599" y="2286554"/>
             <a:ext cx="993800" cy="792132"/>
           </a:xfrm>
           <a:prstGeom prst="bentConnector3">
@@ -11041,6 +11266,65 @@
           </p:sp>
         </p:grpSp>
       </p:grpSp>
+      <p:sp>
+        <p:nvSpPr>
+          <p:cNvPr id="17" name="Rectangle 16">
+            <a:extLst>
+              <a:ext uri="{FF2B5EF4-FFF2-40B4-BE49-F238E27FC236}">
+                <a16:creationId xmlns:a16="http://schemas.microsoft.com/office/drawing/2014/main" id="{43CFB145-A459-1ED5-0E8C-F7397E27DDF7}"/>
+              </a:ext>
+            </a:extLst>
+          </p:cNvPr>
+          <p:cNvSpPr/>
+          <p:nvPr/>
+        </p:nvSpPr>
+        <p:spPr>
+          <a:xfrm>
+            <a:off x="6018143" y="3082517"/>
+            <a:ext cx="260399" cy="194394"/>
+          </a:xfrm>
+          <a:prstGeom prst="rect">
+            <a:avLst/>
+          </a:prstGeom>
+          <a:solidFill>
+            <a:schemeClr val="accent1">
+              <a:lumMod val="75000"/>
+            </a:schemeClr>
+          </a:solidFill>
+          <a:ln>
+            <a:noFill/>
+          </a:ln>
+        </p:spPr>
+        <p:style>
+          <a:lnRef idx="1">
+            <a:schemeClr val="accent1"/>
+          </a:lnRef>
+          <a:fillRef idx="3">
+            <a:schemeClr val="accent1"/>
+          </a:fillRef>
+          <a:effectRef idx="2">
+            <a:schemeClr val="accent1"/>
+          </a:effectRef>
+          <a:fontRef idx="minor">
+            <a:schemeClr val="lt1"/>
+          </a:fontRef>
+        </p:style>
+        <p:txBody>
+          <a:bodyPr rtlCol="0" anchor="ctr"/>
+          <a:lstStyle/>
+          <a:p>
+            <a:pPr algn="ctr"/>
+            <a:r>
+              <a:rPr lang="en-US" sz="1400" dirty="0">
+                <a:solidFill>
+                  <a:schemeClr val="bg1"/>
+                </a:solidFill>
+              </a:rPr>
+              <a:t>S</a:t>
+            </a:r>
+          </a:p>
+        </p:txBody>
+      </p:sp>
     </p:spTree>
     <p:extLst>
       <p:ext uri="{BB962C8B-B14F-4D97-AF65-F5344CB8AC3E}">
@@ -11085,7 +11369,7 @@
         </p:nvSpPr>
         <p:spPr>
           <a:xfrm>
-            <a:off x="4204556" y="4801680"/>
+            <a:off x="4204556" y="5512273"/>
             <a:ext cx="397866" cy="307777"/>
           </a:xfrm>
           <a:prstGeom prst="rect">
@@ -11120,7 +11404,7 @@
         </p:nvSpPr>
         <p:spPr>
           <a:xfrm>
-            <a:off x="3732123" y="4955568"/>
+            <a:off x="3732123" y="5666161"/>
             <a:ext cx="397866" cy="307777"/>
           </a:xfrm>
           <a:prstGeom prst="rect">
@@ -11155,7 +11439,7 @@
         </p:nvSpPr>
         <p:spPr>
           <a:xfrm>
-            <a:off x="7439145" y="4796301"/>
+            <a:off x="7439145" y="5506894"/>
             <a:ext cx="397866" cy="307777"/>
           </a:xfrm>
           <a:prstGeom prst="rect">
@@ -11190,7 +11474,7 @@
         </p:nvSpPr>
         <p:spPr>
           <a:xfrm>
-            <a:off x="7921902" y="4946394"/>
+            <a:off x="7921902" y="5656987"/>
             <a:ext cx="397866" cy="307777"/>
           </a:xfrm>
           <a:prstGeom prst="rect">
@@ -11225,17 +11509,16 @@
         </p:nvSpPr>
         <p:spPr>
           <a:xfrm>
-            <a:off x="3685374" y="3257689"/>
+            <a:off x="3685374" y="3968282"/>
             <a:ext cx="493876" cy="402772"/>
           </a:xfrm>
           <a:prstGeom prst="rect">
             <a:avLst/>
           </a:prstGeom>
+          <a:noFill/>
           <a:ln w="19050">
             <a:solidFill>
-              <a:schemeClr val="bg2">
-                <a:lumMod val="10000"/>
-              </a:schemeClr>
+              <a:srgbClr val="0070C0"/>
             </a:solidFill>
           </a:ln>
         </p:spPr>
@@ -11283,17 +11566,16 @@
         </p:nvSpPr>
         <p:spPr>
           <a:xfrm>
-            <a:off x="7842040" y="3257689"/>
+            <a:off x="7842040" y="3968282"/>
             <a:ext cx="493876" cy="402772"/>
           </a:xfrm>
           <a:prstGeom prst="rect">
             <a:avLst/>
           </a:prstGeom>
+          <a:noFill/>
           <a:ln w="19050">
             <a:solidFill>
-              <a:schemeClr val="bg2">
-                <a:lumMod val="10000"/>
-              </a:schemeClr>
+              <a:srgbClr val="0070C0"/>
             </a:solidFill>
           </a:ln>
         </p:spPr>
@@ -11344,7 +11626,7 @@
         </p:nvCxnSpPr>
         <p:spPr>
           <a:xfrm>
-            <a:off x="3932312" y="3660461"/>
+            <a:off x="3932312" y="4371054"/>
             <a:ext cx="471178" cy="381410"/>
           </a:xfrm>
           <a:prstGeom prst="line">
@@ -11390,7 +11672,7 @@
         </p:nvCxnSpPr>
         <p:spPr>
           <a:xfrm flipH="1">
-            <a:off x="3931057" y="3660461"/>
+            <a:off x="3931057" y="4371054"/>
             <a:ext cx="1255" cy="587003"/>
           </a:xfrm>
           <a:prstGeom prst="line">
@@ -11436,7 +11718,7 @@
         </p:nvCxnSpPr>
         <p:spPr>
           <a:xfrm>
-            <a:off x="8088978" y="3660461"/>
+            <a:off x="8088978" y="4371054"/>
             <a:ext cx="21930" cy="587003"/>
           </a:xfrm>
           <a:prstGeom prst="line">
@@ -11482,7 +11764,7 @@
         </p:nvCxnSpPr>
         <p:spPr>
           <a:xfrm flipH="1">
-            <a:off x="7640791" y="3660461"/>
+            <a:off x="7640791" y="4371054"/>
             <a:ext cx="448187" cy="381410"/>
           </a:xfrm>
           <a:prstGeom prst="line">
@@ -11525,23 +11807,16 @@
         </p:nvSpPr>
         <p:spPr>
           <a:xfrm>
-            <a:off x="5730214" y="2057972"/>
+            <a:off x="5730214" y="2768565"/>
             <a:ext cx="493876" cy="402772"/>
           </a:xfrm>
           <a:prstGeom prst="rect">
             <a:avLst/>
           </a:prstGeom>
-          <a:solidFill>
-            <a:schemeClr val="accent1">
-              <a:lumMod val="40000"/>
-              <a:lumOff val="60000"/>
-            </a:schemeClr>
-          </a:solidFill>
+          <a:noFill/>
           <a:ln w="19050">
             <a:solidFill>
-              <a:schemeClr val="bg2">
-                <a:lumMod val="10000"/>
-              </a:schemeClr>
+              <a:srgbClr val="0070C0"/>
             </a:solidFill>
           </a:ln>
         </p:spPr>
@@ -11592,7 +11867,7 @@
         </p:nvCxnSpPr>
         <p:spPr>
           <a:xfrm flipH="1">
-            <a:off x="3932312" y="2460744"/>
+            <a:off x="3932312" y="3171337"/>
             <a:ext cx="2044840" cy="796945"/>
           </a:xfrm>
           <a:prstGeom prst="line">
@@ -11638,7 +11913,7 @@
         </p:nvCxnSpPr>
         <p:spPr>
           <a:xfrm>
-            <a:off x="5977152" y="2460744"/>
+            <a:off x="5977152" y="3171337"/>
             <a:ext cx="2111826" cy="796945"/>
           </a:xfrm>
           <a:prstGeom prst="line">
@@ -11681,15 +11956,18 @@
         </p:nvSpPr>
         <p:spPr>
           <a:xfrm>
-            <a:off x="4630871" y="1230640"/>
+            <a:off x="4630871" y="1941233"/>
             <a:ext cx="2692561" cy="433339"/>
           </a:xfrm>
           <a:prstGeom prst="roundRect">
             <a:avLst/>
           </a:prstGeom>
+          <a:solidFill>
+            <a:srgbClr val="0070C0"/>
+          </a:solidFill>
           <a:ln w="28575">
             <a:solidFill>
-              <a:schemeClr val="accent1"/>
+              <a:srgbClr val="0070C0"/>
             </a:solidFill>
           </a:ln>
         </p:spPr>
@@ -11723,49 +12001,6 @@
       </p:sp>
       <p:cxnSp>
         <p:nvCxnSpPr>
-          <p:cNvPr id="18" name="Straight Arrow Connector 17">
-            <a:extLst>
-              <a:ext uri="{FF2B5EF4-FFF2-40B4-BE49-F238E27FC236}">
-                <a16:creationId xmlns:a16="http://schemas.microsoft.com/office/drawing/2014/main" id="{36DD291C-4B0F-2044-9853-918694A80FD1}"/>
-              </a:ext>
-            </a:extLst>
-          </p:cNvPr>
-          <p:cNvCxnSpPr>
-            <a:stCxn id="17" idx="2"/>
-            <a:endCxn id="14" idx="0"/>
-          </p:cNvCxnSpPr>
-          <p:nvPr/>
-        </p:nvCxnSpPr>
-        <p:spPr>
-          <a:xfrm>
-            <a:off x="5977152" y="1663979"/>
-            <a:ext cx="0" cy="393993"/>
-          </a:xfrm>
-          <a:prstGeom prst="straightConnector1">
-            <a:avLst/>
-          </a:prstGeom>
-          <a:ln w="12700">
-            <a:prstDash val="sysDot"/>
-            <a:tailEnd type="triangle"/>
-          </a:ln>
-        </p:spPr>
-        <p:style>
-          <a:lnRef idx="1">
-            <a:schemeClr val="accent1"/>
-          </a:lnRef>
-          <a:fillRef idx="0">
-            <a:schemeClr val="accent1"/>
-          </a:fillRef>
-          <a:effectRef idx="0">
-            <a:schemeClr val="accent1"/>
-          </a:effectRef>
-          <a:fontRef idx="minor">
-            <a:schemeClr val="tx1"/>
-          </a:fontRef>
-        </p:style>
-      </p:cxnSp>
-      <p:cxnSp>
-        <p:nvCxnSpPr>
           <p:cNvPr id="19" name="Straight Arrow Connector 18">
             <a:extLst>
               <a:ext uri="{FF2B5EF4-FFF2-40B4-BE49-F238E27FC236}">
@@ -11782,7 +12017,7 @@
         </p:nvCxnSpPr>
         <p:spPr>
           <a:xfrm>
-            <a:off x="5977152" y="1663979"/>
+            <a:off x="5977152" y="2374572"/>
             <a:ext cx="2111826" cy="1593710"/>
           </a:xfrm>
           <a:prstGeom prst="straightConnector1">
@@ -11825,7 +12060,7 @@
         </p:nvCxnSpPr>
         <p:spPr>
           <a:xfrm>
-            <a:off x="5977152" y="1663979"/>
+            <a:off x="5977152" y="2374572"/>
             <a:ext cx="1663639" cy="2377892"/>
           </a:xfrm>
           <a:prstGeom prst="straightConnector1">
@@ -11868,7 +12103,7 @@
         </p:nvCxnSpPr>
         <p:spPr>
           <a:xfrm>
-            <a:off x="5977152" y="1663979"/>
+            <a:off x="5977152" y="2374572"/>
             <a:ext cx="2133756" cy="2583485"/>
           </a:xfrm>
           <a:prstGeom prst="straightConnector1">
@@ -11911,7 +12146,7 @@
         </p:nvCxnSpPr>
         <p:spPr>
           <a:xfrm flipH="1">
-            <a:off x="4403490" y="1663979"/>
+            <a:off x="4403490" y="2374572"/>
             <a:ext cx="1573662" cy="2377892"/>
           </a:xfrm>
           <a:prstGeom prst="straightConnector1">
@@ -11955,7 +12190,7 @@
         </p:nvCxnSpPr>
         <p:spPr>
           <a:xfrm flipH="1">
-            <a:off x="3932312" y="1663979"/>
+            <a:off x="3932312" y="2374572"/>
             <a:ext cx="2044840" cy="1593710"/>
           </a:xfrm>
           <a:prstGeom prst="straightConnector1">
@@ -11998,7 +12233,7 @@
         </p:nvCxnSpPr>
         <p:spPr>
           <a:xfrm flipH="1">
-            <a:off x="3931057" y="1663979"/>
+            <a:off x="3931057" y="2374572"/>
             <a:ext cx="2046095" cy="2583485"/>
           </a:xfrm>
           <a:prstGeom prst="straightConnector1">
@@ -12024,371 +12259,6 @@
           </a:fontRef>
         </p:style>
       </p:cxnSp>
-      <p:sp>
-        <p:nvSpPr>
-          <p:cNvPr id="25" name="Rounded Rectangle 24">
-            <a:extLst>
-              <a:ext uri="{FF2B5EF4-FFF2-40B4-BE49-F238E27FC236}">
-                <a16:creationId xmlns:a16="http://schemas.microsoft.com/office/drawing/2014/main" id="{80367D9C-1B90-F648-B0B5-5B38D12425DA}"/>
-              </a:ext>
-            </a:extLst>
-          </p:cNvPr>
-          <p:cNvSpPr/>
-          <p:nvPr/>
-        </p:nvSpPr>
-        <p:spPr>
-          <a:xfrm rot="16200000">
-            <a:off x="4337730" y="510968"/>
-            <a:ext cx="955071" cy="355679"/>
-          </a:xfrm>
-          <a:prstGeom prst="roundRect">
-            <a:avLst/>
-          </a:prstGeom>
-          <a:solidFill>
-            <a:schemeClr val="bg1"/>
-          </a:solidFill>
-          <a:ln w="28575">
-            <a:solidFill>
-              <a:srgbClr val="0070C0"/>
-            </a:solidFill>
-          </a:ln>
-        </p:spPr>
-        <p:style>
-          <a:lnRef idx="2">
-            <a:schemeClr val="accent1">
-              <a:shade val="50000"/>
-            </a:schemeClr>
-          </a:lnRef>
-          <a:fillRef idx="1">
-            <a:schemeClr val="accent1"/>
-          </a:fillRef>
-          <a:effectRef idx="0">
-            <a:schemeClr val="accent1"/>
-          </a:effectRef>
-          <a:fontRef idx="minor">
-            <a:schemeClr val="lt1"/>
-          </a:fontRef>
-        </p:style>
-        <p:txBody>
-          <a:bodyPr rtlCol="0" anchor="ctr"/>
-          <a:lstStyle/>
-          <a:p>
-            <a:pPr algn="ctr"/>
-            <a:r>
-              <a:rPr lang="en-US" dirty="0" err="1">
-                <a:solidFill>
-                  <a:schemeClr val="tx1"/>
-                </a:solidFill>
-              </a:rPr>
-              <a:t>xApp</a:t>
-            </a:r>
-            <a:endParaRPr lang="en-US" dirty="0">
-              <a:solidFill>
-                <a:schemeClr val="tx1"/>
-              </a:solidFill>
-            </a:endParaRPr>
-          </a:p>
-        </p:txBody>
-      </p:sp>
-      <p:sp>
-        <p:nvSpPr>
-          <p:cNvPr id="26" name="Rounded Rectangle 25">
-            <a:extLst>
-              <a:ext uri="{FF2B5EF4-FFF2-40B4-BE49-F238E27FC236}">
-                <a16:creationId xmlns:a16="http://schemas.microsoft.com/office/drawing/2014/main" id="{C7E1CDD9-DABB-FA4D-A2D4-777910860B5A}"/>
-              </a:ext>
-            </a:extLst>
-          </p:cNvPr>
-          <p:cNvSpPr/>
-          <p:nvPr/>
-        </p:nvSpPr>
-        <p:spPr>
-          <a:xfrm rot="16200000">
-            <a:off x="4753605" y="510967"/>
-            <a:ext cx="955071" cy="355679"/>
-          </a:xfrm>
-          <a:prstGeom prst="roundRect">
-            <a:avLst/>
-          </a:prstGeom>
-          <a:solidFill>
-            <a:schemeClr val="bg1"/>
-          </a:solidFill>
-          <a:ln w="28575">
-            <a:solidFill>
-              <a:srgbClr val="0070C0"/>
-            </a:solidFill>
-          </a:ln>
-        </p:spPr>
-        <p:style>
-          <a:lnRef idx="2">
-            <a:schemeClr val="accent1">
-              <a:shade val="50000"/>
-            </a:schemeClr>
-          </a:lnRef>
-          <a:fillRef idx="1">
-            <a:schemeClr val="accent1"/>
-          </a:fillRef>
-          <a:effectRef idx="0">
-            <a:schemeClr val="accent1"/>
-          </a:effectRef>
-          <a:fontRef idx="minor">
-            <a:schemeClr val="lt1"/>
-          </a:fontRef>
-        </p:style>
-        <p:txBody>
-          <a:bodyPr rtlCol="0" anchor="ctr"/>
-          <a:lstStyle/>
-          <a:p>
-            <a:pPr algn="ctr"/>
-            <a:r>
-              <a:rPr lang="en-US" dirty="0" err="1">
-                <a:solidFill>
-                  <a:schemeClr val="tx1"/>
-                </a:solidFill>
-              </a:rPr>
-              <a:t>xApp</a:t>
-            </a:r>
-            <a:endParaRPr lang="en-US" dirty="0">
-              <a:solidFill>
-                <a:schemeClr val="tx1"/>
-              </a:solidFill>
-            </a:endParaRPr>
-          </a:p>
-        </p:txBody>
-      </p:sp>
-      <p:sp>
-        <p:nvSpPr>
-          <p:cNvPr id="27" name="Rounded Rectangle 26">
-            <a:extLst>
-              <a:ext uri="{FF2B5EF4-FFF2-40B4-BE49-F238E27FC236}">
-                <a16:creationId xmlns:a16="http://schemas.microsoft.com/office/drawing/2014/main" id="{1604615C-D906-6B45-BEEA-20900667611D}"/>
-              </a:ext>
-            </a:extLst>
-          </p:cNvPr>
-          <p:cNvSpPr/>
-          <p:nvPr/>
-        </p:nvSpPr>
-        <p:spPr>
-          <a:xfrm rot="16200000">
-            <a:off x="5177643" y="512982"/>
-            <a:ext cx="955071" cy="355679"/>
-          </a:xfrm>
-          <a:prstGeom prst="roundRect">
-            <a:avLst/>
-          </a:prstGeom>
-          <a:solidFill>
-            <a:schemeClr val="bg1"/>
-          </a:solidFill>
-          <a:ln w="28575">
-            <a:solidFill>
-              <a:srgbClr val="0070C0"/>
-            </a:solidFill>
-          </a:ln>
-        </p:spPr>
-        <p:style>
-          <a:lnRef idx="2">
-            <a:schemeClr val="accent1">
-              <a:shade val="50000"/>
-            </a:schemeClr>
-          </a:lnRef>
-          <a:fillRef idx="1">
-            <a:schemeClr val="accent1"/>
-          </a:fillRef>
-          <a:effectRef idx="0">
-            <a:schemeClr val="accent1"/>
-          </a:effectRef>
-          <a:fontRef idx="minor">
-            <a:schemeClr val="lt1"/>
-          </a:fontRef>
-        </p:style>
-        <p:txBody>
-          <a:bodyPr rtlCol="0" anchor="ctr"/>
-          <a:lstStyle/>
-          <a:p>
-            <a:pPr algn="ctr"/>
-            <a:r>
-              <a:rPr lang="en-US" dirty="0" err="1">
-                <a:solidFill>
-                  <a:schemeClr val="tx1"/>
-                </a:solidFill>
-              </a:rPr>
-              <a:t>xApp</a:t>
-            </a:r>
-            <a:endParaRPr lang="en-US" dirty="0">
-              <a:solidFill>
-                <a:schemeClr val="tx1"/>
-              </a:solidFill>
-            </a:endParaRPr>
-          </a:p>
-        </p:txBody>
-      </p:sp>
-      <p:sp>
-        <p:nvSpPr>
-          <p:cNvPr id="28" name="Rounded Rectangle 27">
-            <a:extLst>
-              <a:ext uri="{FF2B5EF4-FFF2-40B4-BE49-F238E27FC236}">
-                <a16:creationId xmlns:a16="http://schemas.microsoft.com/office/drawing/2014/main" id="{7ED8802B-AC76-2B4F-B7A2-4466DECA6AC2}"/>
-              </a:ext>
-            </a:extLst>
-          </p:cNvPr>
-          <p:cNvSpPr/>
-          <p:nvPr/>
-        </p:nvSpPr>
-        <p:spPr>
-          <a:xfrm rot="16200000">
-            <a:off x="5618464" y="510966"/>
-            <a:ext cx="955071" cy="355679"/>
-          </a:xfrm>
-          <a:prstGeom prst="roundRect">
-            <a:avLst/>
-          </a:prstGeom>
-          <a:solidFill>
-            <a:schemeClr val="bg1"/>
-          </a:solidFill>
-          <a:ln w="28575">
-            <a:solidFill>
-              <a:srgbClr val="0070C0"/>
-            </a:solidFill>
-          </a:ln>
-        </p:spPr>
-        <p:style>
-          <a:lnRef idx="2">
-            <a:schemeClr val="accent1">
-              <a:shade val="50000"/>
-            </a:schemeClr>
-          </a:lnRef>
-          <a:fillRef idx="1">
-            <a:schemeClr val="accent1"/>
-          </a:fillRef>
-          <a:effectRef idx="0">
-            <a:schemeClr val="accent1"/>
-          </a:effectRef>
-          <a:fontRef idx="minor">
-            <a:schemeClr val="lt1"/>
-          </a:fontRef>
-        </p:style>
-        <p:txBody>
-          <a:bodyPr rtlCol="0" anchor="ctr"/>
-          <a:lstStyle/>
-          <a:p>
-            <a:pPr algn="ctr"/>
-            <a:r>
-              <a:rPr lang="en-US" dirty="0" err="1">
-                <a:solidFill>
-                  <a:schemeClr val="tx1"/>
-                </a:solidFill>
-              </a:rPr>
-              <a:t>xApp</a:t>
-            </a:r>
-            <a:endParaRPr lang="en-US" dirty="0">
-              <a:solidFill>
-                <a:schemeClr val="tx1"/>
-              </a:solidFill>
-            </a:endParaRPr>
-          </a:p>
-        </p:txBody>
-      </p:sp>
-      <p:sp>
-        <p:nvSpPr>
-          <p:cNvPr id="29" name="Rounded Rectangle 28">
-            <a:extLst>
-              <a:ext uri="{FF2B5EF4-FFF2-40B4-BE49-F238E27FC236}">
-                <a16:creationId xmlns:a16="http://schemas.microsoft.com/office/drawing/2014/main" id="{593FCA3F-10CF-EC42-98B1-367BDF04682E}"/>
-              </a:ext>
-            </a:extLst>
-          </p:cNvPr>
-          <p:cNvSpPr/>
-          <p:nvPr/>
-        </p:nvSpPr>
-        <p:spPr>
-          <a:xfrm rot="16200000">
-            <a:off x="6668057" y="528905"/>
-            <a:ext cx="955071" cy="355679"/>
-          </a:xfrm>
-          <a:prstGeom prst="roundRect">
-            <a:avLst/>
-          </a:prstGeom>
-          <a:solidFill>
-            <a:schemeClr val="bg1"/>
-          </a:solidFill>
-          <a:ln w="28575">
-            <a:solidFill>
-              <a:srgbClr val="0070C0"/>
-            </a:solidFill>
-          </a:ln>
-        </p:spPr>
-        <p:style>
-          <a:lnRef idx="2">
-            <a:schemeClr val="accent1">
-              <a:shade val="50000"/>
-            </a:schemeClr>
-          </a:lnRef>
-          <a:fillRef idx="1">
-            <a:schemeClr val="accent1"/>
-          </a:fillRef>
-          <a:effectRef idx="0">
-            <a:schemeClr val="accent1"/>
-          </a:effectRef>
-          <a:fontRef idx="minor">
-            <a:schemeClr val="lt1"/>
-          </a:fontRef>
-        </p:style>
-        <p:txBody>
-          <a:bodyPr rtlCol="0" anchor="ctr"/>
-          <a:lstStyle/>
-          <a:p>
-            <a:pPr algn="ctr"/>
-            <a:r>
-              <a:rPr lang="en-US" dirty="0" err="1">
-                <a:solidFill>
-                  <a:schemeClr val="tx1"/>
-                </a:solidFill>
-              </a:rPr>
-              <a:t>xApp</a:t>
-            </a:r>
-            <a:endParaRPr lang="en-US" dirty="0">
-              <a:solidFill>
-                <a:schemeClr val="tx1"/>
-              </a:solidFill>
-            </a:endParaRPr>
-          </a:p>
-        </p:txBody>
-      </p:sp>
-      <p:sp>
-        <p:nvSpPr>
-          <p:cNvPr id="30" name="TextBox 29">
-            <a:extLst>
-              <a:ext uri="{FF2B5EF4-FFF2-40B4-BE49-F238E27FC236}">
-                <a16:creationId xmlns:a16="http://schemas.microsoft.com/office/drawing/2014/main" id="{F12EC056-9D4B-3E46-9F57-69BC36DF213C}"/>
-              </a:ext>
-            </a:extLst>
-          </p:cNvPr>
-          <p:cNvSpPr txBox="1"/>
-          <p:nvPr/>
-        </p:nvSpPr>
-        <p:spPr>
-          <a:xfrm>
-            <a:off x="6460958" y="631975"/>
-            <a:ext cx="343364" cy="369332"/>
-          </a:xfrm>
-          <a:prstGeom prst="rect">
-            <a:avLst/>
-          </a:prstGeom>
-          <a:noFill/>
-        </p:spPr>
-        <p:txBody>
-          <a:bodyPr wrap="none" rtlCol="0">
-            <a:spAutoFit/>
-          </a:bodyPr>
-          <a:lstStyle/>
-          <a:p>
-            <a:r>
-              <a:rPr lang="en-US" dirty="0"/>
-              <a:t>…</a:t>
-            </a:r>
-          </a:p>
-        </p:txBody>
-      </p:sp>
       <p:pic>
         <p:nvPicPr>
           <p:cNvPr id="31" name="Graphic 30">
@@ -12417,7 +12287,7 @@
         </p:blipFill>
         <p:spPr>
           <a:xfrm>
-            <a:off x="7868701" y="4250937"/>
+            <a:off x="7868701" y="4961530"/>
             <a:ext cx="506243" cy="704629"/>
           </a:xfrm>
           <a:prstGeom prst="rect">
@@ -12453,7 +12323,7 @@
         </p:blipFill>
         <p:spPr>
           <a:xfrm>
-            <a:off x="7384956" y="4081647"/>
+            <a:off x="7384956" y="4792240"/>
             <a:ext cx="506243" cy="704629"/>
           </a:xfrm>
           <a:prstGeom prst="rect">
@@ -12489,7 +12359,7 @@
         </p:blipFill>
         <p:spPr>
           <a:xfrm>
-            <a:off x="4153066" y="4104216"/>
+            <a:off x="4153066" y="4814809"/>
             <a:ext cx="506243" cy="704629"/>
           </a:xfrm>
           <a:prstGeom prst="rect">
@@ -12525,7 +12395,7 @@
         </p:blipFill>
         <p:spPr>
           <a:xfrm>
-            <a:off x="3674494" y="4250938"/>
+            <a:off x="3674494" y="4961531"/>
             <a:ext cx="506243" cy="704629"/>
           </a:xfrm>
           <a:prstGeom prst="rect">
@@ -12533,6 +12403,322 @@
           </a:prstGeom>
         </p:spPr>
       </p:pic>
+      <p:sp>
+        <p:nvSpPr>
+          <p:cNvPr id="2" name="Rounded Rectangle 1">
+            <a:extLst>
+              <a:ext uri="{FF2B5EF4-FFF2-40B4-BE49-F238E27FC236}">
+                <a16:creationId xmlns:a16="http://schemas.microsoft.com/office/drawing/2014/main" id="{4AD0ACDD-9B1E-F389-A30E-F0666FD20C56}"/>
+              </a:ext>
+            </a:extLst>
+          </p:cNvPr>
+          <p:cNvSpPr/>
+          <p:nvPr/>
+        </p:nvSpPr>
+        <p:spPr>
+          <a:xfrm rot="5400000">
+            <a:off x="4051198" y="826593"/>
+            <a:ext cx="1608322" cy="448977"/>
+          </a:xfrm>
+          <a:prstGeom prst="roundRect">
+            <a:avLst/>
+          </a:prstGeom>
+          <a:solidFill>
+            <a:schemeClr val="bg1"/>
+          </a:solidFill>
+          <a:ln w="19050">
+            <a:solidFill>
+              <a:srgbClr val="0070C0"/>
+            </a:solidFill>
+          </a:ln>
+        </p:spPr>
+        <p:style>
+          <a:lnRef idx="1">
+            <a:schemeClr val="dk1"/>
+          </a:lnRef>
+          <a:fillRef idx="2">
+            <a:schemeClr val="dk1"/>
+          </a:fillRef>
+          <a:effectRef idx="1">
+            <a:schemeClr val="dk1"/>
+          </a:effectRef>
+          <a:fontRef idx="minor">
+            <a:schemeClr val="dk1"/>
+          </a:fontRef>
+        </p:style>
+        <p:txBody>
+          <a:bodyPr rtlCol="0" anchor="ctr"/>
+          <a:lstStyle/>
+          <a:p>
+            <a:pPr algn="ctr"/>
+            <a:r>
+              <a:rPr lang="en-US" sz="1400" dirty="0">
+                <a:solidFill>
+                  <a:schemeClr val="tx1"/>
+                </a:solidFill>
+              </a:rPr>
+              <a:t>Handover Control</a:t>
+            </a:r>
+          </a:p>
+        </p:txBody>
+      </p:sp>
+      <p:sp>
+        <p:nvSpPr>
+          <p:cNvPr id="3" name="Rounded Rectangle 2">
+            <a:extLst>
+              <a:ext uri="{FF2B5EF4-FFF2-40B4-BE49-F238E27FC236}">
+                <a16:creationId xmlns:a16="http://schemas.microsoft.com/office/drawing/2014/main" id="{B10D2350-D9EA-3097-6884-E6A288E08B49}"/>
+              </a:ext>
+            </a:extLst>
+          </p:cNvPr>
+          <p:cNvSpPr/>
+          <p:nvPr/>
+        </p:nvSpPr>
+        <p:spPr>
+          <a:xfrm rot="5400000">
+            <a:off x="5299145" y="826593"/>
+            <a:ext cx="1608322" cy="448977"/>
+          </a:xfrm>
+          <a:prstGeom prst="roundRect">
+            <a:avLst/>
+          </a:prstGeom>
+          <a:solidFill>
+            <a:schemeClr val="bg1"/>
+          </a:solidFill>
+          <a:ln w="19050">
+            <a:solidFill>
+              <a:srgbClr val="0070C0"/>
+            </a:solidFill>
+          </a:ln>
+        </p:spPr>
+        <p:style>
+          <a:lnRef idx="1">
+            <a:schemeClr val="dk1"/>
+          </a:lnRef>
+          <a:fillRef idx="2">
+            <a:schemeClr val="dk1"/>
+          </a:fillRef>
+          <a:effectRef idx="1">
+            <a:schemeClr val="dk1"/>
+          </a:effectRef>
+          <a:fontRef idx="minor">
+            <a:schemeClr val="dk1"/>
+          </a:fontRef>
+        </p:style>
+        <p:txBody>
+          <a:bodyPr rtlCol="0" anchor="ctr"/>
+          <a:lstStyle/>
+          <a:p>
+            <a:pPr algn="ctr"/>
+            <a:r>
+              <a:rPr lang="en-US" sz="1400" dirty="0">
+                <a:solidFill>
+                  <a:schemeClr val="tx1"/>
+                </a:solidFill>
+              </a:rPr>
+              <a:t>Link Aggregation</a:t>
+            </a:r>
+          </a:p>
+        </p:txBody>
+      </p:sp>
+      <p:sp>
+        <p:nvSpPr>
+          <p:cNvPr id="35" name="Rounded Rectangle 34">
+            <a:extLst>
+              <a:ext uri="{FF2B5EF4-FFF2-40B4-BE49-F238E27FC236}">
+                <a16:creationId xmlns:a16="http://schemas.microsoft.com/office/drawing/2014/main" id="{689E4F7E-598C-CF2E-CD63-72C21E1E7BA8}"/>
+              </a:ext>
+            </a:extLst>
+          </p:cNvPr>
+          <p:cNvSpPr/>
+          <p:nvPr/>
+        </p:nvSpPr>
+        <p:spPr>
+          <a:xfrm rot="5400000">
+            <a:off x="4694640" y="826593"/>
+            <a:ext cx="1608322" cy="448977"/>
+          </a:xfrm>
+          <a:prstGeom prst="roundRect">
+            <a:avLst/>
+          </a:prstGeom>
+          <a:solidFill>
+            <a:schemeClr val="bg1"/>
+          </a:solidFill>
+          <a:ln w="19050">
+            <a:solidFill>
+              <a:srgbClr val="0070C0"/>
+            </a:solidFill>
+          </a:ln>
+        </p:spPr>
+        <p:style>
+          <a:lnRef idx="1">
+            <a:schemeClr val="dk1"/>
+          </a:lnRef>
+          <a:fillRef idx="2">
+            <a:schemeClr val="dk1"/>
+          </a:fillRef>
+          <a:effectRef idx="1">
+            <a:schemeClr val="dk1"/>
+          </a:effectRef>
+          <a:fontRef idx="minor">
+            <a:schemeClr val="dk1"/>
+          </a:fontRef>
+        </p:style>
+        <p:txBody>
+          <a:bodyPr rtlCol="0" anchor="ctr"/>
+          <a:lstStyle/>
+          <a:p>
+            <a:pPr algn="ctr"/>
+            <a:r>
+              <a:rPr lang="en-US" sz="1400" dirty="0">
+                <a:solidFill>
+                  <a:schemeClr val="tx1"/>
+                </a:solidFill>
+              </a:rPr>
+              <a:t>Interference Mgmt</a:t>
+            </a:r>
+          </a:p>
+        </p:txBody>
+      </p:sp>
+      <p:sp>
+        <p:nvSpPr>
+          <p:cNvPr id="36" name="Rounded Rectangle 35">
+            <a:extLst>
+              <a:ext uri="{FF2B5EF4-FFF2-40B4-BE49-F238E27FC236}">
+                <a16:creationId xmlns:a16="http://schemas.microsoft.com/office/drawing/2014/main" id="{919BEA6E-11AD-B35A-57E4-F5059B51141B}"/>
+              </a:ext>
+            </a:extLst>
+          </p:cNvPr>
+          <p:cNvSpPr/>
+          <p:nvPr/>
+        </p:nvSpPr>
+        <p:spPr>
+          <a:xfrm rot="5400000">
+            <a:off x="5909474" y="826593"/>
+            <a:ext cx="1608322" cy="448977"/>
+          </a:xfrm>
+          <a:prstGeom prst="roundRect">
+            <a:avLst/>
+          </a:prstGeom>
+          <a:solidFill>
+            <a:schemeClr val="bg1"/>
+          </a:solidFill>
+          <a:ln w="19050">
+            <a:solidFill>
+              <a:srgbClr val="0070C0"/>
+            </a:solidFill>
+          </a:ln>
+        </p:spPr>
+        <p:style>
+          <a:lnRef idx="1">
+            <a:schemeClr val="dk1"/>
+          </a:lnRef>
+          <a:fillRef idx="2">
+            <a:schemeClr val="dk1"/>
+          </a:fillRef>
+          <a:effectRef idx="1">
+            <a:schemeClr val="dk1"/>
+          </a:effectRef>
+          <a:fontRef idx="minor">
+            <a:schemeClr val="dk1"/>
+          </a:fontRef>
+        </p:style>
+        <p:txBody>
+          <a:bodyPr rtlCol="0" anchor="ctr"/>
+          <a:lstStyle/>
+          <a:p>
+            <a:pPr algn="ctr"/>
+            <a:r>
+              <a:rPr lang="en-US" sz="1400" dirty="0">
+                <a:solidFill>
+                  <a:schemeClr val="tx1"/>
+                </a:solidFill>
+              </a:rPr>
+              <a:t>Load Balancing</a:t>
+            </a:r>
+          </a:p>
+        </p:txBody>
+      </p:sp>
+      <p:sp>
+        <p:nvSpPr>
+          <p:cNvPr id="37" name="TextBox 36">
+            <a:extLst>
+              <a:ext uri="{FF2B5EF4-FFF2-40B4-BE49-F238E27FC236}">
+                <a16:creationId xmlns:a16="http://schemas.microsoft.com/office/drawing/2014/main" id="{5F313886-917D-E0E5-D76C-CEE32ED6E447}"/>
+              </a:ext>
+            </a:extLst>
+          </p:cNvPr>
+          <p:cNvSpPr txBox="1"/>
+          <p:nvPr/>
+        </p:nvSpPr>
+        <p:spPr>
+          <a:xfrm>
+            <a:off x="6980068" y="959802"/>
+            <a:ext cx="343364" cy="369332"/>
+          </a:xfrm>
+          <a:prstGeom prst="rect">
+            <a:avLst/>
+          </a:prstGeom>
+          <a:noFill/>
+        </p:spPr>
+        <p:txBody>
+          <a:bodyPr wrap="none" rtlCol="0">
+            <a:spAutoFit/>
+          </a:bodyPr>
+          <a:lstStyle/>
+          <a:p>
+            <a:r>
+              <a:rPr lang="mr-IN" dirty="0"/>
+              <a:t>…</a:t>
+            </a:r>
+            <a:endParaRPr lang="en-US" dirty="0"/>
+          </a:p>
+        </p:txBody>
+      </p:sp>
+      <p:cxnSp>
+        <p:nvCxnSpPr>
+          <p:cNvPr id="38" name="Straight Arrow Connector 37">
+            <a:extLst>
+              <a:ext uri="{FF2B5EF4-FFF2-40B4-BE49-F238E27FC236}">
+                <a16:creationId xmlns:a16="http://schemas.microsoft.com/office/drawing/2014/main" id="{DA013944-7DB4-DF98-9F92-6EAD598EC5FB}"/>
+              </a:ext>
+            </a:extLst>
+          </p:cNvPr>
+          <p:cNvCxnSpPr>
+            <a:cxnSpLocks/>
+            <a:stCxn id="17" idx="2"/>
+            <a:endCxn id="14" idx="0"/>
+          </p:cNvCxnSpPr>
+          <p:nvPr/>
+        </p:nvCxnSpPr>
+        <p:spPr>
+          <a:xfrm>
+            <a:off x="5977152" y="2374572"/>
+            <a:ext cx="0" cy="393993"/>
+          </a:xfrm>
+          <a:prstGeom prst="straightConnector1">
+            <a:avLst/>
+          </a:prstGeom>
+          <a:ln w="12700">
+            <a:prstDash val="sysDot"/>
+            <a:tailEnd type="triangle"/>
+          </a:ln>
+        </p:spPr>
+        <p:style>
+          <a:lnRef idx="1">
+            <a:schemeClr val="accent1"/>
+          </a:lnRef>
+          <a:fillRef idx="0">
+            <a:schemeClr val="accent1"/>
+          </a:fillRef>
+          <a:effectRef idx="0">
+            <a:schemeClr val="accent1"/>
+          </a:effectRef>
+          <a:fontRef idx="minor">
+            <a:schemeClr val="tx1"/>
+          </a:fontRef>
+        </p:style>
+      </p:cxnSp>
     </p:spTree>
     <p:extLst>
       <p:ext uri="{BB962C8B-B14F-4D97-AF65-F5344CB8AC3E}">
@@ -12725,8 +12911,8 @@
         </p:nvSpPr>
         <p:spPr>
           <a:xfrm>
-            <a:off x="5668762" y="3157895"/>
-            <a:ext cx="1756200" cy="1328304"/>
+            <a:off x="6271562" y="3177049"/>
+            <a:ext cx="1073975" cy="1328304"/>
           </a:xfrm>
           <a:prstGeom prst="rect">
             <a:avLst/>
@@ -12750,7 +12936,7 @@
           </a:bodyPr>
           <a:lstStyle/>
           <a:p>
-            <a:pPr marL="0" lvl="0" indent="0" rtl="0">
+            <a:pPr marL="0" lvl="0" indent="0" algn="ctr" rtl="0">
               <a:spcBef>
                 <a:spcPts val="0"/>
               </a:spcBef>
@@ -12765,7 +12951,7 @@
                   <a:schemeClr val="bg1"/>
                 </a:solidFill>
               </a:rPr>
-              <a:t>Telemetry</a:t>
+              <a:t>Control</a:t>
             </a:r>
             <a:endParaRPr dirty="0">
               <a:solidFill>
@@ -12774,7 +12960,7 @@
             </a:endParaRPr>
           </a:p>
           <a:p>
-            <a:pPr marL="0" lvl="0" indent="0" rtl="0">
+            <a:pPr marL="0" lvl="0" indent="0" algn="ctr" rtl="0">
               <a:spcBef>
                 <a:spcPts val="0"/>
               </a:spcBef>
@@ -12790,6 +12976,25 @@
                 </a:solidFill>
               </a:rPr>
               <a:t>Service</a:t>
+            </a:r>
+          </a:p>
+          <a:p>
+            <a:pPr marL="0" lvl="0" indent="0" algn="ctr" rtl="0">
+              <a:spcBef>
+                <a:spcPts val="0"/>
+              </a:spcBef>
+              <a:spcAft>
+                <a:spcPts val="0"/>
+              </a:spcAft>
+              <a:buNone/>
+            </a:pPr>
+            <a:r>
+              <a:rPr lang="en-US" dirty="0">
+                <a:solidFill>
+                  <a:schemeClr val="bg1"/>
+                </a:solidFill>
+              </a:rPr>
+              <a:t>(UE-NIB)</a:t>
             </a:r>
             <a:endParaRPr dirty="0">
               <a:solidFill>
@@ -12917,7 +13122,7 @@
             </a:r>
             <a:r>
               <a:rPr lang="en-US" sz="1600" b="1" dirty="0"/>
-              <a:t> SDK</a:t>
+              <a:t> SDK (Python, Go)</a:t>
             </a:r>
             <a:endParaRPr sz="1600" b="1" dirty="0"/>
           </a:p>
@@ -13205,8 +13410,8 @@
         </p:nvSpPr>
         <p:spPr>
           <a:xfrm>
-            <a:off x="3797611" y="3157895"/>
-            <a:ext cx="1756200" cy="1318143"/>
+            <a:off x="7495770" y="3177049"/>
+            <a:ext cx="1081698" cy="1318143"/>
           </a:xfrm>
           <a:prstGeom prst="rect">
             <a:avLst/>
@@ -13230,7 +13435,7 @@
           </a:bodyPr>
           <a:lstStyle/>
           <a:p>
-            <a:pPr marL="0" lvl="0" indent="0" rtl="0">
+            <a:pPr marL="0" lvl="0" indent="0" algn="ctr" rtl="0">
               <a:spcBef>
                 <a:spcPts val="0"/>
               </a:spcBef>
@@ -13245,7 +13450,7 @@
                   <a:schemeClr val="bg1"/>
                 </a:solidFill>
               </a:rPr>
-              <a:t>Control</a:t>
+              <a:t>Config</a:t>
             </a:r>
             <a:endParaRPr dirty="0">
               <a:solidFill>
@@ -13254,7 +13459,7 @@
             </a:endParaRPr>
           </a:p>
           <a:p>
-            <a:pPr marL="0" lvl="0" indent="0" rtl="0">
+            <a:pPr marL="0" lvl="0" indent="0" algn="ctr" rtl="0">
               <a:spcBef>
                 <a:spcPts val="0"/>
               </a:spcBef>
@@ -13293,7 +13498,7 @@
         </p:nvSpPr>
         <p:spPr>
           <a:xfrm>
-            <a:off x="7539913" y="3165633"/>
+            <a:off x="5037578" y="3177049"/>
             <a:ext cx="1073975" cy="1307980"/>
           </a:xfrm>
           <a:prstGeom prst="rect">
@@ -13359,128 +13564,30 @@
               </a:rPr>
               <a:t>Service</a:t>
             </a:r>
+          </a:p>
+          <a:p>
+            <a:pPr marL="0" lvl="0" indent="0" algn="ctr" rtl="0">
+              <a:spcBef>
+                <a:spcPts val="0"/>
+              </a:spcBef>
+              <a:spcAft>
+                <a:spcPts val="0"/>
+              </a:spcAft>
+              <a:buNone/>
+            </a:pPr>
+            <a:r>
+              <a:rPr lang="en-US" dirty="0">
+                <a:solidFill>
+                  <a:schemeClr val="bg1"/>
+                </a:solidFill>
+              </a:rPr>
+              <a:t>(R-NIB)</a:t>
+            </a:r>
             <a:endParaRPr dirty="0">
               <a:solidFill>
                 <a:schemeClr val="bg1"/>
               </a:solidFill>
             </a:endParaRPr>
-          </a:p>
-        </p:txBody>
-      </p:sp>
-      <p:sp>
-        <p:nvSpPr>
-          <p:cNvPr id="90" name="Can 89">
-            <a:extLst>
-              <a:ext uri="{FF2B5EF4-FFF2-40B4-BE49-F238E27FC236}">
-                <a16:creationId xmlns:a16="http://schemas.microsoft.com/office/drawing/2014/main" id="{719B20E1-A602-6C4E-9B9C-7594845318B6}"/>
-              </a:ext>
-            </a:extLst>
-          </p:cNvPr>
-          <p:cNvSpPr/>
-          <p:nvPr/>
-        </p:nvSpPr>
-        <p:spPr>
-          <a:xfrm>
-            <a:off x="4919452" y="3474354"/>
-            <a:ext cx="503584" cy="594106"/>
-          </a:xfrm>
-          <a:prstGeom prst="can">
-            <a:avLst/>
-          </a:prstGeom>
-        </p:spPr>
-        <p:style>
-          <a:lnRef idx="1">
-            <a:schemeClr val="accent1"/>
-          </a:lnRef>
-          <a:fillRef idx="2">
-            <a:schemeClr val="accent1"/>
-          </a:fillRef>
-          <a:effectRef idx="1">
-            <a:schemeClr val="accent1"/>
-          </a:effectRef>
-          <a:fontRef idx="minor">
-            <a:schemeClr val="dk1"/>
-          </a:fontRef>
-        </p:style>
-        <p:txBody>
-          <a:bodyPr rtlCol="0" anchor="ctr"/>
-          <a:lstStyle/>
-          <a:p>
-            <a:pPr algn="ctr"/>
-            <a:r>
-              <a:rPr lang="en-US" sz="1600" dirty="0"/>
-              <a:t>K/V</a:t>
-            </a:r>
-          </a:p>
-        </p:txBody>
-      </p:sp>
-      <p:sp>
-        <p:nvSpPr>
-          <p:cNvPr id="91" name="Can 90">
-            <a:extLst>
-              <a:ext uri="{FF2B5EF4-FFF2-40B4-BE49-F238E27FC236}">
-                <a16:creationId xmlns:a16="http://schemas.microsoft.com/office/drawing/2014/main" id="{F9B9B25E-B71E-AE4F-A5CD-00B50C982A13}"/>
-              </a:ext>
-            </a:extLst>
-          </p:cNvPr>
-          <p:cNvSpPr/>
-          <p:nvPr/>
-        </p:nvSpPr>
-        <p:spPr>
-          <a:xfrm>
-            <a:off x="6771507" y="3474354"/>
-            <a:ext cx="535577" cy="594106"/>
-          </a:xfrm>
-          <a:prstGeom prst="can">
-            <a:avLst/>
-          </a:prstGeom>
-        </p:spPr>
-        <p:style>
-          <a:lnRef idx="1">
-            <a:schemeClr val="accent1"/>
-          </a:lnRef>
-          <a:fillRef idx="2">
-            <a:schemeClr val="accent1"/>
-          </a:fillRef>
-          <a:effectRef idx="1">
-            <a:schemeClr val="accent1"/>
-          </a:effectRef>
-          <a:fontRef idx="minor">
-            <a:schemeClr val="dk1"/>
-          </a:fontRef>
-        </p:style>
-        <p:txBody>
-          <a:bodyPr rtlCol="0" anchor="ctr"/>
-          <a:lstStyle/>
-          <a:p>
-            <a:pPr algn="ctr">
-              <a:lnSpc>
-                <a:spcPct val="80000"/>
-              </a:lnSpc>
-            </a:pPr>
-            <a:endParaRPr lang="en-US" sz="800" dirty="0"/>
-          </a:p>
-          <a:p>
-            <a:pPr algn="ctr">
-              <a:lnSpc>
-                <a:spcPct val="80000"/>
-              </a:lnSpc>
-            </a:pPr>
-            <a:r>
-              <a:rPr lang="en-US" sz="1600" dirty="0"/>
-              <a:t>TS</a:t>
-            </a:r>
-          </a:p>
-          <a:p>
-            <a:pPr algn="ctr">
-              <a:lnSpc>
-                <a:spcPct val="80000"/>
-              </a:lnSpc>
-            </a:pPr>
-            <a:r>
-              <a:rPr lang="en-US" sz="1600" dirty="0"/>
-              <a:t>DB</a:t>
-            </a:r>
           </a:p>
         </p:txBody>
       </p:sp>
@@ -13862,6 +13969,14 @@
           <a:prstGeom prst="roundRect">
             <a:avLst/>
           </a:prstGeom>
+          <a:solidFill>
+            <a:schemeClr val="bg1"/>
+          </a:solidFill>
+          <a:ln w="19050">
+            <a:solidFill>
+              <a:srgbClr val="0070C0"/>
+            </a:solidFill>
+          </a:ln>
         </p:spPr>
         <p:style>
           <a:lnRef idx="1">
@@ -13885,7 +14000,7 @@
             <a:r>
               <a:rPr lang="en-US" dirty="0">
                 <a:solidFill>
-                  <a:schemeClr val="bg1"/>
+                  <a:schemeClr val="tx1"/>
                 </a:solidFill>
               </a:rPr>
               <a:t>Handover Control</a:t>
@@ -13913,6 +14028,14 @@
           <a:prstGeom prst="roundRect">
             <a:avLst/>
           </a:prstGeom>
+          <a:solidFill>
+            <a:schemeClr val="bg1"/>
+          </a:solidFill>
+          <a:ln w="19050">
+            <a:solidFill>
+              <a:srgbClr val="0070C0"/>
+            </a:solidFill>
+          </a:ln>
         </p:spPr>
         <p:style>
           <a:lnRef idx="1">
@@ -13936,7 +14059,7 @@
             <a:r>
               <a:rPr lang="en-US" dirty="0">
                 <a:solidFill>
-                  <a:schemeClr val="bg1"/>
+                  <a:schemeClr val="tx1"/>
                 </a:solidFill>
               </a:rPr>
               <a:t>Link Aggregation</a:t>
@@ -13964,6 +14087,14 @@
           <a:prstGeom prst="roundRect">
             <a:avLst/>
           </a:prstGeom>
+          <a:solidFill>
+            <a:schemeClr val="bg1"/>
+          </a:solidFill>
+          <a:ln w="19050">
+            <a:solidFill>
+              <a:srgbClr val="0070C0"/>
+            </a:solidFill>
+          </a:ln>
         </p:spPr>
         <p:style>
           <a:lnRef idx="1">
@@ -13987,7 +14118,7 @@
             <a:r>
               <a:rPr lang="en-US" dirty="0">
                 <a:solidFill>
-                  <a:schemeClr val="bg1"/>
+                  <a:schemeClr val="tx1"/>
                 </a:solidFill>
               </a:rPr>
               <a:t>Interference Mgmt</a:t>
@@ -14015,6 +14146,14 @@
           <a:prstGeom prst="roundRect">
             <a:avLst/>
           </a:prstGeom>
+          <a:solidFill>
+            <a:schemeClr val="bg1"/>
+          </a:solidFill>
+          <a:ln w="19050">
+            <a:solidFill>
+              <a:srgbClr val="0070C0"/>
+            </a:solidFill>
+          </a:ln>
         </p:spPr>
         <p:style>
           <a:lnRef idx="1">
@@ -14038,10 +14177,75 @@
             <a:r>
               <a:rPr lang="en-US" dirty="0">
                 <a:solidFill>
+                  <a:schemeClr val="tx1"/>
+                </a:solidFill>
+              </a:rPr>
+              <a:t>Load Balancing</a:t>
+            </a:r>
+          </a:p>
+        </p:txBody>
+      </p:sp>
+      <p:sp>
+        <p:nvSpPr>
+          <p:cNvPr id="90" name="Can 89">
+            <a:extLst>
+              <a:ext uri="{FF2B5EF4-FFF2-40B4-BE49-F238E27FC236}">
+                <a16:creationId xmlns:a16="http://schemas.microsoft.com/office/drawing/2014/main" id="{719B20E1-A602-6C4E-9B9C-7594845318B6}"/>
+              </a:ext>
+            </a:extLst>
+          </p:cNvPr>
+          <p:cNvSpPr/>
+          <p:nvPr/>
+        </p:nvSpPr>
+        <p:spPr>
+          <a:xfrm>
+            <a:off x="3788260" y="3168055"/>
+            <a:ext cx="1073974" cy="1307979"/>
+          </a:xfrm>
+          <a:prstGeom prst="can">
+            <a:avLst/>
+          </a:prstGeom>
+          <a:solidFill>
+            <a:schemeClr val="accent1"/>
+          </a:solidFill>
+        </p:spPr>
+        <p:style>
+          <a:lnRef idx="1">
+            <a:schemeClr val="accent1"/>
+          </a:lnRef>
+          <a:fillRef idx="2">
+            <a:schemeClr val="accent1"/>
+          </a:fillRef>
+          <a:effectRef idx="1">
+            <a:schemeClr val="accent1"/>
+          </a:effectRef>
+          <a:fontRef idx="minor">
+            <a:schemeClr val="dk1"/>
+          </a:fontRef>
+        </p:style>
+        <p:txBody>
+          <a:bodyPr rtlCol="0" anchor="ctr"/>
+          <a:lstStyle/>
+          <a:p>
+            <a:pPr algn="ctr"/>
+            <a:r>
+              <a:rPr lang="en-US" dirty="0">
+                <a:solidFill>
                   <a:schemeClr val="bg1"/>
                 </a:solidFill>
               </a:rPr>
-              <a:t>Load Balancing</a:t>
+              <a:t>K/V</a:t>
+            </a:r>
+          </a:p>
+          <a:p>
+            <a:pPr algn="ctr"/>
+            <a:r>
+              <a:rPr lang="en-US" dirty="0">
+                <a:solidFill>
+                  <a:schemeClr val="bg1"/>
+                </a:solidFill>
+              </a:rPr>
+              <a:t>Store</a:t>
             </a:r>
           </a:p>
         </p:txBody>
@@ -14049,7 +14253,7 @@
     </p:spTree>
     <p:extLst>
       <p:ext uri="{BB962C8B-B14F-4D97-AF65-F5344CB8AC3E}">
-        <p14:creationId xmlns:p14="http://schemas.microsoft.com/office/powerpoint/2010/main" val="76826748"/>
+        <p14:creationId xmlns:p14="http://schemas.microsoft.com/office/powerpoint/2010/main" val="1140004595"/>
       </p:ext>
     </p:extLst>
   </p:cSld>
@@ -14096,7 +14300,17 @@
           <a:prstGeom prst="rect">
             <a:avLst/>
           </a:prstGeom>
-          <a:ln/>
+          <a:solidFill>
+            <a:schemeClr val="accent1">
+              <a:lumMod val="60000"/>
+              <a:lumOff val="40000"/>
+            </a:schemeClr>
+          </a:solidFill>
+          <a:ln>
+            <a:solidFill>
+              <a:srgbClr val="0070C0"/>
+            </a:solidFill>
+          </a:ln>
         </p:spPr>
         <p:style>
           <a:lnRef idx="1">
@@ -14157,7 +14371,14 @@
           <a:prstGeom prst="rect">
             <a:avLst/>
           </a:prstGeom>
-          <a:ln/>
+          <a:solidFill>
+            <a:srgbClr val="0070C0"/>
+          </a:solidFill>
+          <a:ln>
+            <a:solidFill>
+              <a:srgbClr val="0070C0"/>
+            </a:solidFill>
+          </a:ln>
         </p:spPr>
         <p:style>
           <a:lnRef idx="1">
@@ -14185,9 +14406,7 @@
             <a:r>
               <a:rPr lang="en-US" sz="1200" dirty="0">
                 <a:solidFill>
-                  <a:schemeClr val="bg2">
-                    <a:lumMod val="10000"/>
-                  </a:schemeClr>
+                  <a:schemeClr val="bg1"/>
                 </a:solidFill>
                 <a:latin typeface="Calibri" charset="0"/>
                 <a:ea typeface="Calibri" charset="0"/>
@@ -14455,10 +14674,13 @@
             <a:avLst/>
           </a:prstGeom>
           <a:solidFill>
-            <a:schemeClr val="accent1">
-              <a:lumMod val="75000"/>
-            </a:schemeClr>
+            <a:schemeClr val="bg1"/>
           </a:solidFill>
+          <a:ln w="19050">
+            <a:solidFill>
+              <a:srgbClr val="0070C0"/>
+            </a:solidFill>
+          </a:ln>
           <a:effectLst>
             <a:outerShdw blurRad="50800" dist="38100" dir="2700000" algn="tl" rotWithShape="0">
               <a:prstClr val="black">
@@ -14525,10 +14747,13 @@
             <a:avLst/>
           </a:prstGeom>
           <a:solidFill>
-            <a:schemeClr val="accent1">
-              <a:lumMod val="75000"/>
-            </a:schemeClr>
+            <a:schemeClr val="bg1"/>
           </a:solidFill>
+          <a:ln w="19050">
+            <a:solidFill>
+              <a:srgbClr val="0070C0"/>
+            </a:solidFill>
+          </a:ln>
           <a:effectLst>
             <a:outerShdw blurRad="50800" dist="38100" dir="2700000" algn="tl" rotWithShape="0">
               <a:prstClr val="black">
@@ -14766,15 +14991,11 @@
             <a:avLst/>
           </a:prstGeom>
           <a:solidFill>
-            <a:schemeClr val="accent1">
-              <a:lumMod val="75000"/>
-            </a:schemeClr>
+            <a:schemeClr val="bg1"/>
           </a:solidFill>
-          <a:ln>
+          <a:ln w="19050">
             <a:solidFill>
-              <a:schemeClr val="accent1">
-                <a:lumMod val="75000"/>
-              </a:schemeClr>
+              <a:srgbClr val="0070C0"/>
             </a:solidFill>
           </a:ln>
           <a:effectLst>
@@ -14837,6 +15058,82 @@
         <p:spPr>
           <a:xfrm>
             <a:off x="6297562" y="3005733"/>
+            <a:ext cx="672269" cy="423267"/>
+          </a:xfrm>
+          <a:prstGeom prst="rect">
+            <a:avLst/>
+          </a:prstGeom>
+          <a:solidFill>
+            <a:schemeClr val="accent1">
+              <a:lumMod val="60000"/>
+              <a:lumOff val="40000"/>
+            </a:schemeClr>
+          </a:solidFill>
+          <a:ln w="6350">
+            <a:solidFill>
+              <a:srgbClr val="0070C0"/>
+            </a:solidFill>
+          </a:ln>
+          <a:effectLst>
+            <a:outerShdw blurRad="50800" dist="38100" dir="2700000" algn="tl" rotWithShape="0">
+              <a:prstClr val="black">
+                <a:alpha val="40000"/>
+              </a:prstClr>
+            </a:outerShdw>
+          </a:effectLst>
+        </p:spPr>
+        <p:style>
+          <a:lnRef idx="2">
+            <a:schemeClr val="accent1">
+              <a:shade val="50000"/>
+            </a:schemeClr>
+          </a:lnRef>
+          <a:fillRef idx="1">
+            <a:schemeClr val="accent1"/>
+          </a:fillRef>
+          <a:effectRef idx="0">
+            <a:schemeClr val="accent1"/>
+          </a:effectRef>
+          <a:fontRef idx="minor">
+            <a:schemeClr val="lt1"/>
+          </a:fontRef>
+        </p:style>
+        <p:txBody>
+          <a:bodyPr rtlCol="0" anchor="ctr"/>
+          <a:lstStyle/>
+          <a:p>
+            <a:pPr algn="ctr"/>
+            <a:r>
+              <a:rPr lang="en-US" sz="1200" dirty="0">
+                <a:solidFill>
+                  <a:schemeClr val="bg2">
+                    <a:lumMod val="10000"/>
+                  </a:schemeClr>
+                </a:solidFill>
+                <a:latin typeface="Calibri" charset="0"/>
+                <a:ea typeface="Calibri" charset="0"/>
+                <a:cs typeface="Calibri" charset="0"/>
+              </a:rPr>
+              <a:t>CU-U</a:t>
+            </a:r>
+          </a:p>
+        </p:txBody>
+      </p:sp>
+      <p:sp>
+        <p:nvSpPr>
+          <p:cNvPr id="73" name="Rectangle 72">
+            <a:extLst>
+              <a:ext uri="{FF2B5EF4-FFF2-40B4-BE49-F238E27FC236}">
+                <a16:creationId xmlns:a16="http://schemas.microsoft.com/office/drawing/2014/main" id="{8E96F307-B1C2-FD4D-BBF0-AEC480A0B98E}"/>
+              </a:ext>
+            </a:extLst>
+          </p:cNvPr>
+          <p:cNvSpPr/>
+          <p:nvPr/>
+        </p:nvSpPr>
+        <p:spPr>
+          <a:xfrm>
+            <a:off x="6297562" y="2197988"/>
             <a:ext cx="672269" cy="423267"/>
           </a:xfrm>
           <a:prstGeom prst="rect">
@@ -14879,79 +15176,7 @@
             <a:r>
               <a:rPr lang="en-US" sz="1200" dirty="0">
                 <a:solidFill>
-                  <a:schemeClr val="bg2">
-                    <a:lumMod val="10000"/>
-                  </a:schemeClr>
-                </a:solidFill>
-                <a:latin typeface="Calibri" charset="0"/>
-                <a:ea typeface="Calibri" charset="0"/>
-                <a:cs typeface="Calibri" charset="0"/>
-              </a:rPr>
-              <a:t>CU-U</a:t>
-            </a:r>
-          </a:p>
-        </p:txBody>
-      </p:sp>
-      <p:sp>
-        <p:nvSpPr>
-          <p:cNvPr id="73" name="Rectangle 72">
-            <a:extLst>
-              <a:ext uri="{FF2B5EF4-FFF2-40B4-BE49-F238E27FC236}">
-                <a16:creationId xmlns:a16="http://schemas.microsoft.com/office/drawing/2014/main" id="{8E96F307-B1C2-FD4D-BBF0-AEC480A0B98E}"/>
-              </a:ext>
-            </a:extLst>
-          </p:cNvPr>
-          <p:cNvSpPr/>
-          <p:nvPr/>
-        </p:nvSpPr>
-        <p:spPr>
-          <a:xfrm>
-            <a:off x="6297562" y="2197988"/>
-            <a:ext cx="672269" cy="423267"/>
-          </a:xfrm>
-          <a:prstGeom prst="rect">
-            <a:avLst/>
-          </a:prstGeom>
-          <a:solidFill>
-            <a:schemeClr val="accent1">
-              <a:lumMod val="75000"/>
-            </a:schemeClr>
-          </a:solidFill>
-          <a:effectLst>
-            <a:outerShdw blurRad="50800" dist="38100" dir="2700000" algn="tl" rotWithShape="0">
-              <a:prstClr val="black">
-                <a:alpha val="40000"/>
-              </a:prstClr>
-            </a:outerShdw>
-          </a:effectLst>
-        </p:spPr>
-        <p:style>
-          <a:lnRef idx="2">
-            <a:schemeClr val="accent1">
-              <a:shade val="50000"/>
-            </a:schemeClr>
-          </a:lnRef>
-          <a:fillRef idx="1">
-            <a:schemeClr val="accent1"/>
-          </a:fillRef>
-          <a:effectRef idx="0">
-            <a:schemeClr val="accent1"/>
-          </a:effectRef>
-          <a:fontRef idx="minor">
-            <a:schemeClr val="lt1"/>
-          </a:fontRef>
-        </p:style>
-        <p:txBody>
-          <a:bodyPr rtlCol="0" anchor="ctr"/>
-          <a:lstStyle/>
-          <a:p>
-            <a:pPr algn="ctr"/>
-            <a:r>
-              <a:rPr lang="en-US" sz="1200" dirty="0">
-                <a:solidFill>
-                  <a:schemeClr val="bg2">
-                    <a:lumMod val="10000"/>
-                  </a:schemeClr>
+                  <a:schemeClr val="bg1"/>
                 </a:solidFill>
                 <a:latin typeface="Calibri" charset="0"/>
                 <a:ea typeface="Calibri" charset="0"/>
@@ -15124,7 +15349,14 @@
           <a:prstGeom prst="rect">
             <a:avLst/>
           </a:prstGeom>
-          <a:ln/>
+          <a:solidFill>
+            <a:srgbClr val="0070C0"/>
+          </a:solidFill>
+          <a:ln>
+            <a:solidFill>
+              <a:srgbClr val="0070C0"/>
+            </a:solidFill>
+          </a:ln>
         </p:spPr>
         <p:style>
           <a:lnRef idx="1">
@@ -15152,9 +15384,7 @@
             <a:r>
               <a:rPr lang="en-US" sz="1200" dirty="0">
                 <a:solidFill>
-                  <a:schemeClr val="bg2">
-                    <a:lumMod val="10000"/>
-                  </a:schemeClr>
+                  <a:schemeClr val="bg1"/>
                 </a:solidFill>
                 <a:latin typeface="Calibri" charset="0"/>
                 <a:ea typeface="Calibri" charset="0"/>
@@ -15368,7 +15598,17 @@
           <a:prstGeom prst="rect">
             <a:avLst/>
           </a:prstGeom>
-          <a:ln/>
+          <a:solidFill>
+            <a:schemeClr val="accent1">
+              <a:lumMod val="60000"/>
+              <a:lumOff val="40000"/>
+            </a:schemeClr>
+          </a:solidFill>
+          <a:ln>
+            <a:solidFill>
+              <a:srgbClr val="0070C0"/>
+            </a:solidFill>
+          </a:ln>
         </p:spPr>
         <p:style>
           <a:lnRef idx="1">
@@ -16533,18 +16773,18 @@
           <p:nvPr/>
         </p:nvSpPr>
         <p:spPr>
-          <a:xfrm rot="16200000">
+          <a:xfrm rot="5400000" flipH="1">
             <a:off x="4943591" y="2529027"/>
             <a:ext cx="989561" cy="321075"/>
           </a:xfrm>
           <a:prstGeom prst="roundRect">
             <a:avLst/>
           </a:prstGeom>
-          <a:solidFill>
-            <a:srgbClr val="FF0000"/>
-          </a:solidFill>
-          <a:ln>
-            <a:noFill/>
+          <a:noFill/>
+          <a:ln w="19050">
+            <a:solidFill>
+              <a:srgbClr val="0070C0"/>
+            </a:solidFill>
           </a:ln>
         </p:spPr>
         <p:style>
@@ -16609,18 +16849,18 @@
           <p:nvPr/>
         </p:nvSpPr>
         <p:spPr>
-          <a:xfrm rot="16200000">
+          <a:xfrm rot="5400000" flipH="1">
             <a:off x="5317625" y="2529028"/>
             <a:ext cx="989560" cy="321075"/>
           </a:xfrm>
           <a:prstGeom prst="roundRect">
             <a:avLst/>
           </a:prstGeom>
-          <a:solidFill>
-            <a:srgbClr val="FF0000"/>
-          </a:solidFill>
-          <a:ln>
-            <a:noFill/>
+          <a:noFill/>
+          <a:ln w="19050">
+            <a:solidFill>
+              <a:srgbClr val="0070C0"/>
+            </a:solidFill>
           </a:ln>
         </p:spPr>
         <p:style>
@@ -16685,18 +16925,18 @@
           <p:nvPr/>
         </p:nvSpPr>
         <p:spPr>
-          <a:xfrm rot="16200000">
+          <a:xfrm rot="5400000" flipH="1">
             <a:off x="5702050" y="2529027"/>
             <a:ext cx="989560" cy="321075"/>
           </a:xfrm>
           <a:prstGeom prst="roundRect">
             <a:avLst/>
           </a:prstGeom>
-          <a:solidFill>
-            <a:srgbClr val="FF0000"/>
-          </a:solidFill>
-          <a:ln>
-            <a:noFill/>
+          <a:noFill/>
+          <a:ln w="19050">
+            <a:solidFill>
+              <a:srgbClr val="0070C0"/>
+            </a:solidFill>
           </a:ln>
         </p:spPr>
         <p:style>
@@ -16801,17 +17041,19 @@
         </p:nvSpPr>
         <p:spPr>
           <a:xfrm>
-            <a:off x="4752835" y="4874811"/>
-            <a:ext cx="102157" cy="85772"/>
+            <a:off x="4739519" y="4812088"/>
+            <a:ext cx="119259" cy="75786"/>
           </a:xfrm>
           <a:prstGeom prst="rect">
             <a:avLst/>
           </a:prstGeom>
           <a:solidFill>
-            <a:srgbClr val="FF0000"/>
+            <a:srgbClr val="0070C0"/>
           </a:solidFill>
           <a:ln>
-            <a:noFill/>
+            <a:solidFill>
+              <a:srgbClr val="0070C0"/>
+            </a:solidFill>
           </a:ln>
         </p:spPr>
         <p:style>
@@ -16833,9 +17075,9 @@
           <a:lstStyle/>
           <a:p>
             <a:pPr algn="ctr"/>
-            <a:endParaRPr lang="en-US" sz="1200" dirty="0">
+            <a:endParaRPr lang="en-US" sz="700" dirty="0">
               <a:solidFill>
-                <a:schemeClr val="tx2"/>
+                <a:schemeClr val="bg1"/>
               </a:solidFill>
               <a:latin typeface="+mj-lt"/>
             </a:endParaRPr>
@@ -16861,6 +17103,12 @@
             <a:chOff x="2894484" y="745446"/>
             <a:chExt cx="3787021" cy="557728"/>
           </a:xfrm>
+          <a:solidFill>
+            <a:schemeClr val="tx2">
+              <a:lumMod val="20000"/>
+              <a:lumOff val="80000"/>
+            </a:schemeClr>
+          </a:solidFill>
         </p:grpSpPr>
         <p:sp>
           <p:nvSpPr>
@@ -16884,16 +17132,13 @@
             </a:prstGeom>
             <a:solidFill>
               <a:schemeClr val="accent5">
-                <a:lumMod val="60000"/>
-                <a:lumOff val="40000"/>
+                <a:lumMod val="40000"/>
+                <a:lumOff val="60000"/>
               </a:schemeClr>
             </a:solidFill>
             <a:ln>
               <a:solidFill>
-                <a:schemeClr val="accent5">
-                  <a:lumMod val="75000"/>
-                  <a:alpha val="50000"/>
-                </a:schemeClr>
+                <a:srgbClr val="0070C0"/>
               </a:solidFill>
             </a:ln>
           </p:spPr>
@@ -16965,10 +17210,12 @@
               <a:avLst/>
             </a:prstGeom>
             <a:solidFill>
-              <a:srgbClr val="FF0000"/>
+              <a:srgbClr val="0070C0"/>
             </a:solidFill>
             <a:ln>
-              <a:noFill/>
+              <a:solidFill>
+                <a:srgbClr val="0070C0"/>
+              </a:solidFill>
             </a:ln>
           </p:spPr>
           <p:style>
@@ -16993,9 +17240,7 @@
               <a:r>
                 <a:rPr lang="en-US" sz="1200" dirty="0">
                   <a:solidFill>
-                    <a:schemeClr val="bg2">
-                      <a:lumMod val="10000"/>
-                    </a:schemeClr>
+                    <a:schemeClr val="bg1"/>
                   </a:solidFill>
                   <a:latin typeface="Calibri" charset="0"/>
                   <a:ea typeface="Calibri" charset="0"/>
@@ -17021,7 +17266,7 @@
         </p:nvSpPr>
         <p:spPr>
           <a:xfrm>
-            <a:off x="2137739" y="2854606"/>
+            <a:off x="2137739" y="2960622"/>
             <a:ext cx="1932260" cy="307777"/>
           </a:xfrm>
           <a:prstGeom prst="rect">
@@ -17066,7 +17311,7 @@
         </p:nvSpPr>
         <p:spPr>
           <a:xfrm>
-            <a:off x="1642796" y="2532882"/>
+            <a:off x="1642796" y="2638898"/>
             <a:ext cx="2427203" cy="307777"/>
           </a:xfrm>
           <a:prstGeom prst="rect">
@@ -17111,7 +17356,7 @@
         </p:nvSpPr>
         <p:spPr>
           <a:xfrm>
-            <a:off x="1831566" y="2229254"/>
+            <a:off x="1831566" y="2335270"/>
             <a:ext cx="2238433" cy="307777"/>
           </a:xfrm>
           <a:prstGeom prst="rect">
@@ -17152,6 +17397,7 @@
             </a:extLst>
           </p:cNvPr>
           <p:cNvCxnSpPr>
+            <a:cxnSpLocks/>
             <a:stCxn id="116" idx="3"/>
             <a:endCxn id="112" idx="0"/>
           </p:cNvCxnSpPr>
@@ -17159,15 +17405,15 @@
         </p:nvCxnSpPr>
         <p:spPr>
           <a:xfrm>
-            <a:off x="4069999" y="3008495"/>
-            <a:ext cx="733915" cy="1866316"/>
+            <a:off x="4069999" y="3114511"/>
+            <a:ext cx="729150" cy="1697577"/>
           </a:xfrm>
           <a:prstGeom prst="straightConnector1">
             <a:avLst/>
           </a:prstGeom>
           <a:ln>
             <a:solidFill>
-              <a:srgbClr val="FF0000"/>
+              <a:srgbClr val="0070C0"/>
             </a:solidFill>
             <a:tailEnd type="triangle"/>
           </a:ln>
@@ -17199,21 +17445,21 @@
           <p:cNvCxnSpPr>
             <a:cxnSpLocks/>
             <a:stCxn id="117" idx="3"/>
-            <a:endCxn id="108" idx="0"/>
+            <a:endCxn id="107" idx="1"/>
           </p:cNvCxnSpPr>
           <p:nvPr/>
         </p:nvCxnSpPr>
         <p:spPr>
           <a:xfrm>
-            <a:off x="4069999" y="2686771"/>
-            <a:ext cx="1207835" cy="2793"/>
+            <a:off x="4069999" y="2792787"/>
+            <a:ext cx="1207766" cy="687651"/>
           </a:xfrm>
           <a:prstGeom prst="straightConnector1">
             <a:avLst/>
           </a:prstGeom>
           <a:ln>
             <a:solidFill>
-              <a:srgbClr val="FF0000"/>
+              <a:srgbClr val="0070C0"/>
             </a:solidFill>
             <a:tailEnd type="triangle"/>
           </a:ln>
@@ -17252,14 +17498,14 @@
         <p:spPr>
           <a:xfrm flipV="1">
             <a:off x="4069999" y="1741518"/>
-            <a:ext cx="2153348" cy="641625"/>
+            <a:ext cx="2153348" cy="747641"/>
           </a:xfrm>
           <a:prstGeom prst="straightConnector1">
             <a:avLst/>
           </a:prstGeom>
           <a:ln>
             <a:solidFill>
-              <a:srgbClr val="FF0000"/>
+              <a:srgbClr val="0070C0"/>
             </a:solidFill>
             <a:tailEnd type="triangle"/>
           </a:ln>
@@ -17505,7 +17751,7 @@
             <a:r>
               <a:rPr lang="en-US" sz="1400" dirty="0">
                 <a:solidFill>
-                  <a:schemeClr val="tx2"/>
+                  <a:schemeClr val="tx1"/>
                 </a:solidFill>
               </a:rPr>
               <a:t>User Plane</a:t>

--- a/figures/sdn/figures.pptx
+++ b/figures/sdn/figures.pptx
@@ -11369,7 +11369,7 @@
         </p:nvSpPr>
         <p:spPr>
           <a:xfrm>
-            <a:off x="4204556" y="5512273"/>
+            <a:off x="4204556" y="5923091"/>
             <a:ext cx="397866" cy="307777"/>
           </a:xfrm>
           <a:prstGeom prst="rect">
@@ -11404,7 +11404,7 @@
         </p:nvSpPr>
         <p:spPr>
           <a:xfrm>
-            <a:off x="3732123" y="5666161"/>
+            <a:off x="3732123" y="6076979"/>
             <a:ext cx="397866" cy="307777"/>
           </a:xfrm>
           <a:prstGeom prst="rect">
@@ -11439,7 +11439,7 @@
         </p:nvSpPr>
         <p:spPr>
           <a:xfrm>
-            <a:off x="7439145" y="5506894"/>
+            <a:off x="7439145" y="5917712"/>
             <a:ext cx="397866" cy="307777"/>
           </a:xfrm>
           <a:prstGeom prst="rect">
@@ -11474,7 +11474,7 @@
         </p:nvSpPr>
         <p:spPr>
           <a:xfrm>
-            <a:off x="7921902" y="5656987"/>
+            <a:off x="7921902" y="6067805"/>
             <a:ext cx="397866" cy="307777"/>
           </a:xfrm>
           <a:prstGeom prst="rect">
@@ -11509,7 +11509,7 @@
         </p:nvSpPr>
         <p:spPr>
           <a:xfrm>
-            <a:off x="3685374" y="3968282"/>
+            <a:off x="3685374" y="4379100"/>
             <a:ext cx="493876" cy="402772"/>
           </a:xfrm>
           <a:prstGeom prst="rect">
@@ -11566,7 +11566,7 @@
         </p:nvSpPr>
         <p:spPr>
           <a:xfrm>
-            <a:off x="7842040" y="3968282"/>
+            <a:off x="7842040" y="4379100"/>
             <a:ext cx="493876" cy="402772"/>
           </a:xfrm>
           <a:prstGeom prst="rect">
@@ -11626,7 +11626,7 @@
         </p:nvCxnSpPr>
         <p:spPr>
           <a:xfrm>
-            <a:off x="3932312" y="4371054"/>
+            <a:off x="3932312" y="4781872"/>
             <a:ext cx="471178" cy="381410"/>
           </a:xfrm>
           <a:prstGeom prst="line">
@@ -11672,7 +11672,7 @@
         </p:nvCxnSpPr>
         <p:spPr>
           <a:xfrm flipH="1">
-            <a:off x="3931057" y="4371054"/>
+            <a:off x="3931057" y="4781872"/>
             <a:ext cx="1255" cy="587003"/>
           </a:xfrm>
           <a:prstGeom prst="line">
@@ -11718,7 +11718,7 @@
         </p:nvCxnSpPr>
         <p:spPr>
           <a:xfrm>
-            <a:off x="8088978" y="4371054"/>
+            <a:off x="8088978" y="4781872"/>
             <a:ext cx="21930" cy="587003"/>
           </a:xfrm>
           <a:prstGeom prst="line">
@@ -11764,7 +11764,7 @@
         </p:nvCxnSpPr>
         <p:spPr>
           <a:xfrm flipH="1">
-            <a:off x="7640791" y="4371054"/>
+            <a:off x="7640791" y="4781872"/>
             <a:ext cx="448187" cy="381410"/>
           </a:xfrm>
           <a:prstGeom prst="line">
@@ -11807,7 +11807,7 @@
         </p:nvSpPr>
         <p:spPr>
           <a:xfrm>
-            <a:off x="5730214" y="2768565"/>
+            <a:off x="5730214" y="3179383"/>
             <a:ext cx="493876" cy="402772"/>
           </a:xfrm>
           <a:prstGeom prst="rect">
@@ -11867,7 +11867,7 @@
         </p:nvCxnSpPr>
         <p:spPr>
           <a:xfrm flipH="1">
-            <a:off x="3932312" y="3171337"/>
+            <a:off x="3932312" y="3582155"/>
             <a:ext cx="2044840" cy="796945"/>
           </a:xfrm>
           <a:prstGeom prst="line">
@@ -11913,7 +11913,7 @@
         </p:nvCxnSpPr>
         <p:spPr>
           <a:xfrm>
-            <a:off x="5977152" y="3171337"/>
+            <a:off x="5977152" y="3582155"/>
             <a:ext cx="2111826" cy="796945"/>
           </a:xfrm>
           <a:prstGeom prst="line">
@@ -11956,8 +11956,8 @@
         </p:nvSpPr>
         <p:spPr>
           <a:xfrm>
-            <a:off x="4630871" y="1941233"/>
-            <a:ext cx="2692561" cy="433339"/>
+            <a:off x="4630871" y="2076615"/>
+            <a:ext cx="2692561" cy="708775"/>
           </a:xfrm>
           <a:prstGeom prst="roundRect">
             <a:avLst/>
@@ -11993,7 +11993,7 @@
           <a:p>
             <a:pPr algn="ctr"/>
             <a:r>
-              <a:rPr lang="en-US" dirty="0"/>
+              <a:rPr lang="en-US" sz="2000" dirty="0"/>
               <a:t>RIC</a:t>
             </a:r>
           </a:p>
@@ -12017,7 +12017,7 @@
         </p:nvCxnSpPr>
         <p:spPr>
           <a:xfrm>
-            <a:off x="5977152" y="2374572"/>
+            <a:off x="5977152" y="2785390"/>
             <a:ext cx="2111826" cy="1593710"/>
           </a:xfrm>
           <a:prstGeom prst="straightConnector1">
@@ -12060,7 +12060,7 @@
         </p:nvCxnSpPr>
         <p:spPr>
           <a:xfrm>
-            <a:off x="5977152" y="2374572"/>
+            <a:off x="5977152" y="2785390"/>
             <a:ext cx="1663639" cy="2377892"/>
           </a:xfrm>
           <a:prstGeom prst="straightConnector1">
@@ -12103,7 +12103,7 @@
         </p:nvCxnSpPr>
         <p:spPr>
           <a:xfrm>
-            <a:off x="5977152" y="2374572"/>
+            <a:off x="5977152" y="2785390"/>
             <a:ext cx="2133756" cy="2583485"/>
           </a:xfrm>
           <a:prstGeom prst="straightConnector1">
@@ -12146,7 +12146,7 @@
         </p:nvCxnSpPr>
         <p:spPr>
           <a:xfrm flipH="1">
-            <a:off x="4403490" y="2374572"/>
+            <a:off x="4403490" y="2785390"/>
             <a:ext cx="1573662" cy="2377892"/>
           </a:xfrm>
           <a:prstGeom prst="straightConnector1">
@@ -12190,7 +12190,7 @@
         </p:nvCxnSpPr>
         <p:spPr>
           <a:xfrm flipH="1">
-            <a:off x="3932312" y="2374572"/>
+            <a:off x="3932312" y="2785390"/>
             <a:ext cx="2044840" cy="1593710"/>
           </a:xfrm>
           <a:prstGeom prst="straightConnector1">
@@ -12233,7 +12233,7 @@
         </p:nvCxnSpPr>
         <p:spPr>
           <a:xfrm flipH="1">
-            <a:off x="3931057" y="2374572"/>
+            <a:off x="3931057" y="2785390"/>
             <a:ext cx="2046095" cy="2583485"/>
           </a:xfrm>
           <a:prstGeom prst="straightConnector1">
@@ -12287,7 +12287,7 @@
         </p:blipFill>
         <p:spPr>
           <a:xfrm>
-            <a:off x="7868701" y="4961530"/>
+            <a:off x="7868701" y="5372348"/>
             <a:ext cx="506243" cy="704629"/>
           </a:xfrm>
           <a:prstGeom prst="rect">
@@ -12323,7 +12323,7 @@
         </p:blipFill>
         <p:spPr>
           <a:xfrm>
-            <a:off x="7384956" y="4792240"/>
+            <a:off x="7384956" y="5203058"/>
             <a:ext cx="506243" cy="704629"/>
           </a:xfrm>
           <a:prstGeom prst="rect">
@@ -12359,7 +12359,7 @@
         </p:blipFill>
         <p:spPr>
           <a:xfrm>
-            <a:off x="4153066" y="4814809"/>
+            <a:off x="4153066" y="5225627"/>
             <a:ext cx="506243" cy="704629"/>
           </a:xfrm>
           <a:prstGeom prst="rect">
@@ -12395,7 +12395,7 @@
         </p:blipFill>
         <p:spPr>
           <a:xfrm>
-            <a:off x="3674494" y="4961531"/>
+            <a:off x="3674494" y="5372349"/>
             <a:ext cx="506243" cy="704629"/>
           </a:xfrm>
           <a:prstGeom prst="rect">
@@ -12417,7 +12417,7 @@
         </p:nvSpPr>
         <p:spPr>
           <a:xfrm rot="5400000">
-            <a:off x="4051198" y="826593"/>
+            <a:off x="4051198" y="985620"/>
             <a:ext cx="1608322" cy="448977"/>
           </a:xfrm>
           <a:prstGeom prst="roundRect">
@@ -12476,7 +12476,7 @@
         </p:nvSpPr>
         <p:spPr>
           <a:xfrm rot="5400000">
-            <a:off x="5299145" y="826593"/>
+            <a:off x="5299145" y="985620"/>
             <a:ext cx="1608322" cy="448977"/>
           </a:xfrm>
           <a:prstGeom prst="roundRect">
@@ -12535,7 +12535,7 @@
         </p:nvSpPr>
         <p:spPr>
           <a:xfrm rot="5400000">
-            <a:off x="4694640" y="826593"/>
+            <a:off x="4694640" y="985620"/>
             <a:ext cx="1608322" cy="448977"/>
           </a:xfrm>
           <a:prstGeom prst="roundRect">
@@ -12594,7 +12594,7 @@
         </p:nvSpPr>
         <p:spPr>
           <a:xfrm rot="5400000">
-            <a:off x="5909474" y="826593"/>
+            <a:off x="5909474" y="985620"/>
             <a:ext cx="1608322" cy="448977"/>
           </a:xfrm>
           <a:prstGeom prst="roundRect">
@@ -12653,7 +12653,7 @@
         </p:nvSpPr>
         <p:spPr>
           <a:xfrm>
-            <a:off x="6980068" y="959802"/>
+            <a:off x="6980068" y="1118829"/>
             <a:ext cx="343364" cy="369332"/>
           </a:xfrm>
           <a:prstGeom prst="rect">
@@ -12693,7 +12693,7 @@
         </p:nvCxnSpPr>
         <p:spPr>
           <a:xfrm>
-            <a:off x="5977152" y="2374572"/>
+            <a:off x="5977152" y="2785390"/>
             <a:ext cx="0" cy="393993"/>
           </a:xfrm>
           <a:prstGeom prst="straightConnector1">
@@ -12719,6 +12719,109 @@
           </a:fontRef>
         </p:style>
       </p:cxnSp>
+      <p:sp>
+        <p:nvSpPr>
+          <p:cNvPr id="41" name="TextBox 40">
+            <a:extLst>
+              <a:ext uri="{FF2B5EF4-FFF2-40B4-BE49-F238E27FC236}">
+                <a16:creationId xmlns:a16="http://schemas.microsoft.com/office/drawing/2014/main" id="{7D4B7316-A137-3DE0-16B1-981D9C514631}"/>
+              </a:ext>
+            </a:extLst>
+          </p:cNvPr>
+          <p:cNvSpPr txBox="1"/>
+          <p:nvPr/>
+        </p:nvSpPr>
+        <p:spPr>
+          <a:xfrm>
+            <a:off x="3489335" y="980329"/>
+            <a:ext cx="977191" cy="646331"/>
+          </a:xfrm>
+          <a:prstGeom prst="rect">
+            <a:avLst/>
+          </a:prstGeom>
+          <a:noFill/>
+        </p:spPr>
+        <p:txBody>
+          <a:bodyPr wrap="none" rtlCol="0">
+            <a:spAutoFit/>
+          </a:bodyPr>
+          <a:lstStyle/>
+          <a:p>
+            <a:pPr algn="r"/>
+            <a:r>
+              <a:rPr lang="en-US" dirty="0"/>
+              <a:t>Example</a:t>
+            </a:r>
+          </a:p>
+          <a:p>
+            <a:pPr algn="r"/>
+            <a:r>
+              <a:rPr lang="en-US" dirty="0" err="1"/>
+              <a:t>xApps</a:t>
+            </a:r>
+            <a:endParaRPr lang="en-US" dirty="0"/>
+          </a:p>
+        </p:txBody>
+      </p:sp>
+      <p:sp>
+        <p:nvSpPr>
+          <p:cNvPr id="49" name="Can 48">
+            <a:extLst>
+              <a:ext uri="{FF2B5EF4-FFF2-40B4-BE49-F238E27FC236}">
+                <a16:creationId xmlns:a16="http://schemas.microsoft.com/office/drawing/2014/main" id="{9521086D-2113-30C3-4D96-7E36D2AF5CA5}"/>
+              </a:ext>
+            </a:extLst>
+          </p:cNvPr>
+          <p:cNvSpPr/>
+          <p:nvPr/>
+        </p:nvSpPr>
+        <p:spPr>
+          <a:xfrm>
+            <a:off x="6468320" y="2183514"/>
+            <a:ext cx="675861" cy="503582"/>
+          </a:xfrm>
+          <a:prstGeom prst="can">
+            <a:avLst/>
+          </a:prstGeom>
+          <a:solidFill>
+            <a:schemeClr val="accent1">
+              <a:lumMod val="60000"/>
+              <a:lumOff val="40000"/>
+            </a:schemeClr>
+          </a:solidFill>
+        </p:spPr>
+        <p:style>
+          <a:lnRef idx="2">
+            <a:schemeClr val="accent1">
+              <a:shade val="50000"/>
+            </a:schemeClr>
+          </a:lnRef>
+          <a:fillRef idx="1">
+            <a:schemeClr val="accent1"/>
+          </a:fillRef>
+          <a:effectRef idx="0">
+            <a:schemeClr val="accent1"/>
+          </a:effectRef>
+          <a:fontRef idx="minor">
+            <a:schemeClr val="lt1"/>
+          </a:fontRef>
+        </p:style>
+        <p:txBody>
+          <a:bodyPr rtlCol="0" anchor="ctr"/>
+          <a:lstStyle/>
+          <a:p>
+            <a:pPr algn="ctr"/>
+            <a:r>
+              <a:rPr lang="en-US" sz="1600" dirty="0">
+                <a:solidFill>
+                  <a:schemeClr val="tx1"/>
+                </a:solidFill>
+              </a:rPr>
+              <a:t>R-NIB</a:t>
+            </a:r>
+          </a:p>
+        </p:txBody>
+      </p:sp>
     </p:spTree>
     <p:extLst>
       <p:ext uri="{BB962C8B-B14F-4D97-AF65-F5344CB8AC3E}">
@@ -12946,12 +13049,12 @@
               <a:buNone/>
             </a:pPr>
             <a:r>
-              <a:rPr lang="en" dirty="0">
+              <a:rPr lang="en">
                 <a:solidFill>
                   <a:schemeClr val="bg1"/>
                 </a:solidFill>
               </a:rPr>
-              <a:t>Control</a:t>
+              <a:t>Device</a:t>
             </a:r>
             <a:endParaRPr dirty="0">
               <a:solidFill>

--- a/figures/sdn/figures.pptx
+++ b/figures/sdn/figures.pptx
@@ -13049,7 +13049,7 @@
               <a:buNone/>
             </a:pPr>
             <a:r>
-              <a:rPr lang="en">
+              <a:rPr lang="en" dirty="0">
                 <a:solidFill>
                   <a:schemeClr val="bg1"/>
                 </a:solidFill>
@@ -15843,13 +15843,16 @@
               </a:ext>
             </a:extLst>
           </p:cNvPr>
-          <p:cNvCxnSpPr/>
+          <p:cNvCxnSpPr>
+            <a:cxnSpLocks/>
+            <a:stCxn id="115" idx="2"/>
+          </p:cNvCxnSpPr>
           <p:nvPr/>
         </p:nvCxnSpPr>
         <p:spPr>
-          <a:xfrm>
-            <a:off x="6816775" y="1928121"/>
-            <a:ext cx="0" cy="1317279"/>
+          <a:xfrm flipH="1">
+            <a:off x="6731409" y="1928121"/>
+            <a:ext cx="3292" cy="1308226"/>
           </a:xfrm>
           <a:prstGeom prst="straightConnector1">
             <a:avLst/>
@@ -15883,13 +15886,17 @@
               </a:ext>
             </a:extLst>
           </p:cNvPr>
-          <p:cNvCxnSpPr/>
+          <p:cNvCxnSpPr>
+            <a:cxnSpLocks/>
+            <a:stCxn id="107" idx="2"/>
+            <a:endCxn id="53" idx="0"/>
+          </p:cNvCxnSpPr>
           <p:nvPr/>
         </p:nvCxnSpPr>
         <p:spPr>
           <a:xfrm>
-            <a:off x="6106385" y="3635154"/>
-            <a:ext cx="7846" cy="759063"/>
+            <a:off x="6114231" y="3724529"/>
+            <a:ext cx="2089" cy="738219"/>
           </a:xfrm>
           <a:prstGeom prst="straightConnector1">
             <a:avLst/>
@@ -16312,7 +16319,7 @@
         </p:nvSpPr>
         <p:spPr>
           <a:xfrm>
-            <a:off x="5868316" y="4462748"/>
+            <a:off x="5888636" y="4462748"/>
             <a:ext cx="455368" cy="230669"/>
           </a:xfrm>
           <a:prstGeom prst="rect">
@@ -17306,8 +17313,8 @@
           </p:nvSpPr>
           <p:spPr>
             <a:xfrm>
-              <a:off x="5140973" y="849716"/>
-              <a:ext cx="638900" cy="373206"/>
+              <a:off x="5285938" y="849716"/>
+              <a:ext cx="732778" cy="373206"/>
             </a:xfrm>
             <a:prstGeom prst="rect">
               <a:avLst/>
@@ -17339,7 +17346,11 @@
             <a:bodyPr rtlCol="0" anchor="ctr"/>
             <a:lstStyle/>
             <a:p>
-              <a:pPr algn="ctr"/>
+              <a:pPr algn="ctr">
+                <a:lnSpc>
+                  <a:spcPct val="90000"/>
+                </a:lnSpc>
+              </a:pPr>
               <a:r>
                 <a:rPr lang="en-US" sz="1200" dirty="0">
                   <a:solidFill>
@@ -17349,7 +17360,25 @@
                   <a:ea typeface="Calibri" charset="0"/>
                   <a:cs typeface="Calibri" charset="0"/>
                 </a:rPr>
-                <a:t>Policy</a:t>
+                <a:t>Non-RT</a:t>
+              </a:r>
+            </a:p>
+            <a:p>
+              <a:pPr algn="ctr">
+                <a:lnSpc>
+                  <a:spcPct val="90000"/>
+                </a:lnSpc>
+              </a:pPr>
+              <a:r>
+                <a:rPr lang="en-US" sz="1200" dirty="0">
+                  <a:solidFill>
+                    <a:schemeClr val="bg1"/>
+                  </a:solidFill>
+                  <a:latin typeface="Calibri" charset="0"/>
+                  <a:ea typeface="Calibri" charset="0"/>
+                  <a:cs typeface="Calibri" charset="0"/>
+                </a:rPr>
+                <a:t>RIC</a:t>
               </a:r>
             </a:p>
           </p:txBody>
@@ -17601,7 +17630,7 @@
         <p:spPr>
           <a:xfrm flipV="1">
             <a:off x="4069999" y="1741518"/>
-            <a:ext cx="2153348" cy="747641"/>
+            <a:ext cx="2298313" cy="747641"/>
           </a:xfrm>
           <a:prstGeom prst="straightConnector1">
             <a:avLst/>
@@ -17876,8 +17905,8 @@
         </p:nvSpPr>
         <p:spPr>
           <a:xfrm>
-            <a:off x="5868316" y="4751919"/>
-            <a:ext cx="455368" cy="230669"/>
+            <a:off x="5888636" y="4761948"/>
+            <a:ext cx="455368" cy="214922"/>
           </a:xfrm>
           <a:prstGeom prst="rect">
             <a:avLst/>
@@ -18139,6 +18168,47 @@
           </a:p>
         </p:txBody>
       </p:sp>
+      <p:cxnSp>
+        <p:nvCxnSpPr>
+          <p:cNvPr id="17" name="Straight Connector 16">
+            <a:extLst>
+              <a:ext uri="{FF2B5EF4-FFF2-40B4-BE49-F238E27FC236}">
+                <a16:creationId xmlns:a16="http://schemas.microsoft.com/office/drawing/2014/main" id="{38225956-1D2B-E9BC-1FEB-D163D03D8D1C}"/>
+              </a:ext>
+            </a:extLst>
+          </p:cNvPr>
+          <p:cNvCxnSpPr>
+            <a:cxnSpLocks/>
+            <a:stCxn id="53" idx="2"/>
+            <a:endCxn id="139" idx="0"/>
+          </p:cNvCxnSpPr>
+          <p:nvPr/>
+        </p:nvCxnSpPr>
+        <p:spPr>
+          <a:xfrm>
+            <a:off x="6116320" y="4693417"/>
+            <a:ext cx="0" cy="68531"/>
+          </a:xfrm>
+          <a:prstGeom prst="line">
+            <a:avLst/>
+          </a:prstGeom>
+          <a:ln w="19050"/>
+        </p:spPr>
+        <p:style>
+          <a:lnRef idx="1">
+            <a:schemeClr val="accent1"/>
+          </a:lnRef>
+          <a:fillRef idx="0">
+            <a:schemeClr val="accent1"/>
+          </a:fillRef>
+          <a:effectRef idx="0">
+            <a:schemeClr val="accent1"/>
+          </a:effectRef>
+          <a:fontRef idx="minor">
+            <a:schemeClr val="tx1"/>
+          </a:fontRef>
+        </p:style>
+      </p:cxnSp>
     </p:spTree>
     <p:extLst>
       <p:ext uri="{BB962C8B-B14F-4D97-AF65-F5344CB8AC3E}">

--- a/figures/sdn/figures.pptx
+++ b/figures/sdn/figures.pptx
@@ -5,7 +5,7 @@
     <p:sldMasterId id="2147483648" r:id="rId1"/>
   </p:sldMasterIdLst>
   <p:notesMasterIdLst>
-    <p:notesMasterId r:id="rId11"/>
+    <p:notesMasterId r:id="rId12"/>
   </p:notesMasterIdLst>
   <p:sldIdLst>
     <p:sldId id="260" r:id="rId2"/>
@@ -17,6 +17,7 @@
     <p:sldId id="348" r:id="rId8"/>
     <p:sldId id="347" r:id="rId9"/>
     <p:sldId id="346" r:id="rId10"/>
+    <p:sldId id="352" r:id="rId11"/>
   </p:sldIdLst>
   <p:sldSz cx="12192000" cy="6858000"/>
   <p:notesSz cx="6858000" cy="9144000"/>
@@ -205,7 +206,7 @@
           <a:p>
             <a:fld id="{CD99FC43-7065-F348-8836-4FD247176936}" type="datetimeFigureOut">
               <a:rPr lang="en-US" smtClean="0"/>
-              <a:t>8/19/22</a:t>
+              <a:t>9/23/22</a:t>
             </a:fld>
             <a:endParaRPr lang="en-US" dirty="0"/>
           </a:p>
@@ -601,7 +602,7 @@
           <a:p>
             <a:fld id="{5D97E163-DB95-D24D-8C95-263DECB1FC34}" type="datetimeFigureOut">
               <a:rPr lang="en-US" smtClean="0"/>
-              <a:t>8/19/22</a:t>
+              <a:t>9/23/22</a:t>
             </a:fld>
             <a:endParaRPr lang="en-US" dirty="0"/>
           </a:p>
@@ -769,7 +770,7 @@
           <a:p>
             <a:fld id="{5D97E163-DB95-D24D-8C95-263DECB1FC34}" type="datetimeFigureOut">
               <a:rPr lang="en-US" smtClean="0"/>
-              <a:t>8/19/22</a:t>
+              <a:t>9/23/22</a:t>
             </a:fld>
             <a:endParaRPr lang="en-US" dirty="0"/>
           </a:p>
@@ -947,7 +948,7 @@
           <a:p>
             <a:fld id="{5D97E163-DB95-D24D-8C95-263DECB1FC34}" type="datetimeFigureOut">
               <a:rPr lang="en-US" smtClean="0"/>
-              <a:t>8/19/22</a:t>
+              <a:t>9/23/22</a:t>
             </a:fld>
             <a:endParaRPr lang="en-US" dirty="0"/>
           </a:p>
@@ -1115,7 +1116,7 @@
           <a:p>
             <a:fld id="{5D97E163-DB95-D24D-8C95-263DECB1FC34}" type="datetimeFigureOut">
               <a:rPr lang="en-US" smtClean="0"/>
-              <a:t>8/19/22</a:t>
+              <a:t>9/23/22</a:t>
             </a:fld>
             <a:endParaRPr lang="en-US" dirty="0"/>
           </a:p>
@@ -1360,7 +1361,7 @@
           <a:p>
             <a:fld id="{5D97E163-DB95-D24D-8C95-263DECB1FC34}" type="datetimeFigureOut">
               <a:rPr lang="en-US" smtClean="0"/>
-              <a:t>8/19/22</a:t>
+              <a:t>9/23/22</a:t>
             </a:fld>
             <a:endParaRPr lang="en-US" dirty="0"/>
           </a:p>
@@ -1589,7 +1590,7 @@
           <a:p>
             <a:fld id="{5D97E163-DB95-D24D-8C95-263DECB1FC34}" type="datetimeFigureOut">
               <a:rPr lang="en-US" smtClean="0"/>
-              <a:t>8/19/22</a:t>
+              <a:t>9/23/22</a:t>
             </a:fld>
             <a:endParaRPr lang="en-US" dirty="0"/>
           </a:p>
@@ -1953,7 +1954,7 @@
           <a:p>
             <a:fld id="{5D97E163-DB95-D24D-8C95-263DECB1FC34}" type="datetimeFigureOut">
               <a:rPr lang="en-US" smtClean="0"/>
-              <a:t>8/19/22</a:t>
+              <a:t>9/23/22</a:t>
             </a:fld>
             <a:endParaRPr lang="en-US" dirty="0"/>
           </a:p>
@@ -2070,7 +2071,7 @@
           <a:p>
             <a:fld id="{5D97E163-DB95-D24D-8C95-263DECB1FC34}" type="datetimeFigureOut">
               <a:rPr lang="en-US" smtClean="0"/>
-              <a:t>8/19/22</a:t>
+              <a:t>9/23/22</a:t>
             </a:fld>
             <a:endParaRPr lang="en-US" dirty="0"/>
           </a:p>
@@ -2165,7 +2166,7 @@
           <a:p>
             <a:fld id="{5D97E163-DB95-D24D-8C95-263DECB1FC34}" type="datetimeFigureOut">
               <a:rPr lang="en-US" smtClean="0"/>
-              <a:t>8/19/22</a:t>
+              <a:t>9/23/22</a:t>
             </a:fld>
             <a:endParaRPr lang="en-US" dirty="0"/>
           </a:p>
@@ -2440,7 +2441,7 @@
           <a:p>
             <a:fld id="{5D97E163-DB95-D24D-8C95-263DECB1FC34}" type="datetimeFigureOut">
               <a:rPr lang="en-US" smtClean="0"/>
-              <a:t>8/19/22</a:t>
+              <a:t>9/23/22</a:t>
             </a:fld>
             <a:endParaRPr lang="en-US" dirty="0"/>
           </a:p>
@@ -2695,7 +2696,7 @@
           <a:p>
             <a:fld id="{5D97E163-DB95-D24D-8C95-263DECB1FC34}" type="datetimeFigureOut">
               <a:rPr lang="en-US" smtClean="0"/>
-              <a:t>8/19/22</a:t>
+              <a:t>9/23/22</a:t>
             </a:fld>
             <a:endParaRPr lang="en-US" dirty="0"/>
           </a:p>
@@ -2906,7 +2907,7 @@
           <a:p>
             <a:fld id="{5D97E163-DB95-D24D-8C95-263DECB1FC34}" type="datetimeFigureOut">
               <a:rPr lang="en-US" smtClean="0"/>
-              <a:t>8/19/22</a:t>
+              <a:t>9/23/22</a:t>
             </a:fld>
             <a:endParaRPr lang="en-US" dirty="0"/>
           </a:p>
@@ -5459,6 +5460,1235 @@
 </p:sld>
 </file>
 
+<file path=ppt/slides/slide10.xml><?xml version="1.0" encoding="utf-8"?>
+<p:sld xmlns:a="http://schemas.openxmlformats.org/drawingml/2006/main" xmlns:r="http://schemas.openxmlformats.org/officeDocument/2006/relationships" xmlns:p="http://schemas.openxmlformats.org/presentationml/2006/main">
+  <p:cSld>
+    <p:spTree>
+      <p:nvGrpSpPr>
+        <p:cNvPr id="1" name=""/>
+        <p:cNvGrpSpPr/>
+        <p:nvPr/>
+      </p:nvGrpSpPr>
+      <p:grpSpPr>
+        <a:xfrm>
+          <a:off x="0" y="0"/>
+          <a:ext cx="0" cy="0"/>
+          <a:chOff x="0" y="0"/>
+          <a:chExt cx="0" cy="0"/>
+        </a:xfrm>
+      </p:grpSpPr>
+      <p:cxnSp>
+        <p:nvCxnSpPr>
+          <p:cNvPr id="43" name="Straight Connector 42">
+            <a:extLst>
+              <a:ext uri="{FF2B5EF4-FFF2-40B4-BE49-F238E27FC236}">
+                <a16:creationId xmlns:a16="http://schemas.microsoft.com/office/drawing/2014/main" id="{E18A88C0-8AEB-C5F0-4F68-ECC1E01625B3}"/>
+              </a:ext>
+            </a:extLst>
+          </p:cNvPr>
+          <p:cNvCxnSpPr>
+            <a:cxnSpLocks/>
+            <a:stCxn id="14" idx="0"/>
+            <a:endCxn id="13" idx="2"/>
+          </p:cNvCxnSpPr>
+          <p:nvPr/>
+        </p:nvCxnSpPr>
+        <p:spPr>
+          <a:xfrm flipV="1">
+            <a:off x="5461221" y="3413862"/>
+            <a:ext cx="5427" cy="739610"/>
+          </a:xfrm>
+          <a:prstGeom prst="line">
+            <a:avLst/>
+          </a:prstGeom>
+          <a:ln w="19050">
+            <a:solidFill>
+              <a:srgbClr val="002060"/>
+            </a:solidFill>
+          </a:ln>
+          <a:effectLst>
+            <a:outerShdw blurRad="50800" dist="38100" dir="2700000" algn="tl" rotWithShape="0">
+              <a:prstClr val="black">
+                <a:alpha val="40000"/>
+              </a:prstClr>
+            </a:outerShdw>
+          </a:effectLst>
+        </p:spPr>
+        <p:style>
+          <a:lnRef idx="1">
+            <a:schemeClr val="accent1"/>
+          </a:lnRef>
+          <a:fillRef idx="0">
+            <a:schemeClr val="accent1"/>
+          </a:fillRef>
+          <a:effectRef idx="0">
+            <a:schemeClr val="accent1"/>
+          </a:effectRef>
+          <a:fontRef idx="minor">
+            <a:schemeClr val="tx1"/>
+          </a:fontRef>
+        </p:style>
+      </p:cxnSp>
+      <p:sp>
+        <p:nvSpPr>
+          <p:cNvPr id="7" name="Rectangle 6">
+            <a:extLst>
+              <a:ext uri="{FF2B5EF4-FFF2-40B4-BE49-F238E27FC236}">
+                <a16:creationId xmlns:a16="http://schemas.microsoft.com/office/drawing/2014/main" id="{1F3E76A9-4D16-E6B4-7DC5-814355BD35FD}"/>
+              </a:ext>
+            </a:extLst>
+          </p:cNvPr>
+          <p:cNvSpPr/>
+          <p:nvPr/>
+        </p:nvSpPr>
+        <p:spPr>
+          <a:xfrm>
+            <a:off x="4812797" y="3541026"/>
+            <a:ext cx="1307702" cy="471415"/>
+          </a:xfrm>
+          <a:prstGeom prst="rect">
+            <a:avLst/>
+          </a:prstGeom>
+          <a:solidFill>
+            <a:schemeClr val="accent1">
+              <a:lumMod val="60000"/>
+              <a:lumOff val="40000"/>
+            </a:schemeClr>
+          </a:solidFill>
+          <a:ln>
+            <a:solidFill>
+              <a:schemeClr val="tx2"/>
+            </a:solidFill>
+          </a:ln>
+        </p:spPr>
+        <p:style>
+          <a:lnRef idx="1">
+            <a:schemeClr val="accent1"/>
+          </a:lnRef>
+          <a:fillRef idx="3">
+            <a:schemeClr val="accent1"/>
+          </a:fillRef>
+          <a:effectRef idx="2">
+            <a:schemeClr val="accent1"/>
+          </a:effectRef>
+          <a:fontRef idx="minor">
+            <a:schemeClr val="lt1"/>
+          </a:fontRef>
+        </p:style>
+        <p:txBody>
+          <a:bodyPr rtlCol="0" anchor="ctr"/>
+          <a:lstStyle/>
+          <a:p>
+            <a:pPr algn="ctr"/>
+            <a:r>
+              <a:rPr lang="en-US" sz="1600" dirty="0">
+                <a:solidFill>
+                  <a:schemeClr val="tx2"/>
+                </a:solidFill>
+              </a:rPr>
+              <a:t>MAC</a:t>
+            </a:r>
+          </a:p>
+        </p:txBody>
+      </p:sp>
+      <p:sp>
+        <p:nvSpPr>
+          <p:cNvPr id="8" name="Rectangle 7">
+            <a:extLst>
+              <a:ext uri="{FF2B5EF4-FFF2-40B4-BE49-F238E27FC236}">
+                <a16:creationId xmlns:a16="http://schemas.microsoft.com/office/drawing/2014/main" id="{BA4C24A8-EA58-297A-BC5B-6CC34CD119E3}"/>
+              </a:ext>
+            </a:extLst>
+          </p:cNvPr>
+          <p:cNvSpPr/>
+          <p:nvPr/>
+        </p:nvSpPr>
+        <p:spPr>
+          <a:xfrm>
+            <a:off x="4557221" y="2787546"/>
+            <a:ext cx="1808001" cy="2221183"/>
+          </a:xfrm>
+          <a:prstGeom prst="rect">
+            <a:avLst/>
+          </a:prstGeom>
+          <a:noFill/>
+          <a:ln w="19050">
+            <a:solidFill>
+              <a:schemeClr val="accent1">
+                <a:lumMod val="75000"/>
+              </a:schemeClr>
+            </a:solidFill>
+          </a:ln>
+          <a:effectLst>
+            <a:outerShdw blurRad="50800" dist="38100" dir="2700000" algn="tl" rotWithShape="0">
+              <a:prstClr val="black">
+                <a:alpha val="40000"/>
+              </a:prstClr>
+            </a:outerShdw>
+          </a:effectLst>
+        </p:spPr>
+        <p:style>
+          <a:lnRef idx="2">
+            <a:schemeClr val="accent1">
+              <a:shade val="50000"/>
+            </a:schemeClr>
+          </a:lnRef>
+          <a:fillRef idx="1">
+            <a:schemeClr val="accent1"/>
+          </a:fillRef>
+          <a:effectRef idx="0">
+            <a:schemeClr val="accent1"/>
+          </a:effectRef>
+          <a:fontRef idx="minor">
+            <a:schemeClr val="lt1"/>
+          </a:fontRef>
+        </p:style>
+        <p:txBody>
+          <a:bodyPr rtlCol="0" anchor="ctr"/>
+          <a:lstStyle/>
+          <a:p>
+            <a:pPr algn="ctr"/>
+            <a:endParaRPr lang="en-US" sz="1000" dirty="0">
+              <a:solidFill>
+                <a:schemeClr val="bg2">
+                  <a:lumMod val="10000"/>
+                </a:schemeClr>
+              </a:solidFill>
+              <a:latin typeface="Calibri" charset="0"/>
+              <a:ea typeface="Calibri" charset="0"/>
+              <a:cs typeface="Calibri" charset="0"/>
+            </a:endParaRPr>
+          </a:p>
+        </p:txBody>
+      </p:sp>
+      <p:sp>
+        <p:nvSpPr>
+          <p:cNvPr id="10" name="Rectangle 9">
+            <a:extLst>
+              <a:ext uri="{FF2B5EF4-FFF2-40B4-BE49-F238E27FC236}">
+                <a16:creationId xmlns:a16="http://schemas.microsoft.com/office/drawing/2014/main" id="{38CC981D-08FB-BEFB-601B-DDFF5E4CBAB1}"/>
+              </a:ext>
+            </a:extLst>
+          </p:cNvPr>
+          <p:cNvSpPr/>
+          <p:nvPr/>
+        </p:nvSpPr>
+        <p:spPr>
+          <a:xfrm>
+            <a:off x="5762619" y="3628738"/>
+            <a:ext cx="278789" cy="295991"/>
+          </a:xfrm>
+          <a:prstGeom prst="rect">
+            <a:avLst/>
+          </a:prstGeom>
+          <a:solidFill>
+            <a:srgbClr val="0070C0"/>
+          </a:solidFill>
+          <a:ln>
+            <a:solidFill>
+              <a:srgbClr val="0070C0"/>
+            </a:solidFill>
+          </a:ln>
+        </p:spPr>
+        <p:style>
+          <a:lnRef idx="1">
+            <a:schemeClr val="accent4"/>
+          </a:lnRef>
+          <a:fillRef idx="3">
+            <a:schemeClr val="accent4"/>
+          </a:fillRef>
+          <a:effectRef idx="2">
+            <a:schemeClr val="accent4"/>
+          </a:effectRef>
+          <a:fontRef idx="minor">
+            <a:schemeClr val="lt1"/>
+          </a:fontRef>
+        </p:style>
+        <p:txBody>
+          <a:bodyPr rtlCol="0" anchor="ctr"/>
+          <a:lstStyle/>
+          <a:p>
+            <a:pPr algn="ctr"/>
+            <a:r>
+              <a:rPr lang="en-US" sz="1400" dirty="0">
+                <a:solidFill>
+                  <a:schemeClr val="bg1"/>
+                </a:solidFill>
+                <a:latin typeface="+mj-lt"/>
+              </a:rPr>
+              <a:t>S</a:t>
+            </a:r>
+          </a:p>
+        </p:txBody>
+      </p:sp>
+      <p:sp>
+        <p:nvSpPr>
+          <p:cNvPr id="13" name="Rectangle 12">
+            <a:extLst>
+              <a:ext uri="{FF2B5EF4-FFF2-40B4-BE49-F238E27FC236}">
+                <a16:creationId xmlns:a16="http://schemas.microsoft.com/office/drawing/2014/main" id="{7CF70C3E-D496-4D28-7AC6-0609DB2860B5}"/>
+              </a:ext>
+            </a:extLst>
+          </p:cNvPr>
+          <p:cNvSpPr/>
+          <p:nvPr/>
+        </p:nvSpPr>
+        <p:spPr>
+          <a:xfrm>
+            <a:off x="4812797" y="2942447"/>
+            <a:ext cx="1307702" cy="471415"/>
+          </a:xfrm>
+          <a:prstGeom prst="rect">
+            <a:avLst/>
+          </a:prstGeom>
+          <a:solidFill>
+            <a:schemeClr val="accent1">
+              <a:lumMod val="60000"/>
+              <a:lumOff val="40000"/>
+            </a:schemeClr>
+          </a:solidFill>
+          <a:ln>
+            <a:solidFill>
+              <a:schemeClr val="tx2"/>
+            </a:solidFill>
+          </a:ln>
+        </p:spPr>
+        <p:style>
+          <a:lnRef idx="1">
+            <a:schemeClr val="accent1"/>
+          </a:lnRef>
+          <a:fillRef idx="3">
+            <a:schemeClr val="accent1"/>
+          </a:fillRef>
+          <a:effectRef idx="2">
+            <a:schemeClr val="accent1"/>
+          </a:effectRef>
+          <a:fontRef idx="minor">
+            <a:schemeClr val="lt1"/>
+          </a:fontRef>
+        </p:style>
+        <p:txBody>
+          <a:bodyPr rtlCol="0" anchor="ctr"/>
+          <a:lstStyle/>
+          <a:p>
+            <a:pPr algn="ctr"/>
+            <a:r>
+              <a:rPr lang="en-US" sz="1600" dirty="0">
+                <a:solidFill>
+                  <a:schemeClr val="tx1">
+                    <a:lumMod val="95000"/>
+                    <a:lumOff val="5000"/>
+                  </a:schemeClr>
+                </a:solidFill>
+              </a:rPr>
+              <a:t>RLC</a:t>
+            </a:r>
+          </a:p>
+        </p:txBody>
+      </p:sp>
+      <p:sp>
+        <p:nvSpPr>
+          <p:cNvPr id="14" name="Rectangle 13">
+            <a:extLst>
+              <a:ext uri="{FF2B5EF4-FFF2-40B4-BE49-F238E27FC236}">
+                <a16:creationId xmlns:a16="http://schemas.microsoft.com/office/drawing/2014/main" id="{A1735177-0995-FF1E-5FC4-FB83010FD103}"/>
+              </a:ext>
+            </a:extLst>
+          </p:cNvPr>
+          <p:cNvSpPr/>
+          <p:nvPr/>
+        </p:nvSpPr>
+        <p:spPr>
+          <a:xfrm>
+            <a:off x="4807370" y="4153472"/>
+            <a:ext cx="1307702" cy="471415"/>
+          </a:xfrm>
+          <a:prstGeom prst="rect">
+            <a:avLst/>
+          </a:prstGeom>
+          <a:solidFill>
+            <a:schemeClr val="accent1">
+              <a:lumMod val="60000"/>
+              <a:lumOff val="40000"/>
+            </a:schemeClr>
+          </a:solidFill>
+          <a:ln>
+            <a:solidFill>
+              <a:schemeClr val="tx2"/>
+            </a:solidFill>
+          </a:ln>
+        </p:spPr>
+        <p:style>
+          <a:lnRef idx="1">
+            <a:schemeClr val="accent1"/>
+          </a:lnRef>
+          <a:fillRef idx="3">
+            <a:schemeClr val="accent1"/>
+          </a:fillRef>
+          <a:effectRef idx="2">
+            <a:schemeClr val="accent1"/>
+          </a:effectRef>
+          <a:fontRef idx="minor">
+            <a:schemeClr val="lt1"/>
+          </a:fontRef>
+        </p:style>
+        <p:txBody>
+          <a:bodyPr rtlCol="0" anchor="ctr"/>
+          <a:lstStyle/>
+          <a:p>
+            <a:pPr algn="ctr"/>
+            <a:r>
+              <a:rPr lang="en-US" sz="1600" dirty="0">
+                <a:solidFill>
+                  <a:schemeClr val="tx1"/>
+                </a:solidFill>
+              </a:rPr>
+              <a:t>High-PHY</a:t>
+            </a:r>
+          </a:p>
+        </p:txBody>
+      </p:sp>
+      <p:sp>
+        <p:nvSpPr>
+          <p:cNvPr id="18" name="Rectangle 17">
+            <a:extLst>
+              <a:ext uri="{FF2B5EF4-FFF2-40B4-BE49-F238E27FC236}">
+                <a16:creationId xmlns:a16="http://schemas.microsoft.com/office/drawing/2014/main" id="{94B1FE7C-CDD6-89AA-380B-7D5A3780C15E}"/>
+              </a:ext>
+            </a:extLst>
+          </p:cNvPr>
+          <p:cNvSpPr/>
+          <p:nvPr/>
+        </p:nvSpPr>
+        <p:spPr>
+          <a:xfrm>
+            <a:off x="4557221" y="429030"/>
+            <a:ext cx="806349" cy="801262"/>
+          </a:xfrm>
+          <a:prstGeom prst="rect">
+            <a:avLst/>
+          </a:prstGeom>
+          <a:solidFill>
+            <a:srgbClr val="0070C0"/>
+          </a:solidFill>
+          <a:ln>
+            <a:solidFill>
+              <a:srgbClr val="0070C0"/>
+            </a:solidFill>
+          </a:ln>
+        </p:spPr>
+        <p:style>
+          <a:lnRef idx="1">
+            <a:schemeClr val="accent1"/>
+          </a:lnRef>
+          <a:fillRef idx="2">
+            <a:schemeClr val="accent1"/>
+          </a:fillRef>
+          <a:effectRef idx="1">
+            <a:schemeClr val="accent1"/>
+          </a:effectRef>
+          <a:fontRef idx="minor">
+            <a:schemeClr val="dk1"/>
+          </a:fontRef>
+        </p:style>
+        <p:txBody>
+          <a:bodyPr rtlCol="0" anchor="ctr"/>
+          <a:lstStyle/>
+          <a:p>
+            <a:pPr algn="ctr">
+              <a:lnSpc>
+                <a:spcPct val="80000"/>
+              </a:lnSpc>
+            </a:pPr>
+            <a:r>
+              <a:rPr lang="en-US" sz="1600" dirty="0">
+                <a:solidFill>
+                  <a:schemeClr val="bg1"/>
+                </a:solidFill>
+                <a:latin typeface="Calibri" charset="0"/>
+                <a:ea typeface="Calibri" charset="0"/>
+                <a:cs typeface="Calibri" charset="0"/>
+              </a:rPr>
+              <a:t>Mobile Core CP</a:t>
+            </a:r>
+          </a:p>
+        </p:txBody>
+      </p:sp>
+      <p:sp>
+        <p:nvSpPr>
+          <p:cNvPr id="19" name="Rectangle 18">
+            <a:extLst>
+              <a:ext uri="{FF2B5EF4-FFF2-40B4-BE49-F238E27FC236}">
+                <a16:creationId xmlns:a16="http://schemas.microsoft.com/office/drawing/2014/main" id="{EE649986-5987-4AF7-A02D-BBDCA50EAE61}"/>
+              </a:ext>
+            </a:extLst>
+          </p:cNvPr>
+          <p:cNvSpPr/>
+          <p:nvPr/>
+        </p:nvSpPr>
+        <p:spPr>
+          <a:xfrm>
+            <a:off x="5554324" y="429030"/>
+            <a:ext cx="806349" cy="820861"/>
+          </a:xfrm>
+          <a:prstGeom prst="rect">
+            <a:avLst/>
+          </a:prstGeom>
+          <a:solidFill>
+            <a:schemeClr val="accent1">
+              <a:lumMod val="60000"/>
+              <a:lumOff val="40000"/>
+            </a:schemeClr>
+          </a:solidFill>
+          <a:ln>
+            <a:solidFill>
+              <a:srgbClr val="0070C0"/>
+            </a:solidFill>
+          </a:ln>
+        </p:spPr>
+        <p:style>
+          <a:lnRef idx="1">
+            <a:schemeClr val="accent1"/>
+          </a:lnRef>
+          <a:fillRef idx="2">
+            <a:schemeClr val="accent1"/>
+          </a:fillRef>
+          <a:effectRef idx="1">
+            <a:schemeClr val="accent1"/>
+          </a:effectRef>
+          <a:fontRef idx="minor">
+            <a:schemeClr val="dk1"/>
+          </a:fontRef>
+        </p:style>
+        <p:txBody>
+          <a:bodyPr rtlCol="0" anchor="ctr"/>
+          <a:lstStyle/>
+          <a:p>
+            <a:pPr algn="ctr">
+              <a:lnSpc>
+                <a:spcPct val="80000"/>
+              </a:lnSpc>
+            </a:pPr>
+            <a:r>
+              <a:rPr lang="en-US" sz="1600" dirty="0">
+                <a:solidFill>
+                  <a:schemeClr val="bg2">
+                    <a:lumMod val="10000"/>
+                  </a:schemeClr>
+                </a:solidFill>
+                <a:latin typeface="Calibri" charset="0"/>
+                <a:ea typeface="Calibri" charset="0"/>
+                <a:cs typeface="Calibri" charset="0"/>
+              </a:rPr>
+              <a:t>Mobile Core UP</a:t>
+            </a:r>
+          </a:p>
+        </p:txBody>
+      </p:sp>
+      <p:sp>
+        <p:nvSpPr>
+          <p:cNvPr id="21" name="Rectangle 20">
+            <a:extLst>
+              <a:ext uri="{FF2B5EF4-FFF2-40B4-BE49-F238E27FC236}">
+                <a16:creationId xmlns:a16="http://schemas.microsoft.com/office/drawing/2014/main" id="{74BC2736-6CD2-5F51-D9F9-8673B5C98D9D}"/>
+              </a:ext>
+            </a:extLst>
+          </p:cNvPr>
+          <p:cNvSpPr/>
+          <p:nvPr/>
+        </p:nvSpPr>
+        <p:spPr>
+          <a:xfrm>
+            <a:off x="4557221" y="5378367"/>
+            <a:ext cx="1808001" cy="685829"/>
+          </a:xfrm>
+          <a:prstGeom prst="rect">
+            <a:avLst/>
+          </a:prstGeom>
+          <a:solidFill>
+            <a:schemeClr val="bg1"/>
+          </a:solidFill>
+          <a:ln w="19050">
+            <a:solidFill>
+              <a:schemeClr val="accent1">
+                <a:lumMod val="75000"/>
+              </a:schemeClr>
+            </a:solidFill>
+          </a:ln>
+          <a:effectLst>
+            <a:outerShdw blurRad="50800" dist="38100" dir="2700000" algn="tl" rotWithShape="0">
+              <a:prstClr val="black">
+                <a:alpha val="40000"/>
+              </a:prstClr>
+            </a:outerShdw>
+          </a:effectLst>
+        </p:spPr>
+        <p:style>
+          <a:lnRef idx="2">
+            <a:schemeClr val="accent1">
+              <a:shade val="50000"/>
+            </a:schemeClr>
+          </a:lnRef>
+          <a:fillRef idx="1">
+            <a:schemeClr val="accent1"/>
+          </a:fillRef>
+          <a:effectRef idx="0">
+            <a:schemeClr val="accent1"/>
+          </a:effectRef>
+          <a:fontRef idx="minor">
+            <a:schemeClr val="lt1"/>
+          </a:fontRef>
+        </p:style>
+        <p:txBody>
+          <a:bodyPr rtlCol="0" anchor="ctr"/>
+          <a:lstStyle/>
+          <a:p>
+            <a:pPr algn="ctr"/>
+            <a:r>
+              <a:rPr lang="en-US" sz="1600" dirty="0">
+                <a:solidFill>
+                  <a:schemeClr val="bg2">
+                    <a:lumMod val="10000"/>
+                  </a:schemeClr>
+                </a:solidFill>
+                <a:latin typeface="Calibri" charset="0"/>
+                <a:ea typeface="Calibri" charset="0"/>
+                <a:cs typeface="Calibri" charset="0"/>
+              </a:rPr>
+              <a:t>RU</a:t>
+            </a:r>
+          </a:p>
+        </p:txBody>
+      </p:sp>
+      <p:cxnSp>
+        <p:nvCxnSpPr>
+          <p:cNvPr id="23" name="Straight Connector 22">
+            <a:extLst>
+              <a:ext uri="{FF2B5EF4-FFF2-40B4-BE49-F238E27FC236}">
+                <a16:creationId xmlns:a16="http://schemas.microsoft.com/office/drawing/2014/main" id="{7B51A60C-EDA7-13EB-7187-FA4F5CB753C9}"/>
+              </a:ext>
+            </a:extLst>
+          </p:cNvPr>
+          <p:cNvCxnSpPr>
+            <a:cxnSpLocks/>
+            <a:stCxn id="16" idx="0"/>
+            <a:endCxn id="19" idx="2"/>
+          </p:cNvCxnSpPr>
+          <p:nvPr/>
+        </p:nvCxnSpPr>
+        <p:spPr>
+          <a:xfrm flipV="1">
+            <a:off x="5957499" y="1249891"/>
+            <a:ext cx="0" cy="360544"/>
+          </a:xfrm>
+          <a:prstGeom prst="line">
+            <a:avLst/>
+          </a:prstGeom>
+          <a:ln w="19050">
+            <a:solidFill>
+              <a:srgbClr val="002060"/>
+            </a:solidFill>
+          </a:ln>
+          <a:effectLst>
+            <a:outerShdw blurRad="50800" dist="38100" dir="2700000" algn="tl" rotWithShape="0">
+              <a:prstClr val="black">
+                <a:alpha val="40000"/>
+              </a:prstClr>
+            </a:outerShdw>
+          </a:effectLst>
+        </p:spPr>
+        <p:style>
+          <a:lnRef idx="1">
+            <a:schemeClr val="accent1"/>
+          </a:lnRef>
+          <a:fillRef idx="0">
+            <a:schemeClr val="accent1"/>
+          </a:fillRef>
+          <a:effectRef idx="0">
+            <a:schemeClr val="accent1"/>
+          </a:effectRef>
+          <a:fontRef idx="minor">
+            <a:schemeClr val="tx1"/>
+          </a:fontRef>
+        </p:style>
+      </p:cxnSp>
+      <p:cxnSp>
+        <p:nvCxnSpPr>
+          <p:cNvPr id="26" name="Straight Connector 25">
+            <a:extLst>
+              <a:ext uri="{FF2B5EF4-FFF2-40B4-BE49-F238E27FC236}">
+                <a16:creationId xmlns:a16="http://schemas.microsoft.com/office/drawing/2014/main" id="{5EC3A86E-C85E-617B-062F-ECD7A8466F13}"/>
+              </a:ext>
+            </a:extLst>
+          </p:cNvPr>
+          <p:cNvCxnSpPr>
+            <a:cxnSpLocks/>
+            <a:stCxn id="17" idx="0"/>
+            <a:endCxn id="18" idx="2"/>
+          </p:cNvCxnSpPr>
+          <p:nvPr/>
+        </p:nvCxnSpPr>
+        <p:spPr>
+          <a:xfrm flipV="1">
+            <a:off x="4960396" y="1230292"/>
+            <a:ext cx="0" cy="380143"/>
+          </a:xfrm>
+          <a:prstGeom prst="line">
+            <a:avLst/>
+          </a:prstGeom>
+          <a:ln w="19050">
+            <a:solidFill>
+              <a:srgbClr val="002060"/>
+            </a:solidFill>
+          </a:ln>
+          <a:effectLst>
+            <a:outerShdw blurRad="50800" dist="38100" dir="2700000" algn="tl" rotWithShape="0">
+              <a:prstClr val="black">
+                <a:alpha val="40000"/>
+              </a:prstClr>
+            </a:outerShdw>
+          </a:effectLst>
+        </p:spPr>
+        <p:style>
+          <a:lnRef idx="1">
+            <a:schemeClr val="accent1"/>
+          </a:lnRef>
+          <a:fillRef idx="0">
+            <a:schemeClr val="accent1"/>
+          </a:fillRef>
+          <a:effectRef idx="0">
+            <a:schemeClr val="accent1"/>
+          </a:effectRef>
+          <a:fontRef idx="minor">
+            <a:schemeClr val="tx1"/>
+          </a:fontRef>
+        </p:style>
+      </p:cxnSp>
+      <p:cxnSp>
+        <p:nvCxnSpPr>
+          <p:cNvPr id="29" name="Straight Connector 28">
+            <a:extLst>
+              <a:ext uri="{FF2B5EF4-FFF2-40B4-BE49-F238E27FC236}">
+                <a16:creationId xmlns:a16="http://schemas.microsoft.com/office/drawing/2014/main" id="{1232513B-69C3-2B62-AF4E-FED1AD800212}"/>
+              </a:ext>
+            </a:extLst>
+          </p:cNvPr>
+          <p:cNvCxnSpPr>
+            <a:cxnSpLocks/>
+          </p:cNvCxnSpPr>
+          <p:nvPr/>
+        </p:nvCxnSpPr>
+        <p:spPr>
+          <a:xfrm flipV="1">
+            <a:off x="4960395" y="2302513"/>
+            <a:ext cx="1" cy="485033"/>
+          </a:xfrm>
+          <a:prstGeom prst="line">
+            <a:avLst/>
+          </a:prstGeom>
+          <a:ln w="19050">
+            <a:solidFill>
+              <a:srgbClr val="002060"/>
+            </a:solidFill>
+          </a:ln>
+          <a:effectLst>
+            <a:outerShdw blurRad="50800" dist="38100" dir="2700000" algn="tl" rotWithShape="0">
+              <a:prstClr val="black">
+                <a:alpha val="40000"/>
+              </a:prstClr>
+            </a:outerShdw>
+          </a:effectLst>
+        </p:spPr>
+        <p:style>
+          <a:lnRef idx="1">
+            <a:schemeClr val="accent1"/>
+          </a:lnRef>
+          <a:fillRef idx="0">
+            <a:schemeClr val="accent1"/>
+          </a:fillRef>
+          <a:effectRef idx="0">
+            <a:schemeClr val="accent1"/>
+          </a:effectRef>
+          <a:fontRef idx="minor">
+            <a:schemeClr val="tx1"/>
+          </a:fontRef>
+        </p:style>
+      </p:cxnSp>
+      <p:cxnSp>
+        <p:nvCxnSpPr>
+          <p:cNvPr id="33" name="Straight Connector 32">
+            <a:extLst>
+              <a:ext uri="{FF2B5EF4-FFF2-40B4-BE49-F238E27FC236}">
+                <a16:creationId xmlns:a16="http://schemas.microsoft.com/office/drawing/2014/main" id="{1CF8BEB3-6E90-D8F4-522F-D461D1D501FA}"/>
+              </a:ext>
+            </a:extLst>
+          </p:cNvPr>
+          <p:cNvCxnSpPr>
+            <a:cxnSpLocks/>
+          </p:cNvCxnSpPr>
+          <p:nvPr/>
+        </p:nvCxnSpPr>
+        <p:spPr>
+          <a:xfrm flipV="1">
+            <a:off x="5957499" y="2302513"/>
+            <a:ext cx="0" cy="485033"/>
+          </a:xfrm>
+          <a:prstGeom prst="line">
+            <a:avLst/>
+          </a:prstGeom>
+          <a:ln w="19050">
+            <a:solidFill>
+              <a:srgbClr val="002060"/>
+            </a:solidFill>
+          </a:ln>
+          <a:effectLst>
+            <a:outerShdw blurRad="50800" dist="38100" dir="2700000" algn="tl" rotWithShape="0">
+              <a:prstClr val="black">
+                <a:alpha val="40000"/>
+              </a:prstClr>
+            </a:outerShdw>
+          </a:effectLst>
+        </p:spPr>
+        <p:style>
+          <a:lnRef idx="1">
+            <a:schemeClr val="accent1"/>
+          </a:lnRef>
+          <a:fillRef idx="0">
+            <a:schemeClr val="accent1"/>
+          </a:fillRef>
+          <a:effectRef idx="0">
+            <a:schemeClr val="accent1"/>
+          </a:effectRef>
+          <a:fontRef idx="minor">
+            <a:schemeClr val="tx1"/>
+          </a:fontRef>
+        </p:style>
+      </p:cxnSp>
+      <p:cxnSp>
+        <p:nvCxnSpPr>
+          <p:cNvPr id="36" name="Straight Connector 35">
+            <a:extLst>
+              <a:ext uri="{FF2B5EF4-FFF2-40B4-BE49-F238E27FC236}">
+                <a16:creationId xmlns:a16="http://schemas.microsoft.com/office/drawing/2014/main" id="{1E4488AB-0F36-9ADC-4FC1-D65AE045C104}"/>
+              </a:ext>
+            </a:extLst>
+          </p:cNvPr>
+          <p:cNvCxnSpPr>
+            <a:cxnSpLocks/>
+            <a:stCxn id="21" idx="0"/>
+            <a:endCxn id="8" idx="2"/>
+          </p:cNvCxnSpPr>
+          <p:nvPr/>
+        </p:nvCxnSpPr>
+        <p:spPr>
+          <a:xfrm flipV="1">
+            <a:off x="5461222" y="5008729"/>
+            <a:ext cx="0" cy="369638"/>
+          </a:xfrm>
+          <a:prstGeom prst="line">
+            <a:avLst/>
+          </a:prstGeom>
+          <a:ln w="19050">
+            <a:solidFill>
+              <a:srgbClr val="002060"/>
+            </a:solidFill>
+          </a:ln>
+          <a:effectLst>
+            <a:outerShdw blurRad="50800" dist="38100" dir="2700000" algn="tl" rotWithShape="0">
+              <a:prstClr val="black">
+                <a:alpha val="40000"/>
+              </a:prstClr>
+            </a:outerShdw>
+          </a:effectLst>
+        </p:spPr>
+        <p:style>
+          <a:lnRef idx="1">
+            <a:schemeClr val="accent1"/>
+          </a:lnRef>
+          <a:fillRef idx="0">
+            <a:schemeClr val="accent1"/>
+          </a:fillRef>
+          <a:effectRef idx="0">
+            <a:schemeClr val="accent1"/>
+          </a:effectRef>
+          <a:fontRef idx="minor">
+            <a:schemeClr val="tx1"/>
+          </a:fontRef>
+        </p:style>
+      </p:cxnSp>
+      <p:sp>
+        <p:nvSpPr>
+          <p:cNvPr id="16" name="Rectangle 15">
+            <a:extLst>
+              <a:ext uri="{FF2B5EF4-FFF2-40B4-BE49-F238E27FC236}">
+                <a16:creationId xmlns:a16="http://schemas.microsoft.com/office/drawing/2014/main" id="{2632D8FF-1651-E74D-B3BD-C22E3B9F250C}"/>
+              </a:ext>
+            </a:extLst>
+          </p:cNvPr>
+          <p:cNvSpPr/>
+          <p:nvPr/>
+        </p:nvSpPr>
+        <p:spPr>
+          <a:xfrm>
+            <a:off x="5554324" y="1610435"/>
+            <a:ext cx="806349" cy="801262"/>
+          </a:xfrm>
+          <a:prstGeom prst="rect">
+            <a:avLst/>
+          </a:prstGeom>
+          <a:solidFill>
+            <a:schemeClr val="bg1"/>
+          </a:solidFill>
+          <a:ln w="19050">
+            <a:solidFill>
+              <a:schemeClr val="accent1">
+                <a:lumMod val="75000"/>
+              </a:schemeClr>
+            </a:solidFill>
+          </a:ln>
+          <a:effectLst>
+            <a:outerShdw blurRad="50800" dist="38100" dir="2700000" algn="tl" rotWithShape="0">
+              <a:prstClr val="black">
+                <a:alpha val="40000"/>
+              </a:prstClr>
+            </a:outerShdw>
+          </a:effectLst>
+        </p:spPr>
+        <p:style>
+          <a:lnRef idx="2">
+            <a:schemeClr val="accent1">
+              <a:shade val="50000"/>
+            </a:schemeClr>
+          </a:lnRef>
+          <a:fillRef idx="1">
+            <a:schemeClr val="accent1"/>
+          </a:fillRef>
+          <a:effectRef idx="0">
+            <a:schemeClr val="accent1"/>
+          </a:effectRef>
+          <a:fontRef idx="minor">
+            <a:schemeClr val="lt1"/>
+          </a:fontRef>
+        </p:style>
+        <p:txBody>
+          <a:bodyPr rtlCol="0" anchor="ctr"/>
+          <a:lstStyle/>
+          <a:p>
+            <a:pPr algn="ctr"/>
+            <a:r>
+              <a:rPr lang="en-US" sz="1600" dirty="0">
+                <a:solidFill>
+                  <a:schemeClr val="bg2">
+                    <a:lumMod val="10000"/>
+                  </a:schemeClr>
+                </a:solidFill>
+                <a:latin typeface="Calibri" charset="0"/>
+                <a:ea typeface="Calibri" charset="0"/>
+                <a:cs typeface="Calibri" charset="0"/>
+              </a:rPr>
+              <a:t>CU-U</a:t>
+            </a:r>
+          </a:p>
+        </p:txBody>
+      </p:sp>
+      <p:sp>
+        <p:nvSpPr>
+          <p:cNvPr id="17" name="Rectangle 16">
+            <a:extLst>
+              <a:ext uri="{FF2B5EF4-FFF2-40B4-BE49-F238E27FC236}">
+                <a16:creationId xmlns:a16="http://schemas.microsoft.com/office/drawing/2014/main" id="{30D5204A-474C-4D03-57C2-4595B8F4D2DE}"/>
+              </a:ext>
+            </a:extLst>
+          </p:cNvPr>
+          <p:cNvSpPr/>
+          <p:nvPr/>
+        </p:nvSpPr>
+        <p:spPr>
+          <a:xfrm>
+            <a:off x="4557221" y="1610435"/>
+            <a:ext cx="806349" cy="801262"/>
+          </a:xfrm>
+          <a:prstGeom prst="rect">
+            <a:avLst/>
+          </a:prstGeom>
+          <a:solidFill>
+            <a:schemeClr val="bg1"/>
+          </a:solidFill>
+          <a:ln w="19050">
+            <a:solidFill>
+              <a:schemeClr val="accent1">
+                <a:lumMod val="75000"/>
+              </a:schemeClr>
+            </a:solidFill>
+          </a:ln>
+          <a:effectLst>
+            <a:outerShdw blurRad="50800" dist="38100" dir="2700000" algn="tl" rotWithShape="0">
+              <a:prstClr val="black">
+                <a:alpha val="40000"/>
+              </a:prstClr>
+            </a:outerShdw>
+          </a:effectLst>
+        </p:spPr>
+        <p:style>
+          <a:lnRef idx="2">
+            <a:schemeClr val="accent1">
+              <a:shade val="50000"/>
+            </a:schemeClr>
+          </a:lnRef>
+          <a:fillRef idx="1">
+            <a:schemeClr val="accent1"/>
+          </a:fillRef>
+          <a:effectRef idx="0">
+            <a:schemeClr val="accent1"/>
+          </a:effectRef>
+          <a:fontRef idx="minor">
+            <a:schemeClr val="lt1"/>
+          </a:fontRef>
+        </p:style>
+        <p:txBody>
+          <a:bodyPr rtlCol="0" anchor="ctr"/>
+          <a:lstStyle/>
+          <a:p>
+            <a:pPr algn="ctr"/>
+            <a:r>
+              <a:rPr lang="en-US" sz="1600" dirty="0">
+                <a:solidFill>
+                  <a:schemeClr val="bg2">
+                    <a:lumMod val="10000"/>
+                  </a:schemeClr>
+                </a:solidFill>
+                <a:latin typeface="Calibri" charset="0"/>
+                <a:ea typeface="Calibri" charset="0"/>
+                <a:cs typeface="Calibri" charset="0"/>
+              </a:rPr>
+              <a:t>CU-C</a:t>
+            </a:r>
+          </a:p>
+        </p:txBody>
+      </p:sp>
+      <p:sp>
+        <p:nvSpPr>
+          <p:cNvPr id="50" name="TextBox 49">
+            <a:extLst>
+              <a:ext uri="{FF2B5EF4-FFF2-40B4-BE49-F238E27FC236}">
+                <a16:creationId xmlns:a16="http://schemas.microsoft.com/office/drawing/2014/main" id="{728A2F6D-774E-7BD7-6957-B6A19271FD7F}"/>
+              </a:ext>
+            </a:extLst>
+          </p:cNvPr>
+          <p:cNvSpPr txBox="1"/>
+          <p:nvPr/>
+        </p:nvSpPr>
+        <p:spPr>
+          <a:xfrm>
+            <a:off x="5239846" y="4650699"/>
+            <a:ext cx="442750" cy="338554"/>
+          </a:xfrm>
+          <a:prstGeom prst="rect">
+            <a:avLst/>
+          </a:prstGeom>
+          <a:noFill/>
+        </p:spPr>
+        <p:txBody>
+          <a:bodyPr wrap="none" rtlCol="0">
+            <a:spAutoFit/>
+          </a:bodyPr>
+          <a:lstStyle/>
+          <a:p>
+            <a:r>
+              <a:rPr lang="en-US" sz="1600" dirty="0"/>
+              <a:t>DU</a:t>
+            </a:r>
+          </a:p>
+        </p:txBody>
+      </p:sp>
+      <p:sp>
+        <p:nvSpPr>
+          <p:cNvPr id="51" name="TextBox 50">
+            <a:extLst>
+              <a:ext uri="{FF2B5EF4-FFF2-40B4-BE49-F238E27FC236}">
+                <a16:creationId xmlns:a16="http://schemas.microsoft.com/office/drawing/2014/main" id="{22763F83-AC04-13E4-68D1-E06FCA88CDEE}"/>
+              </a:ext>
+            </a:extLst>
+          </p:cNvPr>
+          <p:cNvSpPr txBox="1"/>
+          <p:nvPr/>
+        </p:nvSpPr>
+        <p:spPr>
+          <a:xfrm>
+            <a:off x="4967146" y="1273299"/>
+            <a:ext cx="391454" cy="307777"/>
+          </a:xfrm>
+          <a:prstGeom prst="rect">
+            <a:avLst/>
+          </a:prstGeom>
+          <a:noFill/>
+        </p:spPr>
+        <p:txBody>
+          <a:bodyPr wrap="none" rtlCol="0">
+            <a:spAutoFit/>
+          </a:bodyPr>
+          <a:lstStyle/>
+          <a:p>
+            <a:r>
+              <a:rPr lang="en-US" sz="1400" dirty="0"/>
+              <a:t>N2</a:t>
+            </a:r>
+          </a:p>
+        </p:txBody>
+      </p:sp>
+      <p:sp>
+        <p:nvSpPr>
+          <p:cNvPr id="52" name="TextBox 51">
+            <a:extLst>
+              <a:ext uri="{FF2B5EF4-FFF2-40B4-BE49-F238E27FC236}">
+                <a16:creationId xmlns:a16="http://schemas.microsoft.com/office/drawing/2014/main" id="{BFC5EDD5-7A6B-8B8F-C42B-837783A86CFE}"/>
+              </a:ext>
+            </a:extLst>
+          </p:cNvPr>
+          <p:cNvSpPr txBox="1"/>
+          <p:nvPr/>
+        </p:nvSpPr>
+        <p:spPr>
+          <a:xfrm>
+            <a:off x="5973768" y="1283221"/>
+            <a:ext cx="391454" cy="307777"/>
+          </a:xfrm>
+          <a:prstGeom prst="rect">
+            <a:avLst/>
+          </a:prstGeom>
+          <a:noFill/>
+        </p:spPr>
+        <p:txBody>
+          <a:bodyPr wrap="none" rtlCol="0">
+            <a:spAutoFit/>
+          </a:bodyPr>
+          <a:lstStyle/>
+          <a:p>
+            <a:r>
+              <a:rPr lang="en-US" sz="1400" dirty="0"/>
+              <a:t>N3</a:t>
+            </a:r>
+          </a:p>
+        </p:txBody>
+      </p:sp>
+      <p:sp>
+        <p:nvSpPr>
+          <p:cNvPr id="55" name="TextBox 54">
+            <a:extLst>
+              <a:ext uri="{FF2B5EF4-FFF2-40B4-BE49-F238E27FC236}">
+                <a16:creationId xmlns:a16="http://schemas.microsoft.com/office/drawing/2014/main" id="{9B550F31-DD4C-08DE-92A6-28A72C8A8F33}"/>
+              </a:ext>
+            </a:extLst>
+          </p:cNvPr>
+          <p:cNvSpPr txBox="1"/>
+          <p:nvPr/>
+        </p:nvSpPr>
+        <p:spPr>
+          <a:xfrm>
+            <a:off x="4958313" y="2466863"/>
+            <a:ext cx="508473" cy="307777"/>
+          </a:xfrm>
+          <a:prstGeom prst="rect">
+            <a:avLst/>
+          </a:prstGeom>
+          <a:noFill/>
+        </p:spPr>
+        <p:txBody>
+          <a:bodyPr wrap="none" rtlCol="0">
+            <a:spAutoFit/>
+          </a:bodyPr>
+          <a:lstStyle/>
+          <a:p>
+            <a:r>
+              <a:rPr lang="en-US" sz="1400" dirty="0"/>
+              <a:t>F1-C</a:t>
+            </a:r>
+          </a:p>
+        </p:txBody>
+      </p:sp>
+      <p:sp>
+        <p:nvSpPr>
+          <p:cNvPr id="56" name="TextBox 55">
+            <a:extLst>
+              <a:ext uri="{FF2B5EF4-FFF2-40B4-BE49-F238E27FC236}">
+                <a16:creationId xmlns:a16="http://schemas.microsoft.com/office/drawing/2014/main" id="{4C68E830-B126-8685-642A-B22689230FBD}"/>
+              </a:ext>
+            </a:extLst>
+          </p:cNvPr>
+          <p:cNvSpPr txBox="1"/>
+          <p:nvPr/>
+        </p:nvSpPr>
+        <p:spPr>
+          <a:xfrm>
+            <a:off x="5970647" y="2467925"/>
+            <a:ext cx="527709" cy="307777"/>
+          </a:xfrm>
+          <a:prstGeom prst="rect">
+            <a:avLst/>
+          </a:prstGeom>
+          <a:noFill/>
+        </p:spPr>
+        <p:txBody>
+          <a:bodyPr wrap="none" rtlCol="0">
+            <a:spAutoFit/>
+          </a:bodyPr>
+          <a:lstStyle/>
+          <a:p>
+            <a:r>
+              <a:rPr lang="en-US" sz="1400" dirty="0"/>
+              <a:t>F1-U</a:t>
+            </a:r>
+          </a:p>
+        </p:txBody>
+      </p:sp>
+      <p:sp>
+        <p:nvSpPr>
+          <p:cNvPr id="58" name="TextBox 57">
+            <a:extLst>
+              <a:ext uri="{FF2B5EF4-FFF2-40B4-BE49-F238E27FC236}">
+                <a16:creationId xmlns:a16="http://schemas.microsoft.com/office/drawing/2014/main" id="{892CFCF2-4589-D826-F441-F9981E820375}"/>
+              </a:ext>
+            </a:extLst>
+          </p:cNvPr>
+          <p:cNvSpPr txBox="1"/>
+          <p:nvPr/>
+        </p:nvSpPr>
+        <p:spPr>
+          <a:xfrm>
+            <a:off x="5447573" y="5047869"/>
+            <a:ext cx="1329467" cy="307777"/>
+          </a:xfrm>
+          <a:prstGeom prst="rect">
+            <a:avLst/>
+          </a:prstGeom>
+          <a:noFill/>
+        </p:spPr>
+        <p:txBody>
+          <a:bodyPr wrap="none" rtlCol="0">
+            <a:spAutoFit/>
+          </a:bodyPr>
+          <a:lstStyle/>
+          <a:p>
+            <a:r>
+              <a:rPr lang="en-US" sz="1400" dirty="0"/>
+              <a:t>Open Fronthaul</a:t>
+            </a:r>
+          </a:p>
+        </p:txBody>
+      </p:sp>
+    </p:spTree>
+    <p:extLst>
+      <p:ext uri="{BB962C8B-B14F-4D97-AF65-F5344CB8AC3E}">
+        <p14:creationId xmlns:p14="http://schemas.microsoft.com/office/powerpoint/2010/main" val="181653659"/>
+      </p:ext>
+    </p:extLst>
+  </p:cSld>
+  <p:clrMapOvr>
+    <a:masterClrMapping/>
+  </p:clrMapOvr>
+</p:sld>
+</file>
+
 <file path=ppt/slides/slide2.xml><?xml version="1.0" encoding="utf-8"?>
 <p:sld xmlns:a="http://schemas.openxmlformats.org/drawingml/2006/main" xmlns:r="http://schemas.openxmlformats.org/officeDocument/2006/relationships" xmlns:p="http://schemas.openxmlformats.org/presentationml/2006/main">
   <p:cSld>
@@ -17151,7 +18381,7 @@
         </p:nvSpPr>
         <p:spPr>
           <a:xfrm>
-            <a:off x="4739519" y="4812088"/>
+            <a:off x="4739519" y="4647086"/>
             <a:ext cx="119259" cy="75786"/>
           </a:xfrm>
           <a:prstGeom prst="rect">
@@ -17538,7 +18768,7 @@
         <p:spPr>
           <a:xfrm>
             <a:off x="4069999" y="3114511"/>
-            <a:ext cx="729150" cy="1697577"/>
+            <a:ext cx="729150" cy="1532575"/>
           </a:xfrm>
           <a:prstGeom prst="straightConnector1">
             <a:avLst/>

--- a/figures/sdn/figures.pptx
+++ b/figures/sdn/figures.pptx
@@ -5,7 +5,7 @@
     <p:sldMasterId id="2147483648" r:id="rId1"/>
   </p:sldMasterIdLst>
   <p:notesMasterIdLst>
-    <p:notesMasterId r:id="rId12"/>
+    <p:notesMasterId r:id="rId13"/>
   </p:notesMasterIdLst>
   <p:sldIdLst>
     <p:sldId id="260" r:id="rId2"/>
@@ -18,6 +18,7 @@
     <p:sldId id="347" r:id="rId9"/>
     <p:sldId id="346" r:id="rId10"/>
     <p:sldId id="352" r:id="rId11"/>
+    <p:sldId id="353" r:id="rId12"/>
   </p:sldIdLst>
   <p:sldSz cx="12192000" cy="6858000"/>
   <p:notesSz cx="6858000" cy="9144000"/>
@@ -206,7 +207,7 @@
           <a:p>
             <a:fld id="{CD99FC43-7065-F348-8836-4FD247176936}" type="datetimeFigureOut">
               <a:rPr lang="en-US" smtClean="0"/>
-              <a:t>9/23/22</a:t>
+              <a:t>12/16/22</a:t>
             </a:fld>
             <a:endParaRPr lang="en-US" dirty="0"/>
           </a:p>
@@ -473,6 +474,157 @@
 </p:notesMaster>
 </file>
 
+<file path=ppt/notesSlides/notesSlide1.xml><?xml version="1.0" encoding="utf-8"?>
+<p:notes xmlns:a="http://schemas.openxmlformats.org/drawingml/2006/main" xmlns:r="http://schemas.openxmlformats.org/officeDocument/2006/relationships" xmlns:p="http://schemas.openxmlformats.org/presentationml/2006/main">
+  <p:cSld>
+    <p:spTree>
+      <p:nvGrpSpPr>
+        <p:cNvPr id="1" name=""/>
+        <p:cNvGrpSpPr/>
+        <p:nvPr/>
+      </p:nvGrpSpPr>
+      <p:grpSpPr>
+        <a:xfrm>
+          <a:off x="0" y="0"/>
+          <a:ext cx="0" cy="0"/>
+          <a:chOff x="0" y="0"/>
+          <a:chExt cx="0" cy="0"/>
+        </a:xfrm>
+      </p:grpSpPr>
+      <p:sp>
+        <p:nvSpPr>
+          <p:cNvPr id="2" name="Slide Image Placeholder 1"/>
+          <p:cNvSpPr>
+            <a:spLocks noGrp="1" noRot="1" noChangeAspect="1"/>
+          </p:cNvSpPr>
+          <p:nvPr>
+            <p:ph type="sldImg"/>
+          </p:nvPr>
+        </p:nvSpPr>
+        <p:spPr>
+          <a:xfrm>
+            <a:off x="381000" y="685800"/>
+            <a:ext cx="6096000" cy="3429000"/>
+          </a:xfrm>
+        </p:spPr>
+      </p:sp>
+      <p:sp>
+        <p:nvSpPr>
+          <p:cNvPr id="3" name="Notes Placeholder 2"/>
+          <p:cNvSpPr>
+            <a:spLocks noGrp="1"/>
+          </p:cNvSpPr>
+          <p:nvPr>
+            <p:ph type="body" idx="1"/>
+          </p:nvPr>
+        </p:nvSpPr>
+        <p:spPr/>
+        <p:txBody>
+          <a:bodyPr/>
+          <a:lstStyle/>
+          <a:p>
+            <a:endParaRPr lang="en-US" baseline="0" dirty="0"/>
+          </a:p>
+        </p:txBody>
+      </p:sp>
+      <p:sp>
+        <p:nvSpPr>
+          <p:cNvPr id="4" name="Slide Number Placeholder 3"/>
+          <p:cNvSpPr>
+            <a:spLocks noGrp="1"/>
+          </p:cNvSpPr>
+          <p:nvPr>
+            <p:ph type="sldNum" sz="quarter" idx="10"/>
+          </p:nvPr>
+        </p:nvSpPr>
+        <p:spPr/>
+        <p:txBody>
+          <a:bodyPr/>
+          <a:lstStyle/>
+          <a:p>
+            <a:pPr marL="0" marR="0" lvl="0" indent="0" algn="r" defTabSz="914400" rtl="0" eaLnBrk="1" fontAlgn="auto" latinLnBrk="0" hangingPunct="1">
+              <a:lnSpc>
+                <a:spcPct val="100000"/>
+              </a:lnSpc>
+              <a:spcBef>
+                <a:spcPts val="0"/>
+              </a:spcBef>
+              <a:spcAft>
+                <a:spcPts val="0"/>
+              </a:spcAft>
+              <a:buClrTx/>
+              <a:buSzTx/>
+              <a:buFontTx/>
+              <a:buNone/>
+              <a:tabLst/>
+              <a:defRPr/>
+            </a:pPr>
+            <a:fld id="{9F4FBC3A-A12C-40F9-BB8D-BC30C7901396}" type="slidenum">
+              <a:rPr kumimoji="0" lang="en-US" sz="1200" b="0" i="0" u="none" strike="noStrike" kern="1200" cap="none" spc="0" normalizeH="0" baseline="0" noProof="0" smtClean="0">
+                <a:ln>
+                  <a:noFill/>
+                </a:ln>
+                <a:solidFill>
+                  <a:srgbClr val="717074"/>
+                </a:solidFill>
+                <a:effectLst/>
+                <a:uLnTx/>
+                <a:uFillTx/>
+                <a:latin typeface="Arial"/>
+                <a:ea typeface="+mn-ea"/>
+                <a:cs typeface="+mn-cs"/>
+                <a:sym typeface="Palatino"/>
+              </a:rPr>
+              <a:pPr marL="0" marR="0" lvl="0" indent="0" algn="r" defTabSz="914400" rtl="0" eaLnBrk="1" fontAlgn="auto" latinLnBrk="0" hangingPunct="1">
+                <a:lnSpc>
+                  <a:spcPct val="100000"/>
+                </a:lnSpc>
+                <a:spcBef>
+                  <a:spcPts val="0"/>
+                </a:spcBef>
+                <a:spcAft>
+                  <a:spcPts val="0"/>
+                </a:spcAft>
+                <a:buClrTx/>
+                <a:buSzTx/>
+                <a:buFontTx/>
+                <a:buNone/>
+                <a:tabLst/>
+                <a:defRPr/>
+              </a:pPr>
+              <a:t>11</a:t>
+            </a:fld>
+            <a:endParaRPr kumimoji="0" lang="en-US" sz="1200" b="0" i="0" u="none" strike="noStrike" kern="1200" cap="none" spc="0" normalizeH="0" baseline="0" noProof="0" dirty="0">
+              <a:ln>
+                <a:noFill/>
+              </a:ln>
+              <a:solidFill>
+                <a:srgbClr val="717074"/>
+              </a:solidFill>
+              <a:effectLst/>
+              <a:uLnTx/>
+              <a:uFillTx/>
+              <a:latin typeface="Arial"/>
+              <a:ea typeface="+mn-ea"/>
+              <a:cs typeface="+mn-cs"/>
+              <a:sym typeface="Palatino"/>
+            </a:endParaRPr>
+          </a:p>
+        </p:txBody>
+      </p:sp>
+    </p:spTree>
+    <p:extLst>
+      <p:ext uri="{BB962C8B-B14F-4D97-AF65-F5344CB8AC3E}">
+        <p14:creationId xmlns:p14="http://schemas.microsoft.com/office/powerpoint/2010/main" val="1470197584"/>
+      </p:ext>
+    </p:extLst>
+  </p:cSld>
+  <p:clrMapOvr>
+    <a:masterClrMapping/>
+  </p:clrMapOvr>
+</p:notes>
+</file>
+
 <file path=ppt/slideLayouts/slideLayout1.xml><?xml version="1.0" encoding="utf-8"?>
 <p:sldLayout xmlns:a="http://schemas.openxmlformats.org/drawingml/2006/main" xmlns:r="http://schemas.openxmlformats.org/officeDocument/2006/relationships" xmlns:p="http://schemas.openxmlformats.org/presentationml/2006/main" type="title" preserve="1">
   <p:cSld name="Title Slide">
@@ -602,7 +754,7 @@
           <a:p>
             <a:fld id="{5D97E163-DB95-D24D-8C95-263DECB1FC34}" type="datetimeFigureOut">
               <a:rPr lang="en-US" smtClean="0"/>
-              <a:t>9/23/22</a:t>
+              <a:t>12/16/22</a:t>
             </a:fld>
             <a:endParaRPr lang="en-US" dirty="0"/>
           </a:p>
@@ -770,7 +922,7 @@
           <a:p>
             <a:fld id="{5D97E163-DB95-D24D-8C95-263DECB1FC34}" type="datetimeFigureOut">
               <a:rPr lang="en-US" smtClean="0"/>
-              <a:t>9/23/22</a:t>
+              <a:t>12/16/22</a:t>
             </a:fld>
             <a:endParaRPr lang="en-US" dirty="0"/>
           </a:p>
@@ -948,7 +1100,7 @@
           <a:p>
             <a:fld id="{5D97E163-DB95-D24D-8C95-263DECB1FC34}" type="datetimeFigureOut">
               <a:rPr lang="en-US" smtClean="0"/>
-              <a:t>9/23/22</a:t>
+              <a:t>12/16/22</a:t>
             </a:fld>
             <a:endParaRPr lang="en-US" dirty="0"/>
           </a:p>
@@ -1116,7 +1268,7 @@
           <a:p>
             <a:fld id="{5D97E163-DB95-D24D-8C95-263DECB1FC34}" type="datetimeFigureOut">
               <a:rPr lang="en-US" smtClean="0"/>
-              <a:t>9/23/22</a:t>
+              <a:t>12/16/22</a:t>
             </a:fld>
             <a:endParaRPr lang="en-US" dirty="0"/>
           </a:p>
@@ -1361,7 +1513,7 @@
           <a:p>
             <a:fld id="{5D97E163-DB95-D24D-8C95-263DECB1FC34}" type="datetimeFigureOut">
               <a:rPr lang="en-US" smtClean="0"/>
-              <a:t>9/23/22</a:t>
+              <a:t>12/16/22</a:t>
             </a:fld>
             <a:endParaRPr lang="en-US" dirty="0"/>
           </a:p>
@@ -1590,7 +1742,7 @@
           <a:p>
             <a:fld id="{5D97E163-DB95-D24D-8C95-263DECB1FC34}" type="datetimeFigureOut">
               <a:rPr lang="en-US" smtClean="0"/>
-              <a:t>9/23/22</a:t>
+              <a:t>12/16/22</a:t>
             </a:fld>
             <a:endParaRPr lang="en-US" dirty="0"/>
           </a:p>
@@ -1954,7 +2106,7 @@
           <a:p>
             <a:fld id="{5D97E163-DB95-D24D-8C95-263DECB1FC34}" type="datetimeFigureOut">
               <a:rPr lang="en-US" smtClean="0"/>
-              <a:t>9/23/22</a:t>
+              <a:t>12/16/22</a:t>
             </a:fld>
             <a:endParaRPr lang="en-US" dirty="0"/>
           </a:p>
@@ -2071,7 +2223,7 @@
           <a:p>
             <a:fld id="{5D97E163-DB95-D24D-8C95-263DECB1FC34}" type="datetimeFigureOut">
               <a:rPr lang="en-US" smtClean="0"/>
-              <a:t>9/23/22</a:t>
+              <a:t>12/16/22</a:t>
             </a:fld>
             <a:endParaRPr lang="en-US" dirty="0"/>
           </a:p>
@@ -2166,7 +2318,7 @@
           <a:p>
             <a:fld id="{5D97E163-DB95-D24D-8C95-263DECB1FC34}" type="datetimeFigureOut">
               <a:rPr lang="en-US" smtClean="0"/>
-              <a:t>9/23/22</a:t>
+              <a:t>12/16/22</a:t>
             </a:fld>
             <a:endParaRPr lang="en-US" dirty="0"/>
           </a:p>
@@ -2441,7 +2593,7 @@
           <a:p>
             <a:fld id="{5D97E163-DB95-D24D-8C95-263DECB1FC34}" type="datetimeFigureOut">
               <a:rPr lang="en-US" smtClean="0"/>
-              <a:t>9/23/22</a:t>
+              <a:t>12/16/22</a:t>
             </a:fld>
             <a:endParaRPr lang="en-US" dirty="0"/>
           </a:p>
@@ -2696,7 +2848,7 @@
           <a:p>
             <a:fld id="{5D97E163-DB95-D24D-8C95-263DECB1FC34}" type="datetimeFigureOut">
               <a:rPr lang="en-US" smtClean="0"/>
-              <a:t>9/23/22</a:t>
+              <a:t>12/16/22</a:t>
             </a:fld>
             <a:endParaRPr lang="en-US" dirty="0"/>
           </a:p>
@@ -2907,7 +3059,7 @@
           <a:p>
             <a:fld id="{5D97E163-DB95-D24D-8C95-263DECB1FC34}" type="datetimeFigureOut">
               <a:rPr lang="en-US" smtClean="0"/>
-              <a:t>9/23/22</a:t>
+              <a:t>12/16/22</a:t>
             </a:fld>
             <a:endParaRPr lang="en-US" dirty="0"/>
           </a:p>
@@ -6680,6 +6832,2908 @@
     <p:extLst>
       <p:ext uri="{BB962C8B-B14F-4D97-AF65-F5344CB8AC3E}">
         <p14:creationId xmlns:p14="http://schemas.microsoft.com/office/powerpoint/2010/main" val="181653659"/>
+      </p:ext>
+    </p:extLst>
+  </p:cSld>
+  <p:clrMapOvr>
+    <a:masterClrMapping/>
+  </p:clrMapOvr>
+</p:sld>
+</file>
+
+<file path=ppt/slides/slide11.xml><?xml version="1.0" encoding="utf-8"?>
+<p:sld xmlns:a="http://schemas.openxmlformats.org/drawingml/2006/main" xmlns:r="http://schemas.openxmlformats.org/officeDocument/2006/relationships" xmlns:p="http://schemas.openxmlformats.org/presentationml/2006/main">
+  <p:cSld>
+    <p:spTree>
+      <p:nvGrpSpPr>
+        <p:cNvPr id="1" name=""/>
+        <p:cNvGrpSpPr/>
+        <p:nvPr/>
+      </p:nvGrpSpPr>
+      <p:grpSpPr>
+        <a:xfrm>
+          <a:off x="0" y="0"/>
+          <a:ext cx="0" cy="0"/>
+          <a:chOff x="0" y="0"/>
+          <a:chExt cx="0" cy="0"/>
+        </a:xfrm>
+      </p:grpSpPr>
+      <p:sp>
+        <p:nvSpPr>
+          <p:cNvPr id="3" name="Rectangle 2">
+            <a:extLst>
+              <a:ext uri="{FF2B5EF4-FFF2-40B4-BE49-F238E27FC236}">
+                <a16:creationId xmlns:a16="http://schemas.microsoft.com/office/drawing/2014/main" id="{194AFD85-7F4E-9D4E-874C-3ED4EBFB2591}"/>
+              </a:ext>
+            </a:extLst>
+          </p:cNvPr>
+          <p:cNvSpPr/>
+          <p:nvPr/>
+        </p:nvSpPr>
+        <p:spPr>
+          <a:xfrm>
+            <a:off x="6037383" y="1462084"/>
+            <a:ext cx="5591909" cy="3332654"/>
+          </a:xfrm>
+          <a:prstGeom prst="rect">
+            <a:avLst/>
+          </a:prstGeom>
+          <a:solidFill>
+            <a:schemeClr val="bg1"/>
+          </a:solidFill>
+          <a:ln w="12700" cap="flat">
+            <a:solidFill>
+              <a:schemeClr val="tx1"/>
+            </a:solidFill>
+            <a:miter lim="400000"/>
+          </a:ln>
+          <a:effectLst/>
+          <a:sp3d/>
+        </p:spPr>
+        <p:style>
+          <a:lnRef idx="0">
+            <a:scrgbClr r="0" g="0" b="0"/>
+          </a:lnRef>
+          <a:fillRef idx="0">
+            <a:scrgbClr r="0" g="0" b="0"/>
+          </a:fillRef>
+          <a:effectRef idx="0">
+            <a:scrgbClr r="0" g="0" b="0"/>
+          </a:effectRef>
+          <a:fontRef idx="none"/>
+        </p:style>
+        <p:txBody>
+          <a:bodyPr rot="0" spcFirstLastPara="1" vertOverflow="overflow" horzOverflow="overflow" vert="horz" wrap="square" lIns="50800" tIns="50800" rIns="50800" bIns="50800" numCol="1" spcCol="38100" rtlCol="0" anchor="ctr">
+            <a:spAutoFit/>
+          </a:bodyPr>
+          <a:lstStyle/>
+          <a:p>
+            <a:pPr marL="0" marR="0" indent="0" algn="ctr" defTabSz="825500" rtl="0" fontAlgn="auto" latinLnBrk="0" hangingPunct="0">
+              <a:lnSpc>
+                <a:spcPct val="100000"/>
+              </a:lnSpc>
+              <a:spcBef>
+                <a:spcPts val="0"/>
+              </a:spcBef>
+              <a:spcAft>
+                <a:spcPts val="0"/>
+              </a:spcAft>
+              <a:buClrTx/>
+              <a:buSzTx/>
+              <a:buFontTx/>
+              <a:buNone/>
+              <a:tabLst/>
+            </a:pPr>
+            <a:endParaRPr kumimoji="0" lang="en-AU" sz="4400" b="0" i="0" u="none" strike="noStrike" cap="none" spc="0" normalizeH="0" baseline="0">
+              <a:ln>
+                <a:noFill/>
+              </a:ln>
+              <a:gradFill flip="none" rotWithShape="1">
+                <a:gsLst>
+                  <a:gs pos="0">
+                    <a:schemeClr val="accent1">
+                      <a:hueOff val="369194"/>
+                      <a:satOff val="6343"/>
+                      <a:lumOff val="-13963"/>
+                    </a:schemeClr>
+                  </a:gs>
+                  <a:gs pos="100000">
+                    <a:schemeClr val="accent1">
+                      <a:hueOff val="-113918"/>
+                      <a:satOff val="19024"/>
+                      <a:lumOff val="19749"/>
+                    </a:schemeClr>
+                  </a:gs>
+                </a:gsLst>
+                <a:lin ang="5400000" scaled="0"/>
+              </a:gradFill>
+              <a:effectLst>
+                <a:outerShdw blurRad="25400" dist="33948" dir="2700000" rotWithShape="0">
+                  <a:srgbClr val="3B3936"/>
+                </a:outerShdw>
+              </a:effectLst>
+              <a:uFillTx/>
+              <a:latin typeface="Palatino"/>
+              <a:ea typeface="Palatino"/>
+              <a:cs typeface="Palatino"/>
+              <a:sym typeface="Palatino"/>
+            </a:endParaRPr>
+          </a:p>
+        </p:txBody>
+      </p:sp>
+      <p:sp>
+        <p:nvSpPr>
+          <p:cNvPr id="10" name="Rounded Rectangle 9">
+            <a:extLst>
+              <a:ext uri="{FF2B5EF4-FFF2-40B4-BE49-F238E27FC236}">
+                <a16:creationId xmlns:a16="http://schemas.microsoft.com/office/drawing/2014/main" id="{EC2607FB-0264-7F43-A778-A7391D6F4B56}"/>
+              </a:ext>
+            </a:extLst>
+          </p:cNvPr>
+          <p:cNvSpPr/>
+          <p:nvPr/>
+        </p:nvSpPr>
+        <p:spPr>
+          <a:xfrm>
+            <a:off x="7283709" y="376046"/>
+            <a:ext cx="3115340" cy="601583"/>
+          </a:xfrm>
+          <a:prstGeom prst="roundRect">
+            <a:avLst/>
+          </a:prstGeom>
+          <a:solidFill>
+            <a:srgbClr val="5B9BD5"/>
+          </a:solidFill>
+          <a:ln w="12700" cap="flat">
+            <a:solidFill>
+              <a:schemeClr val="tx1">
+                <a:lumMod val="50000"/>
+                <a:lumOff val="50000"/>
+              </a:schemeClr>
+            </a:solidFill>
+            <a:miter lim="400000"/>
+          </a:ln>
+          <a:effectLst/>
+          <a:sp3d/>
+        </p:spPr>
+        <p:style>
+          <a:lnRef idx="0">
+            <a:scrgbClr r="0" g="0" b="0"/>
+          </a:lnRef>
+          <a:fillRef idx="0">
+            <a:scrgbClr r="0" g="0" b="0"/>
+          </a:fillRef>
+          <a:effectRef idx="0">
+            <a:scrgbClr r="0" g="0" b="0"/>
+          </a:effectRef>
+          <a:fontRef idx="none"/>
+        </p:style>
+        <p:txBody>
+          <a:bodyPr rot="0" spcFirstLastPara="1" vertOverflow="overflow" horzOverflow="overflow" vert="horz" wrap="square" lIns="25400" tIns="25400" rIns="25400" bIns="25400" numCol="1" spcCol="38100" rtlCol="0" anchor="ctr">
+            <a:spAutoFit/>
+          </a:bodyPr>
+          <a:lstStyle/>
+          <a:p>
+            <a:pPr algn="ctr" defTabSz="412750" hangingPunct="0"/>
+            <a:r>
+              <a:rPr lang="en-AU" sz="1600" kern="0" dirty="0">
+                <a:latin typeface="Arial" panose="020B0604020202020204"/>
+                <a:ea typeface="Palatino"/>
+                <a:sym typeface="Palatino"/>
+              </a:rPr>
+              <a:t>Central Control &amp; Management</a:t>
+            </a:r>
+          </a:p>
+          <a:p>
+            <a:pPr algn="ctr" defTabSz="412750" hangingPunct="0"/>
+            <a:r>
+              <a:rPr lang="en-AU" sz="1600" kern="0" dirty="0">
+                <a:latin typeface="Arial" panose="020B0604020202020204"/>
+                <a:ea typeface="Palatino"/>
+                <a:sym typeface="Palatino"/>
+              </a:rPr>
+              <a:t>(Orchestrator)</a:t>
+            </a:r>
+          </a:p>
+        </p:txBody>
+      </p:sp>
+      <p:sp>
+        <p:nvSpPr>
+          <p:cNvPr id="57" name="Rounded Rectangle 56">
+            <a:extLst>
+              <a:ext uri="{FF2B5EF4-FFF2-40B4-BE49-F238E27FC236}">
+                <a16:creationId xmlns:a16="http://schemas.microsoft.com/office/drawing/2014/main" id="{862A3C49-A572-2945-86B7-DC12A4FD8216}"/>
+              </a:ext>
+            </a:extLst>
+          </p:cNvPr>
+          <p:cNvSpPr/>
+          <p:nvPr/>
+        </p:nvSpPr>
+        <p:spPr>
+          <a:xfrm>
+            <a:off x="6220294" y="1627204"/>
+            <a:ext cx="2421747" cy="601583"/>
+          </a:xfrm>
+          <a:prstGeom prst="roundRect">
+            <a:avLst/>
+          </a:prstGeom>
+          <a:solidFill>
+            <a:srgbClr val="CFE7F1"/>
+          </a:solidFill>
+          <a:ln w="12700" cap="flat">
+            <a:solidFill>
+              <a:schemeClr val="tx1">
+                <a:lumMod val="50000"/>
+                <a:lumOff val="50000"/>
+              </a:schemeClr>
+            </a:solidFill>
+            <a:miter lim="400000"/>
+          </a:ln>
+          <a:effectLst/>
+          <a:sp3d/>
+        </p:spPr>
+        <p:style>
+          <a:lnRef idx="0">
+            <a:scrgbClr r="0" g="0" b="0"/>
+          </a:lnRef>
+          <a:fillRef idx="0">
+            <a:scrgbClr r="0" g="0" b="0"/>
+          </a:fillRef>
+          <a:effectRef idx="0">
+            <a:scrgbClr r="0" g="0" b="0"/>
+          </a:effectRef>
+          <a:fontRef idx="none"/>
+        </p:style>
+        <p:txBody>
+          <a:bodyPr rot="0" spcFirstLastPara="1" vertOverflow="overflow" horzOverflow="overflow" vert="horz" wrap="square" lIns="25400" tIns="25400" rIns="25400" bIns="25400" numCol="1" spcCol="38100" rtlCol="0" anchor="ctr">
+            <a:spAutoFit/>
+          </a:bodyPr>
+          <a:lstStyle/>
+          <a:p>
+            <a:pPr algn="ctr" defTabSz="412750" hangingPunct="0"/>
+            <a:r>
+              <a:rPr lang="en-AU" sz="1600" kern="0" dirty="0">
+                <a:latin typeface="Arial" panose="020B0604020202020204"/>
+                <a:ea typeface="Palatino"/>
+                <a:sym typeface="Palatino"/>
+              </a:rPr>
+              <a:t>Access Control &amp;</a:t>
+            </a:r>
+            <a:br>
+              <a:rPr lang="en-AU" sz="1600" kern="0" dirty="0">
+                <a:latin typeface="Arial" panose="020B0604020202020204"/>
+                <a:ea typeface="Palatino"/>
+                <a:sym typeface="Palatino"/>
+              </a:rPr>
+            </a:br>
+            <a:r>
+              <a:rPr lang="en-AU" sz="1600" kern="0" dirty="0">
+                <a:latin typeface="Arial" panose="020B0604020202020204"/>
+                <a:ea typeface="Palatino"/>
+                <a:sym typeface="Palatino"/>
+              </a:rPr>
+              <a:t>Management</a:t>
+            </a:r>
+          </a:p>
+        </p:txBody>
+      </p:sp>
+      <p:sp>
+        <p:nvSpPr>
+          <p:cNvPr id="22" name="Rounded Rectangle 21">
+            <a:extLst>
+              <a:ext uri="{FF2B5EF4-FFF2-40B4-BE49-F238E27FC236}">
+                <a16:creationId xmlns:a16="http://schemas.microsoft.com/office/drawing/2014/main" id="{56ACEF58-7B64-124A-87D9-832F33331CC8}"/>
+              </a:ext>
+            </a:extLst>
+          </p:cNvPr>
+          <p:cNvSpPr/>
+          <p:nvPr/>
+        </p:nvSpPr>
+        <p:spPr>
+          <a:xfrm>
+            <a:off x="6220294" y="2428169"/>
+            <a:ext cx="2421747" cy="601583"/>
+          </a:xfrm>
+          <a:prstGeom prst="roundRect">
+            <a:avLst/>
+          </a:prstGeom>
+          <a:solidFill>
+            <a:srgbClr val="CFE7F1"/>
+          </a:solidFill>
+          <a:ln w="12700" cap="flat">
+            <a:solidFill>
+              <a:schemeClr val="tx1">
+                <a:lumMod val="50000"/>
+                <a:lumOff val="50000"/>
+              </a:schemeClr>
+            </a:solidFill>
+            <a:miter lim="400000"/>
+          </a:ln>
+          <a:effectLst/>
+          <a:sp3d/>
+        </p:spPr>
+        <p:style>
+          <a:lnRef idx="0">
+            <a:scrgbClr r="0" g="0" b="0"/>
+          </a:lnRef>
+          <a:fillRef idx="0">
+            <a:scrgbClr r="0" g="0" b="0"/>
+          </a:fillRef>
+          <a:effectRef idx="0">
+            <a:scrgbClr r="0" g="0" b="0"/>
+          </a:effectRef>
+          <a:fontRef idx="none"/>
+        </p:style>
+        <p:txBody>
+          <a:bodyPr rot="0" spcFirstLastPara="1" vertOverflow="overflow" horzOverflow="overflow" vert="horz" wrap="square" lIns="25400" tIns="25400" rIns="25400" bIns="25400" numCol="1" spcCol="38100" rtlCol="0" anchor="ctr">
+            <a:spAutoFit/>
+          </a:bodyPr>
+          <a:lstStyle/>
+          <a:p>
+            <a:pPr algn="ctr" defTabSz="412750" hangingPunct="0"/>
+            <a:r>
+              <a:rPr lang="en-AU" sz="1600" kern="0" dirty="0">
+                <a:latin typeface="Arial" panose="020B0604020202020204"/>
+                <a:ea typeface="Palatino"/>
+                <a:sym typeface="Palatino"/>
+              </a:rPr>
+              <a:t>Subscriber </a:t>
+            </a:r>
+            <a:br>
+              <a:rPr lang="en-AU" sz="1600" kern="0" dirty="0">
+                <a:latin typeface="Arial" panose="020B0604020202020204"/>
+                <a:ea typeface="Palatino"/>
+                <a:sym typeface="Palatino"/>
+              </a:rPr>
+            </a:br>
+            <a:r>
+              <a:rPr lang="en-AU" sz="1600" kern="0" dirty="0">
+                <a:latin typeface="Arial" panose="020B0604020202020204"/>
+                <a:ea typeface="Palatino"/>
+                <a:sym typeface="Palatino"/>
+              </a:rPr>
+              <a:t>Management</a:t>
+            </a:r>
+          </a:p>
+        </p:txBody>
+      </p:sp>
+      <p:sp>
+        <p:nvSpPr>
+          <p:cNvPr id="16" name="Rounded Rectangle 15">
+            <a:extLst>
+              <a:ext uri="{FF2B5EF4-FFF2-40B4-BE49-F238E27FC236}">
+                <a16:creationId xmlns:a16="http://schemas.microsoft.com/office/drawing/2014/main" id="{2EA268C2-0DF4-3F4D-BFBE-8960BAA428C8}"/>
+              </a:ext>
+            </a:extLst>
+          </p:cNvPr>
+          <p:cNvSpPr/>
+          <p:nvPr/>
+        </p:nvSpPr>
+        <p:spPr>
+          <a:xfrm>
+            <a:off x="7667636" y="4296558"/>
+            <a:ext cx="2421747" cy="329168"/>
+          </a:xfrm>
+          <a:prstGeom prst="roundRect">
+            <a:avLst/>
+          </a:prstGeom>
+          <a:solidFill>
+            <a:schemeClr val="bg1">
+              <a:lumMod val="85000"/>
+            </a:schemeClr>
+          </a:solidFill>
+          <a:ln w="12700" cap="flat">
+            <a:solidFill>
+              <a:schemeClr val="tx1">
+                <a:lumMod val="50000"/>
+                <a:lumOff val="50000"/>
+              </a:schemeClr>
+            </a:solidFill>
+            <a:miter lim="400000"/>
+          </a:ln>
+          <a:effectLst/>
+          <a:sp3d/>
+        </p:spPr>
+        <p:style>
+          <a:lnRef idx="0">
+            <a:scrgbClr r="0" g="0" b="0"/>
+          </a:lnRef>
+          <a:fillRef idx="0">
+            <a:scrgbClr r="0" g="0" b="0"/>
+          </a:fillRef>
+          <a:effectRef idx="0">
+            <a:scrgbClr r="0" g="0" b="0"/>
+          </a:effectRef>
+          <a:fontRef idx="none"/>
+        </p:style>
+        <p:txBody>
+          <a:bodyPr rot="0" spcFirstLastPara="1" vertOverflow="overflow" horzOverflow="overflow" vert="horz" wrap="square" lIns="25400" tIns="25400" rIns="25400" bIns="25400" numCol="1" spcCol="38100" rtlCol="0" anchor="ctr">
+            <a:spAutoFit/>
+          </a:bodyPr>
+          <a:lstStyle/>
+          <a:p>
+            <a:pPr algn="ctr" defTabSz="412750" hangingPunct="0"/>
+            <a:r>
+              <a:rPr lang="en-AU" sz="1600" kern="0" dirty="0">
+                <a:latin typeface="Arial" panose="020B0604020202020204"/>
+                <a:ea typeface="Palatino"/>
+                <a:sym typeface="Palatino"/>
+              </a:rPr>
+              <a:t>Data Plane (OVS)</a:t>
+            </a:r>
+          </a:p>
+        </p:txBody>
+      </p:sp>
+      <p:sp>
+        <p:nvSpPr>
+          <p:cNvPr id="17" name="Rounded Rectangle 16">
+            <a:extLst>
+              <a:ext uri="{FF2B5EF4-FFF2-40B4-BE49-F238E27FC236}">
+                <a16:creationId xmlns:a16="http://schemas.microsoft.com/office/drawing/2014/main" id="{89496D19-A0DF-414C-BAB4-F6141CE2ABE5}"/>
+              </a:ext>
+            </a:extLst>
+          </p:cNvPr>
+          <p:cNvSpPr/>
+          <p:nvPr/>
+        </p:nvSpPr>
+        <p:spPr>
+          <a:xfrm>
+            <a:off x="9003371" y="1627204"/>
+            <a:ext cx="2387798" cy="601583"/>
+          </a:xfrm>
+          <a:prstGeom prst="roundRect">
+            <a:avLst/>
+          </a:prstGeom>
+          <a:solidFill>
+            <a:srgbClr val="CFE7F1"/>
+          </a:solidFill>
+          <a:ln w="12700" cap="flat">
+            <a:solidFill>
+              <a:schemeClr val="tx1">
+                <a:lumMod val="50000"/>
+                <a:lumOff val="50000"/>
+              </a:schemeClr>
+            </a:solidFill>
+            <a:miter lim="400000"/>
+          </a:ln>
+          <a:effectLst/>
+          <a:sp3d/>
+        </p:spPr>
+        <p:style>
+          <a:lnRef idx="0">
+            <a:scrgbClr r="0" g="0" b="0"/>
+          </a:lnRef>
+          <a:fillRef idx="0">
+            <a:scrgbClr r="0" g="0" b="0"/>
+          </a:fillRef>
+          <a:effectRef idx="0">
+            <a:scrgbClr r="0" g="0" b="0"/>
+          </a:effectRef>
+          <a:fontRef idx="none"/>
+        </p:style>
+        <p:txBody>
+          <a:bodyPr rot="0" spcFirstLastPara="1" vertOverflow="overflow" horzOverflow="overflow" vert="horz" wrap="square" lIns="25400" tIns="25400" rIns="25400" bIns="25400" numCol="1" spcCol="38100" rtlCol="0" anchor="ctr">
+            <a:spAutoFit/>
+          </a:bodyPr>
+          <a:lstStyle/>
+          <a:p>
+            <a:pPr algn="ctr" defTabSz="412750" hangingPunct="0"/>
+            <a:r>
+              <a:rPr lang="en-AU" sz="1600" kern="0" dirty="0">
+                <a:latin typeface="Arial" panose="020B0604020202020204"/>
+                <a:ea typeface="Palatino"/>
+                <a:sym typeface="Palatino"/>
+              </a:rPr>
+              <a:t>Device </a:t>
+            </a:r>
+            <a:br>
+              <a:rPr lang="en-AU" sz="1600" kern="0" dirty="0">
+                <a:latin typeface="Arial" panose="020B0604020202020204"/>
+                <a:ea typeface="Palatino"/>
+                <a:sym typeface="Palatino"/>
+              </a:rPr>
+            </a:br>
+            <a:r>
+              <a:rPr lang="en-AU" sz="1600" kern="0" dirty="0">
+                <a:latin typeface="Arial" panose="020B0604020202020204"/>
+                <a:ea typeface="Palatino"/>
+                <a:sym typeface="Palatino"/>
+              </a:rPr>
+              <a:t>Management</a:t>
+            </a:r>
+          </a:p>
+        </p:txBody>
+      </p:sp>
+      <p:sp>
+        <p:nvSpPr>
+          <p:cNvPr id="18" name="Rounded Rectangle 17">
+            <a:extLst>
+              <a:ext uri="{FF2B5EF4-FFF2-40B4-BE49-F238E27FC236}">
+                <a16:creationId xmlns:a16="http://schemas.microsoft.com/office/drawing/2014/main" id="{0FEE4C65-3823-4F47-A8D6-E44B0A2FFB28}"/>
+              </a:ext>
+            </a:extLst>
+          </p:cNvPr>
+          <p:cNvSpPr/>
+          <p:nvPr/>
+        </p:nvSpPr>
+        <p:spPr>
+          <a:xfrm>
+            <a:off x="9003370" y="2436145"/>
+            <a:ext cx="2387799" cy="601583"/>
+          </a:xfrm>
+          <a:prstGeom prst="roundRect">
+            <a:avLst/>
+          </a:prstGeom>
+          <a:solidFill>
+            <a:srgbClr val="CFE7F1"/>
+          </a:solidFill>
+          <a:ln w="12700" cap="flat">
+            <a:solidFill>
+              <a:schemeClr val="tx1">
+                <a:lumMod val="50000"/>
+                <a:lumOff val="50000"/>
+              </a:schemeClr>
+            </a:solidFill>
+            <a:miter lim="400000"/>
+          </a:ln>
+          <a:effectLst/>
+          <a:sp3d/>
+        </p:spPr>
+        <p:style>
+          <a:lnRef idx="0">
+            <a:scrgbClr r="0" g="0" b="0"/>
+          </a:lnRef>
+          <a:fillRef idx="0">
+            <a:scrgbClr r="0" g="0" b="0"/>
+          </a:fillRef>
+          <a:effectRef idx="0">
+            <a:scrgbClr r="0" g="0" b="0"/>
+          </a:effectRef>
+          <a:fontRef idx="none"/>
+        </p:style>
+        <p:txBody>
+          <a:bodyPr rot="0" spcFirstLastPara="1" vertOverflow="overflow" horzOverflow="overflow" vert="horz" wrap="square" lIns="25400" tIns="25400" rIns="25400" bIns="25400" numCol="1" spcCol="38100" rtlCol="0" anchor="ctr">
+            <a:spAutoFit/>
+          </a:bodyPr>
+          <a:lstStyle/>
+          <a:p>
+            <a:pPr algn="ctr" defTabSz="412750" hangingPunct="0"/>
+            <a:r>
+              <a:rPr lang="en-AU" sz="1600" kern="0" dirty="0">
+                <a:latin typeface="Arial" panose="020B0604020202020204"/>
+                <a:ea typeface="Palatino"/>
+                <a:sym typeface="Palatino"/>
+              </a:rPr>
+              <a:t>Session &amp; Policy</a:t>
+            </a:r>
+            <a:br>
+              <a:rPr lang="en-AU" sz="1600" kern="0" dirty="0">
+                <a:latin typeface="Arial" panose="020B0604020202020204"/>
+                <a:ea typeface="Palatino"/>
+                <a:sym typeface="Palatino"/>
+              </a:rPr>
+            </a:br>
+            <a:r>
+              <a:rPr lang="en-AU" sz="1600" kern="0" dirty="0">
+                <a:latin typeface="Arial" panose="020B0604020202020204"/>
+                <a:ea typeface="Palatino"/>
+                <a:sym typeface="Palatino"/>
+              </a:rPr>
+              <a:t>Management</a:t>
+            </a:r>
+          </a:p>
+        </p:txBody>
+      </p:sp>
+      <p:sp>
+        <p:nvSpPr>
+          <p:cNvPr id="19" name="Rounded Rectangle 18">
+            <a:extLst>
+              <a:ext uri="{FF2B5EF4-FFF2-40B4-BE49-F238E27FC236}">
+                <a16:creationId xmlns:a16="http://schemas.microsoft.com/office/drawing/2014/main" id="{42FEC876-51CD-C64E-9766-94B660098298}"/>
+              </a:ext>
+            </a:extLst>
+          </p:cNvPr>
+          <p:cNvSpPr/>
+          <p:nvPr/>
+        </p:nvSpPr>
+        <p:spPr>
+          <a:xfrm>
+            <a:off x="9015093" y="3233362"/>
+            <a:ext cx="2405728" cy="601583"/>
+          </a:xfrm>
+          <a:prstGeom prst="roundRect">
+            <a:avLst/>
+          </a:prstGeom>
+          <a:solidFill>
+            <a:srgbClr val="CFE7F1"/>
+          </a:solidFill>
+          <a:ln w="12700" cap="flat">
+            <a:solidFill>
+              <a:schemeClr val="tx1">
+                <a:lumMod val="50000"/>
+                <a:lumOff val="50000"/>
+              </a:schemeClr>
+            </a:solidFill>
+            <a:miter lim="400000"/>
+          </a:ln>
+          <a:effectLst/>
+          <a:sp3d/>
+        </p:spPr>
+        <p:style>
+          <a:lnRef idx="0">
+            <a:scrgbClr r="0" g="0" b="0"/>
+          </a:lnRef>
+          <a:fillRef idx="0">
+            <a:scrgbClr r="0" g="0" b="0"/>
+          </a:fillRef>
+          <a:effectRef idx="0">
+            <a:scrgbClr r="0" g="0" b="0"/>
+          </a:effectRef>
+          <a:fontRef idx="none"/>
+        </p:style>
+        <p:txBody>
+          <a:bodyPr rot="0" spcFirstLastPara="1" vertOverflow="overflow" horzOverflow="overflow" vert="horz" wrap="square" lIns="25400" tIns="25400" rIns="25400" bIns="25400" numCol="1" spcCol="38100" rtlCol="0" anchor="ctr">
+            <a:spAutoFit/>
+          </a:bodyPr>
+          <a:lstStyle/>
+          <a:p>
+            <a:pPr algn="ctr" defTabSz="412750" hangingPunct="0"/>
+            <a:r>
+              <a:rPr lang="en-AU" sz="1600" kern="0" dirty="0">
+                <a:latin typeface="Arial" panose="020B0604020202020204"/>
+                <a:ea typeface="Palatino"/>
+                <a:sym typeface="Palatino"/>
+              </a:rPr>
+              <a:t>Telemetry &amp; </a:t>
+            </a:r>
+            <a:br>
+              <a:rPr lang="en-AU" sz="1600" kern="0" dirty="0">
+                <a:latin typeface="Arial" panose="020B0604020202020204"/>
+                <a:ea typeface="Palatino"/>
+                <a:sym typeface="Palatino"/>
+              </a:rPr>
+            </a:br>
+            <a:r>
+              <a:rPr lang="en-AU" sz="1600" kern="0" dirty="0">
+                <a:latin typeface="Arial" panose="020B0604020202020204"/>
+                <a:ea typeface="Palatino"/>
+                <a:sym typeface="Palatino"/>
+              </a:rPr>
+              <a:t>Logging</a:t>
+            </a:r>
+          </a:p>
+        </p:txBody>
+      </p:sp>
+      <p:cxnSp>
+        <p:nvCxnSpPr>
+          <p:cNvPr id="4" name="Straight Arrow Connector 3">
+            <a:extLst>
+              <a:ext uri="{FF2B5EF4-FFF2-40B4-BE49-F238E27FC236}">
+                <a16:creationId xmlns:a16="http://schemas.microsoft.com/office/drawing/2014/main" id="{9F934019-4534-AE4F-983F-936A607ACE86}"/>
+              </a:ext>
+            </a:extLst>
+          </p:cNvPr>
+          <p:cNvCxnSpPr>
+            <a:cxnSpLocks/>
+            <a:stCxn id="10" idx="2"/>
+            <a:endCxn id="3" idx="0"/>
+          </p:cNvCxnSpPr>
+          <p:nvPr/>
+        </p:nvCxnSpPr>
+        <p:spPr>
+          <a:xfrm flipH="1">
+            <a:off x="8833338" y="977629"/>
+            <a:ext cx="8041" cy="484455"/>
+          </a:xfrm>
+          <a:prstGeom prst="straightConnector1">
+            <a:avLst/>
+          </a:prstGeom>
+          <a:noFill/>
+          <a:ln w="25400" cap="flat">
+            <a:solidFill>
+              <a:schemeClr val="tx1">
+                <a:lumMod val="50000"/>
+                <a:lumOff val="50000"/>
+              </a:schemeClr>
+            </a:solidFill>
+            <a:prstDash val="solid"/>
+            <a:miter lim="400000"/>
+            <a:headEnd type="triangle" w="med" len="med"/>
+            <a:tailEnd type="triangle" w="med" len="med"/>
+          </a:ln>
+          <a:effectLst/>
+          <a:sp3d/>
+        </p:spPr>
+        <p:style>
+          <a:lnRef idx="0">
+            <a:scrgbClr r="0" g="0" b="0"/>
+          </a:lnRef>
+          <a:fillRef idx="0">
+            <a:scrgbClr r="0" g="0" b="0"/>
+          </a:fillRef>
+          <a:effectRef idx="0">
+            <a:scrgbClr r="0" g="0" b="0"/>
+          </a:effectRef>
+          <a:fontRef idx="none"/>
+        </p:style>
+      </p:cxnSp>
+      <p:sp>
+        <p:nvSpPr>
+          <p:cNvPr id="58" name="Rounded Rectangle 57">
+            <a:extLst>
+              <a:ext uri="{FF2B5EF4-FFF2-40B4-BE49-F238E27FC236}">
+                <a16:creationId xmlns:a16="http://schemas.microsoft.com/office/drawing/2014/main" id="{71331B65-83C8-FD44-9A9F-2058EA9F5644}"/>
+              </a:ext>
+            </a:extLst>
+          </p:cNvPr>
+          <p:cNvSpPr/>
+          <p:nvPr/>
+        </p:nvSpPr>
+        <p:spPr>
+          <a:xfrm>
+            <a:off x="1691801" y="5574182"/>
+            <a:ext cx="1655134" cy="329168"/>
+          </a:xfrm>
+          <a:prstGeom prst="roundRect">
+            <a:avLst/>
+          </a:prstGeom>
+          <a:solidFill>
+            <a:srgbClr val="5B9BD5"/>
+          </a:solidFill>
+          <a:ln w="12700" cap="flat">
+            <a:noFill/>
+            <a:miter lim="400000"/>
+          </a:ln>
+          <a:effectLst/>
+          <a:sp3d/>
+        </p:spPr>
+        <p:style>
+          <a:lnRef idx="0">
+            <a:scrgbClr r="0" g="0" b="0"/>
+          </a:lnRef>
+          <a:fillRef idx="0">
+            <a:scrgbClr r="0" g="0" b="0"/>
+          </a:fillRef>
+          <a:effectRef idx="0">
+            <a:scrgbClr r="0" g="0" b="0"/>
+          </a:effectRef>
+          <a:fontRef idx="none"/>
+        </p:style>
+        <p:txBody>
+          <a:bodyPr rot="0" spcFirstLastPara="1" vertOverflow="overflow" horzOverflow="overflow" vert="horz" wrap="square" lIns="25400" tIns="25400" rIns="25400" bIns="25400" numCol="1" spcCol="38100" rtlCol="0" anchor="ctr">
+            <a:spAutoFit/>
+          </a:bodyPr>
+          <a:lstStyle/>
+          <a:p>
+            <a:pPr algn="ctr" defTabSz="412750" hangingPunct="0"/>
+            <a:r>
+              <a:rPr lang="en-AU" sz="1600" kern="0" dirty="0" err="1">
+                <a:solidFill>
+                  <a:prstClr val="white"/>
+                </a:solidFill>
+                <a:latin typeface="Arial" panose="020B0604020202020204"/>
+                <a:ea typeface="Palatino"/>
+                <a:sym typeface="Palatino"/>
+              </a:rPr>
+              <a:t>eNodeB</a:t>
+            </a:r>
+            <a:r>
+              <a:rPr lang="en-AU" sz="1600" kern="0" dirty="0">
+                <a:solidFill>
+                  <a:prstClr val="white"/>
+                </a:solidFill>
+                <a:latin typeface="Arial" panose="020B0604020202020204"/>
+                <a:ea typeface="Palatino"/>
+                <a:sym typeface="Palatino"/>
+              </a:rPr>
+              <a:t>/</a:t>
+            </a:r>
+            <a:r>
+              <a:rPr lang="en-AU" sz="1600" kern="0" dirty="0" err="1">
+                <a:solidFill>
+                  <a:prstClr val="white"/>
+                </a:solidFill>
+                <a:latin typeface="Arial" panose="020B0604020202020204"/>
+                <a:ea typeface="Palatino"/>
+                <a:sym typeface="Palatino"/>
+              </a:rPr>
+              <a:t>gNB</a:t>
+            </a:r>
+            <a:endParaRPr lang="en-AU" sz="1600" kern="0" dirty="0">
+              <a:solidFill>
+                <a:prstClr val="white"/>
+              </a:solidFill>
+              <a:latin typeface="Arial" panose="020B0604020202020204"/>
+              <a:ea typeface="Palatino"/>
+              <a:sym typeface="Palatino"/>
+            </a:endParaRPr>
+          </a:p>
+        </p:txBody>
+      </p:sp>
+      <p:cxnSp>
+        <p:nvCxnSpPr>
+          <p:cNvPr id="25" name="Straight Arrow Connector 24">
+            <a:extLst>
+              <a:ext uri="{FF2B5EF4-FFF2-40B4-BE49-F238E27FC236}">
+                <a16:creationId xmlns:a16="http://schemas.microsoft.com/office/drawing/2014/main" id="{4A339110-8DED-BB4B-AEF4-BFD598D13D45}"/>
+              </a:ext>
+            </a:extLst>
+          </p:cNvPr>
+          <p:cNvCxnSpPr>
+            <a:cxnSpLocks/>
+          </p:cNvCxnSpPr>
+          <p:nvPr/>
+        </p:nvCxnSpPr>
+        <p:spPr>
+          <a:xfrm>
+            <a:off x="2566260" y="4160350"/>
+            <a:ext cx="0" cy="1413832"/>
+          </a:xfrm>
+          <a:prstGeom prst="straightConnector1">
+            <a:avLst/>
+          </a:prstGeom>
+          <a:noFill/>
+          <a:ln w="25400" cap="flat">
+            <a:solidFill>
+              <a:schemeClr val="accent1"/>
+            </a:solidFill>
+            <a:prstDash val="solid"/>
+            <a:miter lim="400000"/>
+            <a:headEnd type="triangle" w="med" len="med"/>
+            <a:tailEnd type="triangle" w="med" len="med"/>
+          </a:ln>
+          <a:effectLst/>
+          <a:sp3d/>
+        </p:spPr>
+        <p:style>
+          <a:lnRef idx="0">
+            <a:scrgbClr r="0" g="0" b="0"/>
+          </a:lnRef>
+          <a:fillRef idx="0">
+            <a:scrgbClr r="0" g="0" b="0"/>
+          </a:fillRef>
+          <a:effectRef idx="0">
+            <a:scrgbClr r="0" g="0" b="0"/>
+          </a:effectRef>
+          <a:fontRef idx="none"/>
+        </p:style>
+      </p:cxnSp>
+      <p:sp>
+        <p:nvSpPr>
+          <p:cNvPr id="21" name="Rectangle 20">
+            <a:extLst>
+              <a:ext uri="{FF2B5EF4-FFF2-40B4-BE49-F238E27FC236}">
+                <a16:creationId xmlns:a16="http://schemas.microsoft.com/office/drawing/2014/main" id="{3381E0AD-EDDE-104C-BD59-0B127522766A}"/>
+              </a:ext>
+            </a:extLst>
+          </p:cNvPr>
+          <p:cNvSpPr/>
+          <p:nvPr/>
+        </p:nvSpPr>
+        <p:spPr>
+          <a:xfrm flipH="1">
+            <a:off x="453606" y="5161342"/>
+            <a:ext cx="3075040" cy="1506819"/>
+          </a:xfrm>
+          <a:prstGeom prst="rect">
+            <a:avLst/>
+          </a:prstGeom>
+          <a:noFill/>
+          <a:ln w="25400" cap="flat" cmpd="sng" algn="ctr">
+            <a:solidFill>
+              <a:srgbClr val="626262"/>
+            </a:solidFill>
+            <a:prstDash val="sysDot"/>
+          </a:ln>
+          <a:effectLst/>
+        </p:spPr>
+        <p:txBody>
+          <a:bodyPr rtlCol="0" anchor="b"/>
+          <a:lstStyle/>
+          <a:p>
+            <a:pPr marL="0" marR="0" lvl="0" indent="0" algn="r" defTabSz="457200" eaLnBrk="1" fontAlgn="auto" latinLnBrk="0" hangingPunct="1">
+              <a:lnSpc>
+                <a:spcPct val="100000"/>
+              </a:lnSpc>
+              <a:spcBef>
+                <a:spcPts val="0"/>
+              </a:spcBef>
+              <a:spcAft>
+                <a:spcPts val="0"/>
+              </a:spcAft>
+              <a:buClrTx/>
+              <a:buSzTx/>
+              <a:buFontTx/>
+              <a:buNone/>
+              <a:tabLst/>
+              <a:defRPr/>
+            </a:pPr>
+            <a:r>
+              <a:rPr kumimoji="0" lang="en-US" b="0" i="0" u="none" strike="noStrike" kern="1200" cap="none" spc="0" normalizeH="0" baseline="0" noProof="0" dirty="0">
+                <a:ln>
+                  <a:noFill/>
+                </a:ln>
+                <a:solidFill>
+                  <a:srgbClr val="626262">
+                    <a:lumMod val="50000"/>
+                  </a:srgbClr>
+                </a:solidFill>
+                <a:effectLst/>
+                <a:uLnTx/>
+                <a:uFillTx/>
+                <a:latin typeface="+mn-lt"/>
+                <a:ea typeface="+mn-ea"/>
+                <a:cs typeface="+mn-cs"/>
+              </a:rPr>
+              <a:t>Radio Access Network</a:t>
+            </a:r>
+          </a:p>
+        </p:txBody>
+      </p:sp>
+      <p:sp>
+        <p:nvSpPr>
+          <p:cNvPr id="20" name="Rounded Rectangle 19">
+            <a:extLst>
+              <a:ext uri="{FF2B5EF4-FFF2-40B4-BE49-F238E27FC236}">
+                <a16:creationId xmlns:a16="http://schemas.microsoft.com/office/drawing/2014/main" id="{6806371B-383C-7941-9C69-F848B32126A5}"/>
+              </a:ext>
+            </a:extLst>
+          </p:cNvPr>
+          <p:cNvSpPr/>
+          <p:nvPr/>
+        </p:nvSpPr>
+        <p:spPr>
+          <a:xfrm>
+            <a:off x="6236313" y="3284721"/>
+            <a:ext cx="2405728" cy="601583"/>
+          </a:xfrm>
+          <a:prstGeom prst="roundRect">
+            <a:avLst/>
+          </a:prstGeom>
+          <a:solidFill>
+            <a:srgbClr val="CFE7F1"/>
+          </a:solidFill>
+          <a:ln w="12700" cap="flat">
+            <a:solidFill>
+              <a:schemeClr val="tx1">
+                <a:lumMod val="50000"/>
+                <a:lumOff val="50000"/>
+              </a:schemeClr>
+            </a:solidFill>
+            <a:miter lim="400000"/>
+          </a:ln>
+          <a:effectLst/>
+          <a:sp3d/>
+        </p:spPr>
+        <p:style>
+          <a:lnRef idx="0">
+            <a:scrgbClr r="0" g="0" b="0"/>
+          </a:lnRef>
+          <a:fillRef idx="0">
+            <a:scrgbClr r="0" g="0" b="0"/>
+          </a:fillRef>
+          <a:effectRef idx="0">
+            <a:scrgbClr r="0" g="0" b="0"/>
+          </a:effectRef>
+          <a:fontRef idx="none"/>
+        </p:style>
+        <p:txBody>
+          <a:bodyPr rot="0" spcFirstLastPara="1" vertOverflow="overflow" horzOverflow="overflow" vert="horz" wrap="square" lIns="25400" tIns="25400" rIns="25400" bIns="25400" numCol="1" spcCol="38100" rtlCol="0" anchor="ctr">
+            <a:spAutoFit/>
+          </a:bodyPr>
+          <a:lstStyle/>
+          <a:p>
+            <a:pPr algn="ctr" defTabSz="412750" hangingPunct="0"/>
+            <a:r>
+              <a:rPr lang="en-AU" sz="1600" kern="0" dirty="0">
+                <a:latin typeface="Arial" panose="020B0604020202020204"/>
+                <a:ea typeface="Palatino"/>
+                <a:sym typeface="Palatino"/>
+              </a:rPr>
+              <a:t>Data Plane </a:t>
+            </a:r>
+            <a:br>
+              <a:rPr lang="en-AU" sz="1600" kern="0" dirty="0">
+                <a:latin typeface="Arial" panose="020B0604020202020204"/>
+                <a:ea typeface="Palatino"/>
+                <a:sym typeface="Palatino"/>
+              </a:rPr>
+            </a:br>
+            <a:r>
+              <a:rPr lang="en-AU" sz="1600" kern="0" dirty="0">
+                <a:latin typeface="Arial" panose="020B0604020202020204"/>
+                <a:ea typeface="Palatino"/>
+                <a:sym typeface="Palatino"/>
+              </a:rPr>
+              <a:t>Configuration</a:t>
+            </a:r>
+          </a:p>
+        </p:txBody>
+      </p:sp>
+      <p:sp>
+        <p:nvSpPr>
+          <p:cNvPr id="27" name="Rounded Rectangle 26">
+            <a:extLst>
+              <a:ext uri="{FF2B5EF4-FFF2-40B4-BE49-F238E27FC236}">
+                <a16:creationId xmlns:a16="http://schemas.microsoft.com/office/drawing/2014/main" id="{B6D2CA22-C153-4242-A3F3-6079321722AE}"/>
+              </a:ext>
+            </a:extLst>
+          </p:cNvPr>
+          <p:cNvSpPr/>
+          <p:nvPr/>
+        </p:nvSpPr>
+        <p:spPr>
+          <a:xfrm>
+            <a:off x="897344" y="3831182"/>
+            <a:ext cx="2405728" cy="329168"/>
+          </a:xfrm>
+          <a:prstGeom prst="roundRect">
+            <a:avLst/>
+          </a:prstGeom>
+          <a:solidFill>
+            <a:srgbClr val="CFE7F1"/>
+          </a:solidFill>
+          <a:ln w="12700" cap="flat">
+            <a:solidFill>
+              <a:schemeClr val="tx1">
+                <a:lumMod val="50000"/>
+                <a:lumOff val="50000"/>
+              </a:schemeClr>
+            </a:solidFill>
+            <a:miter lim="400000"/>
+          </a:ln>
+          <a:effectLst/>
+          <a:sp3d/>
+        </p:spPr>
+        <p:style>
+          <a:lnRef idx="0">
+            <a:scrgbClr r="0" g="0" b="0"/>
+          </a:lnRef>
+          <a:fillRef idx="0">
+            <a:scrgbClr r="0" g="0" b="0"/>
+          </a:fillRef>
+          <a:effectRef idx="0">
+            <a:scrgbClr r="0" g="0" b="0"/>
+          </a:effectRef>
+          <a:fontRef idx="none"/>
+        </p:style>
+        <p:txBody>
+          <a:bodyPr rot="0" spcFirstLastPara="1" vertOverflow="overflow" horzOverflow="overflow" vert="horz" wrap="square" lIns="25400" tIns="25400" rIns="25400" bIns="25400" numCol="1" spcCol="38100" rtlCol="0" anchor="ctr">
+            <a:spAutoFit/>
+          </a:bodyPr>
+          <a:lstStyle/>
+          <a:p>
+            <a:pPr algn="ctr" defTabSz="412750" hangingPunct="0"/>
+            <a:r>
+              <a:rPr lang="en-AU" sz="1600" kern="0" dirty="0">
+                <a:latin typeface="Arial" panose="020B0604020202020204"/>
+                <a:ea typeface="Palatino"/>
+                <a:sym typeface="Palatino"/>
+              </a:rPr>
+              <a:t>SCTP</a:t>
+            </a:r>
+          </a:p>
+        </p:txBody>
+      </p:sp>
+      <p:sp>
+        <p:nvSpPr>
+          <p:cNvPr id="28" name="Rounded Rectangle 27">
+            <a:extLst>
+              <a:ext uri="{FF2B5EF4-FFF2-40B4-BE49-F238E27FC236}">
+                <a16:creationId xmlns:a16="http://schemas.microsoft.com/office/drawing/2014/main" id="{CE2CDB48-3E4D-9A43-A2D2-303B021880AD}"/>
+              </a:ext>
+            </a:extLst>
+          </p:cNvPr>
+          <p:cNvSpPr/>
+          <p:nvPr/>
+        </p:nvSpPr>
+        <p:spPr>
+          <a:xfrm>
+            <a:off x="453607" y="3082330"/>
+            <a:ext cx="1276071" cy="329168"/>
+          </a:xfrm>
+          <a:prstGeom prst="roundRect">
+            <a:avLst/>
+          </a:prstGeom>
+          <a:solidFill>
+            <a:srgbClr val="CFE7F1"/>
+          </a:solidFill>
+          <a:ln w="12700" cap="flat">
+            <a:solidFill>
+              <a:schemeClr val="tx1">
+                <a:lumMod val="50000"/>
+                <a:lumOff val="50000"/>
+              </a:schemeClr>
+            </a:solidFill>
+            <a:miter lim="400000"/>
+          </a:ln>
+          <a:effectLst/>
+          <a:sp3d/>
+        </p:spPr>
+        <p:style>
+          <a:lnRef idx="0">
+            <a:scrgbClr r="0" g="0" b="0"/>
+          </a:lnRef>
+          <a:fillRef idx="0">
+            <a:scrgbClr r="0" g="0" b="0"/>
+          </a:fillRef>
+          <a:effectRef idx="0">
+            <a:scrgbClr r="0" g="0" b="0"/>
+          </a:effectRef>
+          <a:fontRef idx="none"/>
+        </p:style>
+        <p:txBody>
+          <a:bodyPr rot="0" spcFirstLastPara="1" vertOverflow="overflow" horzOverflow="overflow" vert="horz" wrap="square" lIns="25400" tIns="25400" rIns="25400" bIns="25400" numCol="1" spcCol="38100" rtlCol="0" anchor="ctr">
+            <a:spAutoFit/>
+          </a:bodyPr>
+          <a:lstStyle/>
+          <a:p>
+            <a:pPr algn="ctr" defTabSz="412750" hangingPunct="0"/>
+            <a:r>
+              <a:rPr lang="en-AU" sz="1600" kern="0" dirty="0">
+                <a:latin typeface="Arial" panose="020B0604020202020204"/>
+                <a:ea typeface="Palatino"/>
+                <a:sym typeface="Palatino"/>
+              </a:rPr>
+              <a:t>4G-NAS</a:t>
+            </a:r>
+          </a:p>
+        </p:txBody>
+      </p:sp>
+      <p:sp>
+        <p:nvSpPr>
+          <p:cNvPr id="30" name="Rounded Rectangle 29">
+            <a:extLst>
+              <a:ext uri="{FF2B5EF4-FFF2-40B4-BE49-F238E27FC236}">
+                <a16:creationId xmlns:a16="http://schemas.microsoft.com/office/drawing/2014/main" id="{40AD6B4C-0FFE-D346-B169-04C193E59EDF}"/>
+              </a:ext>
+            </a:extLst>
+          </p:cNvPr>
+          <p:cNvSpPr/>
+          <p:nvPr/>
+        </p:nvSpPr>
+        <p:spPr>
+          <a:xfrm>
+            <a:off x="2790668" y="3136234"/>
+            <a:ext cx="1276071" cy="329168"/>
+          </a:xfrm>
+          <a:prstGeom prst="roundRect">
+            <a:avLst/>
+          </a:prstGeom>
+          <a:solidFill>
+            <a:srgbClr val="CFE7F1"/>
+          </a:solidFill>
+          <a:ln w="12700" cap="flat">
+            <a:solidFill>
+              <a:schemeClr val="tx1">
+                <a:lumMod val="50000"/>
+                <a:lumOff val="50000"/>
+              </a:schemeClr>
+            </a:solidFill>
+            <a:miter lim="400000"/>
+          </a:ln>
+          <a:effectLst/>
+          <a:sp3d/>
+        </p:spPr>
+        <p:style>
+          <a:lnRef idx="0">
+            <a:scrgbClr r="0" g="0" b="0"/>
+          </a:lnRef>
+          <a:fillRef idx="0">
+            <a:scrgbClr r="0" g="0" b="0"/>
+          </a:fillRef>
+          <a:effectRef idx="0">
+            <a:scrgbClr r="0" g="0" b="0"/>
+          </a:effectRef>
+          <a:fontRef idx="none"/>
+        </p:style>
+        <p:txBody>
+          <a:bodyPr rot="0" spcFirstLastPara="1" vertOverflow="overflow" horzOverflow="overflow" vert="horz" wrap="square" lIns="25400" tIns="25400" rIns="25400" bIns="25400" numCol="1" spcCol="38100" rtlCol="0" anchor="ctr">
+            <a:spAutoFit/>
+          </a:bodyPr>
+          <a:lstStyle/>
+          <a:p>
+            <a:pPr algn="ctr" defTabSz="412750" hangingPunct="0"/>
+            <a:r>
+              <a:rPr lang="en-AU" sz="1600" kern="0" dirty="0">
+                <a:latin typeface="Arial" panose="020B0604020202020204"/>
+                <a:ea typeface="Palatino"/>
+                <a:sym typeface="Palatino"/>
+              </a:rPr>
+              <a:t>5G-NAS</a:t>
+            </a:r>
+          </a:p>
+        </p:txBody>
+      </p:sp>
+      <p:sp>
+        <p:nvSpPr>
+          <p:cNvPr id="31" name="Rounded Rectangle 30">
+            <a:extLst>
+              <a:ext uri="{FF2B5EF4-FFF2-40B4-BE49-F238E27FC236}">
+                <a16:creationId xmlns:a16="http://schemas.microsoft.com/office/drawing/2014/main" id="{5F5580C0-19EB-3F45-814D-63E9EF68ECD5}"/>
+              </a:ext>
+            </a:extLst>
+          </p:cNvPr>
+          <p:cNvSpPr/>
+          <p:nvPr/>
+        </p:nvSpPr>
+        <p:spPr>
+          <a:xfrm>
+            <a:off x="943265" y="2517910"/>
+            <a:ext cx="1276071" cy="329168"/>
+          </a:xfrm>
+          <a:prstGeom prst="roundRect">
+            <a:avLst/>
+          </a:prstGeom>
+          <a:solidFill>
+            <a:srgbClr val="CFE7F1"/>
+          </a:solidFill>
+          <a:ln w="12700" cap="flat">
+            <a:solidFill>
+              <a:schemeClr val="tx1">
+                <a:lumMod val="50000"/>
+                <a:lumOff val="50000"/>
+              </a:schemeClr>
+            </a:solidFill>
+            <a:miter lim="400000"/>
+          </a:ln>
+          <a:effectLst/>
+          <a:sp3d/>
+        </p:spPr>
+        <p:style>
+          <a:lnRef idx="0">
+            <a:scrgbClr r="0" g="0" b="0"/>
+          </a:lnRef>
+          <a:fillRef idx="0">
+            <a:scrgbClr r="0" g="0" b="0"/>
+          </a:fillRef>
+          <a:effectRef idx="0">
+            <a:scrgbClr r="0" g="0" b="0"/>
+          </a:effectRef>
+          <a:fontRef idx="none"/>
+        </p:style>
+        <p:txBody>
+          <a:bodyPr rot="0" spcFirstLastPara="1" vertOverflow="overflow" horzOverflow="overflow" vert="horz" wrap="square" lIns="25400" tIns="25400" rIns="25400" bIns="25400" numCol="1" spcCol="38100" rtlCol="0" anchor="ctr">
+            <a:spAutoFit/>
+          </a:bodyPr>
+          <a:lstStyle/>
+          <a:p>
+            <a:pPr algn="ctr" defTabSz="412750" hangingPunct="0"/>
+            <a:r>
+              <a:rPr lang="en-AU" sz="1600" kern="0" dirty="0">
+                <a:latin typeface="Arial" panose="020B0604020202020204"/>
+                <a:ea typeface="Palatino"/>
+                <a:sym typeface="Palatino"/>
+              </a:rPr>
+              <a:t>S1AP</a:t>
+            </a:r>
+          </a:p>
+        </p:txBody>
+      </p:sp>
+      <p:sp>
+        <p:nvSpPr>
+          <p:cNvPr id="32" name="Rounded Rectangle 31">
+            <a:extLst>
+              <a:ext uri="{FF2B5EF4-FFF2-40B4-BE49-F238E27FC236}">
+                <a16:creationId xmlns:a16="http://schemas.microsoft.com/office/drawing/2014/main" id="{107E1319-F5C8-2F48-8FDA-721CDA9DA344}"/>
+              </a:ext>
+            </a:extLst>
+          </p:cNvPr>
+          <p:cNvSpPr/>
+          <p:nvPr/>
+        </p:nvSpPr>
+        <p:spPr>
+          <a:xfrm>
+            <a:off x="2482053" y="2517910"/>
+            <a:ext cx="1276071" cy="329168"/>
+          </a:xfrm>
+          <a:prstGeom prst="roundRect">
+            <a:avLst/>
+          </a:prstGeom>
+          <a:solidFill>
+            <a:srgbClr val="CFE7F1"/>
+          </a:solidFill>
+          <a:ln w="12700" cap="flat">
+            <a:solidFill>
+              <a:schemeClr val="tx1">
+                <a:lumMod val="50000"/>
+                <a:lumOff val="50000"/>
+              </a:schemeClr>
+            </a:solidFill>
+            <a:miter lim="400000"/>
+          </a:ln>
+          <a:effectLst/>
+          <a:sp3d/>
+        </p:spPr>
+        <p:style>
+          <a:lnRef idx="0">
+            <a:scrgbClr r="0" g="0" b="0"/>
+          </a:lnRef>
+          <a:fillRef idx="0">
+            <a:scrgbClr r="0" g="0" b="0"/>
+          </a:fillRef>
+          <a:effectRef idx="0">
+            <a:scrgbClr r="0" g="0" b="0"/>
+          </a:effectRef>
+          <a:fontRef idx="none"/>
+        </p:style>
+        <p:txBody>
+          <a:bodyPr rot="0" spcFirstLastPara="1" vertOverflow="overflow" horzOverflow="overflow" vert="horz" wrap="square" lIns="25400" tIns="25400" rIns="25400" bIns="25400" numCol="1" spcCol="38100" rtlCol="0" anchor="ctr">
+            <a:spAutoFit/>
+          </a:bodyPr>
+          <a:lstStyle/>
+          <a:p>
+            <a:pPr algn="ctr" defTabSz="412750" hangingPunct="0"/>
+            <a:r>
+              <a:rPr lang="en-AU" sz="1600" kern="0" dirty="0">
+                <a:latin typeface="Arial" panose="020B0604020202020204"/>
+                <a:ea typeface="Palatino"/>
+                <a:sym typeface="Palatino"/>
+              </a:rPr>
+              <a:t>NGAP</a:t>
+            </a:r>
+          </a:p>
+        </p:txBody>
+      </p:sp>
+      <p:cxnSp>
+        <p:nvCxnSpPr>
+          <p:cNvPr id="33" name="Straight Arrow Connector 32">
+            <a:extLst>
+              <a:ext uri="{FF2B5EF4-FFF2-40B4-BE49-F238E27FC236}">
+                <a16:creationId xmlns:a16="http://schemas.microsoft.com/office/drawing/2014/main" id="{99B0B54F-37F3-2A42-8D52-C60AA2C400FE}"/>
+              </a:ext>
+            </a:extLst>
+          </p:cNvPr>
+          <p:cNvCxnSpPr>
+            <a:cxnSpLocks/>
+            <a:endCxn id="27" idx="0"/>
+          </p:cNvCxnSpPr>
+          <p:nvPr/>
+        </p:nvCxnSpPr>
+        <p:spPr>
+          <a:xfrm>
+            <a:off x="1091642" y="3411498"/>
+            <a:ext cx="1008566" cy="419684"/>
+          </a:xfrm>
+          <a:prstGeom prst="straightConnector1">
+            <a:avLst/>
+          </a:prstGeom>
+          <a:noFill/>
+          <a:ln w="25400" cap="flat">
+            <a:solidFill>
+              <a:schemeClr val="accent1"/>
+            </a:solidFill>
+            <a:prstDash val="solid"/>
+            <a:miter lim="400000"/>
+            <a:headEnd type="triangle" w="med" len="med"/>
+            <a:tailEnd type="triangle" w="med" len="med"/>
+          </a:ln>
+          <a:effectLst/>
+          <a:sp3d/>
+        </p:spPr>
+        <p:style>
+          <a:lnRef idx="0">
+            <a:scrgbClr r="0" g="0" b="0"/>
+          </a:lnRef>
+          <a:fillRef idx="0">
+            <a:scrgbClr r="0" g="0" b="0"/>
+          </a:fillRef>
+          <a:effectRef idx="0">
+            <a:scrgbClr r="0" g="0" b="0"/>
+          </a:effectRef>
+          <a:fontRef idx="none"/>
+        </p:style>
+      </p:cxnSp>
+      <p:cxnSp>
+        <p:nvCxnSpPr>
+          <p:cNvPr id="34" name="Straight Arrow Connector 33">
+            <a:extLst>
+              <a:ext uri="{FF2B5EF4-FFF2-40B4-BE49-F238E27FC236}">
+                <a16:creationId xmlns:a16="http://schemas.microsoft.com/office/drawing/2014/main" id="{17009850-E346-654C-B3E4-C03BFD4B9171}"/>
+              </a:ext>
+            </a:extLst>
+          </p:cNvPr>
+          <p:cNvCxnSpPr>
+            <a:cxnSpLocks/>
+            <a:stCxn id="31" idx="2"/>
+            <a:endCxn id="27" idx="0"/>
+          </p:cNvCxnSpPr>
+          <p:nvPr/>
+        </p:nvCxnSpPr>
+        <p:spPr>
+          <a:xfrm>
+            <a:off x="1581301" y="2847078"/>
+            <a:ext cx="518907" cy="984104"/>
+          </a:xfrm>
+          <a:prstGeom prst="straightConnector1">
+            <a:avLst/>
+          </a:prstGeom>
+          <a:noFill/>
+          <a:ln w="25400" cap="flat">
+            <a:solidFill>
+              <a:schemeClr val="accent1"/>
+            </a:solidFill>
+            <a:prstDash val="solid"/>
+            <a:miter lim="400000"/>
+            <a:headEnd type="triangle" w="med" len="med"/>
+            <a:tailEnd type="triangle" w="med" len="med"/>
+          </a:ln>
+          <a:effectLst/>
+          <a:sp3d/>
+        </p:spPr>
+        <p:style>
+          <a:lnRef idx="0">
+            <a:scrgbClr r="0" g="0" b="0"/>
+          </a:lnRef>
+          <a:fillRef idx="0">
+            <a:scrgbClr r="0" g="0" b="0"/>
+          </a:fillRef>
+          <a:effectRef idx="0">
+            <a:scrgbClr r="0" g="0" b="0"/>
+          </a:effectRef>
+          <a:fontRef idx="none"/>
+        </p:style>
+      </p:cxnSp>
+      <p:cxnSp>
+        <p:nvCxnSpPr>
+          <p:cNvPr id="35" name="Straight Arrow Connector 34">
+            <a:extLst>
+              <a:ext uri="{FF2B5EF4-FFF2-40B4-BE49-F238E27FC236}">
+                <a16:creationId xmlns:a16="http://schemas.microsoft.com/office/drawing/2014/main" id="{11BC14A5-CCB6-D345-81D3-5DEA653396FF}"/>
+              </a:ext>
+            </a:extLst>
+          </p:cNvPr>
+          <p:cNvCxnSpPr>
+            <a:cxnSpLocks/>
+            <a:stCxn id="32" idx="2"/>
+            <a:endCxn id="27" idx="0"/>
+          </p:cNvCxnSpPr>
+          <p:nvPr/>
+        </p:nvCxnSpPr>
+        <p:spPr>
+          <a:xfrm flipH="1">
+            <a:off x="2100208" y="2847078"/>
+            <a:ext cx="1019881" cy="984104"/>
+          </a:xfrm>
+          <a:prstGeom prst="straightConnector1">
+            <a:avLst/>
+          </a:prstGeom>
+          <a:noFill/>
+          <a:ln w="25400" cap="flat">
+            <a:solidFill>
+              <a:schemeClr val="accent1"/>
+            </a:solidFill>
+            <a:prstDash val="solid"/>
+            <a:miter lim="400000"/>
+            <a:headEnd type="triangle" w="med" len="med"/>
+            <a:tailEnd type="triangle" w="med" len="med"/>
+          </a:ln>
+          <a:effectLst/>
+          <a:sp3d/>
+        </p:spPr>
+        <p:style>
+          <a:lnRef idx="0">
+            <a:scrgbClr r="0" g="0" b="0"/>
+          </a:lnRef>
+          <a:fillRef idx="0">
+            <a:scrgbClr r="0" g="0" b="0"/>
+          </a:fillRef>
+          <a:effectRef idx="0">
+            <a:scrgbClr r="0" g="0" b="0"/>
+          </a:effectRef>
+          <a:fontRef idx="none"/>
+        </p:style>
+      </p:cxnSp>
+      <p:cxnSp>
+        <p:nvCxnSpPr>
+          <p:cNvPr id="36" name="Straight Arrow Connector 35">
+            <a:extLst>
+              <a:ext uri="{FF2B5EF4-FFF2-40B4-BE49-F238E27FC236}">
+                <a16:creationId xmlns:a16="http://schemas.microsoft.com/office/drawing/2014/main" id="{94727C89-77CC-CD45-86DA-AEC6F6CE1D9C}"/>
+              </a:ext>
+            </a:extLst>
+          </p:cNvPr>
+          <p:cNvCxnSpPr>
+            <a:cxnSpLocks/>
+            <a:stCxn id="30" idx="2"/>
+            <a:endCxn id="27" idx="0"/>
+          </p:cNvCxnSpPr>
+          <p:nvPr/>
+        </p:nvCxnSpPr>
+        <p:spPr>
+          <a:xfrm flipH="1">
+            <a:off x="2100208" y="3465402"/>
+            <a:ext cx="1328496" cy="365780"/>
+          </a:xfrm>
+          <a:prstGeom prst="straightConnector1">
+            <a:avLst/>
+          </a:prstGeom>
+          <a:noFill/>
+          <a:ln w="25400" cap="flat">
+            <a:solidFill>
+              <a:schemeClr val="accent1"/>
+            </a:solidFill>
+            <a:prstDash val="solid"/>
+            <a:miter lim="400000"/>
+            <a:headEnd type="triangle" w="med" len="med"/>
+            <a:tailEnd type="triangle" w="med" len="med"/>
+          </a:ln>
+          <a:effectLst/>
+          <a:sp3d/>
+        </p:spPr>
+        <p:style>
+          <a:lnRef idx="0">
+            <a:scrgbClr r="0" g="0" b="0"/>
+          </a:lnRef>
+          <a:fillRef idx="0">
+            <a:scrgbClr r="0" g="0" b="0"/>
+          </a:fillRef>
+          <a:effectRef idx="0">
+            <a:scrgbClr r="0" g="0" b="0"/>
+          </a:effectRef>
+          <a:fontRef idx="none"/>
+        </p:style>
+      </p:cxnSp>
+      <p:cxnSp>
+        <p:nvCxnSpPr>
+          <p:cNvPr id="39" name="Straight Arrow Connector 38">
+            <a:extLst>
+              <a:ext uri="{FF2B5EF4-FFF2-40B4-BE49-F238E27FC236}">
+                <a16:creationId xmlns:a16="http://schemas.microsoft.com/office/drawing/2014/main" id="{F9A8BA84-C0E5-2545-8D3A-9E3A0B1898EA}"/>
+              </a:ext>
+            </a:extLst>
+          </p:cNvPr>
+          <p:cNvCxnSpPr>
+            <a:cxnSpLocks/>
+          </p:cNvCxnSpPr>
+          <p:nvPr/>
+        </p:nvCxnSpPr>
+        <p:spPr>
+          <a:xfrm flipH="1">
+            <a:off x="5334000" y="3026191"/>
+            <a:ext cx="720527" cy="0"/>
+          </a:xfrm>
+          <a:prstGeom prst="straightConnector1">
+            <a:avLst/>
+          </a:prstGeom>
+          <a:noFill/>
+          <a:ln w="25400" cap="flat">
+            <a:solidFill>
+              <a:schemeClr val="accent1"/>
+            </a:solidFill>
+            <a:prstDash val="solid"/>
+            <a:miter lim="400000"/>
+            <a:headEnd type="triangle" w="med" len="med"/>
+            <a:tailEnd type="triangle" w="med" len="med"/>
+          </a:ln>
+          <a:effectLst/>
+          <a:sp3d/>
+        </p:spPr>
+        <p:style>
+          <a:lnRef idx="0">
+            <a:scrgbClr r="0" g="0" b="0"/>
+          </a:lnRef>
+          <a:fillRef idx="0">
+            <a:scrgbClr r="0" g="0" b="0"/>
+          </a:fillRef>
+          <a:effectRef idx="0">
+            <a:scrgbClr r="0" g="0" b="0"/>
+          </a:effectRef>
+          <a:fontRef idx="none"/>
+        </p:style>
+      </p:cxnSp>
+      <p:sp>
+        <p:nvSpPr>
+          <p:cNvPr id="41" name="TextBox 40">
+            <a:extLst>
+              <a:ext uri="{FF2B5EF4-FFF2-40B4-BE49-F238E27FC236}">
+                <a16:creationId xmlns:a16="http://schemas.microsoft.com/office/drawing/2014/main" id="{CD0B250D-20D1-5C40-ABF5-67F24F1416F5}"/>
+              </a:ext>
+            </a:extLst>
+          </p:cNvPr>
+          <p:cNvSpPr txBox="1"/>
+          <p:nvPr/>
+        </p:nvSpPr>
+        <p:spPr>
+          <a:xfrm>
+            <a:off x="5358601" y="2607201"/>
+            <a:ext cx="718145" cy="379591"/>
+          </a:xfrm>
+          <a:prstGeom prst="rect">
+            <a:avLst/>
+          </a:prstGeom>
+          <a:noFill/>
+          <a:ln w="12700" cap="flat">
+            <a:noFill/>
+            <a:miter lim="400000"/>
+          </a:ln>
+          <a:effectLst/>
+          <a:sp3d/>
+        </p:spPr>
+        <p:style>
+          <a:lnRef idx="0">
+            <a:scrgbClr r="0" g="0" b="0"/>
+          </a:lnRef>
+          <a:fillRef idx="0">
+            <a:scrgbClr r="0" g="0" b="0"/>
+          </a:fillRef>
+          <a:effectRef idx="0">
+            <a:scrgbClr r="0" g="0" b="0"/>
+          </a:effectRef>
+          <a:fontRef idx="none"/>
+        </p:style>
+        <p:txBody>
+          <a:bodyPr rot="0" spcFirstLastPara="1" vertOverflow="overflow" horzOverflow="overflow" vert="horz" wrap="none" lIns="50800" tIns="50800" rIns="50800" bIns="50800" numCol="1" spcCol="38100" rtlCol="0" anchor="ctr">
+            <a:spAutoFit/>
+          </a:bodyPr>
+          <a:lstStyle/>
+          <a:p>
+            <a:pPr marL="0" marR="0" indent="0" algn="ctr" defTabSz="825500" rtl="0" fontAlgn="auto" latinLnBrk="0" hangingPunct="0">
+              <a:lnSpc>
+                <a:spcPct val="100000"/>
+              </a:lnSpc>
+              <a:spcBef>
+                <a:spcPts val="0"/>
+              </a:spcBef>
+              <a:spcAft>
+                <a:spcPts val="0"/>
+              </a:spcAft>
+              <a:buClrTx/>
+              <a:buSzTx/>
+              <a:buFontTx/>
+              <a:buNone/>
+              <a:tabLst/>
+            </a:pPr>
+            <a:r>
+              <a:rPr kumimoji="0" lang="en-AU" b="0" i="0" u="none" strike="noStrike" cap="none" spc="0" normalizeH="0" baseline="0" dirty="0" err="1">
+                <a:ln>
+                  <a:noFill/>
+                </a:ln>
+                <a:solidFill>
+                  <a:srgbClr val="414141"/>
+                </a:solidFill>
+                <a:effectLst/>
+                <a:uFillTx/>
+                <a:latin typeface="+mj-lt"/>
+                <a:ea typeface="Palatino"/>
+                <a:cs typeface="Palatino"/>
+                <a:sym typeface="Palatino"/>
+              </a:rPr>
+              <a:t>gRPC</a:t>
+            </a:r>
+            <a:endParaRPr kumimoji="0" lang="en-AU" b="0" i="0" u="none" strike="noStrike" cap="none" spc="0" normalizeH="0" baseline="0" dirty="0">
+              <a:ln>
+                <a:noFill/>
+              </a:ln>
+              <a:solidFill>
+                <a:srgbClr val="414141"/>
+              </a:solidFill>
+              <a:effectLst/>
+              <a:uFillTx/>
+              <a:latin typeface="+mj-lt"/>
+              <a:ea typeface="Palatino"/>
+              <a:cs typeface="Palatino"/>
+              <a:sym typeface="Palatino"/>
+            </a:endParaRPr>
+          </a:p>
+        </p:txBody>
+      </p:sp>
+      <p:cxnSp>
+        <p:nvCxnSpPr>
+          <p:cNvPr id="43" name="Straight Connector 42">
+            <a:extLst>
+              <a:ext uri="{FF2B5EF4-FFF2-40B4-BE49-F238E27FC236}">
+                <a16:creationId xmlns:a16="http://schemas.microsoft.com/office/drawing/2014/main" id="{449EBDA5-D575-2D42-B08A-79BA8AD71BAE}"/>
+              </a:ext>
+            </a:extLst>
+          </p:cNvPr>
+          <p:cNvCxnSpPr>
+            <a:cxnSpLocks/>
+          </p:cNvCxnSpPr>
+          <p:nvPr/>
+        </p:nvCxnSpPr>
+        <p:spPr>
+          <a:xfrm>
+            <a:off x="6054526" y="4160350"/>
+            <a:ext cx="5574766" cy="0"/>
+          </a:xfrm>
+          <a:prstGeom prst="line">
+            <a:avLst/>
+          </a:prstGeom>
+          <a:noFill/>
+          <a:ln w="25400" cap="flat">
+            <a:solidFill>
+              <a:schemeClr val="tx1"/>
+            </a:solidFill>
+            <a:prstDash val="sysDash"/>
+            <a:miter lim="400000"/>
+          </a:ln>
+          <a:effectLst/>
+          <a:sp3d/>
+        </p:spPr>
+        <p:style>
+          <a:lnRef idx="0">
+            <a:scrgbClr r="0" g="0" b="0"/>
+          </a:lnRef>
+          <a:fillRef idx="0">
+            <a:scrgbClr r="0" g="0" b="0"/>
+          </a:fillRef>
+          <a:effectRef idx="0">
+            <a:scrgbClr r="0" g="0" b="0"/>
+          </a:effectRef>
+          <a:fontRef idx="none"/>
+        </p:style>
+      </p:cxnSp>
+      <p:cxnSp>
+        <p:nvCxnSpPr>
+          <p:cNvPr id="46" name="Elbow Connector 45">
+            <a:extLst>
+              <a:ext uri="{FF2B5EF4-FFF2-40B4-BE49-F238E27FC236}">
+                <a16:creationId xmlns:a16="http://schemas.microsoft.com/office/drawing/2014/main" id="{99ADD232-BED8-2B43-9ED3-D72253227423}"/>
+              </a:ext>
+            </a:extLst>
+          </p:cNvPr>
+          <p:cNvCxnSpPr>
+            <a:cxnSpLocks/>
+            <a:stCxn id="58" idx="3"/>
+            <a:endCxn id="16" idx="1"/>
+          </p:cNvCxnSpPr>
+          <p:nvPr/>
+        </p:nvCxnSpPr>
+        <p:spPr>
+          <a:xfrm flipV="1">
+            <a:off x="3346935" y="4461142"/>
+            <a:ext cx="4320701" cy="1277624"/>
+          </a:xfrm>
+          <a:prstGeom prst="bentConnector3">
+            <a:avLst>
+              <a:gd name="adj1" fmla="val 9844"/>
+            </a:avLst>
+          </a:prstGeom>
+          <a:noFill/>
+          <a:ln w="25400" cap="flat">
+            <a:solidFill>
+              <a:srgbClr val="414141"/>
+            </a:solidFill>
+            <a:prstDash val="solid"/>
+            <a:miter lim="400000"/>
+            <a:headEnd type="triangle"/>
+            <a:tailEnd type="triangle"/>
+          </a:ln>
+          <a:effectLst/>
+          <a:sp3d/>
+        </p:spPr>
+        <p:style>
+          <a:lnRef idx="0">
+            <a:scrgbClr r="0" g="0" b="0"/>
+          </a:lnRef>
+          <a:fillRef idx="0">
+            <a:scrgbClr r="0" g="0" b="0"/>
+          </a:fillRef>
+          <a:effectRef idx="0">
+            <a:scrgbClr r="0" g="0" b="0"/>
+          </a:effectRef>
+          <a:fontRef idx="none"/>
+        </p:style>
+      </p:cxnSp>
+      <p:sp>
+        <p:nvSpPr>
+          <p:cNvPr id="52" name="TextBox 51">
+            <a:extLst>
+              <a:ext uri="{FF2B5EF4-FFF2-40B4-BE49-F238E27FC236}">
+                <a16:creationId xmlns:a16="http://schemas.microsoft.com/office/drawing/2014/main" id="{A209E662-FEA2-3C45-AFD5-D66289D2DC8F}"/>
+              </a:ext>
+            </a:extLst>
+          </p:cNvPr>
+          <p:cNvSpPr txBox="1"/>
+          <p:nvPr/>
+        </p:nvSpPr>
+        <p:spPr>
+          <a:xfrm>
+            <a:off x="1149779" y="1778884"/>
+            <a:ext cx="2436564" cy="379591"/>
+          </a:xfrm>
+          <a:prstGeom prst="rect">
+            <a:avLst/>
+          </a:prstGeom>
+          <a:noFill/>
+          <a:ln w="12700" cap="flat">
+            <a:noFill/>
+            <a:miter lim="400000"/>
+          </a:ln>
+          <a:effectLst/>
+          <a:sp3d/>
+        </p:spPr>
+        <p:style>
+          <a:lnRef idx="0">
+            <a:scrgbClr r="0" g="0" b="0"/>
+          </a:lnRef>
+          <a:fillRef idx="0">
+            <a:scrgbClr r="0" g="0" b="0"/>
+          </a:fillRef>
+          <a:effectRef idx="0">
+            <a:scrgbClr r="0" g="0" b="0"/>
+          </a:effectRef>
+          <a:fontRef idx="none"/>
+        </p:style>
+        <p:txBody>
+          <a:bodyPr rot="0" spcFirstLastPara="1" vertOverflow="overflow" horzOverflow="overflow" vert="horz" wrap="none" lIns="50800" tIns="50800" rIns="50800" bIns="50800" numCol="1" spcCol="38100" rtlCol="0" anchor="ctr">
+            <a:spAutoFit/>
+          </a:bodyPr>
+          <a:lstStyle/>
+          <a:p>
+            <a:pPr marL="0" marR="0" indent="0" algn="ctr" defTabSz="825500" rtl="0" fontAlgn="auto" latinLnBrk="0" hangingPunct="0">
+              <a:lnSpc>
+                <a:spcPct val="100000"/>
+              </a:lnSpc>
+              <a:spcBef>
+                <a:spcPts val="0"/>
+              </a:spcBef>
+              <a:spcAft>
+                <a:spcPts val="0"/>
+              </a:spcAft>
+              <a:buClrTx/>
+              <a:buSzTx/>
+              <a:buFontTx/>
+              <a:buNone/>
+              <a:tabLst/>
+            </a:pPr>
+            <a:r>
+              <a:rPr kumimoji="0" lang="en-AU" b="0" i="0" u="none" strike="noStrike" cap="none" spc="0" normalizeH="0" baseline="0" dirty="0">
+                <a:ln>
+                  <a:noFill/>
+                </a:ln>
+                <a:solidFill>
+                  <a:srgbClr val="414141"/>
+                </a:solidFill>
+                <a:effectLst/>
+                <a:uFillTx/>
+                <a:ea typeface="Palatino"/>
+                <a:cs typeface="Palatino"/>
+                <a:sym typeface="Palatino"/>
+              </a:rPr>
+              <a:t>RAN-specific protocols</a:t>
+            </a:r>
+          </a:p>
+        </p:txBody>
+      </p:sp>
+      <p:sp>
+        <p:nvSpPr>
+          <p:cNvPr id="55" name="TextBox 54">
+            <a:extLst>
+              <a:ext uri="{FF2B5EF4-FFF2-40B4-BE49-F238E27FC236}">
+                <a16:creationId xmlns:a16="http://schemas.microsoft.com/office/drawing/2014/main" id="{9ABC7393-C161-EE43-B5DB-532797048C29}"/>
+              </a:ext>
+            </a:extLst>
+          </p:cNvPr>
+          <p:cNvSpPr txBox="1"/>
+          <p:nvPr/>
+        </p:nvSpPr>
+        <p:spPr>
+          <a:xfrm>
+            <a:off x="8016934" y="991843"/>
+            <a:ext cx="718145" cy="379591"/>
+          </a:xfrm>
+          <a:prstGeom prst="rect">
+            <a:avLst/>
+          </a:prstGeom>
+          <a:noFill/>
+          <a:ln w="12700" cap="flat">
+            <a:noFill/>
+            <a:miter lim="400000"/>
+          </a:ln>
+          <a:effectLst/>
+          <a:sp3d/>
+        </p:spPr>
+        <p:style>
+          <a:lnRef idx="0">
+            <a:scrgbClr r="0" g="0" b="0"/>
+          </a:lnRef>
+          <a:fillRef idx="0">
+            <a:scrgbClr r="0" g="0" b="0"/>
+          </a:fillRef>
+          <a:effectRef idx="0">
+            <a:scrgbClr r="0" g="0" b="0"/>
+          </a:effectRef>
+          <a:fontRef idx="none"/>
+        </p:style>
+        <p:txBody>
+          <a:bodyPr rot="0" spcFirstLastPara="1" vertOverflow="overflow" horzOverflow="overflow" vert="horz" wrap="none" lIns="50800" tIns="50800" rIns="50800" bIns="50800" numCol="1" spcCol="38100" rtlCol="0" anchor="ctr">
+            <a:spAutoFit/>
+          </a:bodyPr>
+          <a:lstStyle/>
+          <a:p>
+            <a:pPr marL="0" marR="0" indent="0" algn="ctr" defTabSz="825500" rtl="0" fontAlgn="auto" latinLnBrk="0" hangingPunct="0">
+              <a:lnSpc>
+                <a:spcPct val="100000"/>
+              </a:lnSpc>
+              <a:spcBef>
+                <a:spcPts val="0"/>
+              </a:spcBef>
+              <a:spcAft>
+                <a:spcPts val="0"/>
+              </a:spcAft>
+              <a:buClrTx/>
+              <a:buSzTx/>
+              <a:buFontTx/>
+              <a:buNone/>
+              <a:tabLst/>
+            </a:pPr>
+            <a:r>
+              <a:rPr kumimoji="0" lang="en-AU" b="0" i="0" u="none" strike="noStrike" cap="none" spc="0" normalizeH="0" baseline="0" dirty="0" err="1">
+                <a:ln>
+                  <a:noFill/>
+                </a:ln>
+                <a:solidFill>
+                  <a:srgbClr val="414141"/>
+                </a:solidFill>
+                <a:effectLst/>
+                <a:uFillTx/>
+                <a:latin typeface="+mj-lt"/>
+                <a:ea typeface="Palatino"/>
+                <a:cs typeface="Palatino"/>
+                <a:sym typeface="Palatino"/>
+              </a:rPr>
+              <a:t>gRPC</a:t>
+            </a:r>
+            <a:endParaRPr kumimoji="0" lang="en-AU" b="0" i="0" u="none" strike="noStrike" cap="none" spc="0" normalizeH="0" baseline="0" dirty="0">
+              <a:ln>
+                <a:noFill/>
+              </a:ln>
+              <a:solidFill>
+                <a:srgbClr val="414141"/>
+              </a:solidFill>
+              <a:effectLst/>
+              <a:uFillTx/>
+              <a:latin typeface="+mj-lt"/>
+              <a:ea typeface="Palatino"/>
+              <a:cs typeface="Palatino"/>
+              <a:sym typeface="Palatino"/>
+            </a:endParaRPr>
+          </a:p>
+        </p:txBody>
+      </p:sp>
+      <p:sp>
+        <p:nvSpPr>
+          <p:cNvPr id="37" name="Rectangle 36">
+            <a:extLst>
+              <a:ext uri="{FF2B5EF4-FFF2-40B4-BE49-F238E27FC236}">
+                <a16:creationId xmlns:a16="http://schemas.microsoft.com/office/drawing/2014/main" id="{065FAA50-5668-4A46-9D8A-BBB0B2CBC887}"/>
+              </a:ext>
+            </a:extLst>
+          </p:cNvPr>
+          <p:cNvSpPr/>
+          <p:nvPr/>
+        </p:nvSpPr>
+        <p:spPr>
+          <a:xfrm>
+            <a:off x="175846" y="1380022"/>
+            <a:ext cx="11570675" cy="3611387"/>
+          </a:xfrm>
+          <a:prstGeom prst="rect">
+            <a:avLst/>
+          </a:prstGeom>
+          <a:noFill/>
+          <a:ln w="12700" cap="flat">
+            <a:solidFill>
+              <a:schemeClr val="tx1"/>
+            </a:solidFill>
+            <a:prstDash val="sysDash"/>
+            <a:miter lim="400000"/>
+          </a:ln>
+          <a:effectLst/>
+          <a:sp3d/>
+        </p:spPr>
+        <p:style>
+          <a:lnRef idx="0">
+            <a:scrgbClr r="0" g="0" b="0"/>
+          </a:lnRef>
+          <a:fillRef idx="0">
+            <a:scrgbClr r="0" g="0" b="0"/>
+          </a:fillRef>
+          <a:effectRef idx="0">
+            <a:scrgbClr r="0" g="0" b="0"/>
+          </a:effectRef>
+          <a:fontRef idx="none"/>
+        </p:style>
+        <p:txBody>
+          <a:bodyPr rot="0" spcFirstLastPara="1" vertOverflow="overflow" horzOverflow="overflow" vert="horz" wrap="square" lIns="50800" tIns="50800" rIns="50800" bIns="50800" numCol="1" spcCol="38100" rtlCol="0" anchor="ctr">
+            <a:spAutoFit/>
+          </a:bodyPr>
+          <a:lstStyle/>
+          <a:p>
+            <a:pPr marL="0" marR="0" indent="0" algn="ctr" defTabSz="825500" rtl="0" fontAlgn="auto" latinLnBrk="0" hangingPunct="0">
+              <a:lnSpc>
+                <a:spcPct val="100000"/>
+              </a:lnSpc>
+              <a:spcBef>
+                <a:spcPts val="0"/>
+              </a:spcBef>
+              <a:spcAft>
+                <a:spcPts val="0"/>
+              </a:spcAft>
+              <a:buClrTx/>
+              <a:buSzTx/>
+              <a:buFontTx/>
+              <a:buNone/>
+              <a:tabLst/>
+            </a:pPr>
+            <a:endParaRPr kumimoji="0" lang="en-AU" sz="4400" b="0" i="0" u="none" strike="noStrike" cap="none" spc="0" normalizeH="0" baseline="0">
+              <a:ln>
+                <a:noFill/>
+              </a:ln>
+              <a:gradFill flip="none" rotWithShape="1">
+                <a:gsLst>
+                  <a:gs pos="0">
+                    <a:schemeClr val="accent1">
+                      <a:hueOff val="369194"/>
+                      <a:satOff val="6343"/>
+                      <a:lumOff val="-13963"/>
+                    </a:schemeClr>
+                  </a:gs>
+                  <a:gs pos="100000">
+                    <a:schemeClr val="accent1">
+                      <a:hueOff val="-113918"/>
+                      <a:satOff val="19024"/>
+                      <a:lumOff val="19749"/>
+                    </a:schemeClr>
+                  </a:gs>
+                </a:gsLst>
+                <a:lin ang="5400000" scaled="0"/>
+              </a:gradFill>
+              <a:effectLst>
+                <a:outerShdw blurRad="25400" dist="33948" dir="2700000" rotWithShape="0">
+                  <a:srgbClr val="3B3936"/>
+                </a:outerShdw>
+              </a:effectLst>
+              <a:uFillTx/>
+              <a:latin typeface="Palatino"/>
+              <a:ea typeface="Palatino"/>
+              <a:cs typeface="Palatino"/>
+              <a:sym typeface="Palatino"/>
+            </a:endParaRPr>
+          </a:p>
+        </p:txBody>
+      </p:sp>
+      <p:sp>
+        <p:nvSpPr>
+          <p:cNvPr id="38" name="TextBox 37">
+            <a:extLst>
+              <a:ext uri="{FF2B5EF4-FFF2-40B4-BE49-F238E27FC236}">
+                <a16:creationId xmlns:a16="http://schemas.microsoft.com/office/drawing/2014/main" id="{77310EF1-CF17-A544-AD10-E9132F81FE80}"/>
+              </a:ext>
+            </a:extLst>
+          </p:cNvPr>
+          <p:cNvSpPr txBox="1"/>
+          <p:nvPr/>
+        </p:nvSpPr>
+        <p:spPr>
+          <a:xfrm>
+            <a:off x="661041" y="4590401"/>
+            <a:ext cx="1821012" cy="379591"/>
+          </a:xfrm>
+          <a:prstGeom prst="rect">
+            <a:avLst/>
+          </a:prstGeom>
+          <a:noFill/>
+          <a:ln w="12700" cap="flat">
+            <a:noFill/>
+            <a:miter lim="400000"/>
+          </a:ln>
+          <a:effectLst/>
+          <a:sp3d/>
+        </p:spPr>
+        <p:style>
+          <a:lnRef idx="0">
+            <a:scrgbClr r="0" g="0" b="0"/>
+          </a:lnRef>
+          <a:fillRef idx="0">
+            <a:scrgbClr r="0" g="0" b="0"/>
+          </a:fillRef>
+          <a:effectRef idx="0">
+            <a:scrgbClr r="0" g="0" b="0"/>
+          </a:effectRef>
+          <a:fontRef idx="none"/>
+        </p:style>
+        <p:txBody>
+          <a:bodyPr rot="0" spcFirstLastPara="1" vertOverflow="overflow" horzOverflow="overflow" vert="horz" wrap="none" lIns="50800" tIns="50800" rIns="50800" bIns="50800" numCol="1" spcCol="38100" rtlCol="0" anchor="ctr">
+            <a:spAutoFit/>
+          </a:bodyPr>
+          <a:lstStyle/>
+          <a:p>
+            <a:pPr marL="0" marR="0" indent="0" algn="ctr" defTabSz="825500" rtl="0" fontAlgn="auto" latinLnBrk="0" hangingPunct="0">
+              <a:lnSpc>
+                <a:spcPct val="100000"/>
+              </a:lnSpc>
+              <a:spcBef>
+                <a:spcPts val="0"/>
+              </a:spcBef>
+              <a:spcAft>
+                <a:spcPts val="0"/>
+              </a:spcAft>
+              <a:buClrTx/>
+              <a:buSzTx/>
+              <a:buFontTx/>
+              <a:buNone/>
+              <a:tabLst/>
+            </a:pPr>
+            <a:r>
+              <a:rPr kumimoji="0" lang="en-AU" b="0" i="0" u="none" strike="noStrike" cap="none" spc="0" normalizeH="0" baseline="0" dirty="0">
+                <a:ln>
+                  <a:noFill/>
+                </a:ln>
+                <a:solidFill>
+                  <a:srgbClr val="414141"/>
+                </a:solidFill>
+                <a:effectLst/>
+                <a:uFillTx/>
+                <a:ea typeface="Palatino"/>
+                <a:cs typeface="Palatino"/>
+                <a:sym typeface="Palatino"/>
+              </a:rPr>
+              <a:t>Access Gateway</a:t>
+            </a:r>
+          </a:p>
+        </p:txBody>
+      </p:sp>
+      <p:sp>
+        <p:nvSpPr>
+          <p:cNvPr id="8" name="Rectangle 7">
+            <a:extLst>
+              <a:ext uri="{FF2B5EF4-FFF2-40B4-BE49-F238E27FC236}">
+                <a16:creationId xmlns:a16="http://schemas.microsoft.com/office/drawing/2014/main" id="{4F1C5037-F04A-804B-911A-BE545C8260CA}"/>
+              </a:ext>
+            </a:extLst>
+          </p:cNvPr>
+          <p:cNvSpPr/>
+          <p:nvPr/>
+        </p:nvSpPr>
+        <p:spPr>
+          <a:xfrm>
+            <a:off x="351693" y="1755824"/>
+            <a:ext cx="4982308" cy="2540734"/>
+          </a:xfrm>
+          <a:prstGeom prst="rect">
+            <a:avLst/>
+          </a:prstGeom>
+          <a:noFill/>
+          <a:ln w="12700" cap="flat">
+            <a:solidFill>
+              <a:schemeClr val="tx1">
+                <a:lumMod val="65000"/>
+                <a:lumOff val="35000"/>
+              </a:schemeClr>
+            </a:solidFill>
+            <a:miter lim="400000"/>
+          </a:ln>
+          <a:effectLst/>
+          <a:sp3d/>
+        </p:spPr>
+        <p:style>
+          <a:lnRef idx="0">
+            <a:scrgbClr r="0" g="0" b="0"/>
+          </a:lnRef>
+          <a:fillRef idx="0">
+            <a:scrgbClr r="0" g="0" b="0"/>
+          </a:fillRef>
+          <a:effectRef idx="0">
+            <a:scrgbClr r="0" g="0" b="0"/>
+          </a:effectRef>
+          <a:fontRef idx="none"/>
+        </p:style>
+        <p:txBody>
+          <a:bodyPr rot="0" spcFirstLastPara="1" vertOverflow="overflow" horzOverflow="overflow" vert="horz" wrap="square" lIns="50800" tIns="50800" rIns="50800" bIns="50800" numCol="1" spcCol="38100" rtlCol="0" anchor="ctr">
+            <a:spAutoFit/>
+          </a:bodyPr>
+          <a:lstStyle/>
+          <a:p>
+            <a:pPr marL="0" marR="0" indent="0" algn="ctr" defTabSz="825500" rtl="0" fontAlgn="auto" latinLnBrk="0" hangingPunct="0">
+              <a:lnSpc>
+                <a:spcPct val="100000"/>
+              </a:lnSpc>
+              <a:spcBef>
+                <a:spcPts val="0"/>
+              </a:spcBef>
+              <a:spcAft>
+                <a:spcPts val="0"/>
+              </a:spcAft>
+              <a:buClrTx/>
+              <a:buSzTx/>
+              <a:buFontTx/>
+              <a:buNone/>
+              <a:tabLst/>
+            </a:pPr>
+            <a:endParaRPr kumimoji="0" lang="en-AU" sz="4400" b="0" i="0" u="none" strike="noStrike" cap="none" spc="0" normalizeH="0" baseline="0">
+              <a:ln>
+                <a:noFill/>
+              </a:ln>
+              <a:gradFill flip="none" rotWithShape="1">
+                <a:gsLst>
+                  <a:gs pos="0">
+                    <a:schemeClr val="accent1">
+                      <a:hueOff val="369194"/>
+                      <a:satOff val="6343"/>
+                      <a:lumOff val="-13963"/>
+                    </a:schemeClr>
+                  </a:gs>
+                  <a:gs pos="100000">
+                    <a:schemeClr val="accent1">
+                      <a:hueOff val="-113918"/>
+                      <a:satOff val="19024"/>
+                      <a:lumOff val="19749"/>
+                    </a:schemeClr>
+                  </a:gs>
+                </a:gsLst>
+                <a:lin ang="5400000" scaled="0"/>
+              </a:gradFill>
+              <a:effectLst>
+                <a:outerShdw blurRad="25400" dist="33948" dir="2700000" rotWithShape="0">
+                  <a:srgbClr val="3B3936"/>
+                </a:outerShdw>
+              </a:effectLst>
+              <a:uFillTx/>
+              <a:latin typeface="Palatino"/>
+              <a:ea typeface="Palatino"/>
+              <a:cs typeface="Palatino"/>
+              <a:sym typeface="Palatino"/>
+            </a:endParaRPr>
+          </a:p>
+        </p:txBody>
+      </p:sp>
+      <p:sp>
+        <p:nvSpPr>
+          <p:cNvPr id="42" name="Rectangle 41">
+            <a:extLst>
+              <a:ext uri="{FF2B5EF4-FFF2-40B4-BE49-F238E27FC236}">
+                <a16:creationId xmlns:a16="http://schemas.microsoft.com/office/drawing/2014/main" id="{5A42DF75-C7CB-5249-8F17-4ADA59F65FCD}"/>
+              </a:ext>
+            </a:extLst>
+          </p:cNvPr>
+          <p:cNvSpPr/>
+          <p:nvPr/>
+        </p:nvSpPr>
+        <p:spPr>
+          <a:xfrm flipH="1">
+            <a:off x="3989364" y="5161341"/>
+            <a:ext cx="2360636" cy="1506819"/>
+          </a:xfrm>
+          <a:prstGeom prst="rect">
+            <a:avLst/>
+          </a:prstGeom>
+          <a:noFill/>
+          <a:ln w="25400" cap="flat" cmpd="sng" algn="ctr">
+            <a:solidFill>
+              <a:srgbClr val="626262"/>
+            </a:solidFill>
+            <a:prstDash val="sysDot"/>
+          </a:ln>
+          <a:effectLst/>
+        </p:spPr>
+        <p:txBody>
+          <a:bodyPr rtlCol="0" anchor="b"/>
+          <a:lstStyle/>
+          <a:p>
+            <a:pPr marL="0" marR="0" lvl="0" indent="0" algn="r" defTabSz="457200" eaLnBrk="1" fontAlgn="auto" latinLnBrk="0" hangingPunct="1">
+              <a:lnSpc>
+                <a:spcPct val="100000"/>
+              </a:lnSpc>
+              <a:spcBef>
+                <a:spcPts val="0"/>
+              </a:spcBef>
+              <a:spcAft>
+                <a:spcPts val="0"/>
+              </a:spcAft>
+              <a:buClrTx/>
+              <a:buSzTx/>
+              <a:buFontTx/>
+              <a:buNone/>
+              <a:tabLst/>
+              <a:defRPr/>
+            </a:pPr>
+            <a:r>
+              <a:rPr kumimoji="0" lang="en-US" b="0" i="0" u="none" strike="noStrike" kern="1200" cap="none" spc="0" normalizeH="0" baseline="0" noProof="0" dirty="0" err="1">
+                <a:ln>
+                  <a:noFill/>
+                </a:ln>
+                <a:solidFill>
+                  <a:srgbClr val="626262">
+                    <a:lumMod val="50000"/>
+                  </a:srgbClr>
+                </a:solidFill>
+                <a:effectLst/>
+                <a:uLnTx/>
+                <a:uFillTx/>
+                <a:latin typeface="+mn-lt"/>
+                <a:ea typeface="+mn-ea"/>
+                <a:cs typeface="+mn-cs"/>
+              </a:rPr>
+              <a:t>WiFi</a:t>
+            </a:r>
+            <a:r>
+              <a:rPr kumimoji="0" lang="en-US" b="0" i="0" u="none" strike="noStrike" kern="1200" cap="none" spc="0" normalizeH="0" baseline="0" noProof="0" dirty="0">
+                <a:ln>
+                  <a:noFill/>
+                </a:ln>
+                <a:solidFill>
+                  <a:srgbClr val="626262">
+                    <a:lumMod val="50000"/>
+                  </a:srgbClr>
+                </a:solidFill>
+                <a:effectLst/>
+                <a:uLnTx/>
+                <a:uFillTx/>
+                <a:latin typeface="+mn-lt"/>
+                <a:ea typeface="+mn-ea"/>
+                <a:cs typeface="+mn-cs"/>
+              </a:rPr>
+              <a:t> </a:t>
+            </a:r>
+            <a:r>
+              <a:rPr lang="en-US" dirty="0">
+                <a:solidFill>
+                  <a:srgbClr val="626262">
+                    <a:lumMod val="50000"/>
+                  </a:srgbClr>
+                </a:solidFill>
+              </a:rPr>
+              <a:t>Access Network</a:t>
+            </a:r>
+            <a:endParaRPr kumimoji="0" lang="en-US" b="0" i="0" u="none" strike="noStrike" kern="1200" cap="none" spc="0" normalizeH="0" baseline="0" noProof="0" dirty="0">
+              <a:ln>
+                <a:noFill/>
+              </a:ln>
+              <a:solidFill>
+                <a:srgbClr val="626262">
+                  <a:lumMod val="50000"/>
+                </a:srgbClr>
+              </a:solidFill>
+              <a:effectLst/>
+              <a:uLnTx/>
+              <a:uFillTx/>
+              <a:latin typeface="+mn-lt"/>
+              <a:ea typeface="+mn-ea"/>
+              <a:cs typeface="+mn-cs"/>
+            </a:endParaRPr>
+          </a:p>
+        </p:txBody>
+      </p:sp>
+      <p:sp>
+        <p:nvSpPr>
+          <p:cNvPr id="44" name="Rounded Rectangle 43">
+            <a:extLst>
+              <a:ext uri="{FF2B5EF4-FFF2-40B4-BE49-F238E27FC236}">
+                <a16:creationId xmlns:a16="http://schemas.microsoft.com/office/drawing/2014/main" id="{AEAE43C2-59D8-5C4F-8A61-AA271A4DEC02}"/>
+              </a:ext>
+            </a:extLst>
+          </p:cNvPr>
+          <p:cNvSpPr/>
+          <p:nvPr/>
+        </p:nvSpPr>
+        <p:spPr>
+          <a:xfrm>
+            <a:off x="4171075" y="5945042"/>
+            <a:ext cx="1433631" cy="363220"/>
+          </a:xfrm>
+          <a:prstGeom prst="roundRect">
+            <a:avLst/>
+          </a:prstGeom>
+          <a:solidFill>
+            <a:srgbClr val="5B9BD5"/>
+          </a:solidFill>
+          <a:ln w="12700" cap="flat">
+            <a:noFill/>
+            <a:miter lim="400000"/>
+          </a:ln>
+          <a:effectLst/>
+          <a:sp3d/>
+        </p:spPr>
+        <p:style>
+          <a:lnRef idx="0">
+            <a:scrgbClr r="0" g="0" b="0"/>
+          </a:lnRef>
+          <a:fillRef idx="0">
+            <a:scrgbClr r="0" g="0" b="0"/>
+          </a:fillRef>
+          <a:effectRef idx="0">
+            <a:scrgbClr r="0" g="0" b="0"/>
+          </a:effectRef>
+          <a:fontRef idx="none"/>
+        </p:style>
+        <p:txBody>
+          <a:bodyPr rot="0" spcFirstLastPara="1" vertOverflow="overflow" horzOverflow="overflow" vert="horz" wrap="square" lIns="25400" tIns="25400" rIns="25400" bIns="25400" numCol="1" spcCol="38100" rtlCol="0" anchor="ctr">
+            <a:spAutoFit/>
+          </a:bodyPr>
+          <a:lstStyle/>
+          <a:p>
+            <a:pPr algn="ctr" defTabSz="412750" hangingPunct="0"/>
+            <a:endParaRPr lang="en-AU" kern="0" dirty="0">
+              <a:solidFill>
+                <a:prstClr val="white"/>
+              </a:solidFill>
+              <a:latin typeface="Arial" panose="020B0604020202020204"/>
+              <a:ea typeface="Palatino"/>
+              <a:sym typeface="Palatino"/>
+            </a:endParaRPr>
+          </a:p>
+        </p:txBody>
+      </p:sp>
+      <p:cxnSp>
+        <p:nvCxnSpPr>
+          <p:cNvPr id="14" name="Straight Connector 13">
+            <a:extLst>
+              <a:ext uri="{FF2B5EF4-FFF2-40B4-BE49-F238E27FC236}">
+                <a16:creationId xmlns:a16="http://schemas.microsoft.com/office/drawing/2014/main" id="{DEB4B5CA-9666-ED4C-920D-5081FC2D7FC1}"/>
+              </a:ext>
+            </a:extLst>
+          </p:cNvPr>
+          <p:cNvCxnSpPr/>
+          <p:nvPr/>
+        </p:nvCxnSpPr>
+        <p:spPr>
+          <a:xfrm>
+            <a:off x="5219478" y="5603287"/>
+            <a:ext cx="0" cy="330035"/>
+          </a:xfrm>
+          <a:prstGeom prst="line">
+            <a:avLst/>
+          </a:prstGeom>
+          <a:noFill/>
+          <a:ln w="25400" cap="flat">
+            <a:solidFill>
+              <a:srgbClr val="414141"/>
+            </a:solidFill>
+            <a:prstDash val="solid"/>
+            <a:miter lim="400000"/>
+          </a:ln>
+          <a:effectLst/>
+          <a:sp3d/>
+        </p:spPr>
+        <p:style>
+          <a:lnRef idx="0">
+            <a:scrgbClr r="0" g="0" b="0"/>
+          </a:lnRef>
+          <a:fillRef idx="0">
+            <a:scrgbClr r="0" g="0" b="0"/>
+          </a:fillRef>
+          <a:effectRef idx="0">
+            <a:scrgbClr r="0" g="0" b="0"/>
+          </a:effectRef>
+          <a:fontRef idx="none"/>
+        </p:style>
+      </p:cxnSp>
+      <p:sp>
+        <p:nvSpPr>
+          <p:cNvPr id="15" name="Arc 14">
+            <a:extLst>
+              <a:ext uri="{FF2B5EF4-FFF2-40B4-BE49-F238E27FC236}">
+                <a16:creationId xmlns:a16="http://schemas.microsoft.com/office/drawing/2014/main" id="{768EDBA4-2D01-EF44-9739-EBDB90AFBABB}"/>
+              </a:ext>
+            </a:extLst>
+          </p:cNvPr>
+          <p:cNvSpPr/>
+          <p:nvPr/>
+        </p:nvSpPr>
+        <p:spPr>
+          <a:xfrm rot="18948116">
+            <a:off x="4914367" y="5398843"/>
+            <a:ext cx="605608" cy="594193"/>
+          </a:xfrm>
+          <a:prstGeom prst="arc">
+            <a:avLst/>
+          </a:prstGeom>
+          <a:noFill/>
+          <a:ln w="25400" cap="flat">
+            <a:solidFill>
+              <a:srgbClr val="414141"/>
+            </a:solidFill>
+            <a:prstDash val="solid"/>
+            <a:miter lim="400000"/>
+          </a:ln>
+          <a:effectLst/>
+          <a:sp3d/>
+        </p:spPr>
+        <p:style>
+          <a:lnRef idx="0">
+            <a:scrgbClr r="0" g="0" b="0"/>
+          </a:lnRef>
+          <a:fillRef idx="0">
+            <a:scrgbClr r="0" g="0" b="0"/>
+          </a:fillRef>
+          <a:effectRef idx="0">
+            <a:scrgbClr r="0" g="0" b="0"/>
+          </a:effectRef>
+          <a:fontRef idx="none"/>
+        </p:style>
+        <p:txBody>
+          <a:bodyPr rot="0" spcFirstLastPara="1" vertOverflow="overflow" horzOverflow="overflow" vert="horz" wrap="square" lIns="91439" tIns="45719" rIns="91439" bIns="45719" numCol="1" spcCol="38100" rtlCol="0" anchor="t">
+            <a:noAutofit/>
+          </a:bodyPr>
+          <a:lstStyle/>
+          <a:p>
+            <a:pPr marL="0" marR="0" indent="0" algn="l" defTabSz="914400" rtl="0" fontAlgn="auto" latinLnBrk="1" hangingPunct="0">
+              <a:lnSpc>
+                <a:spcPct val="100000"/>
+              </a:lnSpc>
+              <a:spcBef>
+                <a:spcPts val="0"/>
+              </a:spcBef>
+              <a:spcAft>
+                <a:spcPts val="0"/>
+              </a:spcAft>
+              <a:buClrTx/>
+              <a:buSzTx/>
+              <a:buFontTx/>
+              <a:buNone/>
+              <a:tabLst/>
+            </a:pPr>
+            <a:endParaRPr kumimoji="0" lang="en-AU" sz="1800" b="0" i="0" u="none" strike="noStrike" cap="none" spc="0" normalizeH="0" baseline="0">
+              <a:ln>
+                <a:noFill/>
+              </a:ln>
+              <a:solidFill>
+                <a:srgbClr val="000000"/>
+              </a:solidFill>
+              <a:effectLst/>
+              <a:uFillTx/>
+            </a:endParaRPr>
+          </a:p>
+        </p:txBody>
+      </p:sp>
+      <p:sp>
+        <p:nvSpPr>
+          <p:cNvPr id="47" name="Arc 46">
+            <a:extLst>
+              <a:ext uri="{FF2B5EF4-FFF2-40B4-BE49-F238E27FC236}">
+                <a16:creationId xmlns:a16="http://schemas.microsoft.com/office/drawing/2014/main" id="{FB43152F-815B-F84C-9F25-AA7CF0C50F69}"/>
+              </a:ext>
+            </a:extLst>
+          </p:cNvPr>
+          <p:cNvSpPr/>
+          <p:nvPr/>
+        </p:nvSpPr>
+        <p:spPr>
+          <a:xfrm rot="18948116">
+            <a:off x="5006092" y="5487766"/>
+            <a:ext cx="426770" cy="416345"/>
+          </a:xfrm>
+          <a:prstGeom prst="arc">
+            <a:avLst/>
+          </a:prstGeom>
+          <a:noFill/>
+          <a:ln w="25400" cap="flat">
+            <a:solidFill>
+              <a:srgbClr val="414141"/>
+            </a:solidFill>
+            <a:prstDash val="solid"/>
+            <a:miter lim="400000"/>
+          </a:ln>
+          <a:effectLst/>
+          <a:sp3d/>
+        </p:spPr>
+        <p:style>
+          <a:lnRef idx="0">
+            <a:scrgbClr r="0" g="0" b="0"/>
+          </a:lnRef>
+          <a:fillRef idx="0">
+            <a:scrgbClr r="0" g="0" b="0"/>
+          </a:fillRef>
+          <a:effectRef idx="0">
+            <a:scrgbClr r="0" g="0" b="0"/>
+          </a:effectRef>
+          <a:fontRef idx="none"/>
+        </p:style>
+        <p:txBody>
+          <a:bodyPr rot="0" spcFirstLastPara="1" vertOverflow="overflow" horzOverflow="overflow" vert="horz" wrap="square" lIns="91439" tIns="45719" rIns="91439" bIns="45719" numCol="1" spcCol="38100" rtlCol="0" anchor="t">
+            <a:noAutofit/>
+          </a:bodyPr>
+          <a:lstStyle/>
+          <a:p>
+            <a:pPr marL="0" marR="0" indent="0" algn="l" defTabSz="914400" rtl="0" fontAlgn="auto" latinLnBrk="1" hangingPunct="0">
+              <a:lnSpc>
+                <a:spcPct val="100000"/>
+              </a:lnSpc>
+              <a:spcBef>
+                <a:spcPts val="0"/>
+              </a:spcBef>
+              <a:spcAft>
+                <a:spcPts val="0"/>
+              </a:spcAft>
+              <a:buClrTx/>
+              <a:buSzTx/>
+              <a:buFontTx/>
+              <a:buNone/>
+              <a:tabLst/>
+            </a:pPr>
+            <a:endParaRPr kumimoji="0" lang="en-AU" sz="1800" b="0" i="0" u="none" strike="noStrike" cap="none" spc="0" normalizeH="0" baseline="0">
+              <a:ln>
+                <a:noFill/>
+              </a:ln>
+              <a:solidFill>
+                <a:srgbClr val="000000"/>
+              </a:solidFill>
+              <a:effectLst/>
+              <a:uFillTx/>
+            </a:endParaRPr>
+          </a:p>
+        </p:txBody>
+      </p:sp>
+      <p:sp>
+        <p:nvSpPr>
+          <p:cNvPr id="48" name="Arc 47">
+            <a:extLst>
+              <a:ext uri="{FF2B5EF4-FFF2-40B4-BE49-F238E27FC236}">
+                <a16:creationId xmlns:a16="http://schemas.microsoft.com/office/drawing/2014/main" id="{5450E0AE-FE38-1D4B-B5FE-89B9F0CBF8C6}"/>
+              </a:ext>
+            </a:extLst>
+          </p:cNvPr>
+          <p:cNvSpPr/>
+          <p:nvPr/>
+        </p:nvSpPr>
+        <p:spPr>
+          <a:xfrm rot="18948116">
+            <a:off x="4824741" y="5305929"/>
+            <a:ext cx="772199" cy="752238"/>
+          </a:xfrm>
+          <a:prstGeom prst="arc">
+            <a:avLst/>
+          </a:prstGeom>
+          <a:noFill/>
+          <a:ln w="25400" cap="flat">
+            <a:solidFill>
+              <a:srgbClr val="414141"/>
+            </a:solidFill>
+            <a:prstDash val="solid"/>
+            <a:miter lim="400000"/>
+          </a:ln>
+          <a:effectLst/>
+          <a:sp3d/>
+        </p:spPr>
+        <p:style>
+          <a:lnRef idx="0">
+            <a:scrgbClr r="0" g="0" b="0"/>
+          </a:lnRef>
+          <a:fillRef idx="0">
+            <a:scrgbClr r="0" g="0" b="0"/>
+          </a:fillRef>
+          <a:effectRef idx="0">
+            <a:scrgbClr r="0" g="0" b="0"/>
+          </a:effectRef>
+          <a:fontRef idx="none"/>
+        </p:style>
+        <p:txBody>
+          <a:bodyPr rot="0" spcFirstLastPara="1" vertOverflow="overflow" horzOverflow="overflow" vert="horz" wrap="square" lIns="91439" tIns="45719" rIns="91439" bIns="45719" numCol="1" spcCol="38100" rtlCol="0" anchor="t">
+            <a:noAutofit/>
+          </a:bodyPr>
+          <a:lstStyle/>
+          <a:p>
+            <a:pPr marL="0" marR="0" indent="0" algn="l" defTabSz="914400" rtl="0" fontAlgn="auto" latinLnBrk="1" hangingPunct="0">
+              <a:lnSpc>
+                <a:spcPct val="100000"/>
+              </a:lnSpc>
+              <a:spcBef>
+                <a:spcPts val="0"/>
+              </a:spcBef>
+              <a:spcAft>
+                <a:spcPts val="0"/>
+              </a:spcAft>
+              <a:buClrTx/>
+              <a:buSzTx/>
+              <a:buFontTx/>
+              <a:buNone/>
+              <a:tabLst/>
+            </a:pPr>
+            <a:endParaRPr kumimoji="0" lang="en-AU" sz="1800" b="0" i="0" u="none" strike="noStrike" cap="none" spc="0" normalizeH="0" baseline="0">
+              <a:ln>
+                <a:noFill/>
+              </a:ln>
+              <a:solidFill>
+                <a:srgbClr val="000000"/>
+              </a:solidFill>
+              <a:effectLst/>
+              <a:uFillTx/>
+            </a:endParaRPr>
+          </a:p>
+        </p:txBody>
+      </p:sp>
+      <p:sp>
+        <p:nvSpPr>
+          <p:cNvPr id="51" name="Rounded Rectangle 50">
+            <a:extLst>
+              <a:ext uri="{FF2B5EF4-FFF2-40B4-BE49-F238E27FC236}">
+                <a16:creationId xmlns:a16="http://schemas.microsoft.com/office/drawing/2014/main" id="{DE2E4980-64C4-8E41-86C3-E8300B04C5B4}"/>
+              </a:ext>
+            </a:extLst>
+          </p:cNvPr>
+          <p:cNvSpPr/>
+          <p:nvPr/>
+        </p:nvSpPr>
+        <p:spPr>
+          <a:xfrm>
+            <a:off x="3877606" y="3792688"/>
+            <a:ext cx="1242395" cy="329168"/>
+          </a:xfrm>
+          <a:prstGeom prst="roundRect">
+            <a:avLst/>
+          </a:prstGeom>
+          <a:solidFill>
+            <a:srgbClr val="CFE7F1"/>
+          </a:solidFill>
+          <a:ln w="12700" cap="flat">
+            <a:solidFill>
+              <a:schemeClr val="tx1">
+                <a:lumMod val="50000"/>
+                <a:lumOff val="50000"/>
+              </a:schemeClr>
+            </a:solidFill>
+            <a:miter lim="400000"/>
+          </a:ln>
+          <a:effectLst/>
+          <a:sp3d/>
+        </p:spPr>
+        <p:style>
+          <a:lnRef idx="0">
+            <a:scrgbClr r="0" g="0" b="0"/>
+          </a:lnRef>
+          <a:fillRef idx="0">
+            <a:scrgbClr r="0" g="0" b="0"/>
+          </a:fillRef>
+          <a:effectRef idx="0">
+            <a:scrgbClr r="0" g="0" b="0"/>
+          </a:effectRef>
+          <a:fontRef idx="none"/>
+        </p:style>
+        <p:txBody>
+          <a:bodyPr rot="0" spcFirstLastPara="1" vertOverflow="overflow" horzOverflow="overflow" vert="horz" wrap="square" lIns="25400" tIns="25400" rIns="25400" bIns="25400" numCol="1" spcCol="38100" rtlCol="0" anchor="ctr">
+            <a:spAutoFit/>
+          </a:bodyPr>
+          <a:lstStyle/>
+          <a:p>
+            <a:pPr algn="ctr" defTabSz="412750" hangingPunct="0"/>
+            <a:r>
+              <a:rPr lang="en-AU" sz="1600" kern="0" dirty="0">
+                <a:latin typeface="Arial" panose="020B0604020202020204"/>
+                <a:ea typeface="Palatino"/>
+                <a:sym typeface="Palatino"/>
+              </a:rPr>
+              <a:t>EAP</a:t>
+            </a:r>
+          </a:p>
+        </p:txBody>
+      </p:sp>
+      <p:cxnSp>
+        <p:nvCxnSpPr>
+          <p:cNvPr id="53" name="Straight Arrow Connector 52">
+            <a:extLst>
+              <a:ext uri="{FF2B5EF4-FFF2-40B4-BE49-F238E27FC236}">
+                <a16:creationId xmlns:a16="http://schemas.microsoft.com/office/drawing/2014/main" id="{3E8FE841-D5F4-1044-A808-7687CB95C4DE}"/>
+              </a:ext>
+            </a:extLst>
+          </p:cNvPr>
+          <p:cNvCxnSpPr>
+            <a:cxnSpLocks/>
+            <a:stCxn id="51" idx="2"/>
+          </p:cNvCxnSpPr>
+          <p:nvPr/>
+        </p:nvCxnSpPr>
+        <p:spPr>
+          <a:xfrm flipH="1">
+            <a:off x="4497474" y="4121856"/>
+            <a:ext cx="1330" cy="1823186"/>
+          </a:xfrm>
+          <a:prstGeom prst="straightConnector1">
+            <a:avLst/>
+          </a:prstGeom>
+          <a:noFill/>
+          <a:ln w="25400" cap="flat">
+            <a:solidFill>
+              <a:schemeClr val="accent1"/>
+            </a:solidFill>
+            <a:prstDash val="solid"/>
+            <a:miter lim="400000"/>
+            <a:headEnd type="triangle" w="med" len="med"/>
+            <a:tailEnd type="triangle" w="med" len="med"/>
+          </a:ln>
+          <a:effectLst/>
+          <a:sp3d/>
+        </p:spPr>
+        <p:style>
+          <a:lnRef idx="0">
+            <a:scrgbClr r="0" g="0" b="0"/>
+          </a:lnRef>
+          <a:fillRef idx="0">
+            <a:scrgbClr r="0" g="0" b="0"/>
+          </a:fillRef>
+          <a:effectRef idx="0">
+            <a:scrgbClr r="0" g="0" b="0"/>
+          </a:effectRef>
+          <a:fontRef idx="none"/>
+        </p:style>
+      </p:cxnSp>
+      <p:cxnSp>
+        <p:nvCxnSpPr>
+          <p:cNvPr id="50" name="Straight Arrow Connector 49">
+            <a:extLst>
+              <a:ext uri="{FF2B5EF4-FFF2-40B4-BE49-F238E27FC236}">
+                <a16:creationId xmlns:a16="http://schemas.microsoft.com/office/drawing/2014/main" id="{4C1A1017-75F9-0442-882D-800760305D07}"/>
+              </a:ext>
+            </a:extLst>
+          </p:cNvPr>
+          <p:cNvCxnSpPr/>
+          <p:nvPr/>
+        </p:nvCxnSpPr>
+        <p:spPr>
+          <a:xfrm>
+            <a:off x="4756288" y="4461142"/>
+            <a:ext cx="0" cy="1483900"/>
+          </a:xfrm>
+          <a:prstGeom prst="straightConnector1">
+            <a:avLst/>
+          </a:prstGeom>
+          <a:noFill/>
+          <a:ln w="25400" cap="flat">
+            <a:solidFill>
+              <a:srgbClr val="414141"/>
+            </a:solidFill>
+            <a:prstDash val="solid"/>
+            <a:miter lim="400000"/>
+            <a:tailEnd type="triangle"/>
+          </a:ln>
+          <a:effectLst/>
+          <a:sp3d/>
+        </p:spPr>
+        <p:style>
+          <a:lnRef idx="0">
+            <a:scrgbClr r="0" g="0" b="0"/>
+          </a:lnRef>
+          <a:fillRef idx="0">
+            <a:scrgbClr r="0" g="0" b="0"/>
+          </a:fillRef>
+          <a:effectRef idx="0">
+            <a:scrgbClr r="0" g="0" b="0"/>
+          </a:effectRef>
+          <a:fontRef idx="none"/>
+        </p:style>
+      </p:cxnSp>
+      <p:pic>
+        <p:nvPicPr>
+          <p:cNvPr id="45" name="Graphic 44">
+            <a:extLst>
+              <a:ext uri="{FF2B5EF4-FFF2-40B4-BE49-F238E27FC236}">
+                <a16:creationId xmlns:a16="http://schemas.microsoft.com/office/drawing/2014/main" id="{0A514564-1B81-144B-B089-240D5EA70794}"/>
+              </a:ext>
+            </a:extLst>
+          </p:cNvPr>
+          <p:cNvPicPr>
+            <a:picLocks/>
+          </p:cNvPicPr>
+          <p:nvPr/>
+        </p:nvPicPr>
+        <p:blipFill>
+          <a:blip r:embed="rId3">
+            <a:extLst>
+              <a:ext uri="{96DAC541-7B7A-43D3-8B79-37D633B846F1}">
+                <asvg:svgBlip xmlns:asvg="http://schemas.microsoft.com/office/drawing/2016/SVG/main" r:embed="rId4"/>
+              </a:ext>
+            </a:extLst>
+          </a:blip>
+          <a:stretch>
+            <a:fillRect/>
+          </a:stretch>
+        </p:blipFill>
+        <p:spPr>
+          <a:xfrm>
+            <a:off x="724338" y="5356803"/>
+            <a:ext cx="818408" cy="971681"/>
+          </a:xfrm>
+          <a:prstGeom prst="rect">
+            <a:avLst/>
+          </a:prstGeom>
+        </p:spPr>
+      </p:pic>
+    </p:spTree>
+    <p:extLst>
+      <p:ext uri="{BB962C8B-B14F-4D97-AF65-F5344CB8AC3E}">
+        <p14:creationId xmlns:p14="http://schemas.microsoft.com/office/powerpoint/2010/main" val="4180476144"/>
       </p:ext>
     </p:extLst>
   </p:cSld>

--- a/figures/sdn/figures.pptx
+++ b/figures/sdn/figures.pptx
@@ -207,7 +207,7 @@
           <a:p>
             <a:fld id="{CD99FC43-7065-F348-8836-4FD247176936}" type="datetimeFigureOut">
               <a:rPr lang="en-US" smtClean="0"/>
-              <a:t>12/16/22</a:t>
+              <a:t>1/6/23</a:t>
             </a:fld>
             <a:endParaRPr lang="en-US" dirty="0"/>
           </a:p>
@@ -754,7 +754,7 @@
           <a:p>
             <a:fld id="{5D97E163-DB95-D24D-8C95-263DECB1FC34}" type="datetimeFigureOut">
               <a:rPr lang="en-US" smtClean="0"/>
-              <a:t>12/16/22</a:t>
+              <a:t>1/6/23</a:t>
             </a:fld>
             <a:endParaRPr lang="en-US" dirty="0"/>
           </a:p>
@@ -922,7 +922,7 @@
           <a:p>
             <a:fld id="{5D97E163-DB95-D24D-8C95-263DECB1FC34}" type="datetimeFigureOut">
               <a:rPr lang="en-US" smtClean="0"/>
-              <a:t>12/16/22</a:t>
+              <a:t>1/6/23</a:t>
             </a:fld>
             <a:endParaRPr lang="en-US" dirty="0"/>
           </a:p>
@@ -1100,7 +1100,7 @@
           <a:p>
             <a:fld id="{5D97E163-DB95-D24D-8C95-263DECB1FC34}" type="datetimeFigureOut">
               <a:rPr lang="en-US" smtClean="0"/>
-              <a:t>12/16/22</a:t>
+              <a:t>1/6/23</a:t>
             </a:fld>
             <a:endParaRPr lang="en-US" dirty="0"/>
           </a:p>
@@ -1268,7 +1268,7 @@
           <a:p>
             <a:fld id="{5D97E163-DB95-D24D-8C95-263DECB1FC34}" type="datetimeFigureOut">
               <a:rPr lang="en-US" smtClean="0"/>
-              <a:t>12/16/22</a:t>
+              <a:t>1/6/23</a:t>
             </a:fld>
             <a:endParaRPr lang="en-US" dirty="0"/>
           </a:p>
@@ -1513,7 +1513,7 @@
           <a:p>
             <a:fld id="{5D97E163-DB95-D24D-8C95-263DECB1FC34}" type="datetimeFigureOut">
               <a:rPr lang="en-US" smtClean="0"/>
-              <a:t>12/16/22</a:t>
+              <a:t>1/6/23</a:t>
             </a:fld>
             <a:endParaRPr lang="en-US" dirty="0"/>
           </a:p>
@@ -1742,7 +1742,7 @@
           <a:p>
             <a:fld id="{5D97E163-DB95-D24D-8C95-263DECB1FC34}" type="datetimeFigureOut">
               <a:rPr lang="en-US" smtClean="0"/>
-              <a:t>12/16/22</a:t>
+              <a:t>1/6/23</a:t>
             </a:fld>
             <a:endParaRPr lang="en-US" dirty="0"/>
           </a:p>
@@ -2106,7 +2106,7 @@
           <a:p>
             <a:fld id="{5D97E163-DB95-D24D-8C95-263DECB1FC34}" type="datetimeFigureOut">
               <a:rPr lang="en-US" smtClean="0"/>
-              <a:t>12/16/22</a:t>
+              <a:t>1/6/23</a:t>
             </a:fld>
             <a:endParaRPr lang="en-US" dirty="0"/>
           </a:p>
@@ -2223,7 +2223,7 @@
           <a:p>
             <a:fld id="{5D97E163-DB95-D24D-8C95-263DECB1FC34}" type="datetimeFigureOut">
               <a:rPr lang="en-US" smtClean="0"/>
-              <a:t>12/16/22</a:t>
+              <a:t>1/6/23</a:t>
             </a:fld>
             <a:endParaRPr lang="en-US" dirty="0"/>
           </a:p>
@@ -2318,7 +2318,7 @@
           <a:p>
             <a:fld id="{5D97E163-DB95-D24D-8C95-263DECB1FC34}" type="datetimeFigureOut">
               <a:rPr lang="en-US" smtClean="0"/>
-              <a:t>12/16/22</a:t>
+              <a:t>1/6/23</a:t>
             </a:fld>
             <a:endParaRPr lang="en-US" dirty="0"/>
           </a:p>
@@ -2593,7 +2593,7 @@
           <a:p>
             <a:fld id="{5D97E163-DB95-D24D-8C95-263DECB1FC34}" type="datetimeFigureOut">
               <a:rPr lang="en-US" smtClean="0"/>
-              <a:t>12/16/22</a:t>
+              <a:t>1/6/23</a:t>
             </a:fld>
             <a:endParaRPr lang="en-US" dirty="0"/>
           </a:p>
@@ -2848,7 +2848,7 @@
           <a:p>
             <a:fld id="{5D97E163-DB95-D24D-8C95-263DECB1FC34}" type="datetimeFigureOut">
               <a:rPr lang="en-US" smtClean="0"/>
-              <a:t>12/16/22</a:t>
+              <a:t>1/6/23</a:t>
             </a:fld>
             <a:endParaRPr lang="en-US" dirty="0"/>
           </a:p>
@@ -3059,7 +3059,7 @@
           <a:p>
             <a:fld id="{5D97E163-DB95-D24D-8C95-263DECB1FC34}" type="datetimeFigureOut">
               <a:rPr lang="en-US" smtClean="0"/>
-              <a:t>12/16/22</a:t>
+              <a:t>1/6/23</a:t>
             </a:fld>
             <a:endParaRPr lang="en-US" dirty="0"/>
           </a:p>
@@ -6860,10 +6860,10 @@
       </p:grpSpPr>
       <p:sp>
         <p:nvSpPr>
-          <p:cNvPr id="3" name="Rectangle 2">
-            <a:extLst>
-              <a:ext uri="{FF2B5EF4-FFF2-40B4-BE49-F238E27FC236}">
-                <a16:creationId xmlns:a16="http://schemas.microsoft.com/office/drawing/2014/main" id="{194AFD85-7F4E-9D4E-874C-3ED4EBFB2591}"/>
+          <p:cNvPr id="8" name="Rectangle 7">
+            <a:extLst>
+              <a:ext uri="{FF2B5EF4-FFF2-40B4-BE49-F238E27FC236}">
+                <a16:creationId xmlns:a16="http://schemas.microsoft.com/office/drawing/2014/main" id="{4F1C5037-F04A-804B-911A-BE545C8260CA}"/>
               </a:ext>
             </a:extLst>
           </p:cNvPr>
@@ -6872,18 +6872,22 @@
         </p:nvSpPr>
         <p:spPr>
           <a:xfrm>
-            <a:off x="6037383" y="1462084"/>
-            <a:ext cx="5591909" cy="3332654"/>
+            <a:off x="211017" y="1755824"/>
+            <a:ext cx="4982308" cy="2540734"/>
           </a:xfrm>
           <a:prstGeom prst="rect">
             <a:avLst/>
           </a:prstGeom>
           <a:solidFill>
-            <a:schemeClr val="bg1"/>
+            <a:schemeClr val="bg1">
+              <a:lumMod val="95000"/>
+            </a:schemeClr>
           </a:solidFill>
-          <a:ln w="12700" cap="flat">
+          <a:ln w="28575" cap="flat">
             <a:solidFill>
-              <a:schemeClr val="tx1"/>
+              <a:schemeClr val="bg1">
+                <a:lumMod val="75000"/>
+              </a:schemeClr>
             </a:solidFill>
             <a:miter lim="400000"/>
           </a:ln>
@@ -6963,10 +6967,10 @@
       </p:sp>
       <p:sp>
         <p:nvSpPr>
-          <p:cNvPr id="10" name="Rounded Rectangle 9">
-            <a:extLst>
-              <a:ext uri="{FF2B5EF4-FFF2-40B4-BE49-F238E27FC236}">
-                <a16:creationId xmlns:a16="http://schemas.microsoft.com/office/drawing/2014/main" id="{EC2607FB-0264-7F43-A778-A7391D6F4B56}"/>
+          <p:cNvPr id="3" name="Rectangle 2">
+            <a:extLst>
+              <a:ext uri="{FF2B5EF4-FFF2-40B4-BE49-F238E27FC236}">
+                <a16:creationId xmlns:a16="http://schemas.microsoft.com/office/drawing/2014/main" id="{194AFD85-7F4E-9D4E-874C-3ED4EBFB2591}"/>
               </a:ext>
             </a:extLst>
           </p:cNvPr>
@@ -6975,1850 +6979,23 @@
         </p:nvSpPr>
         <p:spPr>
           <a:xfrm>
-            <a:off x="7283709" y="376046"/>
-            <a:ext cx="3115340" cy="601583"/>
-          </a:xfrm>
-          <a:prstGeom prst="roundRect">
+            <a:off x="5896707" y="1462084"/>
+            <a:ext cx="5591909" cy="3332654"/>
+          </a:xfrm>
+          <a:prstGeom prst="rect">
             <a:avLst/>
           </a:prstGeom>
           <a:solidFill>
-            <a:srgbClr val="5B9BD5"/>
+            <a:schemeClr val="bg1">
+              <a:lumMod val="95000"/>
+            </a:schemeClr>
           </a:solidFill>
-          <a:ln w="12700" cap="flat">
+          <a:ln w="28575" cap="flat">
             <a:solidFill>
-              <a:schemeClr val="tx1">
-                <a:lumMod val="50000"/>
-                <a:lumOff val="50000"/>
+              <a:schemeClr val="bg1">
+                <a:lumMod val="75000"/>
               </a:schemeClr>
             </a:solidFill>
-            <a:miter lim="400000"/>
-          </a:ln>
-          <a:effectLst/>
-          <a:sp3d/>
-        </p:spPr>
-        <p:style>
-          <a:lnRef idx="0">
-            <a:scrgbClr r="0" g="0" b="0"/>
-          </a:lnRef>
-          <a:fillRef idx="0">
-            <a:scrgbClr r="0" g="0" b="0"/>
-          </a:fillRef>
-          <a:effectRef idx="0">
-            <a:scrgbClr r="0" g="0" b="0"/>
-          </a:effectRef>
-          <a:fontRef idx="none"/>
-        </p:style>
-        <p:txBody>
-          <a:bodyPr rot="0" spcFirstLastPara="1" vertOverflow="overflow" horzOverflow="overflow" vert="horz" wrap="square" lIns="25400" tIns="25400" rIns="25400" bIns="25400" numCol="1" spcCol="38100" rtlCol="0" anchor="ctr">
-            <a:spAutoFit/>
-          </a:bodyPr>
-          <a:lstStyle/>
-          <a:p>
-            <a:pPr algn="ctr" defTabSz="412750" hangingPunct="0"/>
-            <a:r>
-              <a:rPr lang="en-AU" sz="1600" kern="0" dirty="0">
-                <a:latin typeface="Arial" panose="020B0604020202020204"/>
-                <a:ea typeface="Palatino"/>
-                <a:sym typeface="Palatino"/>
-              </a:rPr>
-              <a:t>Central Control &amp; Management</a:t>
-            </a:r>
-          </a:p>
-          <a:p>
-            <a:pPr algn="ctr" defTabSz="412750" hangingPunct="0"/>
-            <a:r>
-              <a:rPr lang="en-AU" sz="1600" kern="0" dirty="0">
-                <a:latin typeface="Arial" panose="020B0604020202020204"/>
-                <a:ea typeface="Palatino"/>
-                <a:sym typeface="Palatino"/>
-              </a:rPr>
-              <a:t>(Orchestrator)</a:t>
-            </a:r>
-          </a:p>
-        </p:txBody>
-      </p:sp>
-      <p:sp>
-        <p:nvSpPr>
-          <p:cNvPr id="57" name="Rounded Rectangle 56">
-            <a:extLst>
-              <a:ext uri="{FF2B5EF4-FFF2-40B4-BE49-F238E27FC236}">
-                <a16:creationId xmlns:a16="http://schemas.microsoft.com/office/drawing/2014/main" id="{862A3C49-A572-2945-86B7-DC12A4FD8216}"/>
-              </a:ext>
-            </a:extLst>
-          </p:cNvPr>
-          <p:cNvSpPr/>
-          <p:nvPr/>
-        </p:nvSpPr>
-        <p:spPr>
-          <a:xfrm>
-            <a:off x="6220294" y="1627204"/>
-            <a:ext cx="2421747" cy="601583"/>
-          </a:xfrm>
-          <a:prstGeom prst="roundRect">
-            <a:avLst/>
-          </a:prstGeom>
-          <a:solidFill>
-            <a:srgbClr val="CFE7F1"/>
-          </a:solidFill>
-          <a:ln w="12700" cap="flat">
-            <a:solidFill>
-              <a:schemeClr val="tx1">
-                <a:lumMod val="50000"/>
-                <a:lumOff val="50000"/>
-              </a:schemeClr>
-            </a:solidFill>
-            <a:miter lim="400000"/>
-          </a:ln>
-          <a:effectLst/>
-          <a:sp3d/>
-        </p:spPr>
-        <p:style>
-          <a:lnRef idx="0">
-            <a:scrgbClr r="0" g="0" b="0"/>
-          </a:lnRef>
-          <a:fillRef idx="0">
-            <a:scrgbClr r="0" g="0" b="0"/>
-          </a:fillRef>
-          <a:effectRef idx="0">
-            <a:scrgbClr r="0" g="0" b="0"/>
-          </a:effectRef>
-          <a:fontRef idx="none"/>
-        </p:style>
-        <p:txBody>
-          <a:bodyPr rot="0" spcFirstLastPara="1" vertOverflow="overflow" horzOverflow="overflow" vert="horz" wrap="square" lIns="25400" tIns="25400" rIns="25400" bIns="25400" numCol="1" spcCol="38100" rtlCol="0" anchor="ctr">
-            <a:spAutoFit/>
-          </a:bodyPr>
-          <a:lstStyle/>
-          <a:p>
-            <a:pPr algn="ctr" defTabSz="412750" hangingPunct="0"/>
-            <a:r>
-              <a:rPr lang="en-AU" sz="1600" kern="0" dirty="0">
-                <a:latin typeface="Arial" panose="020B0604020202020204"/>
-                <a:ea typeface="Palatino"/>
-                <a:sym typeface="Palatino"/>
-              </a:rPr>
-              <a:t>Access Control &amp;</a:t>
-            </a:r>
-            <a:br>
-              <a:rPr lang="en-AU" sz="1600" kern="0" dirty="0">
-                <a:latin typeface="Arial" panose="020B0604020202020204"/>
-                <a:ea typeface="Palatino"/>
-                <a:sym typeface="Palatino"/>
-              </a:rPr>
-            </a:br>
-            <a:r>
-              <a:rPr lang="en-AU" sz="1600" kern="0" dirty="0">
-                <a:latin typeface="Arial" panose="020B0604020202020204"/>
-                <a:ea typeface="Palatino"/>
-                <a:sym typeface="Palatino"/>
-              </a:rPr>
-              <a:t>Management</a:t>
-            </a:r>
-          </a:p>
-        </p:txBody>
-      </p:sp>
-      <p:sp>
-        <p:nvSpPr>
-          <p:cNvPr id="22" name="Rounded Rectangle 21">
-            <a:extLst>
-              <a:ext uri="{FF2B5EF4-FFF2-40B4-BE49-F238E27FC236}">
-                <a16:creationId xmlns:a16="http://schemas.microsoft.com/office/drawing/2014/main" id="{56ACEF58-7B64-124A-87D9-832F33331CC8}"/>
-              </a:ext>
-            </a:extLst>
-          </p:cNvPr>
-          <p:cNvSpPr/>
-          <p:nvPr/>
-        </p:nvSpPr>
-        <p:spPr>
-          <a:xfrm>
-            <a:off x="6220294" y="2428169"/>
-            <a:ext cx="2421747" cy="601583"/>
-          </a:xfrm>
-          <a:prstGeom prst="roundRect">
-            <a:avLst/>
-          </a:prstGeom>
-          <a:solidFill>
-            <a:srgbClr val="CFE7F1"/>
-          </a:solidFill>
-          <a:ln w="12700" cap="flat">
-            <a:solidFill>
-              <a:schemeClr val="tx1">
-                <a:lumMod val="50000"/>
-                <a:lumOff val="50000"/>
-              </a:schemeClr>
-            </a:solidFill>
-            <a:miter lim="400000"/>
-          </a:ln>
-          <a:effectLst/>
-          <a:sp3d/>
-        </p:spPr>
-        <p:style>
-          <a:lnRef idx="0">
-            <a:scrgbClr r="0" g="0" b="0"/>
-          </a:lnRef>
-          <a:fillRef idx="0">
-            <a:scrgbClr r="0" g="0" b="0"/>
-          </a:fillRef>
-          <a:effectRef idx="0">
-            <a:scrgbClr r="0" g="0" b="0"/>
-          </a:effectRef>
-          <a:fontRef idx="none"/>
-        </p:style>
-        <p:txBody>
-          <a:bodyPr rot="0" spcFirstLastPara="1" vertOverflow="overflow" horzOverflow="overflow" vert="horz" wrap="square" lIns="25400" tIns="25400" rIns="25400" bIns="25400" numCol="1" spcCol="38100" rtlCol="0" anchor="ctr">
-            <a:spAutoFit/>
-          </a:bodyPr>
-          <a:lstStyle/>
-          <a:p>
-            <a:pPr algn="ctr" defTabSz="412750" hangingPunct="0"/>
-            <a:r>
-              <a:rPr lang="en-AU" sz="1600" kern="0" dirty="0">
-                <a:latin typeface="Arial" panose="020B0604020202020204"/>
-                <a:ea typeface="Palatino"/>
-                <a:sym typeface="Palatino"/>
-              </a:rPr>
-              <a:t>Subscriber </a:t>
-            </a:r>
-            <a:br>
-              <a:rPr lang="en-AU" sz="1600" kern="0" dirty="0">
-                <a:latin typeface="Arial" panose="020B0604020202020204"/>
-                <a:ea typeface="Palatino"/>
-                <a:sym typeface="Palatino"/>
-              </a:rPr>
-            </a:br>
-            <a:r>
-              <a:rPr lang="en-AU" sz="1600" kern="0" dirty="0">
-                <a:latin typeface="Arial" panose="020B0604020202020204"/>
-                <a:ea typeface="Palatino"/>
-                <a:sym typeface="Palatino"/>
-              </a:rPr>
-              <a:t>Management</a:t>
-            </a:r>
-          </a:p>
-        </p:txBody>
-      </p:sp>
-      <p:sp>
-        <p:nvSpPr>
-          <p:cNvPr id="16" name="Rounded Rectangle 15">
-            <a:extLst>
-              <a:ext uri="{FF2B5EF4-FFF2-40B4-BE49-F238E27FC236}">
-                <a16:creationId xmlns:a16="http://schemas.microsoft.com/office/drawing/2014/main" id="{2EA268C2-0DF4-3F4D-BFBE-8960BAA428C8}"/>
-              </a:ext>
-            </a:extLst>
-          </p:cNvPr>
-          <p:cNvSpPr/>
-          <p:nvPr/>
-        </p:nvSpPr>
-        <p:spPr>
-          <a:xfrm>
-            <a:off x="7667636" y="4296558"/>
-            <a:ext cx="2421747" cy="329168"/>
-          </a:xfrm>
-          <a:prstGeom prst="roundRect">
-            <a:avLst/>
-          </a:prstGeom>
-          <a:solidFill>
-            <a:schemeClr val="bg1">
-              <a:lumMod val="85000"/>
-            </a:schemeClr>
-          </a:solidFill>
-          <a:ln w="12700" cap="flat">
-            <a:solidFill>
-              <a:schemeClr val="tx1">
-                <a:lumMod val="50000"/>
-                <a:lumOff val="50000"/>
-              </a:schemeClr>
-            </a:solidFill>
-            <a:miter lim="400000"/>
-          </a:ln>
-          <a:effectLst/>
-          <a:sp3d/>
-        </p:spPr>
-        <p:style>
-          <a:lnRef idx="0">
-            <a:scrgbClr r="0" g="0" b="0"/>
-          </a:lnRef>
-          <a:fillRef idx="0">
-            <a:scrgbClr r="0" g="0" b="0"/>
-          </a:fillRef>
-          <a:effectRef idx="0">
-            <a:scrgbClr r="0" g="0" b="0"/>
-          </a:effectRef>
-          <a:fontRef idx="none"/>
-        </p:style>
-        <p:txBody>
-          <a:bodyPr rot="0" spcFirstLastPara="1" vertOverflow="overflow" horzOverflow="overflow" vert="horz" wrap="square" lIns="25400" tIns="25400" rIns="25400" bIns="25400" numCol="1" spcCol="38100" rtlCol="0" anchor="ctr">
-            <a:spAutoFit/>
-          </a:bodyPr>
-          <a:lstStyle/>
-          <a:p>
-            <a:pPr algn="ctr" defTabSz="412750" hangingPunct="0"/>
-            <a:r>
-              <a:rPr lang="en-AU" sz="1600" kern="0" dirty="0">
-                <a:latin typeface="Arial" panose="020B0604020202020204"/>
-                <a:ea typeface="Palatino"/>
-                <a:sym typeface="Palatino"/>
-              </a:rPr>
-              <a:t>Data Plane (OVS)</a:t>
-            </a:r>
-          </a:p>
-        </p:txBody>
-      </p:sp>
-      <p:sp>
-        <p:nvSpPr>
-          <p:cNvPr id="17" name="Rounded Rectangle 16">
-            <a:extLst>
-              <a:ext uri="{FF2B5EF4-FFF2-40B4-BE49-F238E27FC236}">
-                <a16:creationId xmlns:a16="http://schemas.microsoft.com/office/drawing/2014/main" id="{89496D19-A0DF-414C-BAB4-F6141CE2ABE5}"/>
-              </a:ext>
-            </a:extLst>
-          </p:cNvPr>
-          <p:cNvSpPr/>
-          <p:nvPr/>
-        </p:nvSpPr>
-        <p:spPr>
-          <a:xfrm>
-            <a:off x="9003371" y="1627204"/>
-            <a:ext cx="2387798" cy="601583"/>
-          </a:xfrm>
-          <a:prstGeom prst="roundRect">
-            <a:avLst/>
-          </a:prstGeom>
-          <a:solidFill>
-            <a:srgbClr val="CFE7F1"/>
-          </a:solidFill>
-          <a:ln w="12700" cap="flat">
-            <a:solidFill>
-              <a:schemeClr val="tx1">
-                <a:lumMod val="50000"/>
-                <a:lumOff val="50000"/>
-              </a:schemeClr>
-            </a:solidFill>
-            <a:miter lim="400000"/>
-          </a:ln>
-          <a:effectLst/>
-          <a:sp3d/>
-        </p:spPr>
-        <p:style>
-          <a:lnRef idx="0">
-            <a:scrgbClr r="0" g="0" b="0"/>
-          </a:lnRef>
-          <a:fillRef idx="0">
-            <a:scrgbClr r="0" g="0" b="0"/>
-          </a:fillRef>
-          <a:effectRef idx="0">
-            <a:scrgbClr r="0" g="0" b="0"/>
-          </a:effectRef>
-          <a:fontRef idx="none"/>
-        </p:style>
-        <p:txBody>
-          <a:bodyPr rot="0" spcFirstLastPara="1" vertOverflow="overflow" horzOverflow="overflow" vert="horz" wrap="square" lIns="25400" tIns="25400" rIns="25400" bIns="25400" numCol="1" spcCol="38100" rtlCol="0" anchor="ctr">
-            <a:spAutoFit/>
-          </a:bodyPr>
-          <a:lstStyle/>
-          <a:p>
-            <a:pPr algn="ctr" defTabSz="412750" hangingPunct="0"/>
-            <a:r>
-              <a:rPr lang="en-AU" sz="1600" kern="0" dirty="0">
-                <a:latin typeface="Arial" panose="020B0604020202020204"/>
-                <a:ea typeface="Palatino"/>
-                <a:sym typeface="Palatino"/>
-              </a:rPr>
-              <a:t>Device </a:t>
-            </a:r>
-            <a:br>
-              <a:rPr lang="en-AU" sz="1600" kern="0" dirty="0">
-                <a:latin typeface="Arial" panose="020B0604020202020204"/>
-                <a:ea typeface="Palatino"/>
-                <a:sym typeface="Palatino"/>
-              </a:rPr>
-            </a:br>
-            <a:r>
-              <a:rPr lang="en-AU" sz="1600" kern="0" dirty="0">
-                <a:latin typeface="Arial" panose="020B0604020202020204"/>
-                <a:ea typeface="Palatino"/>
-                <a:sym typeface="Palatino"/>
-              </a:rPr>
-              <a:t>Management</a:t>
-            </a:r>
-          </a:p>
-        </p:txBody>
-      </p:sp>
-      <p:sp>
-        <p:nvSpPr>
-          <p:cNvPr id="18" name="Rounded Rectangle 17">
-            <a:extLst>
-              <a:ext uri="{FF2B5EF4-FFF2-40B4-BE49-F238E27FC236}">
-                <a16:creationId xmlns:a16="http://schemas.microsoft.com/office/drawing/2014/main" id="{0FEE4C65-3823-4F47-A8D6-E44B0A2FFB28}"/>
-              </a:ext>
-            </a:extLst>
-          </p:cNvPr>
-          <p:cNvSpPr/>
-          <p:nvPr/>
-        </p:nvSpPr>
-        <p:spPr>
-          <a:xfrm>
-            <a:off x="9003370" y="2436145"/>
-            <a:ext cx="2387799" cy="601583"/>
-          </a:xfrm>
-          <a:prstGeom prst="roundRect">
-            <a:avLst/>
-          </a:prstGeom>
-          <a:solidFill>
-            <a:srgbClr val="CFE7F1"/>
-          </a:solidFill>
-          <a:ln w="12700" cap="flat">
-            <a:solidFill>
-              <a:schemeClr val="tx1">
-                <a:lumMod val="50000"/>
-                <a:lumOff val="50000"/>
-              </a:schemeClr>
-            </a:solidFill>
-            <a:miter lim="400000"/>
-          </a:ln>
-          <a:effectLst/>
-          <a:sp3d/>
-        </p:spPr>
-        <p:style>
-          <a:lnRef idx="0">
-            <a:scrgbClr r="0" g="0" b="0"/>
-          </a:lnRef>
-          <a:fillRef idx="0">
-            <a:scrgbClr r="0" g="0" b="0"/>
-          </a:fillRef>
-          <a:effectRef idx="0">
-            <a:scrgbClr r="0" g="0" b="0"/>
-          </a:effectRef>
-          <a:fontRef idx="none"/>
-        </p:style>
-        <p:txBody>
-          <a:bodyPr rot="0" spcFirstLastPara="1" vertOverflow="overflow" horzOverflow="overflow" vert="horz" wrap="square" lIns="25400" tIns="25400" rIns="25400" bIns="25400" numCol="1" spcCol="38100" rtlCol="0" anchor="ctr">
-            <a:spAutoFit/>
-          </a:bodyPr>
-          <a:lstStyle/>
-          <a:p>
-            <a:pPr algn="ctr" defTabSz="412750" hangingPunct="0"/>
-            <a:r>
-              <a:rPr lang="en-AU" sz="1600" kern="0" dirty="0">
-                <a:latin typeface="Arial" panose="020B0604020202020204"/>
-                <a:ea typeface="Palatino"/>
-                <a:sym typeface="Palatino"/>
-              </a:rPr>
-              <a:t>Session &amp; Policy</a:t>
-            </a:r>
-            <a:br>
-              <a:rPr lang="en-AU" sz="1600" kern="0" dirty="0">
-                <a:latin typeface="Arial" panose="020B0604020202020204"/>
-                <a:ea typeface="Palatino"/>
-                <a:sym typeface="Palatino"/>
-              </a:rPr>
-            </a:br>
-            <a:r>
-              <a:rPr lang="en-AU" sz="1600" kern="0" dirty="0">
-                <a:latin typeface="Arial" panose="020B0604020202020204"/>
-                <a:ea typeface="Palatino"/>
-                <a:sym typeface="Palatino"/>
-              </a:rPr>
-              <a:t>Management</a:t>
-            </a:r>
-          </a:p>
-        </p:txBody>
-      </p:sp>
-      <p:sp>
-        <p:nvSpPr>
-          <p:cNvPr id="19" name="Rounded Rectangle 18">
-            <a:extLst>
-              <a:ext uri="{FF2B5EF4-FFF2-40B4-BE49-F238E27FC236}">
-                <a16:creationId xmlns:a16="http://schemas.microsoft.com/office/drawing/2014/main" id="{42FEC876-51CD-C64E-9766-94B660098298}"/>
-              </a:ext>
-            </a:extLst>
-          </p:cNvPr>
-          <p:cNvSpPr/>
-          <p:nvPr/>
-        </p:nvSpPr>
-        <p:spPr>
-          <a:xfrm>
-            <a:off x="9015093" y="3233362"/>
-            <a:ext cx="2405728" cy="601583"/>
-          </a:xfrm>
-          <a:prstGeom prst="roundRect">
-            <a:avLst/>
-          </a:prstGeom>
-          <a:solidFill>
-            <a:srgbClr val="CFE7F1"/>
-          </a:solidFill>
-          <a:ln w="12700" cap="flat">
-            <a:solidFill>
-              <a:schemeClr val="tx1">
-                <a:lumMod val="50000"/>
-                <a:lumOff val="50000"/>
-              </a:schemeClr>
-            </a:solidFill>
-            <a:miter lim="400000"/>
-          </a:ln>
-          <a:effectLst/>
-          <a:sp3d/>
-        </p:spPr>
-        <p:style>
-          <a:lnRef idx="0">
-            <a:scrgbClr r="0" g="0" b="0"/>
-          </a:lnRef>
-          <a:fillRef idx="0">
-            <a:scrgbClr r="0" g="0" b="0"/>
-          </a:fillRef>
-          <a:effectRef idx="0">
-            <a:scrgbClr r="0" g="0" b="0"/>
-          </a:effectRef>
-          <a:fontRef idx="none"/>
-        </p:style>
-        <p:txBody>
-          <a:bodyPr rot="0" spcFirstLastPara="1" vertOverflow="overflow" horzOverflow="overflow" vert="horz" wrap="square" lIns="25400" tIns="25400" rIns="25400" bIns="25400" numCol="1" spcCol="38100" rtlCol="0" anchor="ctr">
-            <a:spAutoFit/>
-          </a:bodyPr>
-          <a:lstStyle/>
-          <a:p>
-            <a:pPr algn="ctr" defTabSz="412750" hangingPunct="0"/>
-            <a:r>
-              <a:rPr lang="en-AU" sz="1600" kern="0" dirty="0">
-                <a:latin typeface="Arial" panose="020B0604020202020204"/>
-                <a:ea typeface="Palatino"/>
-                <a:sym typeface="Palatino"/>
-              </a:rPr>
-              <a:t>Telemetry &amp; </a:t>
-            </a:r>
-            <a:br>
-              <a:rPr lang="en-AU" sz="1600" kern="0" dirty="0">
-                <a:latin typeface="Arial" panose="020B0604020202020204"/>
-                <a:ea typeface="Palatino"/>
-                <a:sym typeface="Palatino"/>
-              </a:rPr>
-            </a:br>
-            <a:r>
-              <a:rPr lang="en-AU" sz="1600" kern="0" dirty="0">
-                <a:latin typeface="Arial" panose="020B0604020202020204"/>
-                <a:ea typeface="Palatino"/>
-                <a:sym typeface="Palatino"/>
-              </a:rPr>
-              <a:t>Logging</a:t>
-            </a:r>
-          </a:p>
-        </p:txBody>
-      </p:sp>
-      <p:cxnSp>
-        <p:nvCxnSpPr>
-          <p:cNvPr id="4" name="Straight Arrow Connector 3">
-            <a:extLst>
-              <a:ext uri="{FF2B5EF4-FFF2-40B4-BE49-F238E27FC236}">
-                <a16:creationId xmlns:a16="http://schemas.microsoft.com/office/drawing/2014/main" id="{9F934019-4534-AE4F-983F-936A607ACE86}"/>
-              </a:ext>
-            </a:extLst>
-          </p:cNvPr>
-          <p:cNvCxnSpPr>
-            <a:cxnSpLocks/>
-            <a:stCxn id="10" idx="2"/>
-            <a:endCxn id="3" idx="0"/>
-          </p:cNvCxnSpPr>
-          <p:nvPr/>
-        </p:nvCxnSpPr>
-        <p:spPr>
-          <a:xfrm flipH="1">
-            <a:off x="8833338" y="977629"/>
-            <a:ext cx="8041" cy="484455"/>
-          </a:xfrm>
-          <a:prstGeom prst="straightConnector1">
-            <a:avLst/>
-          </a:prstGeom>
-          <a:noFill/>
-          <a:ln w="25400" cap="flat">
-            <a:solidFill>
-              <a:schemeClr val="tx1">
-                <a:lumMod val="50000"/>
-                <a:lumOff val="50000"/>
-              </a:schemeClr>
-            </a:solidFill>
-            <a:prstDash val="solid"/>
-            <a:miter lim="400000"/>
-            <a:headEnd type="triangle" w="med" len="med"/>
-            <a:tailEnd type="triangle" w="med" len="med"/>
-          </a:ln>
-          <a:effectLst/>
-          <a:sp3d/>
-        </p:spPr>
-        <p:style>
-          <a:lnRef idx="0">
-            <a:scrgbClr r="0" g="0" b="0"/>
-          </a:lnRef>
-          <a:fillRef idx="0">
-            <a:scrgbClr r="0" g="0" b="0"/>
-          </a:fillRef>
-          <a:effectRef idx="0">
-            <a:scrgbClr r="0" g="0" b="0"/>
-          </a:effectRef>
-          <a:fontRef idx="none"/>
-        </p:style>
-      </p:cxnSp>
-      <p:sp>
-        <p:nvSpPr>
-          <p:cNvPr id="58" name="Rounded Rectangle 57">
-            <a:extLst>
-              <a:ext uri="{FF2B5EF4-FFF2-40B4-BE49-F238E27FC236}">
-                <a16:creationId xmlns:a16="http://schemas.microsoft.com/office/drawing/2014/main" id="{71331B65-83C8-FD44-9A9F-2058EA9F5644}"/>
-              </a:ext>
-            </a:extLst>
-          </p:cNvPr>
-          <p:cNvSpPr/>
-          <p:nvPr/>
-        </p:nvSpPr>
-        <p:spPr>
-          <a:xfrm>
-            <a:off x="1691801" y="5574182"/>
-            <a:ext cx="1655134" cy="329168"/>
-          </a:xfrm>
-          <a:prstGeom prst="roundRect">
-            <a:avLst/>
-          </a:prstGeom>
-          <a:solidFill>
-            <a:srgbClr val="5B9BD5"/>
-          </a:solidFill>
-          <a:ln w="12700" cap="flat">
-            <a:noFill/>
-            <a:miter lim="400000"/>
-          </a:ln>
-          <a:effectLst/>
-          <a:sp3d/>
-        </p:spPr>
-        <p:style>
-          <a:lnRef idx="0">
-            <a:scrgbClr r="0" g="0" b="0"/>
-          </a:lnRef>
-          <a:fillRef idx="0">
-            <a:scrgbClr r="0" g="0" b="0"/>
-          </a:fillRef>
-          <a:effectRef idx="0">
-            <a:scrgbClr r="0" g="0" b="0"/>
-          </a:effectRef>
-          <a:fontRef idx="none"/>
-        </p:style>
-        <p:txBody>
-          <a:bodyPr rot="0" spcFirstLastPara="1" vertOverflow="overflow" horzOverflow="overflow" vert="horz" wrap="square" lIns="25400" tIns="25400" rIns="25400" bIns="25400" numCol="1" spcCol="38100" rtlCol="0" anchor="ctr">
-            <a:spAutoFit/>
-          </a:bodyPr>
-          <a:lstStyle/>
-          <a:p>
-            <a:pPr algn="ctr" defTabSz="412750" hangingPunct="0"/>
-            <a:r>
-              <a:rPr lang="en-AU" sz="1600" kern="0" dirty="0" err="1">
-                <a:solidFill>
-                  <a:prstClr val="white"/>
-                </a:solidFill>
-                <a:latin typeface="Arial" panose="020B0604020202020204"/>
-                <a:ea typeface="Palatino"/>
-                <a:sym typeface="Palatino"/>
-              </a:rPr>
-              <a:t>eNodeB</a:t>
-            </a:r>
-            <a:r>
-              <a:rPr lang="en-AU" sz="1600" kern="0" dirty="0">
-                <a:solidFill>
-                  <a:prstClr val="white"/>
-                </a:solidFill>
-                <a:latin typeface="Arial" panose="020B0604020202020204"/>
-                <a:ea typeface="Palatino"/>
-                <a:sym typeface="Palatino"/>
-              </a:rPr>
-              <a:t>/</a:t>
-            </a:r>
-            <a:r>
-              <a:rPr lang="en-AU" sz="1600" kern="0" dirty="0" err="1">
-                <a:solidFill>
-                  <a:prstClr val="white"/>
-                </a:solidFill>
-                <a:latin typeface="Arial" panose="020B0604020202020204"/>
-                <a:ea typeface="Palatino"/>
-                <a:sym typeface="Palatino"/>
-              </a:rPr>
-              <a:t>gNB</a:t>
-            </a:r>
-            <a:endParaRPr lang="en-AU" sz="1600" kern="0" dirty="0">
-              <a:solidFill>
-                <a:prstClr val="white"/>
-              </a:solidFill>
-              <a:latin typeface="Arial" panose="020B0604020202020204"/>
-              <a:ea typeface="Palatino"/>
-              <a:sym typeface="Palatino"/>
-            </a:endParaRPr>
-          </a:p>
-        </p:txBody>
-      </p:sp>
-      <p:cxnSp>
-        <p:nvCxnSpPr>
-          <p:cNvPr id="25" name="Straight Arrow Connector 24">
-            <a:extLst>
-              <a:ext uri="{FF2B5EF4-FFF2-40B4-BE49-F238E27FC236}">
-                <a16:creationId xmlns:a16="http://schemas.microsoft.com/office/drawing/2014/main" id="{4A339110-8DED-BB4B-AEF4-BFD598D13D45}"/>
-              </a:ext>
-            </a:extLst>
-          </p:cNvPr>
-          <p:cNvCxnSpPr>
-            <a:cxnSpLocks/>
-          </p:cNvCxnSpPr>
-          <p:nvPr/>
-        </p:nvCxnSpPr>
-        <p:spPr>
-          <a:xfrm>
-            <a:off x="2566260" y="4160350"/>
-            <a:ext cx="0" cy="1413832"/>
-          </a:xfrm>
-          <a:prstGeom prst="straightConnector1">
-            <a:avLst/>
-          </a:prstGeom>
-          <a:noFill/>
-          <a:ln w="25400" cap="flat">
-            <a:solidFill>
-              <a:schemeClr val="accent1"/>
-            </a:solidFill>
-            <a:prstDash val="solid"/>
-            <a:miter lim="400000"/>
-            <a:headEnd type="triangle" w="med" len="med"/>
-            <a:tailEnd type="triangle" w="med" len="med"/>
-          </a:ln>
-          <a:effectLst/>
-          <a:sp3d/>
-        </p:spPr>
-        <p:style>
-          <a:lnRef idx="0">
-            <a:scrgbClr r="0" g="0" b="0"/>
-          </a:lnRef>
-          <a:fillRef idx="0">
-            <a:scrgbClr r="0" g="0" b="0"/>
-          </a:fillRef>
-          <a:effectRef idx="0">
-            <a:scrgbClr r="0" g="0" b="0"/>
-          </a:effectRef>
-          <a:fontRef idx="none"/>
-        </p:style>
-      </p:cxnSp>
-      <p:sp>
-        <p:nvSpPr>
-          <p:cNvPr id="21" name="Rectangle 20">
-            <a:extLst>
-              <a:ext uri="{FF2B5EF4-FFF2-40B4-BE49-F238E27FC236}">
-                <a16:creationId xmlns:a16="http://schemas.microsoft.com/office/drawing/2014/main" id="{3381E0AD-EDDE-104C-BD59-0B127522766A}"/>
-              </a:ext>
-            </a:extLst>
-          </p:cNvPr>
-          <p:cNvSpPr/>
-          <p:nvPr/>
-        </p:nvSpPr>
-        <p:spPr>
-          <a:xfrm flipH="1">
-            <a:off x="453606" y="5161342"/>
-            <a:ext cx="3075040" cy="1506819"/>
-          </a:xfrm>
-          <a:prstGeom prst="rect">
-            <a:avLst/>
-          </a:prstGeom>
-          <a:noFill/>
-          <a:ln w="25400" cap="flat" cmpd="sng" algn="ctr">
-            <a:solidFill>
-              <a:srgbClr val="626262"/>
-            </a:solidFill>
-            <a:prstDash val="sysDot"/>
-          </a:ln>
-          <a:effectLst/>
-        </p:spPr>
-        <p:txBody>
-          <a:bodyPr rtlCol="0" anchor="b"/>
-          <a:lstStyle/>
-          <a:p>
-            <a:pPr marL="0" marR="0" lvl="0" indent="0" algn="r" defTabSz="457200" eaLnBrk="1" fontAlgn="auto" latinLnBrk="0" hangingPunct="1">
-              <a:lnSpc>
-                <a:spcPct val="100000"/>
-              </a:lnSpc>
-              <a:spcBef>
-                <a:spcPts val="0"/>
-              </a:spcBef>
-              <a:spcAft>
-                <a:spcPts val="0"/>
-              </a:spcAft>
-              <a:buClrTx/>
-              <a:buSzTx/>
-              <a:buFontTx/>
-              <a:buNone/>
-              <a:tabLst/>
-              <a:defRPr/>
-            </a:pPr>
-            <a:r>
-              <a:rPr kumimoji="0" lang="en-US" b="0" i="0" u="none" strike="noStrike" kern="1200" cap="none" spc="0" normalizeH="0" baseline="0" noProof="0" dirty="0">
-                <a:ln>
-                  <a:noFill/>
-                </a:ln>
-                <a:solidFill>
-                  <a:srgbClr val="626262">
-                    <a:lumMod val="50000"/>
-                  </a:srgbClr>
-                </a:solidFill>
-                <a:effectLst/>
-                <a:uLnTx/>
-                <a:uFillTx/>
-                <a:latin typeface="+mn-lt"/>
-                <a:ea typeface="+mn-ea"/>
-                <a:cs typeface="+mn-cs"/>
-              </a:rPr>
-              <a:t>Radio Access Network</a:t>
-            </a:r>
-          </a:p>
-        </p:txBody>
-      </p:sp>
-      <p:sp>
-        <p:nvSpPr>
-          <p:cNvPr id="20" name="Rounded Rectangle 19">
-            <a:extLst>
-              <a:ext uri="{FF2B5EF4-FFF2-40B4-BE49-F238E27FC236}">
-                <a16:creationId xmlns:a16="http://schemas.microsoft.com/office/drawing/2014/main" id="{6806371B-383C-7941-9C69-F848B32126A5}"/>
-              </a:ext>
-            </a:extLst>
-          </p:cNvPr>
-          <p:cNvSpPr/>
-          <p:nvPr/>
-        </p:nvSpPr>
-        <p:spPr>
-          <a:xfrm>
-            <a:off x="6236313" y="3284721"/>
-            <a:ext cx="2405728" cy="601583"/>
-          </a:xfrm>
-          <a:prstGeom prst="roundRect">
-            <a:avLst/>
-          </a:prstGeom>
-          <a:solidFill>
-            <a:srgbClr val="CFE7F1"/>
-          </a:solidFill>
-          <a:ln w="12700" cap="flat">
-            <a:solidFill>
-              <a:schemeClr val="tx1">
-                <a:lumMod val="50000"/>
-                <a:lumOff val="50000"/>
-              </a:schemeClr>
-            </a:solidFill>
-            <a:miter lim="400000"/>
-          </a:ln>
-          <a:effectLst/>
-          <a:sp3d/>
-        </p:spPr>
-        <p:style>
-          <a:lnRef idx="0">
-            <a:scrgbClr r="0" g="0" b="0"/>
-          </a:lnRef>
-          <a:fillRef idx="0">
-            <a:scrgbClr r="0" g="0" b="0"/>
-          </a:fillRef>
-          <a:effectRef idx="0">
-            <a:scrgbClr r="0" g="0" b="0"/>
-          </a:effectRef>
-          <a:fontRef idx="none"/>
-        </p:style>
-        <p:txBody>
-          <a:bodyPr rot="0" spcFirstLastPara="1" vertOverflow="overflow" horzOverflow="overflow" vert="horz" wrap="square" lIns="25400" tIns="25400" rIns="25400" bIns="25400" numCol="1" spcCol="38100" rtlCol="0" anchor="ctr">
-            <a:spAutoFit/>
-          </a:bodyPr>
-          <a:lstStyle/>
-          <a:p>
-            <a:pPr algn="ctr" defTabSz="412750" hangingPunct="0"/>
-            <a:r>
-              <a:rPr lang="en-AU" sz="1600" kern="0" dirty="0">
-                <a:latin typeface="Arial" panose="020B0604020202020204"/>
-                <a:ea typeface="Palatino"/>
-                <a:sym typeface="Palatino"/>
-              </a:rPr>
-              <a:t>Data Plane </a:t>
-            </a:r>
-            <a:br>
-              <a:rPr lang="en-AU" sz="1600" kern="0" dirty="0">
-                <a:latin typeface="Arial" panose="020B0604020202020204"/>
-                <a:ea typeface="Palatino"/>
-                <a:sym typeface="Palatino"/>
-              </a:rPr>
-            </a:br>
-            <a:r>
-              <a:rPr lang="en-AU" sz="1600" kern="0" dirty="0">
-                <a:latin typeface="Arial" panose="020B0604020202020204"/>
-                <a:ea typeface="Palatino"/>
-                <a:sym typeface="Palatino"/>
-              </a:rPr>
-              <a:t>Configuration</a:t>
-            </a:r>
-          </a:p>
-        </p:txBody>
-      </p:sp>
-      <p:sp>
-        <p:nvSpPr>
-          <p:cNvPr id="27" name="Rounded Rectangle 26">
-            <a:extLst>
-              <a:ext uri="{FF2B5EF4-FFF2-40B4-BE49-F238E27FC236}">
-                <a16:creationId xmlns:a16="http://schemas.microsoft.com/office/drawing/2014/main" id="{B6D2CA22-C153-4242-A3F3-6079321722AE}"/>
-              </a:ext>
-            </a:extLst>
-          </p:cNvPr>
-          <p:cNvSpPr/>
-          <p:nvPr/>
-        </p:nvSpPr>
-        <p:spPr>
-          <a:xfrm>
-            <a:off x="897344" y="3831182"/>
-            <a:ext cx="2405728" cy="329168"/>
-          </a:xfrm>
-          <a:prstGeom prst="roundRect">
-            <a:avLst/>
-          </a:prstGeom>
-          <a:solidFill>
-            <a:srgbClr val="CFE7F1"/>
-          </a:solidFill>
-          <a:ln w="12700" cap="flat">
-            <a:solidFill>
-              <a:schemeClr val="tx1">
-                <a:lumMod val="50000"/>
-                <a:lumOff val="50000"/>
-              </a:schemeClr>
-            </a:solidFill>
-            <a:miter lim="400000"/>
-          </a:ln>
-          <a:effectLst/>
-          <a:sp3d/>
-        </p:spPr>
-        <p:style>
-          <a:lnRef idx="0">
-            <a:scrgbClr r="0" g="0" b="0"/>
-          </a:lnRef>
-          <a:fillRef idx="0">
-            <a:scrgbClr r="0" g="0" b="0"/>
-          </a:fillRef>
-          <a:effectRef idx="0">
-            <a:scrgbClr r="0" g="0" b="0"/>
-          </a:effectRef>
-          <a:fontRef idx="none"/>
-        </p:style>
-        <p:txBody>
-          <a:bodyPr rot="0" spcFirstLastPara="1" vertOverflow="overflow" horzOverflow="overflow" vert="horz" wrap="square" lIns="25400" tIns="25400" rIns="25400" bIns="25400" numCol="1" spcCol="38100" rtlCol="0" anchor="ctr">
-            <a:spAutoFit/>
-          </a:bodyPr>
-          <a:lstStyle/>
-          <a:p>
-            <a:pPr algn="ctr" defTabSz="412750" hangingPunct="0"/>
-            <a:r>
-              <a:rPr lang="en-AU" sz="1600" kern="0" dirty="0">
-                <a:latin typeface="Arial" panose="020B0604020202020204"/>
-                <a:ea typeface="Palatino"/>
-                <a:sym typeface="Palatino"/>
-              </a:rPr>
-              <a:t>SCTP</a:t>
-            </a:r>
-          </a:p>
-        </p:txBody>
-      </p:sp>
-      <p:sp>
-        <p:nvSpPr>
-          <p:cNvPr id="28" name="Rounded Rectangle 27">
-            <a:extLst>
-              <a:ext uri="{FF2B5EF4-FFF2-40B4-BE49-F238E27FC236}">
-                <a16:creationId xmlns:a16="http://schemas.microsoft.com/office/drawing/2014/main" id="{CE2CDB48-3E4D-9A43-A2D2-303B021880AD}"/>
-              </a:ext>
-            </a:extLst>
-          </p:cNvPr>
-          <p:cNvSpPr/>
-          <p:nvPr/>
-        </p:nvSpPr>
-        <p:spPr>
-          <a:xfrm>
-            <a:off x="453607" y="3082330"/>
-            <a:ext cx="1276071" cy="329168"/>
-          </a:xfrm>
-          <a:prstGeom prst="roundRect">
-            <a:avLst/>
-          </a:prstGeom>
-          <a:solidFill>
-            <a:srgbClr val="CFE7F1"/>
-          </a:solidFill>
-          <a:ln w="12700" cap="flat">
-            <a:solidFill>
-              <a:schemeClr val="tx1">
-                <a:lumMod val="50000"/>
-                <a:lumOff val="50000"/>
-              </a:schemeClr>
-            </a:solidFill>
-            <a:miter lim="400000"/>
-          </a:ln>
-          <a:effectLst/>
-          <a:sp3d/>
-        </p:spPr>
-        <p:style>
-          <a:lnRef idx="0">
-            <a:scrgbClr r="0" g="0" b="0"/>
-          </a:lnRef>
-          <a:fillRef idx="0">
-            <a:scrgbClr r="0" g="0" b="0"/>
-          </a:fillRef>
-          <a:effectRef idx="0">
-            <a:scrgbClr r="0" g="0" b="0"/>
-          </a:effectRef>
-          <a:fontRef idx="none"/>
-        </p:style>
-        <p:txBody>
-          <a:bodyPr rot="0" spcFirstLastPara="1" vertOverflow="overflow" horzOverflow="overflow" vert="horz" wrap="square" lIns="25400" tIns="25400" rIns="25400" bIns="25400" numCol="1" spcCol="38100" rtlCol="0" anchor="ctr">
-            <a:spAutoFit/>
-          </a:bodyPr>
-          <a:lstStyle/>
-          <a:p>
-            <a:pPr algn="ctr" defTabSz="412750" hangingPunct="0"/>
-            <a:r>
-              <a:rPr lang="en-AU" sz="1600" kern="0" dirty="0">
-                <a:latin typeface="Arial" panose="020B0604020202020204"/>
-                <a:ea typeface="Palatino"/>
-                <a:sym typeface="Palatino"/>
-              </a:rPr>
-              <a:t>4G-NAS</a:t>
-            </a:r>
-          </a:p>
-        </p:txBody>
-      </p:sp>
-      <p:sp>
-        <p:nvSpPr>
-          <p:cNvPr id="30" name="Rounded Rectangle 29">
-            <a:extLst>
-              <a:ext uri="{FF2B5EF4-FFF2-40B4-BE49-F238E27FC236}">
-                <a16:creationId xmlns:a16="http://schemas.microsoft.com/office/drawing/2014/main" id="{40AD6B4C-0FFE-D346-B169-04C193E59EDF}"/>
-              </a:ext>
-            </a:extLst>
-          </p:cNvPr>
-          <p:cNvSpPr/>
-          <p:nvPr/>
-        </p:nvSpPr>
-        <p:spPr>
-          <a:xfrm>
-            <a:off x="2790668" y="3136234"/>
-            <a:ext cx="1276071" cy="329168"/>
-          </a:xfrm>
-          <a:prstGeom prst="roundRect">
-            <a:avLst/>
-          </a:prstGeom>
-          <a:solidFill>
-            <a:srgbClr val="CFE7F1"/>
-          </a:solidFill>
-          <a:ln w="12700" cap="flat">
-            <a:solidFill>
-              <a:schemeClr val="tx1">
-                <a:lumMod val="50000"/>
-                <a:lumOff val="50000"/>
-              </a:schemeClr>
-            </a:solidFill>
-            <a:miter lim="400000"/>
-          </a:ln>
-          <a:effectLst/>
-          <a:sp3d/>
-        </p:spPr>
-        <p:style>
-          <a:lnRef idx="0">
-            <a:scrgbClr r="0" g="0" b="0"/>
-          </a:lnRef>
-          <a:fillRef idx="0">
-            <a:scrgbClr r="0" g="0" b="0"/>
-          </a:fillRef>
-          <a:effectRef idx="0">
-            <a:scrgbClr r="0" g="0" b="0"/>
-          </a:effectRef>
-          <a:fontRef idx="none"/>
-        </p:style>
-        <p:txBody>
-          <a:bodyPr rot="0" spcFirstLastPara="1" vertOverflow="overflow" horzOverflow="overflow" vert="horz" wrap="square" lIns="25400" tIns="25400" rIns="25400" bIns="25400" numCol="1" spcCol="38100" rtlCol="0" anchor="ctr">
-            <a:spAutoFit/>
-          </a:bodyPr>
-          <a:lstStyle/>
-          <a:p>
-            <a:pPr algn="ctr" defTabSz="412750" hangingPunct="0"/>
-            <a:r>
-              <a:rPr lang="en-AU" sz="1600" kern="0" dirty="0">
-                <a:latin typeface="Arial" panose="020B0604020202020204"/>
-                <a:ea typeface="Palatino"/>
-                <a:sym typeface="Palatino"/>
-              </a:rPr>
-              <a:t>5G-NAS</a:t>
-            </a:r>
-          </a:p>
-        </p:txBody>
-      </p:sp>
-      <p:sp>
-        <p:nvSpPr>
-          <p:cNvPr id="31" name="Rounded Rectangle 30">
-            <a:extLst>
-              <a:ext uri="{FF2B5EF4-FFF2-40B4-BE49-F238E27FC236}">
-                <a16:creationId xmlns:a16="http://schemas.microsoft.com/office/drawing/2014/main" id="{5F5580C0-19EB-3F45-814D-63E9EF68ECD5}"/>
-              </a:ext>
-            </a:extLst>
-          </p:cNvPr>
-          <p:cNvSpPr/>
-          <p:nvPr/>
-        </p:nvSpPr>
-        <p:spPr>
-          <a:xfrm>
-            <a:off x="943265" y="2517910"/>
-            <a:ext cx="1276071" cy="329168"/>
-          </a:xfrm>
-          <a:prstGeom prst="roundRect">
-            <a:avLst/>
-          </a:prstGeom>
-          <a:solidFill>
-            <a:srgbClr val="CFE7F1"/>
-          </a:solidFill>
-          <a:ln w="12700" cap="flat">
-            <a:solidFill>
-              <a:schemeClr val="tx1">
-                <a:lumMod val="50000"/>
-                <a:lumOff val="50000"/>
-              </a:schemeClr>
-            </a:solidFill>
-            <a:miter lim="400000"/>
-          </a:ln>
-          <a:effectLst/>
-          <a:sp3d/>
-        </p:spPr>
-        <p:style>
-          <a:lnRef idx="0">
-            <a:scrgbClr r="0" g="0" b="0"/>
-          </a:lnRef>
-          <a:fillRef idx="0">
-            <a:scrgbClr r="0" g="0" b="0"/>
-          </a:fillRef>
-          <a:effectRef idx="0">
-            <a:scrgbClr r="0" g="0" b="0"/>
-          </a:effectRef>
-          <a:fontRef idx="none"/>
-        </p:style>
-        <p:txBody>
-          <a:bodyPr rot="0" spcFirstLastPara="1" vertOverflow="overflow" horzOverflow="overflow" vert="horz" wrap="square" lIns="25400" tIns="25400" rIns="25400" bIns="25400" numCol="1" spcCol="38100" rtlCol="0" anchor="ctr">
-            <a:spAutoFit/>
-          </a:bodyPr>
-          <a:lstStyle/>
-          <a:p>
-            <a:pPr algn="ctr" defTabSz="412750" hangingPunct="0"/>
-            <a:r>
-              <a:rPr lang="en-AU" sz="1600" kern="0" dirty="0">
-                <a:latin typeface="Arial" panose="020B0604020202020204"/>
-                <a:ea typeface="Palatino"/>
-                <a:sym typeface="Palatino"/>
-              </a:rPr>
-              <a:t>S1AP</a:t>
-            </a:r>
-          </a:p>
-        </p:txBody>
-      </p:sp>
-      <p:sp>
-        <p:nvSpPr>
-          <p:cNvPr id="32" name="Rounded Rectangle 31">
-            <a:extLst>
-              <a:ext uri="{FF2B5EF4-FFF2-40B4-BE49-F238E27FC236}">
-                <a16:creationId xmlns:a16="http://schemas.microsoft.com/office/drawing/2014/main" id="{107E1319-F5C8-2F48-8FDA-721CDA9DA344}"/>
-              </a:ext>
-            </a:extLst>
-          </p:cNvPr>
-          <p:cNvSpPr/>
-          <p:nvPr/>
-        </p:nvSpPr>
-        <p:spPr>
-          <a:xfrm>
-            <a:off x="2482053" y="2517910"/>
-            <a:ext cx="1276071" cy="329168"/>
-          </a:xfrm>
-          <a:prstGeom prst="roundRect">
-            <a:avLst/>
-          </a:prstGeom>
-          <a:solidFill>
-            <a:srgbClr val="CFE7F1"/>
-          </a:solidFill>
-          <a:ln w="12700" cap="flat">
-            <a:solidFill>
-              <a:schemeClr val="tx1">
-                <a:lumMod val="50000"/>
-                <a:lumOff val="50000"/>
-              </a:schemeClr>
-            </a:solidFill>
-            <a:miter lim="400000"/>
-          </a:ln>
-          <a:effectLst/>
-          <a:sp3d/>
-        </p:spPr>
-        <p:style>
-          <a:lnRef idx="0">
-            <a:scrgbClr r="0" g="0" b="0"/>
-          </a:lnRef>
-          <a:fillRef idx="0">
-            <a:scrgbClr r="0" g="0" b="0"/>
-          </a:fillRef>
-          <a:effectRef idx="0">
-            <a:scrgbClr r="0" g="0" b="0"/>
-          </a:effectRef>
-          <a:fontRef idx="none"/>
-        </p:style>
-        <p:txBody>
-          <a:bodyPr rot="0" spcFirstLastPara="1" vertOverflow="overflow" horzOverflow="overflow" vert="horz" wrap="square" lIns="25400" tIns="25400" rIns="25400" bIns="25400" numCol="1" spcCol="38100" rtlCol="0" anchor="ctr">
-            <a:spAutoFit/>
-          </a:bodyPr>
-          <a:lstStyle/>
-          <a:p>
-            <a:pPr algn="ctr" defTabSz="412750" hangingPunct="0"/>
-            <a:r>
-              <a:rPr lang="en-AU" sz="1600" kern="0" dirty="0">
-                <a:latin typeface="Arial" panose="020B0604020202020204"/>
-                <a:ea typeface="Palatino"/>
-                <a:sym typeface="Palatino"/>
-              </a:rPr>
-              <a:t>NGAP</a:t>
-            </a:r>
-          </a:p>
-        </p:txBody>
-      </p:sp>
-      <p:cxnSp>
-        <p:nvCxnSpPr>
-          <p:cNvPr id="33" name="Straight Arrow Connector 32">
-            <a:extLst>
-              <a:ext uri="{FF2B5EF4-FFF2-40B4-BE49-F238E27FC236}">
-                <a16:creationId xmlns:a16="http://schemas.microsoft.com/office/drawing/2014/main" id="{99B0B54F-37F3-2A42-8D52-C60AA2C400FE}"/>
-              </a:ext>
-            </a:extLst>
-          </p:cNvPr>
-          <p:cNvCxnSpPr>
-            <a:cxnSpLocks/>
-            <a:endCxn id="27" idx="0"/>
-          </p:cNvCxnSpPr>
-          <p:nvPr/>
-        </p:nvCxnSpPr>
-        <p:spPr>
-          <a:xfrm>
-            <a:off x="1091642" y="3411498"/>
-            <a:ext cx="1008566" cy="419684"/>
-          </a:xfrm>
-          <a:prstGeom prst="straightConnector1">
-            <a:avLst/>
-          </a:prstGeom>
-          <a:noFill/>
-          <a:ln w="25400" cap="flat">
-            <a:solidFill>
-              <a:schemeClr val="accent1"/>
-            </a:solidFill>
-            <a:prstDash val="solid"/>
-            <a:miter lim="400000"/>
-            <a:headEnd type="triangle" w="med" len="med"/>
-            <a:tailEnd type="triangle" w="med" len="med"/>
-          </a:ln>
-          <a:effectLst/>
-          <a:sp3d/>
-        </p:spPr>
-        <p:style>
-          <a:lnRef idx="0">
-            <a:scrgbClr r="0" g="0" b="0"/>
-          </a:lnRef>
-          <a:fillRef idx="0">
-            <a:scrgbClr r="0" g="0" b="0"/>
-          </a:fillRef>
-          <a:effectRef idx="0">
-            <a:scrgbClr r="0" g="0" b="0"/>
-          </a:effectRef>
-          <a:fontRef idx="none"/>
-        </p:style>
-      </p:cxnSp>
-      <p:cxnSp>
-        <p:nvCxnSpPr>
-          <p:cNvPr id="34" name="Straight Arrow Connector 33">
-            <a:extLst>
-              <a:ext uri="{FF2B5EF4-FFF2-40B4-BE49-F238E27FC236}">
-                <a16:creationId xmlns:a16="http://schemas.microsoft.com/office/drawing/2014/main" id="{17009850-E346-654C-B3E4-C03BFD4B9171}"/>
-              </a:ext>
-            </a:extLst>
-          </p:cNvPr>
-          <p:cNvCxnSpPr>
-            <a:cxnSpLocks/>
-            <a:stCxn id="31" idx="2"/>
-            <a:endCxn id="27" idx="0"/>
-          </p:cNvCxnSpPr>
-          <p:nvPr/>
-        </p:nvCxnSpPr>
-        <p:spPr>
-          <a:xfrm>
-            <a:off x="1581301" y="2847078"/>
-            <a:ext cx="518907" cy="984104"/>
-          </a:xfrm>
-          <a:prstGeom prst="straightConnector1">
-            <a:avLst/>
-          </a:prstGeom>
-          <a:noFill/>
-          <a:ln w="25400" cap="flat">
-            <a:solidFill>
-              <a:schemeClr val="accent1"/>
-            </a:solidFill>
-            <a:prstDash val="solid"/>
-            <a:miter lim="400000"/>
-            <a:headEnd type="triangle" w="med" len="med"/>
-            <a:tailEnd type="triangle" w="med" len="med"/>
-          </a:ln>
-          <a:effectLst/>
-          <a:sp3d/>
-        </p:spPr>
-        <p:style>
-          <a:lnRef idx="0">
-            <a:scrgbClr r="0" g="0" b="0"/>
-          </a:lnRef>
-          <a:fillRef idx="0">
-            <a:scrgbClr r="0" g="0" b="0"/>
-          </a:fillRef>
-          <a:effectRef idx="0">
-            <a:scrgbClr r="0" g="0" b="0"/>
-          </a:effectRef>
-          <a:fontRef idx="none"/>
-        </p:style>
-      </p:cxnSp>
-      <p:cxnSp>
-        <p:nvCxnSpPr>
-          <p:cNvPr id="35" name="Straight Arrow Connector 34">
-            <a:extLst>
-              <a:ext uri="{FF2B5EF4-FFF2-40B4-BE49-F238E27FC236}">
-                <a16:creationId xmlns:a16="http://schemas.microsoft.com/office/drawing/2014/main" id="{11BC14A5-CCB6-D345-81D3-5DEA653396FF}"/>
-              </a:ext>
-            </a:extLst>
-          </p:cNvPr>
-          <p:cNvCxnSpPr>
-            <a:cxnSpLocks/>
-            <a:stCxn id="32" idx="2"/>
-            <a:endCxn id="27" idx="0"/>
-          </p:cNvCxnSpPr>
-          <p:nvPr/>
-        </p:nvCxnSpPr>
-        <p:spPr>
-          <a:xfrm flipH="1">
-            <a:off x="2100208" y="2847078"/>
-            <a:ext cx="1019881" cy="984104"/>
-          </a:xfrm>
-          <a:prstGeom prst="straightConnector1">
-            <a:avLst/>
-          </a:prstGeom>
-          <a:noFill/>
-          <a:ln w="25400" cap="flat">
-            <a:solidFill>
-              <a:schemeClr val="accent1"/>
-            </a:solidFill>
-            <a:prstDash val="solid"/>
-            <a:miter lim="400000"/>
-            <a:headEnd type="triangle" w="med" len="med"/>
-            <a:tailEnd type="triangle" w="med" len="med"/>
-          </a:ln>
-          <a:effectLst/>
-          <a:sp3d/>
-        </p:spPr>
-        <p:style>
-          <a:lnRef idx="0">
-            <a:scrgbClr r="0" g="0" b="0"/>
-          </a:lnRef>
-          <a:fillRef idx="0">
-            <a:scrgbClr r="0" g="0" b="0"/>
-          </a:fillRef>
-          <a:effectRef idx="0">
-            <a:scrgbClr r="0" g="0" b="0"/>
-          </a:effectRef>
-          <a:fontRef idx="none"/>
-        </p:style>
-      </p:cxnSp>
-      <p:cxnSp>
-        <p:nvCxnSpPr>
-          <p:cNvPr id="36" name="Straight Arrow Connector 35">
-            <a:extLst>
-              <a:ext uri="{FF2B5EF4-FFF2-40B4-BE49-F238E27FC236}">
-                <a16:creationId xmlns:a16="http://schemas.microsoft.com/office/drawing/2014/main" id="{94727C89-77CC-CD45-86DA-AEC6F6CE1D9C}"/>
-              </a:ext>
-            </a:extLst>
-          </p:cNvPr>
-          <p:cNvCxnSpPr>
-            <a:cxnSpLocks/>
-            <a:stCxn id="30" idx="2"/>
-            <a:endCxn id="27" idx="0"/>
-          </p:cNvCxnSpPr>
-          <p:nvPr/>
-        </p:nvCxnSpPr>
-        <p:spPr>
-          <a:xfrm flipH="1">
-            <a:off x="2100208" y="3465402"/>
-            <a:ext cx="1328496" cy="365780"/>
-          </a:xfrm>
-          <a:prstGeom prst="straightConnector1">
-            <a:avLst/>
-          </a:prstGeom>
-          <a:noFill/>
-          <a:ln w="25400" cap="flat">
-            <a:solidFill>
-              <a:schemeClr val="accent1"/>
-            </a:solidFill>
-            <a:prstDash val="solid"/>
-            <a:miter lim="400000"/>
-            <a:headEnd type="triangle" w="med" len="med"/>
-            <a:tailEnd type="triangle" w="med" len="med"/>
-          </a:ln>
-          <a:effectLst/>
-          <a:sp3d/>
-        </p:spPr>
-        <p:style>
-          <a:lnRef idx="0">
-            <a:scrgbClr r="0" g="0" b="0"/>
-          </a:lnRef>
-          <a:fillRef idx="0">
-            <a:scrgbClr r="0" g="0" b="0"/>
-          </a:fillRef>
-          <a:effectRef idx="0">
-            <a:scrgbClr r="0" g="0" b="0"/>
-          </a:effectRef>
-          <a:fontRef idx="none"/>
-        </p:style>
-      </p:cxnSp>
-      <p:cxnSp>
-        <p:nvCxnSpPr>
-          <p:cNvPr id="39" name="Straight Arrow Connector 38">
-            <a:extLst>
-              <a:ext uri="{FF2B5EF4-FFF2-40B4-BE49-F238E27FC236}">
-                <a16:creationId xmlns:a16="http://schemas.microsoft.com/office/drawing/2014/main" id="{F9A8BA84-C0E5-2545-8D3A-9E3A0B1898EA}"/>
-              </a:ext>
-            </a:extLst>
-          </p:cNvPr>
-          <p:cNvCxnSpPr>
-            <a:cxnSpLocks/>
-          </p:cNvCxnSpPr>
-          <p:nvPr/>
-        </p:nvCxnSpPr>
-        <p:spPr>
-          <a:xfrm flipH="1">
-            <a:off x="5334000" y="3026191"/>
-            <a:ext cx="720527" cy="0"/>
-          </a:xfrm>
-          <a:prstGeom prst="straightConnector1">
-            <a:avLst/>
-          </a:prstGeom>
-          <a:noFill/>
-          <a:ln w="25400" cap="flat">
-            <a:solidFill>
-              <a:schemeClr val="accent1"/>
-            </a:solidFill>
-            <a:prstDash val="solid"/>
-            <a:miter lim="400000"/>
-            <a:headEnd type="triangle" w="med" len="med"/>
-            <a:tailEnd type="triangle" w="med" len="med"/>
-          </a:ln>
-          <a:effectLst/>
-          <a:sp3d/>
-        </p:spPr>
-        <p:style>
-          <a:lnRef idx="0">
-            <a:scrgbClr r="0" g="0" b="0"/>
-          </a:lnRef>
-          <a:fillRef idx="0">
-            <a:scrgbClr r="0" g="0" b="0"/>
-          </a:fillRef>
-          <a:effectRef idx="0">
-            <a:scrgbClr r="0" g="0" b="0"/>
-          </a:effectRef>
-          <a:fontRef idx="none"/>
-        </p:style>
-      </p:cxnSp>
-      <p:sp>
-        <p:nvSpPr>
-          <p:cNvPr id="41" name="TextBox 40">
-            <a:extLst>
-              <a:ext uri="{FF2B5EF4-FFF2-40B4-BE49-F238E27FC236}">
-                <a16:creationId xmlns:a16="http://schemas.microsoft.com/office/drawing/2014/main" id="{CD0B250D-20D1-5C40-ABF5-67F24F1416F5}"/>
-              </a:ext>
-            </a:extLst>
-          </p:cNvPr>
-          <p:cNvSpPr txBox="1"/>
-          <p:nvPr/>
-        </p:nvSpPr>
-        <p:spPr>
-          <a:xfrm>
-            <a:off x="5358601" y="2607201"/>
-            <a:ext cx="718145" cy="379591"/>
-          </a:xfrm>
-          <a:prstGeom prst="rect">
-            <a:avLst/>
-          </a:prstGeom>
-          <a:noFill/>
-          <a:ln w="12700" cap="flat">
-            <a:noFill/>
-            <a:miter lim="400000"/>
-          </a:ln>
-          <a:effectLst/>
-          <a:sp3d/>
-        </p:spPr>
-        <p:style>
-          <a:lnRef idx="0">
-            <a:scrgbClr r="0" g="0" b="0"/>
-          </a:lnRef>
-          <a:fillRef idx="0">
-            <a:scrgbClr r="0" g="0" b="0"/>
-          </a:fillRef>
-          <a:effectRef idx="0">
-            <a:scrgbClr r="0" g="0" b="0"/>
-          </a:effectRef>
-          <a:fontRef idx="none"/>
-        </p:style>
-        <p:txBody>
-          <a:bodyPr rot="0" spcFirstLastPara="1" vertOverflow="overflow" horzOverflow="overflow" vert="horz" wrap="none" lIns="50800" tIns="50800" rIns="50800" bIns="50800" numCol="1" spcCol="38100" rtlCol="0" anchor="ctr">
-            <a:spAutoFit/>
-          </a:bodyPr>
-          <a:lstStyle/>
-          <a:p>
-            <a:pPr marL="0" marR="0" indent="0" algn="ctr" defTabSz="825500" rtl="0" fontAlgn="auto" latinLnBrk="0" hangingPunct="0">
-              <a:lnSpc>
-                <a:spcPct val="100000"/>
-              </a:lnSpc>
-              <a:spcBef>
-                <a:spcPts val="0"/>
-              </a:spcBef>
-              <a:spcAft>
-                <a:spcPts val="0"/>
-              </a:spcAft>
-              <a:buClrTx/>
-              <a:buSzTx/>
-              <a:buFontTx/>
-              <a:buNone/>
-              <a:tabLst/>
-            </a:pPr>
-            <a:r>
-              <a:rPr kumimoji="0" lang="en-AU" b="0" i="0" u="none" strike="noStrike" cap="none" spc="0" normalizeH="0" baseline="0" dirty="0" err="1">
-                <a:ln>
-                  <a:noFill/>
-                </a:ln>
-                <a:solidFill>
-                  <a:srgbClr val="414141"/>
-                </a:solidFill>
-                <a:effectLst/>
-                <a:uFillTx/>
-                <a:latin typeface="+mj-lt"/>
-                <a:ea typeface="Palatino"/>
-                <a:cs typeface="Palatino"/>
-                <a:sym typeface="Palatino"/>
-              </a:rPr>
-              <a:t>gRPC</a:t>
-            </a:r>
-            <a:endParaRPr kumimoji="0" lang="en-AU" b="0" i="0" u="none" strike="noStrike" cap="none" spc="0" normalizeH="0" baseline="0" dirty="0">
-              <a:ln>
-                <a:noFill/>
-              </a:ln>
-              <a:solidFill>
-                <a:srgbClr val="414141"/>
-              </a:solidFill>
-              <a:effectLst/>
-              <a:uFillTx/>
-              <a:latin typeface="+mj-lt"/>
-              <a:ea typeface="Palatino"/>
-              <a:cs typeface="Palatino"/>
-              <a:sym typeface="Palatino"/>
-            </a:endParaRPr>
-          </a:p>
-        </p:txBody>
-      </p:sp>
-      <p:cxnSp>
-        <p:nvCxnSpPr>
-          <p:cNvPr id="43" name="Straight Connector 42">
-            <a:extLst>
-              <a:ext uri="{FF2B5EF4-FFF2-40B4-BE49-F238E27FC236}">
-                <a16:creationId xmlns:a16="http://schemas.microsoft.com/office/drawing/2014/main" id="{449EBDA5-D575-2D42-B08A-79BA8AD71BAE}"/>
-              </a:ext>
-            </a:extLst>
-          </p:cNvPr>
-          <p:cNvCxnSpPr>
-            <a:cxnSpLocks/>
-          </p:cNvCxnSpPr>
-          <p:nvPr/>
-        </p:nvCxnSpPr>
-        <p:spPr>
-          <a:xfrm>
-            <a:off x="6054526" y="4160350"/>
-            <a:ext cx="5574766" cy="0"/>
-          </a:xfrm>
-          <a:prstGeom prst="line">
-            <a:avLst/>
-          </a:prstGeom>
-          <a:noFill/>
-          <a:ln w="25400" cap="flat">
-            <a:solidFill>
-              <a:schemeClr val="tx1"/>
-            </a:solidFill>
-            <a:prstDash val="sysDash"/>
-            <a:miter lim="400000"/>
-          </a:ln>
-          <a:effectLst/>
-          <a:sp3d/>
-        </p:spPr>
-        <p:style>
-          <a:lnRef idx="0">
-            <a:scrgbClr r="0" g="0" b="0"/>
-          </a:lnRef>
-          <a:fillRef idx="0">
-            <a:scrgbClr r="0" g="0" b="0"/>
-          </a:fillRef>
-          <a:effectRef idx="0">
-            <a:scrgbClr r="0" g="0" b="0"/>
-          </a:effectRef>
-          <a:fontRef idx="none"/>
-        </p:style>
-      </p:cxnSp>
-      <p:cxnSp>
-        <p:nvCxnSpPr>
-          <p:cNvPr id="46" name="Elbow Connector 45">
-            <a:extLst>
-              <a:ext uri="{FF2B5EF4-FFF2-40B4-BE49-F238E27FC236}">
-                <a16:creationId xmlns:a16="http://schemas.microsoft.com/office/drawing/2014/main" id="{99ADD232-BED8-2B43-9ED3-D72253227423}"/>
-              </a:ext>
-            </a:extLst>
-          </p:cNvPr>
-          <p:cNvCxnSpPr>
-            <a:cxnSpLocks/>
-            <a:stCxn id="58" idx="3"/>
-            <a:endCxn id="16" idx="1"/>
-          </p:cNvCxnSpPr>
-          <p:nvPr/>
-        </p:nvCxnSpPr>
-        <p:spPr>
-          <a:xfrm flipV="1">
-            <a:off x="3346935" y="4461142"/>
-            <a:ext cx="4320701" cy="1277624"/>
-          </a:xfrm>
-          <a:prstGeom prst="bentConnector3">
-            <a:avLst>
-              <a:gd name="adj1" fmla="val 9844"/>
-            </a:avLst>
-          </a:prstGeom>
-          <a:noFill/>
-          <a:ln w="25400" cap="flat">
-            <a:solidFill>
-              <a:srgbClr val="414141"/>
-            </a:solidFill>
-            <a:prstDash val="solid"/>
-            <a:miter lim="400000"/>
-            <a:headEnd type="triangle"/>
-            <a:tailEnd type="triangle"/>
-          </a:ln>
-          <a:effectLst/>
-          <a:sp3d/>
-        </p:spPr>
-        <p:style>
-          <a:lnRef idx="0">
-            <a:scrgbClr r="0" g="0" b="0"/>
-          </a:lnRef>
-          <a:fillRef idx="0">
-            <a:scrgbClr r="0" g="0" b="0"/>
-          </a:fillRef>
-          <a:effectRef idx="0">
-            <a:scrgbClr r="0" g="0" b="0"/>
-          </a:effectRef>
-          <a:fontRef idx="none"/>
-        </p:style>
-      </p:cxnSp>
-      <p:sp>
-        <p:nvSpPr>
-          <p:cNvPr id="52" name="TextBox 51">
-            <a:extLst>
-              <a:ext uri="{FF2B5EF4-FFF2-40B4-BE49-F238E27FC236}">
-                <a16:creationId xmlns:a16="http://schemas.microsoft.com/office/drawing/2014/main" id="{A209E662-FEA2-3C45-AFD5-D66289D2DC8F}"/>
-              </a:ext>
-            </a:extLst>
-          </p:cNvPr>
-          <p:cNvSpPr txBox="1"/>
-          <p:nvPr/>
-        </p:nvSpPr>
-        <p:spPr>
-          <a:xfrm>
-            <a:off x="1149779" y="1778884"/>
-            <a:ext cx="2436564" cy="379591"/>
-          </a:xfrm>
-          <a:prstGeom prst="rect">
-            <a:avLst/>
-          </a:prstGeom>
-          <a:noFill/>
-          <a:ln w="12700" cap="flat">
-            <a:noFill/>
-            <a:miter lim="400000"/>
-          </a:ln>
-          <a:effectLst/>
-          <a:sp3d/>
-        </p:spPr>
-        <p:style>
-          <a:lnRef idx="0">
-            <a:scrgbClr r="0" g="0" b="0"/>
-          </a:lnRef>
-          <a:fillRef idx="0">
-            <a:scrgbClr r="0" g="0" b="0"/>
-          </a:fillRef>
-          <a:effectRef idx="0">
-            <a:scrgbClr r="0" g="0" b="0"/>
-          </a:effectRef>
-          <a:fontRef idx="none"/>
-        </p:style>
-        <p:txBody>
-          <a:bodyPr rot="0" spcFirstLastPara="1" vertOverflow="overflow" horzOverflow="overflow" vert="horz" wrap="none" lIns="50800" tIns="50800" rIns="50800" bIns="50800" numCol="1" spcCol="38100" rtlCol="0" anchor="ctr">
-            <a:spAutoFit/>
-          </a:bodyPr>
-          <a:lstStyle/>
-          <a:p>
-            <a:pPr marL="0" marR="0" indent="0" algn="ctr" defTabSz="825500" rtl="0" fontAlgn="auto" latinLnBrk="0" hangingPunct="0">
-              <a:lnSpc>
-                <a:spcPct val="100000"/>
-              </a:lnSpc>
-              <a:spcBef>
-                <a:spcPts val="0"/>
-              </a:spcBef>
-              <a:spcAft>
-                <a:spcPts val="0"/>
-              </a:spcAft>
-              <a:buClrTx/>
-              <a:buSzTx/>
-              <a:buFontTx/>
-              <a:buNone/>
-              <a:tabLst/>
-            </a:pPr>
-            <a:r>
-              <a:rPr kumimoji="0" lang="en-AU" b="0" i="0" u="none" strike="noStrike" cap="none" spc="0" normalizeH="0" baseline="0" dirty="0">
-                <a:ln>
-                  <a:noFill/>
-                </a:ln>
-                <a:solidFill>
-                  <a:srgbClr val="414141"/>
-                </a:solidFill>
-                <a:effectLst/>
-                <a:uFillTx/>
-                <a:ea typeface="Palatino"/>
-                <a:cs typeface="Palatino"/>
-                <a:sym typeface="Palatino"/>
-              </a:rPr>
-              <a:t>RAN-specific protocols</a:t>
-            </a:r>
-          </a:p>
-        </p:txBody>
-      </p:sp>
-      <p:sp>
-        <p:nvSpPr>
-          <p:cNvPr id="55" name="TextBox 54">
-            <a:extLst>
-              <a:ext uri="{FF2B5EF4-FFF2-40B4-BE49-F238E27FC236}">
-                <a16:creationId xmlns:a16="http://schemas.microsoft.com/office/drawing/2014/main" id="{9ABC7393-C161-EE43-B5DB-532797048C29}"/>
-              </a:ext>
-            </a:extLst>
-          </p:cNvPr>
-          <p:cNvSpPr txBox="1"/>
-          <p:nvPr/>
-        </p:nvSpPr>
-        <p:spPr>
-          <a:xfrm>
-            <a:off x="8016934" y="991843"/>
-            <a:ext cx="718145" cy="379591"/>
-          </a:xfrm>
-          <a:prstGeom prst="rect">
-            <a:avLst/>
-          </a:prstGeom>
-          <a:noFill/>
-          <a:ln w="12700" cap="flat">
-            <a:noFill/>
-            <a:miter lim="400000"/>
-          </a:ln>
-          <a:effectLst/>
-          <a:sp3d/>
-        </p:spPr>
-        <p:style>
-          <a:lnRef idx="0">
-            <a:scrgbClr r="0" g="0" b="0"/>
-          </a:lnRef>
-          <a:fillRef idx="0">
-            <a:scrgbClr r="0" g="0" b="0"/>
-          </a:fillRef>
-          <a:effectRef idx="0">
-            <a:scrgbClr r="0" g="0" b="0"/>
-          </a:effectRef>
-          <a:fontRef idx="none"/>
-        </p:style>
-        <p:txBody>
-          <a:bodyPr rot="0" spcFirstLastPara="1" vertOverflow="overflow" horzOverflow="overflow" vert="horz" wrap="none" lIns="50800" tIns="50800" rIns="50800" bIns="50800" numCol="1" spcCol="38100" rtlCol="0" anchor="ctr">
-            <a:spAutoFit/>
-          </a:bodyPr>
-          <a:lstStyle/>
-          <a:p>
-            <a:pPr marL="0" marR="0" indent="0" algn="ctr" defTabSz="825500" rtl="0" fontAlgn="auto" latinLnBrk="0" hangingPunct="0">
-              <a:lnSpc>
-                <a:spcPct val="100000"/>
-              </a:lnSpc>
-              <a:spcBef>
-                <a:spcPts val="0"/>
-              </a:spcBef>
-              <a:spcAft>
-                <a:spcPts val="0"/>
-              </a:spcAft>
-              <a:buClrTx/>
-              <a:buSzTx/>
-              <a:buFontTx/>
-              <a:buNone/>
-              <a:tabLst/>
-            </a:pPr>
-            <a:r>
-              <a:rPr kumimoji="0" lang="en-AU" b="0" i="0" u="none" strike="noStrike" cap="none" spc="0" normalizeH="0" baseline="0" dirty="0" err="1">
-                <a:ln>
-                  <a:noFill/>
-                </a:ln>
-                <a:solidFill>
-                  <a:srgbClr val="414141"/>
-                </a:solidFill>
-                <a:effectLst/>
-                <a:uFillTx/>
-                <a:latin typeface="+mj-lt"/>
-                <a:ea typeface="Palatino"/>
-                <a:cs typeface="Palatino"/>
-                <a:sym typeface="Palatino"/>
-              </a:rPr>
-              <a:t>gRPC</a:t>
-            </a:r>
-            <a:endParaRPr kumimoji="0" lang="en-AU" b="0" i="0" u="none" strike="noStrike" cap="none" spc="0" normalizeH="0" baseline="0" dirty="0">
-              <a:ln>
-                <a:noFill/>
-              </a:ln>
-              <a:solidFill>
-                <a:srgbClr val="414141"/>
-              </a:solidFill>
-              <a:effectLst/>
-              <a:uFillTx/>
-              <a:latin typeface="+mj-lt"/>
-              <a:ea typeface="Palatino"/>
-              <a:cs typeface="Palatino"/>
-              <a:sym typeface="Palatino"/>
-            </a:endParaRPr>
-          </a:p>
-        </p:txBody>
-      </p:sp>
-      <p:sp>
-        <p:nvSpPr>
-          <p:cNvPr id="37" name="Rectangle 36">
-            <a:extLst>
-              <a:ext uri="{FF2B5EF4-FFF2-40B4-BE49-F238E27FC236}">
-                <a16:creationId xmlns:a16="http://schemas.microsoft.com/office/drawing/2014/main" id="{065FAA50-5668-4A46-9D8A-BBB0B2CBC887}"/>
-              </a:ext>
-            </a:extLst>
-          </p:cNvPr>
-          <p:cNvSpPr/>
-          <p:nvPr/>
-        </p:nvSpPr>
-        <p:spPr>
-          <a:xfrm>
-            <a:off x="175846" y="1380022"/>
-            <a:ext cx="11570675" cy="3611387"/>
-          </a:xfrm>
-          <a:prstGeom prst="rect">
-            <a:avLst/>
-          </a:prstGeom>
-          <a:noFill/>
-          <a:ln w="12700" cap="flat">
-            <a:solidFill>
-              <a:schemeClr val="tx1"/>
-            </a:solidFill>
-            <a:prstDash val="sysDash"/>
             <a:miter lim="400000"/>
           </a:ln>
           <a:effectLst/>
@@ -8897,10 +7074,1390 @@
       </p:sp>
       <p:sp>
         <p:nvSpPr>
-          <p:cNvPr id="38" name="TextBox 37">
-            <a:extLst>
-              <a:ext uri="{FF2B5EF4-FFF2-40B4-BE49-F238E27FC236}">
-                <a16:creationId xmlns:a16="http://schemas.microsoft.com/office/drawing/2014/main" id="{77310EF1-CF17-A544-AD10-E9132F81FE80}"/>
+          <p:cNvPr id="10" name="Rounded Rectangle 9">
+            <a:extLst>
+              <a:ext uri="{FF2B5EF4-FFF2-40B4-BE49-F238E27FC236}">
+                <a16:creationId xmlns:a16="http://schemas.microsoft.com/office/drawing/2014/main" id="{EC2607FB-0264-7F43-A778-A7391D6F4B56}"/>
+              </a:ext>
+            </a:extLst>
+          </p:cNvPr>
+          <p:cNvSpPr/>
+          <p:nvPr/>
+        </p:nvSpPr>
+        <p:spPr>
+          <a:xfrm>
+            <a:off x="7332784" y="400989"/>
+            <a:ext cx="2719754" cy="601583"/>
+          </a:xfrm>
+          <a:prstGeom prst="roundRect">
+            <a:avLst/>
+          </a:prstGeom>
+          <a:solidFill>
+            <a:srgbClr val="5B9BD5"/>
+          </a:solidFill>
+          <a:ln w="12700" cap="flat">
+            <a:noFill/>
+            <a:miter lim="400000"/>
+          </a:ln>
+          <a:effectLst/>
+          <a:sp3d/>
+        </p:spPr>
+        <p:style>
+          <a:lnRef idx="0">
+            <a:scrgbClr r="0" g="0" b="0"/>
+          </a:lnRef>
+          <a:fillRef idx="0">
+            <a:scrgbClr r="0" g="0" b="0"/>
+          </a:fillRef>
+          <a:effectRef idx="0">
+            <a:scrgbClr r="0" g="0" b="0"/>
+          </a:effectRef>
+          <a:fontRef idx="none"/>
+        </p:style>
+        <p:txBody>
+          <a:bodyPr rot="0" spcFirstLastPara="1" vertOverflow="overflow" horzOverflow="overflow" vert="horz" wrap="square" lIns="25400" tIns="25400" rIns="25400" bIns="25400" numCol="1" spcCol="38100" rtlCol="0" anchor="ctr">
+            <a:spAutoFit/>
+          </a:bodyPr>
+          <a:lstStyle/>
+          <a:p>
+            <a:pPr algn="ctr" defTabSz="412750" hangingPunct="0"/>
+            <a:r>
+              <a:rPr lang="en-AU" sz="1600" kern="0" dirty="0">
+                <a:solidFill>
+                  <a:schemeClr val="bg1"/>
+                </a:solidFill>
+                <a:ea typeface="Palatino"/>
+                <a:sym typeface="Palatino"/>
+              </a:rPr>
+              <a:t>Central Control &amp; Management</a:t>
+            </a:r>
+          </a:p>
+          <a:p>
+            <a:pPr algn="ctr" defTabSz="412750" hangingPunct="0"/>
+            <a:r>
+              <a:rPr lang="en-AU" sz="1600" kern="0" dirty="0">
+                <a:solidFill>
+                  <a:schemeClr val="bg1"/>
+                </a:solidFill>
+                <a:ea typeface="Palatino"/>
+                <a:sym typeface="Palatino"/>
+              </a:rPr>
+              <a:t>(Orchestrator)</a:t>
+            </a:r>
+          </a:p>
+        </p:txBody>
+      </p:sp>
+      <p:sp>
+        <p:nvSpPr>
+          <p:cNvPr id="57" name="Rounded Rectangle 56">
+            <a:extLst>
+              <a:ext uri="{FF2B5EF4-FFF2-40B4-BE49-F238E27FC236}">
+                <a16:creationId xmlns:a16="http://schemas.microsoft.com/office/drawing/2014/main" id="{862A3C49-A572-2945-86B7-DC12A4FD8216}"/>
+              </a:ext>
+            </a:extLst>
+          </p:cNvPr>
+          <p:cNvSpPr/>
+          <p:nvPr/>
+        </p:nvSpPr>
+        <p:spPr>
+          <a:xfrm>
+            <a:off x="6079618" y="1627204"/>
+            <a:ext cx="2421747" cy="601583"/>
+          </a:xfrm>
+          <a:prstGeom prst="roundRect">
+            <a:avLst/>
+          </a:prstGeom>
+          <a:solidFill>
+            <a:srgbClr val="CFE7F1"/>
+          </a:solidFill>
+          <a:ln w="12700" cap="flat">
+            <a:noFill/>
+            <a:miter lim="400000"/>
+          </a:ln>
+          <a:effectLst/>
+          <a:sp3d/>
+        </p:spPr>
+        <p:style>
+          <a:lnRef idx="0">
+            <a:scrgbClr r="0" g="0" b="0"/>
+          </a:lnRef>
+          <a:fillRef idx="0">
+            <a:scrgbClr r="0" g="0" b="0"/>
+          </a:fillRef>
+          <a:effectRef idx="0">
+            <a:scrgbClr r="0" g="0" b="0"/>
+          </a:effectRef>
+          <a:fontRef idx="none"/>
+        </p:style>
+        <p:txBody>
+          <a:bodyPr rot="0" spcFirstLastPara="1" vertOverflow="overflow" horzOverflow="overflow" vert="horz" wrap="square" lIns="25400" tIns="25400" rIns="25400" bIns="25400" numCol="1" spcCol="38100" rtlCol="0" anchor="ctr">
+            <a:spAutoFit/>
+          </a:bodyPr>
+          <a:lstStyle/>
+          <a:p>
+            <a:pPr algn="ctr" defTabSz="412750" hangingPunct="0"/>
+            <a:r>
+              <a:rPr lang="en-AU" sz="1600" kern="0" dirty="0">
+                <a:ea typeface="Palatino"/>
+                <a:sym typeface="Palatino"/>
+              </a:rPr>
+              <a:t>Access Control &amp;</a:t>
+            </a:r>
+            <a:br>
+              <a:rPr lang="en-AU" sz="1600" kern="0" dirty="0">
+                <a:ea typeface="Palatino"/>
+                <a:sym typeface="Palatino"/>
+              </a:rPr>
+            </a:br>
+            <a:r>
+              <a:rPr lang="en-AU" sz="1600" kern="0" dirty="0">
+                <a:ea typeface="Palatino"/>
+                <a:sym typeface="Palatino"/>
+              </a:rPr>
+              <a:t>Management</a:t>
+            </a:r>
+          </a:p>
+        </p:txBody>
+      </p:sp>
+      <p:sp>
+        <p:nvSpPr>
+          <p:cNvPr id="22" name="Rounded Rectangle 21">
+            <a:extLst>
+              <a:ext uri="{FF2B5EF4-FFF2-40B4-BE49-F238E27FC236}">
+                <a16:creationId xmlns:a16="http://schemas.microsoft.com/office/drawing/2014/main" id="{56ACEF58-7B64-124A-87D9-832F33331CC8}"/>
+              </a:ext>
+            </a:extLst>
+          </p:cNvPr>
+          <p:cNvSpPr/>
+          <p:nvPr/>
+        </p:nvSpPr>
+        <p:spPr>
+          <a:xfrm>
+            <a:off x="6079618" y="2428169"/>
+            <a:ext cx="2421747" cy="601583"/>
+          </a:xfrm>
+          <a:prstGeom prst="roundRect">
+            <a:avLst/>
+          </a:prstGeom>
+          <a:solidFill>
+            <a:srgbClr val="CFE7F1"/>
+          </a:solidFill>
+          <a:ln w="12700" cap="flat">
+            <a:noFill/>
+            <a:miter lim="400000"/>
+          </a:ln>
+          <a:effectLst/>
+          <a:sp3d/>
+        </p:spPr>
+        <p:style>
+          <a:lnRef idx="0">
+            <a:scrgbClr r="0" g="0" b="0"/>
+          </a:lnRef>
+          <a:fillRef idx="0">
+            <a:scrgbClr r="0" g="0" b="0"/>
+          </a:fillRef>
+          <a:effectRef idx="0">
+            <a:scrgbClr r="0" g="0" b="0"/>
+          </a:effectRef>
+          <a:fontRef idx="none"/>
+        </p:style>
+        <p:txBody>
+          <a:bodyPr rot="0" spcFirstLastPara="1" vertOverflow="overflow" horzOverflow="overflow" vert="horz" wrap="square" lIns="25400" tIns="25400" rIns="25400" bIns="25400" numCol="1" spcCol="38100" rtlCol="0" anchor="ctr">
+            <a:spAutoFit/>
+          </a:bodyPr>
+          <a:lstStyle/>
+          <a:p>
+            <a:pPr algn="ctr" defTabSz="412750" hangingPunct="0"/>
+            <a:r>
+              <a:rPr lang="en-AU" sz="1600" kern="0" dirty="0">
+                <a:ea typeface="Palatino"/>
+                <a:sym typeface="Palatino"/>
+              </a:rPr>
+              <a:t>Subscriber </a:t>
+            </a:r>
+            <a:br>
+              <a:rPr lang="en-AU" sz="1600" kern="0" dirty="0">
+                <a:ea typeface="Palatino"/>
+                <a:sym typeface="Palatino"/>
+              </a:rPr>
+            </a:br>
+            <a:r>
+              <a:rPr lang="en-AU" sz="1600" kern="0" dirty="0">
+                <a:ea typeface="Palatino"/>
+                <a:sym typeface="Palatino"/>
+              </a:rPr>
+              <a:t>Management</a:t>
+            </a:r>
+          </a:p>
+        </p:txBody>
+      </p:sp>
+      <p:sp>
+        <p:nvSpPr>
+          <p:cNvPr id="16" name="Rounded Rectangle 15">
+            <a:extLst>
+              <a:ext uri="{FF2B5EF4-FFF2-40B4-BE49-F238E27FC236}">
+                <a16:creationId xmlns:a16="http://schemas.microsoft.com/office/drawing/2014/main" id="{2EA268C2-0DF4-3F4D-BFBE-8960BAA428C8}"/>
+              </a:ext>
+            </a:extLst>
+          </p:cNvPr>
+          <p:cNvSpPr/>
+          <p:nvPr/>
+        </p:nvSpPr>
+        <p:spPr>
+          <a:xfrm>
+            <a:off x="7526960" y="4296558"/>
+            <a:ext cx="2421747" cy="329168"/>
+          </a:xfrm>
+          <a:prstGeom prst="roundRect">
+            <a:avLst/>
+          </a:prstGeom>
+          <a:solidFill>
+            <a:schemeClr val="bg2">
+              <a:lumMod val="50000"/>
+            </a:schemeClr>
+          </a:solidFill>
+          <a:ln w="12700" cap="flat">
+            <a:solidFill>
+              <a:schemeClr val="tx1">
+                <a:lumMod val="50000"/>
+                <a:lumOff val="50000"/>
+              </a:schemeClr>
+            </a:solidFill>
+            <a:miter lim="400000"/>
+          </a:ln>
+          <a:effectLst/>
+          <a:sp3d/>
+        </p:spPr>
+        <p:style>
+          <a:lnRef idx="0">
+            <a:scrgbClr r="0" g="0" b="0"/>
+          </a:lnRef>
+          <a:fillRef idx="0">
+            <a:scrgbClr r="0" g="0" b="0"/>
+          </a:fillRef>
+          <a:effectRef idx="0">
+            <a:scrgbClr r="0" g="0" b="0"/>
+          </a:effectRef>
+          <a:fontRef idx="none"/>
+        </p:style>
+        <p:txBody>
+          <a:bodyPr rot="0" spcFirstLastPara="1" vertOverflow="overflow" horzOverflow="overflow" vert="horz" wrap="square" lIns="25400" tIns="25400" rIns="25400" bIns="25400" numCol="1" spcCol="38100" rtlCol="0" anchor="ctr">
+            <a:spAutoFit/>
+          </a:bodyPr>
+          <a:lstStyle/>
+          <a:p>
+            <a:pPr algn="ctr" defTabSz="412750" hangingPunct="0"/>
+            <a:r>
+              <a:rPr lang="en-AU" sz="1600" kern="0" dirty="0">
+                <a:solidFill>
+                  <a:schemeClr val="bg1"/>
+                </a:solidFill>
+                <a:latin typeface="Arial" panose="020B0604020202020204"/>
+                <a:ea typeface="Palatino"/>
+                <a:sym typeface="Palatino"/>
+              </a:rPr>
+              <a:t>Data Plane (OVS)</a:t>
+            </a:r>
+          </a:p>
+        </p:txBody>
+      </p:sp>
+      <p:sp>
+        <p:nvSpPr>
+          <p:cNvPr id="17" name="Rounded Rectangle 16">
+            <a:extLst>
+              <a:ext uri="{FF2B5EF4-FFF2-40B4-BE49-F238E27FC236}">
+                <a16:creationId xmlns:a16="http://schemas.microsoft.com/office/drawing/2014/main" id="{89496D19-A0DF-414C-BAB4-F6141CE2ABE5}"/>
+              </a:ext>
+            </a:extLst>
+          </p:cNvPr>
+          <p:cNvSpPr/>
+          <p:nvPr/>
+        </p:nvSpPr>
+        <p:spPr>
+          <a:xfrm>
+            <a:off x="8862695" y="1627204"/>
+            <a:ext cx="2387798" cy="601583"/>
+          </a:xfrm>
+          <a:prstGeom prst="roundRect">
+            <a:avLst/>
+          </a:prstGeom>
+          <a:solidFill>
+            <a:srgbClr val="CFE7F1"/>
+          </a:solidFill>
+          <a:ln w="12700" cap="flat">
+            <a:noFill/>
+            <a:miter lim="400000"/>
+          </a:ln>
+          <a:effectLst/>
+          <a:sp3d/>
+        </p:spPr>
+        <p:style>
+          <a:lnRef idx="0">
+            <a:scrgbClr r="0" g="0" b="0"/>
+          </a:lnRef>
+          <a:fillRef idx="0">
+            <a:scrgbClr r="0" g="0" b="0"/>
+          </a:fillRef>
+          <a:effectRef idx="0">
+            <a:scrgbClr r="0" g="0" b="0"/>
+          </a:effectRef>
+          <a:fontRef idx="none"/>
+        </p:style>
+        <p:txBody>
+          <a:bodyPr rot="0" spcFirstLastPara="1" vertOverflow="overflow" horzOverflow="overflow" vert="horz" wrap="square" lIns="25400" tIns="25400" rIns="25400" bIns="25400" numCol="1" spcCol="38100" rtlCol="0" anchor="ctr">
+            <a:spAutoFit/>
+          </a:bodyPr>
+          <a:lstStyle/>
+          <a:p>
+            <a:pPr algn="ctr" defTabSz="412750" hangingPunct="0"/>
+            <a:r>
+              <a:rPr lang="en-AU" sz="1600" kern="0" dirty="0">
+                <a:ea typeface="Palatino"/>
+                <a:sym typeface="Palatino"/>
+              </a:rPr>
+              <a:t>Device </a:t>
+            </a:r>
+            <a:br>
+              <a:rPr lang="en-AU" sz="1600" kern="0" dirty="0">
+                <a:ea typeface="Palatino"/>
+                <a:sym typeface="Palatino"/>
+              </a:rPr>
+            </a:br>
+            <a:r>
+              <a:rPr lang="en-AU" sz="1600" kern="0" dirty="0">
+                <a:ea typeface="Palatino"/>
+                <a:sym typeface="Palatino"/>
+              </a:rPr>
+              <a:t>Management</a:t>
+            </a:r>
+          </a:p>
+        </p:txBody>
+      </p:sp>
+      <p:sp>
+        <p:nvSpPr>
+          <p:cNvPr id="18" name="Rounded Rectangle 17">
+            <a:extLst>
+              <a:ext uri="{FF2B5EF4-FFF2-40B4-BE49-F238E27FC236}">
+                <a16:creationId xmlns:a16="http://schemas.microsoft.com/office/drawing/2014/main" id="{0FEE4C65-3823-4F47-A8D6-E44B0A2FFB28}"/>
+              </a:ext>
+            </a:extLst>
+          </p:cNvPr>
+          <p:cNvSpPr/>
+          <p:nvPr/>
+        </p:nvSpPr>
+        <p:spPr>
+          <a:xfrm>
+            <a:off x="8862694" y="2436145"/>
+            <a:ext cx="2387799" cy="601583"/>
+          </a:xfrm>
+          <a:prstGeom prst="roundRect">
+            <a:avLst/>
+          </a:prstGeom>
+          <a:solidFill>
+            <a:srgbClr val="CFE7F1"/>
+          </a:solidFill>
+          <a:ln w="12700" cap="flat">
+            <a:noFill/>
+            <a:miter lim="400000"/>
+          </a:ln>
+          <a:effectLst/>
+          <a:sp3d/>
+        </p:spPr>
+        <p:style>
+          <a:lnRef idx="0">
+            <a:scrgbClr r="0" g="0" b="0"/>
+          </a:lnRef>
+          <a:fillRef idx="0">
+            <a:scrgbClr r="0" g="0" b="0"/>
+          </a:fillRef>
+          <a:effectRef idx="0">
+            <a:scrgbClr r="0" g="0" b="0"/>
+          </a:effectRef>
+          <a:fontRef idx="none"/>
+        </p:style>
+        <p:txBody>
+          <a:bodyPr rot="0" spcFirstLastPara="1" vertOverflow="overflow" horzOverflow="overflow" vert="horz" wrap="square" lIns="25400" tIns="25400" rIns="25400" bIns="25400" numCol="1" spcCol="38100" rtlCol="0" anchor="ctr">
+            <a:spAutoFit/>
+          </a:bodyPr>
+          <a:lstStyle/>
+          <a:p>
+            <a:pPr algn="ctr" defTabSz="412750" hangingPunct="0"/>
+            <a:r>
+              <a:rPr lang="en-AU" sz="1600" kern="0" dirty="0">
+                <a:ea typeface="Palatino"/>
+                <a:sym typeface="Palatino"/>
+              </a:rPr>
+              <a:t>Session &amp; Policy</a:t>
+            </a:r>
+            <a:br>
+              <a:rPr lang="en-AU" sz="1600" kern="0" dirty="0">
+                <a:ea typeface="Palatino"/>
+                <a:sym typeface="Palatino"/>
+              </a:rPr>
+            </a:br>
+            <a:r>
+              <a:rPr lang="en-AU" sz="1600" kern="0" dirty="0">
+                <a:ea typeface="Palatino"/>
+                <a:sym typeface="Palatino"/>
+              </a:rPr>
+              <a:t>Management</a:t>
+            </a:r>
+          </a:p>
+        </p:txBody>
+      </p:sp>
+      <p:sp>
+        <p:nvSpPr>
+          <p:cNvPr id="19" name="Rounded Rectangle 18">
+            <a:extLst>
+              <a:ext uri="{FF2B5EF4-FFF2-40B4-BE49-F238E27FC236}">
+                <a16:creationId xmlns:a16="http://schemas.microsoft.com/office/drawing/2014/main" id="{42FEC876-51CD-C64E-9766-94B660098298}"/>
+              </a:ext>
+            </a:extLst>
+          </p:cNvPr>
+          <p:cNvSpPr/>
+          <p:nvPr/>
+        </p:nvSpPr>
+        <p:spPr>
+          <a:xfrm>
+            <a:off x="8874417" y="3233362"/>
+            <a:ext cx="2405728" cy="601583"/>
+          </a:xfrm>
+          <a:prstGeom prst="roundRect">
+            <a:avLst/>
+          </a:prstGeom>
+          <a:solidFill>
+            <a:srgbClr val="CFE7F1"/>
+          </a:solidFill>
+          <a:ln w="12700" cap="flat">
+            <a:noFill/>
+            <a:miter lim="400000"/>
+          </a:ln>
+          <a:effectLst/>
+          <a:sp3d/>
+        </p:spPr>
+        <p:style>
+          <a:lnRef idx="0">
+            <a:scrgbClr r="0" g="0" b="0"/>
+          </a:lnRef>
+          <a:fillRef idx="0">
+            <a:scrgbClr r="0" g="0" b="0"/>
+          </a:fillRef>
+          <a:effectRef idx="0">
+            <a:scrgbClr r="0" g="0" b="0"/>
+          </a:effectRef>
+          <a:fontRef idx="none"/>
+        </p:style>
+        <p:txBody>
+          <a:bodyPr rot="0" spcFirstLastPara="1" vertOverflow="overflow" horzOverflow="overflow" vert="horz" wrap="square" lIns="25400" tIns="25400" rIns="25400" bIns="25400" numCol="1" spcCol="38100" rtlCol="0" anchor="ctr">
+            <a:spAutoFit/>
+          </a:bodyPr>
+          <a:lstStyle/>
+          <a:p>
+            <a:pPr algn="ctr" defTabSz="412750" hangingPunct="0"/>
+            <a:r>
+              <a:rPr lang="en-AU" sz="1600" kern="0" dirty="0">
+                <a:ea typeface="Palatino"/>
+                <a:sym typeface="Palatino"/>
+              </a:rPr>
+              <a:t>Telemetry &amp; </a:t>
+            </a:r>
+            <a:br>
+              <a:rPr lang="en-AU" sz="1600" kern="0" dirty="0">
+                <a:ea typeface="Palatino"/>
+                <a:sym typeface="Palatino"/>
+              </a:rPr>
+            </a:br>
+            <a:r>
+              <a:rPr lang="en-AU" sz="1600" kern="0" dirty="0">
+                <a:ea typeface="Palatino"/>
+                <a:sym typeface="Palatino"/>
+              </a:rPr>
+              <a:t>Logging</a:t>
+            </a:r>
+          </a:p>
+        </p:txBody>
+      </p:sp>
+      <p:cxnSp>
+        <p:nvCxnSpPr>
+          <p:cNvPr id="4" name="Straight Arrow Connector 3">
+            <a:extLst>
+              <a:ext uri="{FF2B5EF4-FFF2-40B4-BE49-F238E27FC236}">
+                <a16:creationId xmlns:a16="http://schemas.microsoft.com/office/drawing/2014/main" id="{9F934019-4534-AE4F-983F-936A607ACE86}"/>
+              </a:ext>
+            </a:extLst>
+          </p:cNvPr>
+          <p:cNvCxnSpPr>
+            <a:cxnSpLocks/>
+            <a:stCxn id="10" idx="2"/>
+            <a:endCxn id="3" idx="0"/>
+          </p:cNvCxnSpPr>
+          <p:nvPr/>
+        </p:nvCxnSpPr>
+        <p:spPr>
+          <a:xfrm>
+            <a:off x="8692661" y="1002572"/>
+            <a:ext cx="1" cy="459512"/>
+          </a:xfrm>
+          <a:prstGeom prst="straightConnector1">
+            <a:avLst/>
+          </a:prstGeom>
+          <a:noFill/>
+          <a:ln w="19050" cap="flat">
+            <a:solidFill>
+              <a:srgbClr val="0070C0"/>
+            </a:solidFill>
+            <a:prstDash val="solid"/>
+            <a:miter lim="400000"/>
+            <a:headEnd type="triangle" w="med" len="med"/>
+            <a:tailEnd type="triangle" w="med" len="med"/>
+          </a:ln>
+          <a:effectLst/>
+          <a:sp3d/>
+        </p:spPr>
+        <p:style>
+          <a:lnRef idx="0">
+            <a:scrgbClr r="0" g="0" b="0"/>
+          </a:lnRef>
+          <a:fillRef idx="0">
+            <a:scrgbClr r="0" g="0" b="0"/>
+          </a:fillRef>
+          <a:effectRef idx="0">
+            <a:scrgbClr r="0" g="0" b="0"/>
+          </a:effectRef>
+          <a:fontRef idx="none"/>
+        </p:style>
+      </p:cxnSp>
+      <p:sp>
+        <p:nvSpPr>
+          <p:cNvPr id="58" name="Rounded Rectangle 57">
+            <a:extLst>
+              <a:ext uri="{FF2B5EF4-FFF2-40B4-BE49-F238E27FC236}">
+                <a16:creationId xmlns:a16="http://schemas.microsoft.com/office/drawing/2014/main" id="{71331B65-83C8-FD44-9A9F-2058EA9F5644}"/>
+              </a:ext>
+            </a:extLst>
+          </p:cNvPr>
+          <p:cNvSpPr/>
+          <p:nvPr/>
+        </p:nvSpPr>
+        <p:spPr>
+          <a:xfrm>
+            <a:off x="1551125" y="5574182"/>
+            <a:ext cx="1655134" cy="329168"/>
+          </a:xfrm>
+          <a:prstGeom prst="roundRect">
+            <a:avLst/>
+          </a:prstGeom>
+          <a:solidFill>
+            <a:srgbClr val="5B9BD5"/>
+          </a:solidFill>
+          <a:ln w="12700" cap="flat">
+            <a:noFill/>
+            <a:miter lim="400000"/>
+          </a:ln>
+          <a:effectLst/>
+          <a:sp3d/>
+        </p:spPr>
+        <p:style>
+          <a:lnRef idx="0">
+            <a:scrgbClr r="0" g="0" b="0"/>
+          </a:lnRef>
+          <a:fillRef idx="0">
+            <a:scrgbClr r="0" g="0" b="0"/>
+          </a:fillRef>
+          <a:effectRef idx="0">
+            <a:scrgbClr r="0" g="0" b="0"/>
+          </a:effectRef>
+          <a:fontRef idx="none"/>
+        </p:style>
+        <p:txBody>
+          <a:bodyPr rot="0" spcFirstLastPara="1" vertOverflow="overflow" horzOverflow="overflow" vert="horz" wrap="square" lIns="25400" tIns="25400" rIns="25400" bIns="25400" numCol="1" spcCol="38100" rtlCol="0" anchor="ctr">
+            <a:spAutoFit/>
+          </a:bodyPr>
+          <a:lstStyle/>
+          <a:p>
+            <a:pPr algn="ctr" defTabSz="412750" hangingPunct="0"/>
+            <a:r>
+              <a:rPr lang="en-AU" sz="1600" kern="0" dirty="0">
+                <a:solidFill>
+                  <a:prstClr val="white"/>
+                </a:solidFill>
+                <a:ea typeface="Palatino"/>
+                <a:sym typeface="Palatino"/>
+              </a:rPr>
+              <a:t>eNB/gNB</a:t>
+            </a:r>
+          </a:p>
+        </p:txBody>
+      </p:sp>
+      <p:cxnSp>
+        <p:nvCxnSpPr>
+          <p:cNvPr id="25" name="Straight Arrow Connector 24">
+            <a:extLst>
+              <a:ext uri="{FF2B5EF4-FFF2-40B4-BE49-F238E27FC236}">
+                <a16:creationId xmlns:a16="http://schemas.microsoft.com/office/drawing/2014/main" id="{4A339110-8DED-BB4B-AEF4-BFD598D13D45}"/>
+              </a:ext>
+            </a:extLst>
+          </p:cNvPr>
+          <p:cNvCxnSpPr>
+            <a:cxnSpLocks/>
+          </p:cNvCxnSpPr>
+          <p:nvPr/>
+        </p:nvCxnSpPr>
+        <p:spPr>
+          <a:xfrm>
+            <a:off x="2425584" y="4160350"/>
+            <a:ext cx="0" cy="1413832"/>
+          </a:xfrm>
+          <a:prstGeom prst="straightConnector1">
+            <a:avLst/>
+          </a:prstGeom>
+          <a:noFill/>
+          <a:ln w="19050" cap="flat">
+            <a:solidFill>
+              <a:srgbClr val="0070C0"/>
+            </a:solidFill>
+            <a:prstDash val="solid"/>
+            <a:miter lim="400000"/>
+            <a:headEnd type="triangle" w="med" len="med"/>
+            <a:tailEnd type="triangle" w="med" len="med"/>
+          </a:ln>
+          <a:effectLst/>
+          <a:sp3d/>
+        </p:spPr>
+        <p:style>
+          <a:lnRef idx="0">
+            <a:scrgbClr r="0" g="0" b="0"/>
+          </a:lnRef>
+          <a:fillRef idx="0">
+            <a:scrgbClr r="0" g="0" b="0"/>
+          </a:fillRef>
+          <a:effectRef idx="0">
+            <a:scrgbClr r="0" g="0" b="0"/>
+          </a:effectRef>
+          <a:fontRef idx="none"/>
+        </p:style>
+      </p:cxnSp>
+      <p:sp>
+        <p:nvSpPr>
+          <p:cNvPr id="21" name="Rectangle 20">
+            <a:extLst>
+              <a:ext uri="{FF2B5EF4-FFF2-40B4-BE49-F238E27FC236}">
+                <a16:creationId xmlns:a16="http://schemas.microsoft.com/office/drawing/2014/main" id="{3381E0AD-EDDE-104C-BD59-0B127522766A}"/>
+              </a:ext>
+            </a:extLst>
+          </p:cNvPr>
+          <p:cNvSpPr/>
+          <p:nvPr/>
+        </p:nvSpPr>
+        <p:spPr>
+          <a:xfrm flipH="1">
+            <a:off x="312930" y="5161342"/>
+            <a:ext cx="3075040" cy="1506819"/>
+          </a:xfrm>
+          <a:prstGeom prst="rect">
+            <a:avLst/>
+          </a:prstGeom>
+          <a:noFill/>
+          <a:ln w="25400" cap="flat" cmpd="sng" algn="ctr">
+            <a:solidFill>
+              <a:srgbClr val="626262"/>
+            </a:solidFill>
+            <a:prstDash val="sysDot"/>
+          </a:ln>
+          <a:effectLst/>
+        </p:spPr>
+        <p:txBody>
+          <a:bodyPr rtlCol="0" anchor="b"/>
+          <a:lstStyle/>
+          <a:p>
+            <a:pPr marL="0" marR="0" lvl="0" indent="0" algn="r" defTabSz="457200" eaLnBrk="1" fontAlgn="auto" latinLnBrk="0" hangingPunct="1">
+              <a:lnSpc>
+                <a:spcPct val="100000"/>
+              </a:lnSpc>
+              <a:spcBef>
+                <a:spcPts val="0"/>
+              </a:spcBef>
+              <a:spcAft>
+                <a:spcPts val="0"/>
+              </a:spcAft>
+              <a:buClrTx/>
+              <a:buSzTx/>
+              <a:buFontTx/>
+              <a:buNone/>
+              <a:tabLst/>
+              <a:defRPr/>
+            </a:pPr>
+            <a:r>
+              <a:rPr kumimoji="0" lang="en-US" b="0" i="0" u="none" strike="noStrike" kern="1200" cap="none" spc="0" normalizeH="0" baseline="0" noProof="0" dirty="0">
+                <a:ln>
+                  <a:noFill/>
+                </a:ln>
+                <a:solidFill>
+                  <a:srgbClr val="626262">
+                    <a:lumMod val="50000"/>
+                  </a:srgbClr>
+                </a:solidFill>
+                <a:effectLst/>
+                <a:uLnTx/>
+                <a:uFillTx/>
+                <a:ea typeface="+mn-ea"/>
+                <a:cs typeface="+mn-cs"/>
+              </a:rPr>
+              <a:t>Radio Access Network</a:t>
+            </a:r>
+          </a:p>
+        </p:txBody>
+      </p:sp>
+      <p:sp>
+        <p:nvSpPr>
+          <p:cNvPr id="20" name="Rounded Rectangle 19">
+            <a:extLst>
+              <a:ext uri="{FF2B5EF4-FFF2-40B4-BE49-F238E27FC236}">
+                <a16:creationId xmlns:a16="http://schemas.microsoft.com/office/drawing/2014/main" id="{6806371B-383C-7941-9C69-F848B32126A5}"/>
+              </a:ext>
+            </a:extLst>
+          </p:cNvPr>
+          <p:cNvSpPr/>
+          <p:nvPr/>
+        </p:nvSpPr>
+        <p:spPr>
+          <a:xfrm>
+            <a:off x="6095637" y="3284721"/>
+            <a:ext cx="2405728" cy="601583"/>
+          </a:xfrm>
+          <a:prstGeom prst="roundRect">
+            <a:avLst/>
+          </a:prstGeom>
+          <a:solidFill>
+            <a:srgbClr val="CFE7F1"/>
+          </a:solidFill>
+          <a:ln w="12700" cap="flat">
+            <a:noFill/>
+            <a:miter lim="400000"/>
+          </a:ln>
+          <a:effectLst/>
+          <a:sp3d/>
+        </p:spPr>
+        <p:style>
+          <a:lnRef idx="0">
+            <a:scrgbClr r="0" g="0" b="0"/>
+          </a:lnRef>
+          <a:fillRef idx="0">
+            <a:scrgbClr r="0" g="0" b="0"/>
+          </a:fillRef>
+          <a:effectRef idx="0">
+            <a:scrgbClr r="0" g="0" b="0"/>
+          </a:effectRef>
+          <a:fontRef idx="none"/>
+        </p:style>
+        <p:txBody>
+          <a:bodyPr rot="0" spcFirstLastPara="1" vertOverflow="overflow" horzOverflow="overflow" vert="horz" wrap="square" lIns="25400" tIns="25400" rIns="25400" bIns="25400" numCol="1" spcCol="38100" rtlCol="0" anchor="ctr">
+            <a:spAutoFit/>
+          </a:bodyPr>
+          <a:lstStyle/>
+          <a:p>
+            <a:pPr algn="ctr" defTabSz="412750" hangingPunct="0"/>
+            <a:r>
+              <a:rPr lang="en-AU" sz="1600" kern="0" dirty="0">
+                <a:ea typeface="Palatino"/>
+                <a:sym typeface="Palatino"/>
+              </a:rPr>
+              <a:t>Data Plane </a:t>
+            </a:r>
+            <a:br>
+              <a:rPr lang="en-AU" sz="1600" kern="0" dirty="0">
+                <a:ea typeface="Palatino"/>
+                <a:sym typeface="Palatino"/>
+              </a:rPr>
+            </a:br>
+            <a:r>
+              <a:rPr lang="en-AU" sz="1600" kern="0" dirty="0">
+                <a:ea typeface="Palatino"/>
+                <a:sym typeface="Palatino"/>
+              </a:rPr>
+              <a:t>Configuration</a:t>
+            </a:r>
+          </a:p>
+        </p:txBody>
+      </p:sp>
+      <p:sp>
+        <p:nvSpPr>
+          <p:cNvPr id="27" name="Rounded Rectangle 26">
+            <a:extLst>
+              <a:ext uri="{FF2B5EF4-FFF2-40B4-BE49-F238E27FC236}">
+                <a16:creationId xmlns:a16="http://schemas.microsoft.com/office/drawing/2014/main" id="{B6D2CA22-C153-4242-A3F3-6079321722AE}"/>
+              </a:ext>
+            </a:extLst>
+          </p:cNvPr>
+          <p:cNvSpPr/>
+          <p:nvPr/>
+        </p:nvSpPr>
+        <p:spPr>
+          <a:xfrm>
+            <a:off x="756668" y="3831182"/>
+            <a:ext cx="2405728" cy="329168"/>
+          </a:xfrm>
+          <a:prstGeom prst="roundRect">
+            <a:avLst/>
+          </a:prstGeom>
+          <a:solidFill>
+            <a:srgbClr val="CFE7F1"/>
+          </a:solidFill>
+          <a:ln w="12700" cap="flat">
+            <a:noFill/>
+            <a:miter lim="400000"/>
+          </a:ln>
+          <a:effectLst/>
+          <a:sp3d/>
+        </p:spPr>
+        <p:style>
+          <a:lnRef idx="0">
+            <a:scrgbClr r="0" g="0" b="0"/>
+          </a:lnRef>
+          <a:fillRef idx="0">
+            <a:scrgbClr r="0" g="0" b="0"/>
+          </a:fillRef>
+          <a:effectRef idx="0">
+            <a:scrgbClr r="0" g="0" b="0"/>
+          </a:effectRef>
+          <a:fontRef idx="none"/>
+        </p:style>
+        <p:txBody>
+          <a:bodyPr rot="0" spcFirstLastPara="1" vertOverflow="overflow" horzOverflow="overflow" vert="horz" wrap="square" lIns="25400" tIns="25400" rIns="25400" bIns="25400" numCol="1" spcCol="38100" rtlCol="0" anchor="ctr">
+            <a:spAutoFit/>
+          </a:bodyPr>
+          <a:lstStyle/>
+          <a:p>
+            <a:pPr algn="ctr" defTabSz="412750" hangingPunct="0"/>
+            <a:r>
+              <a:rPr lang="en-AU" sz="1600" kern="0" dirty="0">
+                <a:solidFill>
+                  <a:schemeClr val="tx2">
+                    <a:lumMod val="10000"/>
+                  </a:schemeClr>
+                </a:solidFill>
+                <a:latin typeface="Calibri" panose="020F0502020204030204" pitchFamily="34" charset="0"/>
+                <a:ea typeface="Palatino"/>
+                <a:cs typeface="Calibri" panose="020F0502020204030204" pitchFamily="34" charset="0"/>
+                <a:sym typeface="Palatino"/>
+              </a:rPr>
+              <a:t>SCTP</a:t>
+            </a:r>
+          </a:p>
+        </p:txBody>
+      </p:sp>
+      <p:sp>
+        <p:nvSpPr>
+          <p:cNvPr id="28" name="Rounded Rectangle 27">
+            <a:extLst>
+              <a:ext uri="{FF2B5EF4-FFF2-40B4-BE49-F238E27FC236}">
+                <a16:creationId xmlns:a16="http://schemas.microsoft.com/office/drawing/2014/main" id="{CE2CDB48-3E4D-9A43-A2D2-303B021880AD}"/>
+              </a:ext>
+            </a:extLst>
+          </p:cNvPr>
+          <p:cNvSpPr/>
+          <p:nvPr/>
+        </p:nvSpPr>
+        <p:spPr>
+          <a:xfrm>
+            <a:off x="271366" y="3082330"/>
+            <a:ext cx="1276071" cy="329168"/>
+          </a:xfrm>
+          <a:prstGeom prst="roundRect">
+            <a:avLst/>
+          </a:prstGeom>
+          <a:solidFill>
+            <a:srgbClr val="CFE7F1"/>
+          </a:solidFill>
+          <a:ln w="12700" cap="flat">
+            <a:noFill/>
+            <a:miter lim="400000"/>
+          </a:ln>
+          <a:effectLst/>
+          <a:sp3d/>
+        </p:spPr>
+        <p:style>
+          <a:lnRef idx="0">
+            <a:scrgbClr r="0" g="0" b="0"/>
+          </a:lnRef>
+          <a:fillRef idx="0">
+            <a:scrgbClr r="0" g="0" b="0"/>
+          </a:fillRef>
+          <a:effectRef idx="0">
+            <a:scrgbClr r="0" g="0" b="0"/>
+          </a:effectRef>
+          <a:fontRef idx="none"/>
+        </p:style>
+        <p:txBody>
+          <a:bodyPr rot="0" spcFirstLastPara="1" vertOverflow="overflow" horzOverflow="overflow" vert="horz" wrap="square" lIns="25400" tIns="25400" rIns="25400" bIns="25400" numCol="1" spcCol="38100" rtlCol="0" anchor="ctr">
+            <a:spAutoFit/>
+          </a:bodyPr>
+          <a:lstStyle/>
+          <a:p>
+            <a:pPr algn="ctr" defTabSz="412750" hangingPunct="0"/>
+            <a:r>
+              <a:rPr lang="en-AU" sz="1600" kern="0" dirty="0">
+                <a:solidFill>
+                  <a:schemeClr val="tx2">
+                    <a:lumMod val="10000"/>
+                  </a:schemeClr>
+                </a:solidFill>
+                <a:ea typeface="Palatino"/>
+                <a:sym typeface="Palatino"/>
+              </a:rPr>
+              <a:t>4G-NAS</a:t>
+            </a:r>
+          </a:p>
+        </p:txBody>
+      </p:sp>
+      <p:sp>
+        <p:nvSpPr>
+          <p:cNvPr id="30" name="Rounded Rectangle 29">
+            <a:extLst>
+              <a:ext uri="{FF2B5EF4-FFF2-40B4-BE49-F238E27FC236}">
+                <a16:creationId xmlns:a16="http://schemas.microsoft.com/office/drawing/2014/main" id="{40AD6B4C-0FFE-D346-B169-04C193E59EDF}"/>
+              </a:ext>
+            </a:extLst>
+          </p:cNvPr>
+          <p:cNvSpPr/>
+          <p:nvPr/>
+        </p:nvSpPr>
+        <p:spPr>
+          <a:xfrm>
+            <a:off x="2691557" y="3136234"/>
+            <a:ext cx="1276071" cy="329168"/>
+          </a:xfrm>
+          <a:prstGeom prst="roundRect">
+            <a:avLst/>
+          </a:prstGeom>
+          <a:solidFill>
+            <a:srgbClr val="CFE7F1"/>
+          </a:solidFill>
+          <a:ln w="12700" cap="flat">
+            <a:noFill/>
+            <a:miter lim="400000"/>
+          </a:ln>
+          <a:effectLst/>
+          <a:sp3d/>
+        </p:spPr>
+        <p:style>
+          <a:lnRef idx="0">
+            <a:scrgbClr r="0" g="0" b="0"/>
+          </a:lnRef>
+          <a:fillRef idx="0">
+            <a:scrgbClr r="0" g="0" b="0"/>
+          </a:fillRef>
+          <a:effectRef idx="0">
+            <a:scrgbClr r="0" g="0" b="0"/>
+          </a:effectRef>
+          <a:fontRef idx="none"/>
+        </p:style>
+        <p:txBody>
+          <a:bodyPr rot="0" spcFirstLastPara="1" vertOverflow="overflow" horzOverflow="overflow" vert="horz" wrap="square" lIns="25400" tIns="25400" rIns="25400" bIns="25400" numCol="1" spcCol="38100" rtlCol="0" anchor="ctr">
+            <a:spAutoFit/>
+          </a:bodyPr>
+          <a:lstStyle/>
+          <a:p>
+            <a:pPr algn="ctr" defTabSz="412750" hangingPunct="0"/>
+            <a:r>
+              <a:rPr lang="en-AU" sz="1600" kern="0" dirty="0">
+                <a:solidFill>
+                  <a:schemeClr val="tx2">
+                    <a:lumMod val="10000"/>
+                  </a:schemeClr>
+                </a:solidFill>
+                <a:ea typeface="Palatino"/>
+                <a:sym typeface="Palatino"/>
+              </a:rPr>
+              <a:t>5G-NAS</a:t>
+            </a:r>
+          </a:p>
+        </p:txBody>
+      </p:sp>
+      <p:sp>
+        <p:nvSpPr>
+          <p:cNvPr id="31" name="Rounded Rectangle 30">
+            <a:extLst>
+              <a:ext uri="{FF2B5EF4-FFF2-40B4-BE49-F238E27FC236}">
+                <a16:creationId xmlns:a16="http://schemas.microsoft.com/office/drawing/2014/main" id="{5F5580C0-19EB-3F45-814D-63E9EF68ECD5}"/>
+              </a:ext>
+            </a:extLst>
+          </p:cNvPr>
+          <p:cNvSpPr/>
+          <p:nvPr/>
+        </p:nvSpPr>
+        <p:spPr>
+          <a:xfrm>
+            <a:off x="885719" y="2517910"/>
+            <a:ext cx="1276071" cy="329168"/>
+          </a:xfrm>
+          <a:prstGeom prst="roundRect">
+            <a:avLst/>
+          </a:prstGeom>
+          <a:solidFill>
+            <a:srgbClr val="CFE7F1"/>
+          </a:solidFill>
+          <a:ln w="12700" cap="flat">
+            <a:noFill/>
+            <a:miter lim="400000"/>
+          </a:ln>
+          <a:effectLst/>
+          <a:sp3d/>
+        </p:spPr>
+        <p:style>
+          <a:lnRef idx="0">
+            <a:scrgbClr r="0" g="0" b="0"/>
+          </a:lnRef>
+          <a:fillRef idx="0">
+            <a:scrgbClr r="0" g="0" b="0"/>
+          </a:fillRef>
+          <a:effectRef idx="0">
+            <a:scrgbClr r="0" g="0" b="0"/>
+          </a:effectRef>
+          <a:fontRef idx="none"/>
+        </p:style>
+        <p:txBody>
+          <a:bodyPr rot="0" spcFirstLastPara="1" vertOverflow="overflow" horzOverflow="overflow" vert="horz" wrap="square" lIns="25400" tIns="25400" rIns="25400" bIns="25400" numCol="1" spcCol="38100" rtlCol="0" anchor="ctr">
+            <a:spAutoFit/>
+          </a:bodyPr>
+          <a:lstStyle/>
+          <a:p>
+            <a:pPr algn="ctr" defTabSz="412750" hangingPunct="0"/>
+            <a:r>
+              <a:rPr lang="en-AU" sz="1600" kern="0" dirty="0">
+                <a:solidFill>
+                  <a:schemeClr val="tx1">
+                    <a:lumMod val="95000"/>
+                    <a:lumOff val="5000"/>
+                  </a:schemeClr>
+                </a:solidFill>
+                <a:ea typeface="Palatino"/>
+                <a:sym typeface="Palatino"/>
+              </a:rPr>
+              <a:t>S1AP</a:t>
+            </a:r>
+          </a:p>
+        </p:txBody>
+      </p:sp>
+      <p:sp>
+        <p:nvSpPr>
+          <p:cNvPr id="32" name="Rounded Rectangle 31">
+            <a:extLst>
+              <a:ext uri="{FF2B5EF4-FFF2-40B4-BE49-F238E27FC236}">
+                <a16:creationId xmlns:a16="http://schemas.microsoft.com/office/drawing/2014/main" id="{107E1319-F5C8-2F48-8FDA-721CDA9DA344}"/>
+              </a:ext>
+            </a:extLst>
+          </p:cNvPr>
+          <p:cNvSpPr/>
+          <p:nvPr/>
+        </p:nvSpPr>
+        <p:spPr>
+          <a:xfrm>
+            <a:off x="2258247" y="2517910"/>
+            <a:ext cx="1276071" cy="329168"/>
+          </a:xfrm>
+          <a:prstGeom prst="roundRect">
+            <a:avLst/>
+          </a:prstGeom>
+          <a:solidFill>
+            <a:srgbClr val="CFE7F1"/>
+          </a:solidFill>
+          <a:ln w="12700" cap="flat">
+            <a:noFill/>
+            <a:miter lim="400000"/>
+          </a:ln>
+          <a:effectLst/>
+          <a:sp3d/>
+        </p:spPr>
+        <p:style>
+          <a:lnRef idx="0">
+            <a:scrgbClr r="0" g="0" b="0"/>
+          </a:lnRef>
+          <a:fillRef idx="0">
+            <a:scrgbClr r="0" g="0" b="0"/>
+          </a:fillRef>
+          <a:effectRef idx="0">
+            <a:scrgbClr r="0" g="0" b="0"/>
+          </a:effectRef>
+          <a:fontRef idx="none"/>
+        </p:style>
+        <p:txBody>
+          <a:bodyPr rot="0" spcFirstLastPara="1" vertOverflow="overflow" horzOverflow="overflow" vert="horz" wrap="square" lIns="25400" tIns="25400" rIns="25400" bIns="25400" numCol="1" spcCol="38100" rtlCol="0" anchor="ctr">
+            <a:spAutoFit/>
+          </a:bodyPr>
+          <a:lstStyle/>
+          <a:p>
+            <a:pPr algn="ctr" defTabSz="412750" hangingPunct="0"/>
+            <a:r>
+              <a:rPr lang="en-AU" sz="1600" kern="0" dirty="0">
+                <a:solidFill>
+                  <a:schemeClr val="tx2">
+                    <a:lumMod val="10000"/>
+                  </a:schemeClr>
+                </a:solidFill>
+                <a:latin typeface="Calibri" panose="020F0502020204030204" pitchFamily="34" charset="0"/>
+                <a:ea typeface="Palatino"/>
+                <a:cs typeface="Calibri" panose="020F0502020204030204" pitchFamily="34" charset="0"/>
+                <a:sym typeface="Palatino"/>
+              </a:rPr>
+              <a:t>NGAP</a:t>
+            </a:r>
+          </a:p>
+        </p:txBody>
+      </p:sp>
+      <p:cxnSp>
+        <p:nvCxnSpPr>
+          <p:cNvPr id="33" name="Straight Arrow Connector 32">
+            <a:extLst>
+              <a:ext uri="{FF2B5EF4-FFF2-40B4-BE49-F238E27FC236}">
+                <a16:creationId xmlns:a16="http://schemas.microsoft.com/office/drawing/2014/main" id="{99B0B54F-37F3-2A42-8D52-C60AA2C400FE}"/>
+              </a:ext>
+            </a:extLst>
+          </p:cNvPr>
+          <p:cNvCxnSpPr>
+            <a:cxnSpLocks/>
+            <a:endCxn id="27" idx="0"/>
+          </p:cNvCxnSpPr>
+          <p:nvPr/>
+        </p:nvCxnSpPr>
+        <p:spPr>
+          <a:xfrm>
+            <a:off x="950966" y="3411498"/>
+            <a:ext cx="1008566" cy="419684"/>
+          </a:xfrm>
+          <a:prstGeom prst="straightConnector1">
+            <a:avLst/>
+          </a:prstGeom>
+          <a:noFill/>
+          <a:ln w="19050" cap="flat">
+            <a:solidFill>
+              <a:srgbClr val="CFE7F1"/>
+            </a:solidFill>
+            <a:prstDash val="solid"/>
+            <a:miter lim="400000"/>
+            <a:headEnd type="triangle" w="med" len="med"/>
+            <a:tailEnd type="triangle" w="med" len="med"/>
+          </a:ln>
+          <a:effectLst/>
+          <a:sp3d/>
+        </p:spPr>
+        <p:style>
+          <a:lnRef idx="0">
+            <a:scrgbClr r="0" g="0" b="0"/>
+          </a:lnRef>
+          <a:fillRef idx="0">
+            <a:scrgbClr r="0" g="0" b="0"/>
+          </a:fillRef>
+          <a:effectRef idx="0">
+            <a:scrgbClr r="0" g="0" b="0"/>
+          </a:effectRef>
+          <a:fontRef idx="none"/>
+        </p:style>
+      </p:cxnSp>
+      <p:cxnSp>
+        <p:nvCxnSpPr>
+          <p:cNvPr id="34" name="Straight Arrow Connector 33">
+            <a:extLst>
+              <a:ext uri="{FF2B5EF4-FFF2-40B4-BE49-F238E27FC236}">
+                <a16:creationId xmlns:a16="http://schemas.microsoft.com/office/drawing/2014/main" id="{17009850-E346-654C-B3E4-C03BFD4B9171}"/>
+              </a:ext>
+            </a:extLst>
+          </p:cNvPr>
+          <p:cNvCxnSpPr>
+            <a:cxnSpLocks/>
+            <a:stCxn id="31" idx="2"/>
+            <a:endCxn id="27" idx="0"/>
+          </p:cNvCxnSpPr>
+          <p:nvPr/>
+        </p:nvCxnSpPr>
+        <p:spPr>
+          <a:xfrm>
+            <a:off x="1523755" y="2847078"/>
+            <a:ext cx="435777" cy="984104"/>
+          </a:xfrm>
+          <a:prstGeom prst="straightConnector1">
+            <a:avLst/>
+          </a:prstGeom>
+          <a:noFill/>
+          <a:ln w="19050" cap="flat">
+            <a:solidFill>
+              <a:srgbClr val="CFE7F1"/>
+            </a:solidFill>
+            <a:prstDash val="solid"/>
+            <a:miter lim="400000"/>
+            <a:headEnd type="triangle" w="med" len="med"/>
+            <a:tailEnd type="triangle" w="med" len="med"/>
+          </a:ln>
+          <a:effectLst/>
+          <a:sp3d/>
+        </p:spPr>
+        <p:style>
+          <a:lnRef idx="0">
+            <a:scrgbClr r="0" g="0" b="0"/>
+          </a:lnRef>
+          <a:fillRef idx="0">
+            <a:scrgbClr r="0" g="0" b="0"/>
+          </a:fillRef>
+          <a:effectRef idx="0">
+            <a:scrgbClr r="0" g="0" b="0"/>
+          </a:effectRef>
+          <a:fontRef idx="none"/>
+        </p:style>
+      </p:cxnSp>
+      <p:cxnSp>
+        <p:nvCxnSpPr>
+          <p:cNvPr id="35" name="Straight Arrow Connector 34">
+            <a:extLst>
+              <a:ext uri="{FF2B5EF4-FFF2-40B4-BE49-F238E27FC236}">
+                <a16:creationId xmlns:a16="http://schemas.microsoft.com/office/drawing/2014/main" id="{11BC14A5-CCB6-D345-81D3-5DEA653396FF}"/>
+              </a:ext>
+            </a:extLst>
+          </p:cNvPr>
+          <p:cNvCxnSpPr>
+            <a:cxnSpLocks/>
+            <a:stCxn id="32" idx="2"/>
+            <a:endCxn id="27" idx="0"/>
+          </p:cNvCxnSpPr>
+          <p:nvPr/>
+        </p:nvCxnSpPr>
+        <p:spPr>
+          <a:xfrm flipH="1">
+            <a:off x="1959532" y="2847078"/>
+            <a:ext cx="936751" cy="984104"/>
+          </a:xfrm>
+          <a:prstGeom prst="straightConnector1">
+            <a:avLst/>
+          </a:prstGeom>
+          <a:noFill/>
+          <a:ln w="19050" cap="flat">
+            <a:solidFill>
+              <a:srgbClr val="CFE7F1"/>
+            </a:solidFill>
+            <a:prstDash val="solid"/>
+            <a:miter lim="400000"/>
+            <a:headEnd type="triangle" w="med" len="med"/>
+            <a:tailEnd type="triangle" w="med" len="med"/>
+          </a:ln>
+          <a:effectLst/>
+          <a:sp3d/>
+        </p:spPr>
+        <p:style>
+          <a:lnRef idx="0">
+            <a:scrgbClr r="0" g="0" b="0"/>
+          </a:lnRef>
+          <a:fillRef idx="0">
+            <a:scrgbClr r="0" g="0" b="0"/>
+          </a:fillRef>
+          <a:effectRef idx="0">
+            <a:scrgbClr r="0" g="0" b="0"/>
+          </a:effectRef>
+          <a:fontRef idx="none"/>
+        </p:style>
+      </p:cxnSp>
+      <p:cxnSp>
+        <p:nvCxnSpPr>
+          <p:cNvPr id="36" name="Straight Arrow Connector 35">
+            <a:extLst>
+              <a:ext uri="{FF2B5EF4-FFF2-40B4-BE49-F238E27FC236}">
+                <a16:creationId xmlns:a16="http://schemas.microsoft.com/office/drawing/2014/main" id="{94727C89-77CC-CD45-86DA-AEC6F6CE1D9C}"/>
+              </a:ext>
+            </a:extLst>
+          </p:cNvPr>
+          <p:cNvCxnSpPr>
+            <a:cxnSpLocks/>
+            <a:stCxn id="30" idx="2"/>
+            <a:endCxn id="27" idx="0"/>
+          </p:cNvCxnSpPr>
+          <p:nvPr/>
+        </p:nvCxnSpPr>
+        <p:spPr>
+          <a:xfrm flipH="1">
+            <a:off x="1959532" y="3465402"/>
+            <a:ext cx="1370061" cy="365780"/>
+          </a:xfrm>
+          <a:prstGeom prst="straightConnector1">
+            <a:avLst/>
+          </a:prstGeom>
+          <a:noFill/>
+          <a:ln w="19050" cap="flat">
+            <a:solidFill>
+              <a:srgbClr val="CFE7F1"/>
+            </a:solidFill>
+            <a:prstDash val="solid"/>
+            <a:miter lim="400000"/>
+            <a:headEnd type="triangle" w="med" len="med"/>
+            <a:tailEnd type="triangle" w="med" len="med"/>
+          </a:ln>
+          <a:effectLst/>
+          <a:sp3d/>
+        </p:spPr>
+        <p:style>
+          <a:lnRef idx="0">
+            <a:scrgbClr r="0" g="0" b="0"/>
+          </a:lnRef>
+          <a:fillRef idx="0">
+            <a:scrgbClr r="0" g="0" b="0"/>
+          </a:fillRef>
+          <a:effectRef idx="0">
+            <a:scrgbClr r="0" g="0" b="0"/>
+          </a:effectRef>
+          <a:fontRef idx="none"/>
+        </p:style>
+      </p:cxnSp>
+      <p:cxnSp>
+        <p:nvCxnSpPr>
+          <p:cNvPr id="39" name="Straight Arrow Connector 38">
+            <a:extLst>
+              <a:ext uri="{FF2B5EF4-FFF2-40B4-BE49-F238E27FC236}">
+                <a16:creationId xmlns:a16="http://schemas.microsoft.com/office/drawing/2014/main" id="{F9A8BA84-C0E5-2545-8D3A-9E3A0B1898EA}"/>
+              </a:ext>
+            </a:extLst>
+          </p:cNvPr>
+          <p:cNvCxnSpPr>
+            <a:cxnSpLocks/>
+          </p:cNvCxnSpPr>
+          <p:nvPr/>
+        </p:nvCxnSpPr>
+        <p:spPr>
+          <a:xfrm flipH="1">
+            <a:off x="5193324" y="3026191"/>
+            <a:ext cx="720527" cy="0"/>
+          </a:xfrm>
+          <a:prstGeom prst="straightConnector1">
+            <a:avLst/>
+          </a:prstGeom>
+          <a:noFill/>
+          <a:ln w="25400" cap="flat">
+            <a:solidFill>
+              <a:srgbClr val="0070C0"/>
+            </a:solidFill>
+            <a:prstDash val="solid"/>
+            <a:miter lim="400000"/>
+            <a:headEnd type="triangle" w="med" len="med"/>
+            <a:tailEnd type="triangle" w="med" len="med"/>
+          </a:ln>
+          <a:effectLst/>
+          <a:sp3d/>
+        </p:spPr>
+        <p:style>
+          <a:lnRef idx="0">
+            <a:scrgbClr r="0" g="0" b="0"/>
+          </a:lnRef>
+          <a:fillRef idx="0">
+            <a:scrgbClr r="0" g="0" b="0"/>
+          </a:fillRef>
+          <a:effectRef idx="0">
+            <a:scrgbClr r="0" g="0" b="0"/>
+          </a:effectRef>
+          <a:fontRef idx="none"/>
+        </p:style>
+      </p:cxnSp>
+      <p:sp>
+        <p:nvSpPr>
+          <p:cNvPr id="41" name="TextBox 40">
+            <a:extLst>
+              <a:ext uri="{FF2B5EF4-FFF2-40B4-BE49-F238E27FC236}">
+                <a16:creationId xmlns:a16="http://schemas.microsoft.com/office/drawing/2014/main" id="{CD0B250D-20D1-5C40-ABF5-67F24F1416F5}"/>
               </a:ext>
             </a:extLst>
           </p:cNvPr>
@@ -8909,8 +8466,8 @@
         </p:nvSpPr>
         <p:spPr>
           <a:xfrm>
-            <a:off x="661041" y="4590401"/>
-            <a:ext cx="1821012" cy="379591"/>
+            <a:off x="5279466" y="2669982"/>
+            <a:ext cx="525785" cy="348813"/>
           </a:xfrm>
           <a:prstGeom prst="rect">
             <a:avLst/>
@@ -8958,6 +8515,192 @@
               <a:tabLst/>
             </a:pPr>
             <a:r>
+              <a:rPr kumimoji="0" lang="en-AU" sz="1600" b="0" i="0" u="none" strike="noStrike" cap="none" spc="0" normalizeH="0" baseline="0" dirty="0" err="1">
+                <a:ln>
+                  <a:noFill/>
+                </a:ln>
+                <a:effectLst/>
+                <a:uFillTx/>
+                <a:ea typeface="Palatino"/>
+                <a:cs typeface="Palatino"/>
+                <a:sym typeface="Palatino"/>
+              </a:rPr>
+              <a:t>gRPC</a:t>
+            </a:r>
+            <a:endParaRPr kumimoji="0" lang="en-AU" sz="1600" b="0" i="0" u="none" strike="noStrike" cap="none" spc="0" normalizeH="0" baseline="0" dirty="0">
+              <a:ln>
+                <a:noFill/>
+              </a:ln>
+              <a:effectLst/>
+              <a:uFillTx/>
+              <a:ea typeface="Palatino"/>
+              <a:cs typeface="Palatino"/>
+              <a:sym typeface="Palatino"/>
+            </a:endParaRPr>
+          </a:p>
+        </p:txBody>
+      </p:sp>
+      <p:cxnSp>
+        <p:nvCxnSpPr>
+          <p:cNvPr id="43" name="Straight Connector 42">
+            <a:extLst>
+              <a:ext uri="{FF2B5EF4-FFF2-40B4-BE49-F238E27FC236}">
+                <a16:creationId xmlns:a16="http://schemas.microsoft.com/office/drawing/2014/main" id="{449EBDA5-D575-2D42-B08A-79BA8AD71BAE}"/>
+              </a:ext>
+            </a:extLst>
+          </p:cNvPr>
+          <p:cNvCxnSpPr>
+            <a:cxnSpLocks/>
+          </p:cNvCxnSpPr>
+          <p:nvPr/>
+        </p:nvCxnSpPr>
+        <p:spPr>
+          <a:xfrm>
+            <a:off x="5913850" y="4160350"/>
+            <a:ext cx="5574766" cy="0"/>
+          </a:xfrm>
+          <a:prstGeom prst="line">
+            <a:avLst/>
+          </a:prstGeom>
+          <a:noFill/>
+          <a:ln w="25400" cap="flat">
+            <a:solidFill>
+              <a:schemeClr val="tx1"/>
+            </a:solidFill>
+            <a:prstDash val="sysDash"/>
+            <a:miter lim="400000"/>
+          </a:ln>
+          <a:effectLst/>
+          <a:sp3d/>
+        </p:spPr>
+        <p:style>
+          <a:lnRef idx="0">
+            <a:scrgbClr r="0" g="0" b="0"/>
+          </a:lnRef>
+          <a:fillRef idx="0">
+            <a:scrgbClr r="0" g="0" b="0"/>
+          </a:fillRef>
+          <a:effectRef idx="0">
+            <a:scrgbClr r="0" g="0" b="0"/>
+          </a:effectRef>
+          <a:fontRef idx="none"/>
+        </p:style>
+      </p:cxnSp>
+      <p:cxnSp>
+        <p:nvCxnSpPr>
+          <p:cNvPr id="46" name="Elbow Connector 45">
+            <a:extLst>
+              <a:ext uri="{FF2B5EF4-FFF2-40B4-BE49-F238E27FC236}">
+                <a16:creationId xmlns:a16="http://schemas.microsoft.com/office/drawing/2014/main" id="{99ADD232-BED8-2B43-9ED3-D72253227423}"/>
+              </a:ext>
+            </a:extLst>
+          </p:cNvPr>
+          <p:cNvCxnSpPr>
+            <a:cxnSpLocks/>
+            <a:stCxn id="58" idx="3"/>
+            <a:endCxn id="16" idx="1"/>
+          </p:cNvCxnSpPr>
+          <p:nvPr/>
+        </p:nvCxnSpPr>
+        <p:spPr>
+          <a:xfrm flipV="1">
+            <a:off x="3206259" y="4461142"/>
+            <a:ext cx="4320701" cy="1277624"/>
+          </a:xfrm>
+          <a:prstGeom prst="bentConnector3">
+            <a:avLst>
+              <a:gd name="adj1" fmla="val 9844"/>
+            </a:avLst>
+          </a:prstGeom>
+          <a:noFill/>
+          <a:ln w="28575" cap="flat">
+            <a:solidFill>
+              <a:srgbClr val="414141"/>
+            </a:solidFill>
+            <a:prstDash val="solid"/>
+            <a:miter lim="400000"/>
+            <a:headEnd type="triangle"/>
+            <a:tailEnd type="triangle"/>
+          </a:ln>
+          <a:effectLst/>
+          <a:sp3d/>
+        </p:spPr>
+        <p:style>
+          <a:lnRef idx="0">
+            <a:scrgbClr r="0" g="0" b="0"/>
+          </a:lnRef>
+          <a:fillRef idx="0">
+            <a:scrgbClr r="0" g="0" b="0"/>
+          </a:fillRef>
+          <a:effectRef idx="0">
+            <a:scrgbClr r="0" g="0" b="0"/>
+          </a:effectRef>
+          <a:fontRef idx="none"/>
+        </p:style>
+      </p:cxnSp>
+      <p:sp>
+        <p:nvSpPr>
+          <p:cNvPr id="52" name="TextBox 51">
+            <a:extLst>
+              <a:ext uri="{FF2B5EF4-FFF2-40B4-BE49-F238E27FC236}">
+                <a16:creationId xmlns:a16="http://schemas.microsoft.com/office/drawing/2014/main" id="{A209E662-FEA2-3C45-AFD5-D66289D2DC8F}"/>
+              </a:ext>
+            </a:extLst>
+          </p:cNvPr>
+          <p:cNvSpPr txBox="1"/>
+          <p:nvPr/>
+        </p:nvSpPr>
+        <p:spPr>
+          <a:xfrm>
+            <a:off x="1009103" y="1778884"/>
+            <a:ext cx="2436564" cy="379591"/>
+          </a:xfrm>
+          <a:prstGeom prst="rect">
+            <a:avLst/>
+          </a:prstGeom>
+          <a:noFill/>
+          <a:ln w="12700" cap="flat">
+            <a:noFill/>
+            <a:miter lim="400000"/>
+          </a:ln>
+          <a:effectLst/>
+          <a:sp3d/>
+        </p:spPr>
+        <p:style>
+          <a:lnRef idx="0">
+            <a:scrgbClr r="0" g="0" b="0"/>
+          </a:lnRef>
+          <a:fillRef idx="0">
+            <a:scrgbClr r="0" g="0" b="0"/>
+          </a:fillRef>
+          <a:effectRef idx="0">
+            <a:scrgbClr r="0" g="0" b="0"/>
+          </a:effectRef>
+          <a:fontRef idx="none"/>
+        </p:style>
+        <p:txBody>
+          <a:bodyPr rot="0" spcFirstLastPara="1" vertOverflow="overflow" horzOverflow="overflow" vert="horz" wrap="none" lIns="50800" tIns="50800" rIns="50800" bIns="50800" numCol="1" spcCol="38100" rtlCol="0" anchor="ctr">
+            <a:spAutoFit/>
+          </a:bodyPr>
+          <a:lstStyle/>
+          <a:p>
+            <a:pPr marL="0" marR="0" indent="0" algn="ctr" defTabSz="825500" rtl="0" fontAlgn="auto" latinLnBrk="0" hangingPunct="0">
+              <a:lnSpc>
+                <a:spcPct val="100000"/>
+              </a:lnSpc>
+              <a:spcBef>
+                <a:spcPts val="0"/>
+              </a:spcBef>
+              <a:spcAft>
+                <a:spcPts val="0"/>
+              </a:spcAft>
+              <a:buClrTx/>
+              <a:buSzTx/>
+              <a:buFontTx/>
+              <a:buNone/>
+              <a:tabLst/>
+            </a:pPr>
+            <a:r>
               <a:rPr kumimoji="0" lang="en-AU" b="0" i="0" u="none" strike="noStrike" cap="none" spc="0" normalizeH="0" baseline="0" dirty="0">
                 <a:ln>
                   <a:noFill/>
@@ -8971,39 +8714,115 @@
                 <a:cs typeface="Palatino"/>
                 <a:sym typeface="Palatino"/>
               </a:rPr>
-              <a:t>Access Gateway</a:t>
-            </a:r>
-          </a:p>
-        </p:txBody>
-      </p:sp>
-      <p:sp>
-        <p:nvSpPr>
-          <p:cNvPr id="8" name="Rectangle 7">
-            <a:extLst>
-              <a:ext uri="{FF2B5EF4-FFF2-40B4-BE49-F238E27FC236}">
-                <a16:creationId xmlns:a16="http://schemas.microsoft.com/office/drawing/2014/main" id="{4F1C5037-F04A-804B-911A-BE545C8260CA}"/>
-              </a:ext>
-            </a:extLst>
-          </p:cNvPr>
-          <p:cNvSpPr/>
-          <p:nvPr/>
-        </p:nvSpPr>
-        <p:spPr>
-          <a:xfrm>
-            <a:off x="351693" y="1755824"/>
-            <a:ext cx="4982308" cy="2540734"/>
+              <a:t>RAN-specific protocols</a:t>
+            </a:r>
+          </a:p>
+        </p:txBody>
+      </p:sp>
+      <p:sp>
+        <p:nvSpPr>
+          <p:cNvPr id="55" name="TextBox 54">
+            <a:extLst>
+              <a:ext uri="{FF2B5EF4-FFF2-40B4-BE49-F238E27FC236}">
+                <a16:creationId xmlns:a16="http://schemas.microsoft.com/office/drawing/2014/main" id="{9ABC7393-C161-EE43-B5DB-532797048C29}"/>
+              </a:ext>
+            </a:extLst>
+          </p:cNvPr>
+          <p:cNvSpPr txBox="1"/>
+          <p:nvPr/>
+        </p:nvSpPr>
+        <p:spPr>
+          <a:xfrm>
+            <a:off x="8163207" y="1007232"/>
+            <a:ext cx="525785" cy="348813"/>
           </a:xfrm>
           <a:prstGeom prst="rect">
             <a:avLst/>
           </a:prstGeom>
           <a:noFill/>
           <a:ln w="12700" cap="flat">
+            <a:noFill/>
+            <a:miter lim="400000"/>
+          </a:ln>
+          <a:effectLst/>
+          <a:sp3d/>
+        </p:spPr>
+        <p:style>
+          <a:lnRef idx="0">
+            <a:scrgbClr r="0" g="0" b="0"/>
+          </a:lnRef>
+          <a:fillRef idx="0">
+            <a:scrgbClr r="0" g="0" b="0"/>
+          </a:fillRef>
+          <a:effectRef idx="0">
+            <a:scrgbClr r="0" g="0" b="0"/>
+          </a:effectRef>
+          <a:fontRef idx="none"/>
+        </p:style>
+        <p:txBody>
+          <a:bodyPr rot="0" spcFirstLastPara="1" vertOverflow="overflow" horzOverflow="overflow" vert="horz" wrap="none" lIns="50800" tIns="50800" rIns="50800" bIns="50800" numCol="1" spcCol="38100" rtlCol="0" anchor="ctr">
+            <a:spAutoFit/>
+          </a:bodyPr>
+          <a:lstStyle/>
+          <a:p>
+            <a:pPr marL="0" marR="0" indent="0" algn="ctr" defTabSz="825500" rtl="0" fontAlgn="auto" latinLnBrk="0" hangingPunct="0">
+              <a:lnSpc>
+                <a:spcPct val="100000"/>
+              </a:lnSpc>
+              <a:spcBef>
+                <a:spcPts val="0"/>
+              </a:spcBef>
+              <a:spcAft>
+                <a:spcPts val="0"/>
+              </a:spcAft>
+              <a:buClrTx/>
+              <a:buSzTx/>
+              <a:buFontTx/>
+              <a:buNone/>
+              <a:tabLst/>
+            </a:pPr>
+            <a:r>
+              <a:rPr kumimoji="0" lang="en-AU" sz="1600" b="0" i="0" u="none" strike="noStrike" cap="none" spc="0" normalizeH="0" baseline="0" dirty="0">
+                <a:ln>
+                  <a:noFill/>
+                </a:ln>
+                <a:effectLst/>
+                <a:uFillTx/>
+                <a:ea typeface="Palatino"/>
+                <a:cs typeface="Palatino"/>
+                <a:sym typeface="Palatino"/>
+              </a:rPr>
+              <a:t>gRPC</a:t>
+            </a:r>
+          </a:p>
+        </p:txBody>
+      </p:sp>
+      <p:sp>
+        <p:nvSpPr>
+          <p:cNvPr id="37" name="Rectangle 36">
+            <a:extLst>
+              <a:ext uri="{FF2B5EF4-FFF2-40B4-BE49-F238E27FC236}">
+                <a16:creationId xmlns:a16="http://schemas.microsoft.com/office/drawing/2014/main" id="{065FAA50-5668-4A46-9D8A-BBB0B2CBC887}"/>
+              </a:ext>
+            </a:extLst>
+          </p:cNvPr>
+          <p:cNvSpPr/>
+          <p:nvPr/>
+        </p:nvSpPr>
+        <p:spPr>
+          <a:xfrm>
+            <a:off x="35170" y="1380022"/>
+            <a:ext cx="11570675" cy="3611387"/>
+          </a:xfrm>
+          <a:prstGeom prst="rect">
+            <a:avLst/>
+          </a:prstGeom>
+          <a:noFill/>
+          <a:ln w="19050" cap="flat">
             <a:solidFill>
-              <a:schemeClr val="tx1">
-                <a:lumMod val="65000"/>
-                <a:lumOff val="35000"/>
-              </a:schemeClr>
+              <a:schemeClr val="tx1"/>
             </a:solidFill>
+            <a:prstDash val="sysDash"/>
             <a:miter lim="400000"/>
           </a:ln>
           <a:effectLst/>
@@ -9082,6 +8901,84 @@
       </p:sp>
       <p:sp>
         <p:nvSpPr>
+          <p:cNvPr id="38" name="TextBox 37">
+            <a:extLst>
+              <a:ext uri="{FF2B5EF4-FFF2-40B4-BE49-F238E27FC236}">
+                <a16:creationId xmlns:a16="http://schemas.microsoft.com/office/drawing/2014/main" id="{77310EF1-CF17-A544-AD10-E9132F81FE80}"/>
+              </a:ext>
+            </a:extLst>
+          </p:cNvPr>
+          <p:cNvSpPr txBox="1"/>
+          <p:nvPr/>
+        </p:nvSpPr>
+        <p:spPr>
+          <a:xfrm>
+            <a:off x="633281" y="4590401"/>
+            <a:ext cx="1595180" cy="379591"/>
+          </a:xfrm>
+          <a:prstGeom prst="rect">
+            <a:avLst/>
+          </a:prstGeom>
+          <a:noFill/>
+          <a:ln w="12700" cap="flat">
+            <a:noFill/>
+            <a:miter lim="400000"/>
+          </a:ln>
+          <a:effectLst/>
+          <a:sp3d/>
+        </p:spPr>
+        <p:style>
+          <a:lnRef idx="0">
+            <a:scrgbClr r="0" g="0" b="0"/>
+          </a:lnRef>
+          <a:fillRef idx="0">
+            <a:scrgbClr r="0" g="0" b="0"/>
+          </a:fillRef>
+          <a:effectRef idx="0">
+            <a:scrgbClr r="0" g="0" b="0"/>
+          </a:effectRef>
+          <a:fontRef idx="none"/>
+        </p:style>
+        <p:txBody>
+          <a:bodyPr rot="0" spcFirstLastPara="1" vertOverflow="overflow" horzOverflow="overflow" vert="horz" wrap="none" lIns="50800" tIns="50800" rIns="50800" bIns="50800" numCol="1" spcCol="38100" rtlCol="0" anchor="ctr">
+            <a:spAutoFit/>
+          </a:bodyPr>
+          <a:lstStyle/>
+          <a:p>
+            <a:pPr marL="0" marR="0" indent="0" algn="ctr" defTabSz="825500" rtl="0" fontAlgn="auto" latinLnBrk="0" hangingPunct="0">
+              <a:lnSpc>
+                <a:spcPct val="100000"/>
+              </a:lnSpc>
+              <a:spcBef>
+                <a:spcPts val="0"/>
+              </a:spcBef>
+              <a:spcAft>
+                <a:spcPts val="0"/>
+              </a:spcAft>
+              <a:buClrTx/>
+              <a:buSzTx/>
+              <a:buFontTx/>
+              <a:buNone/>
+              <a:tabLst/>
+            </a:pPr>
+            <a:r>
+              <a:rPr kumimoji="0" lang="en-AU" b="0" i="0" u="none" strike="noStrike" cap="none" spc="0" normalizeH="0" baseline="0" dirty="0">
+                <a:ln>
+                  <a:noFill/>
+                </a:ln>
+                <a:effectLst/>
+                <a:uFillTx/>
+                <a:ea typeface="Palatino"/>
+                <a:cs typeface="Palatino"/>
+                <a:sym typeface="Palatino"/>
+              </a:rPr>
+              <a:t>Access Gateway</a:t>
+            </a:r>
+          </a:p>
+        </p:txBody>
+      </p:sp>
+      <p:sp>
+        <p:nvSpPr>
           <p:cNvPr id="42" name="Rectangle 41">
             <a:extLst>
               <a:ext uri="{FF2B5EF4-FFF2-40B4-BE49-F238E27FC236}">
@@ -9094,7 +8991,7 @@
         </p:nvSpPr>
         <p:spPr>
           <a:xfrm flipH="1">
-            <a:off x="3989364" y="5161341"/>
+            <a:off x="3848688" y="5161341"/>
             <a:ext cx="2360636" cy="1506819"/>
           </a:xfrm>
           <a:prstGeom prst="rect">
@@ -9143,7 +9040,6 @@
                 <a:effectLst/>
                 <a:uLnTx/>
                 <a:uFillTx/>
-                <a:latin typeface="+mn-lt"/>
                 <a:ea typeface="+mn-ea"/>
                 <a:cs typeface="+mn-cs"/>
               </a:rPr>
@@ -9162,7 +9058,6 @@
                 <a:effectLst/>
                 <a:uLnTx/>
                 <a:uFillTx/>
-                <a:latin typeface="+mn-lt"/>
                 <a:ea typeface="+mn-ea"/>
                 <a:cs typeface="+mn-cs"/>
               </a:rPr>
@@ -9190,7 +9085,6 @@
               <a:effectLst/>
               <a:uLnTx/>
               <a:uFillTx/>
-              <a:latin typeface="+mn-lt"/>
               <a:ea typeface="+mn-ea"/>
               <a:cs typeface="+mn-cs"/>
             </a:endParaRPr>
@@ -9211,7 +9105,7 @@
         </p:nvSpPr>
         <p:spPr>
           <a:xfrm>
-            <a:off x="4171075" y="5945042"/>
+            <a:off x="4030399" y="5945042"/>
             <a:ext cx="1433631" cy="363220"/>
           </a:xfrm>
           <a:prstGeom prst="roundRect">
@@ -9246,14 +9140,26 @@
           <a:lstStyle/>
           <a:p>
             <a:pPr algn="ctr" defTabSz="412750" hangingPunct="0"/>
-            <a:endParaRPr lang="en-AU" kern="0" dirty="0">
-              <a:solidFill>
-                <a:prstClr val="white"/>
-              </a:solidFill>
-              <a:latin typeface="Arial" panose="020B0604020202020204"/>
-              <a:ea typeface="Palatino"/>
-              <a:sym typeface="Palatino"/>
-            </a:endParaRPr>
+            <a:r>
+              <a:rPr lang="en-AU" kern="0" dirty="0" err="1">
+                <a:solidFill>
+                  <a:prstClr val="white"/>
+                </a:solidFill>
+                <a:ea typeface="Palatino"/>
+                <a:sym typeface="Palatino"/>
+              </a:rPr>
+              <a:t>WiFi</a:t>
+            </a:r>
+            <a:r>
+              <a:rPr lang="en-AU" kern="0" dirty="0">
+                <a:solidFill>
+                  <a:prstClr val="white"/>
+                </a:solidFill>
+                <a:ea typeface="Palatino"/>
+                <a:sym typeface="Palatino"/>
+              </a:rPr>
+              <a:t> AP</a:t>
+            </a:r>
           </a:p>
         </p:txBody>
       </p:sp>
@@ -9271,7 +9177,7 @@
         </p:nvCxnSpPr>
         <p:spPr>
           <a:xfrm>
-            <a:off x="5219478" y="5603287"/>
+            <a:off x="5078802" y="5603287"/>
             <a:ext cx="0" cy="330035"/>
           </a:xfrm>
           <a:prstGeom prst="line">
@@ -9315,7 +9221,7 @@
         </p:nvSpPr>
         <p:spPr>
           <a:xfrm rot="18948116">
-            <a:off x="4914367" y="5398843"/>
+            <a:off x="4773691" y="5398843"/>
             <a:ext cx="605608" cy="594193"/>
           </a:xfrm>
           <a:prstGeom prst="arc">
@@ -9393,7 +9299,7 @@
         </p:nvSpPr>
         <p:spPr>
           <a:xfrm rot="18948116">
-            <a:off x="5006092" y="5487766"/>
+            <a:off x="4865416" y="5487766"/>
             <a:ext cx="426770" cy="416345"/>
           </a:xfrm>
           <a:prstGeom prst="arc">
@@ -9471,7 +9377,7 @@
         </p:nvSpPr>
         <p:spPr>
           <a:xfrm rot="18948116">
-            <a:off x="4824741" y="5305929"/>
+            <a:off x="4684065" y="5305929"/>
             <a:ext cx="772199" cy="752238"/>
           </a:xfrm>
           <a:prstGeom prst="arc">
@@ -9549,7 +9455,7 @@
         </p:nvSpPr>
         <p:spPr>
           <a:xfrm>
-            <a:off x="3877606" y="3792688"/>
+            <a:off x="3736930" y="3792688"/>
             <a:ext cx="1242395" cy="329168"/>
           </a:xfrm>
           <a:prstGeom prst="roundRect">
@@ -9559,12 +9465,7 @@
             <a:srgbClr val="CFE7F1"/>
           </a:solidFill>
           <a:ln w="12700" cap="flat">
-            <a:solidFill>
-              <a:schemeClr val="tx1">
-                <a:lumMod val="50000"/>
-                <a:lumOff val="50000"/>
-              </a:schemeClr>
-            </a:solidFill>
+            <a:noFill/>
             <a:miter lim="400000"/>
           </a:ln>
           <a:effectLst/>
@@ -9591,7 +9492,11 @@
             <a:pPr algn="ctr" defTabSz="412750" hangingPunct="0"/>
             <a:r>
               <a:rPr lang="en-AU" sz="1600" kern="0" dirty="0">
-                <a:latin typeface="Arial" panose="020B0604020202020204"/>
+                <a:solidFill>
+                  <a:schemeClr val="tx2">
+                    <a:lumMod val="10000"/>
+                  </a:schemeClr>
+                </a:solidFill>
                 <a:ea typeface="Palatino"/>
                 <a:sym typeface="Palatino"/>
               </a:rPr>
@@ -9617,16 +9522,16 @@
         </p:nvCxnSpPr>
         <p:spPr>
           <a:xfrm flipH="1">
-            <a:off x="4497474" y="4121856"/>
+            <a:off x="4356798" y="4121856"/>
             <a:ext cx="1330" cy="1823186"/>
           </a:xfrm>
           <a:prstGeom prst="straightConnector1">
             <a:avLst/>
           </a:prstGeom>
           <a:noFill/>
-          <a:ln w="25400" cap="flat">
+          <a:ln w="19050" cap="flat">
             <a:solidFill>
-              <a:schemeClr val="accent1"/>
+              <a:srgbClr val="0070C0"/>
             </a:solidFill>
             <a:prstDash val="solid"/>
             <a:miter lim="400000"/>
@@ -9663,14 +9568,14 @@
         </p:nvCxnSpPr>
         <p:spPr>
           <a:xfrm>
-            <a:off x="4756288" y="4461142"/>
+            <a:off x="4615612" y="4461142"/>
             <a:ext cx="0" cy="1483900"/>
           </a:xfrm>
           <a:prstGeom prst="straightConnector1">
             <a:avLst/>
           </a:prstGeom>
           <a:noFill/>
-          <a:ln w="25400" cap="flat">
+          <a:ln w="28575" cap="flat">
             <a:solidFill>
               <a:srgbClr val="414141"/>
             </a:solidFill>
@@ -9722,7 +9627,7 @@
         </p:blipFill>
         <p:spPr>
           <a:xfrm>
-            <a:off x="724338" y="5356803"/>
+            <a:off x="583662" y="5356803"/>
             <a:ext cx="818408" cy="971681"/>
           </a:xfrm>
           <a:prstGeom prst="rect">
@@ -9730,6 +9635,306 @@
           </a:prstGeom>
         </p:spPr>
       </p:pic>
+      <p:cxnSp>
+        <p:nvCxnSpPr>
+          <p:cNvPr id="6" name="Straight Arrow Connector 5">
+            <a:extLst>
+              <a:ext uri="{FF2B5EF4-FFF2-40B4-BE49-F238E27FC236}">
+                <a16:creationId xmlns:a16="http://schemas.microsoft.com/office/drawing/2014/main" id="{A2E4C0F3-4792-FB12-7261-3F524F7EEA5D}"/>
+              </a:ext>
+            </a:extLst>
+          </p:cNvPr>
+          <p:cNvCxnSpPr>
+            <a:cxnSpLocks/>
+          </p:cNvCxnSpPr>
+          <p:nvPr/>
+        </p:nvCxnSpPr>
+        <p:spPr>
+          <a:xfrm flipH="1">
+            <a:off x="9948707" y="4461142"/>
+            <a:ext cx="2243293" cy="0"/>
+          </a:xfrm>
+          <a:prstGeom prst="straightConnector1">
+            <a:avLst/>
+          </a:prstGeom>
+          <a:noFill/>
+          <a:ln w="25400" cap="flat">
+            <a:solidFill>
+              <a:schemeClr val="tx1"/>
+            </a:solidFill>
+            <a:prstDash val="solid"/>
+            <a:miter lim="400000"/>
+            <a:headEnd type="triangle" w="med" len="med"/>
+            <a:tailEnd type="triangle" w="med" len="med"/>
+          </a:ln>
+          <a:effectLst/>
+          <a:sp3d/>
+        </p:spPr>
+        <p:style>
+          <a:lnRef idx="0">
+            <a:scrgbClr r="0" g="0" b="0"/>
+          </a:lnRef>
+          <a:fillRef idx="0">
+            <a:scrgbClr r="0" g="0" b="0"/>
+          </a:fillRef>
+          <a:effectRef idx="0">
+            <a:scrgbClr r="0" g="0" b="0"/>
+          </a:effectRef>
+          <a:fontRef idx="none"/>
+        </p:style>
+      </p:cxnSp>
+      <p:sp>
+        <p:nvSpPr>
+          <p:cNvPr id="12" name="Rounded Rectangle 11">
+            <a:extLst>
+              <a:ext uri="{FF2B5EF4-FFF2-40B4-BE49-F238E27FC236}">
+                <a16:creationId xmlns:a16="http://schemas.microsoft.com/office/drawing/2014/main" id="{57AB0D52-57B3-FC91-022E-14E12C16CD06}"/>
+              </a:ext>
+            </a:extLst>
+          </p:cNvPr>
+          <p:cNvSpPr/>
+          <p:nvPr/>
+        </p:nvSpPr>
+        <p:spPr>
+          <a:xfrm>
+            <a:off x="10490266" y="400989"/>
+            <a:ext cx="1115579" cy="601583"/>
+          </a:xfrm>
+          <a:prstGeom prst="roundRect">
+            <a:avLst/>
+          </a:prstGeom>
+          <a:solidFill>
+            <a:schemeClr val="bg1"/>
+          </a:solidFill>
+          <a:ln w="28575" cap="flat">
+            <a:solidFill>
+              <a:srgbClr val="5B9BD5"/>
+            </a:solidFill>
+            <a:miter lim="400000"/>
+          </a:ln>
+          <a:effectLst/>
+          <a:sp3d/>
+        </p:spPr>
+        <p:style>
+          <a:lnRef idx="0">
+            <a:scrgbClr r="0" g="0" b="0"/>
+          </a:lnRef>
+          <a:fillRef idx="0">
+            <a:scrgbClr r="0" g="0" b="0"/>
+          </a:fillRef>
+          <a:effectRef idx="0">
+            <a:scrgbClr r="0" g="0" b="0"/>
+          </a:effectRef>
+          <a:fontRef idx="none"/>
+        </p:style>
+        <p:txBody>
+          <a:bodyPr rot="0" spcFirstLastPara="1" vertOverflow="overflow" horzOverflow="overflow" vert="horz" wrap="square" lIns="25400" tIns="25400" rIns="25400" bIns="25400" numCol="1" spcCol="38100" rtlCol="0" anchor="ctr">
+            <a:spAutoFit/>
+          </a:bodyPr>
+          <a:lstStyle/>
+          <a:p>
+            <a:pPr algn="ctr" defTabSz="412750" hangingPunct="0"/>
+            <a:r>
+              <a:rPr lang="en-AU" sz="1600" kern="0" dirty="0">
+                <a:ea typeface="Palatino"/>
+                <a:sym typeface="Palatino"/>
+              </a:rPr>
+              <a:t>Federation</a:t>
+            </a:r>
+          </a:p>
+          <a:p>
+            <a:pPr algn="ctr" defTabSz="412750" hangingPunct="0"/>
+            <a:r>
+              <a:rPr lang="en-AU" sz="1600" kern="0" dirty="0">
+                <a:ea typeface="Palatino"/>
+                <a:sym typeface="Palatino"/>
+              </a:rPr>
+              <a:t>Gateway</a:t>
+            </a:r>
+          </a:p>
+        </p:txBody>
+      </p:sp>
+      <p:cxnSp>
+        <p:nvCxnSpPr>
+          <p:cNvPr id="29" name="Straight Arrow Connector 28">
+            <a:extLst>
+              <a:ext uri="{FF2B5EF4-FFF2-40B4-BE49-F238E27FC236}">
+                <a16:creationId xmlns:a16="http://schemas.microsoft.com/office/drawing/2014/main" id="{E83D689B-66E9-293B-B819-811B5C3EDD7D}"/>
+              </a:ext>
+            </a:extLst>
+          </p:cNvPr>
+          <p:cNvCxnSpPr>
+            <a:cxnSpLocks/>
+            <a:stCxn id="12" idx="1"/>
+            <a:endCxn id="10" idx="3"/>
+          </p:cNvCxnSpPr>
+          <p:nvPr/>
+        </p:nvCxnSpPr>
+        <p:spPr>
+          <a:xfrm flipH="1">
+            <a:off x="10052538" y="701781"/>
+            <a:ext cx="437728" cy="0"/>
+          </a:xfrm>
+          <a:prstGeom prst="straightConnector1">
+            <a:avLst/>
+          </a:prstGeom>
+          <a:noFill/>
+          <a:ln w="19050" cap="flat">
+            <a:solidFill>
+              <a:srgbClr val="0070C0"/>
+            </a:solidFill>
+            <a:prstDash val="solid"/>
+            <a:miter lim="400000"/>
+            <a:headEnd type="triangle" w="med" len="med"/>
+            <a:tailEnd type="triangle" w="med" len="med"/>
+          </a:ln>
+          <a:effectLst/>
+          <a:sp3d/>
+        </p:spPr>
+        <p:style>
+          <a:lnRef idx="0">
+            <a:scrgbClr r="0" g="0" b="0"/>
+          </a:lnRef>
+          <a:fillRef idx="0">
+            <a:scrgbClr r="0" g="0" b="0"/>
+          </a:fillRef>
+          <a:effectRef idx="0">
+            <a:scrgbClr r="0" g="0" b="0"/>
+          </a:effectRef>
+          <a:fontRef idx="none"/>
+        </p:style>
+      </p:cxnSp>
+      <p:cxnSp>
+        <p:nvCxnSpPr>
+          <p:cNvPr id="54" name="Straight Arrow Connector 53">
+            <a:extLst>
+              <a:ext uri="{FF2B5EF4-FFF2-40B4-BE49-F238E27FC236}">
+                <a16:creationId xmlns:a16="http://schemas.microsoft.com/office/drawing/2014/main" id="{015EE97E-D28E-1D13-1476-D53BD78D4FC5}"/>
+              </a:ext>
+            </a:extLst>
+          </p:cNvPr>
+          <p:cNvCxnSpPr>
+            <a:cxnSpLocks/>
+          </p:cNvCxnSpPr>
+          <p:nvPr/>
+        </p:nvCxnSpPr>
+        <p:spPr>
+          <a:xfrm flipH="1">
+            <a:off x="11613596" y="701780"/>
+            <a:ext cx="578404" cy="0"/>
+          </a:xfrm>
+          <a:prstGeom prst="straightConnector1">
+            <a:avLst/>
+          </a:prstGeom>
+          <a:noFill/>
+          <a:ln w="19050" cap="flat">
+            <a:solidFill>
+              <a:srgbClr val="0070C0"/>
+            </a:solidFill>
+            <a:prstDash val="solid"/>
+            <a:miter lim="400000"/>
+            <a:headEnd type="triangle" w="med" len="med"/>
+            <a:tailEnd type="triangle" w="med" len="med"/>
+          </a:ln>
+          <a:effectLst/>
+          <a:sp3d/>
+        </p:spPr>
+        <p:style>
+          <a:lnRef idx="0">
+            <a:scrgbClr r="0" g="0" b="0"/>
+          </a:lnRef>
+          <a:fillRef idx="0">
+            <a:scrgbClr r="0" g="0" b="0"/>
+          </a:fillRef>
+          <a:effectRef idx="0">
+            <a:scrgbClr r="0" g="0" b="0"/>
+          </a:effectRef>
+          <a:fontRef idx="none"/>
+        </p:style>
+      </p:cxnSp>
+      <p:sp>
+        <p:nvSpPr>
+          <p:cNvPr id="61" name="TextBox 60">
+            <a:extLst>
+              <a:ext uri="{FF2B5EF4-FFF2-40B4-BE49-F238E27FC236}">
+                <a16:creationId xmlns:a16="http://schemas.microsoft.com/office/drawing/2014/main" id="{24456033-0967-B59B-E89C-EE7144F7215A}"/>
+              </a:ext>
+            </a:extLst>
+          </p:cNvPr>
+          <p:cNvSpPr txBox="1"/>
+          <p:nvPr/>
+        </p:nvSpPr>
+        <p:spPr>
+          <a:xfrm>
+            <a:off x="11628684" y="693130"/>
+            <a:ext cx="548227" cy="348813"/>
+          </a:xfrm>
+          <a:prstGeom prst="rect">
+            <a:avLst/>
+          </a:prstGeom>
+          <a:noFill/>
+          <a:ln w="12700" cap="flat">
+            <a:noFill/>
+            <a:miter lim="400000"/>
+          </a:ln>
+          <a:effectLst/>
+          <a:sp3d/>
+        </p:spPr>
+        <p:style>
+          <a:lnRef idx="0">
+            <a:scrgbClr r="0" g="0" b="0"/>
+          </a:lnRef>
+          <a:fillRef idx="0">
+            <a:scrgbClr r="0" g="0" b="0"/>
+          </a:fillRef>
+          <a:effectRef idx="0">
+            <a:scrgbClr r="0" g="0" b="0"/>
+          </a:effectRef>
+          <a:fontRef idx="none"/>
+        </p:style>
+        <p:txBody>
+          <a:bodyPr rot="0" spcFirstLastPara="1" vertOverflow="overflow" horzOverflow="overflow" vert="horz" wrap="none" lIns="50800" tIns="50800" rIns="50800" bIns="50800" numCol="1" spcCol="38100" rtlCol="0" anchor="ctr">
+            <a:spAutoFit/>
+          </a:bodyPr>
+          <a:lstStyle/>
+          <a:p>
+            <a:pPr marL="0" marR="0" indent="0" algn="ctr" defTabSz="825500" rtl="0" fontAlgn="auto" latinLnBrk="0" hangingPunct="0">
+              <a:lnSpc>
+                <a:spcPct val="100000"/>
+              </a:lnSpc>
+              <a:spcBef>
+                <a:spcPts val="0"/>
+              </a:spcBef>
+              <a:spcAft>
+                <a:spcPts val="0"/>
+              </a:spcAft>
+              <a:buClrTx/>
+              <a:buSzTx/>
+              <a:buFontTx/>
+              <a:buNone/>
+              <a:tabLst/>
+            </a:pPr>
+            <a:r>
+              <a:rPr lang="en-AU" sz="1600" dirty="0">
+                <a:ea typeface="Palatino"/>
+                <a:cs typeface="Palatino"/>
+                <a:sym typeface="Palatino"/>
+              </a:rPr>
+              <a:t>3GPP</a:t>
+            </a:r>
+            <a:endParaRPr kumimoji="0" lang="en-AU" sz="1600" b="0" i="0" u="none" strike="noStrike" cap="none" spc="0" normalizeH="0" baseline="0" dirty="0">
+              <a:ln>
+                <a:noFill/>
+              </a:ln>
+              <a:effectLst/>
+              <a:uFillTx/>
+              <a:ea typeface="Palatino"/>
+              <a:cs typeface="Palatino"/>
+              <a:sym typeface="Palatino"/>
+            </a:endParaRPr>
+          </a:p>
+        </p:txBody>
+      </p:sp>
     </p:spTree>
     <p:extLst>
       <p:ext uri="{BB962C8B-B14F-4D97-AF65-F5344CB8AC3E}">

--- a/figures/sdn/figures.pptx
+++ b/figures/sdn/figures.pptx
@@ -207,7 +207,7 @@
           <a:p>
             <a:fld id="{CD99FC43-7065-F348-8836-4FD247176936}" type="datetimeFigureOut">
               <a:rPr lang="en-US" smtClean="0"/>
-              <a:t>1/6/23</a:t>
+              <a:t>5/9/23</a:t>
             </a:fld>
             <a:endParaRPr lang="en-US" dirty="0"/>
           </a:p>
@@ -754,7 +754,7 @@
           <a:p>
             <a:fld id="{5D97E163-DB95-D24D-8C95-263DECB1FC34}" type="datetimeFigureOut">
               <a:rPr lang="en-US" smtClean="0"/>
-              <a:t>1/6/23</a:t>
+              <a:t>5/9/23</a:t>
             </a:fld>
             <a:endParaRPr lang="en-US" dirty="0"/>
           </a:p>
@@ -922,7 +922,7 @@
           <a:p>
             <a:fld id="{5D97E163-DB95-D24D-8C95-263DECB1FC34}" type="datetimeFigureOut">
               <a:rPr lang="en-US" smtClean="0"/>
-              <a:t>1/6/23</a:t>
+              <a:t>5/9/23</a:t>
             </a:fld>
             <a:endParaRPr lang="en-US" dirty="0"/>
           </a:p>
@@ -1100,7 +1100,7 @@
           <a:p>
             <a:fld id="{5D97E163-DB95-D24D-8C95-263DECB1FC34}" type="datetimeFigureOut">
               <a:rPr lang="en-US" smtClean="0"/>
-              <a:t>1/6/23</a:t>
+              <a:t>5/9/23</a:t>
             </a:fld>
             <a:endParaRPr lang="en-US" dirty="0"/>
           </a:p>
@@ -1268,7 +1268,7 @@
           <a:p>
             <a:fld id="{5D97E163-DB95-D24D-8C95-263DECB1FC34}" type="datetimeFigureOut">
               <a:rPr lang="en-US" smtClean="0"/>
-              <a:t>1/6/23</a:t>
+              <a:t>5/9/23</a:t>
             </a:fld>
             <a:endParaRPr lang="en-US" dirty="0"/>
           </a:p>
@@ -1513,7 +1513,7 @@
           <a:p>
             <a:fld id="{5D97E163-DB95-D24D-8C95-263DECB1FC34}" type="datetimeFigureOut">
               <a:rPr lang="en-US" smtClean="0"/>
-              <a:t>1/6/23</a:t>
+              <a:t>5/9/23</a:t>
             </a:fld>
             <a:endParaRPr lang="en-US" dirty="0"/>
           </a:p>
@@ -1742,7 +1742,7 @@
           <a:p>
             <a:fld id="{5D97E163-DB95-D24D-8C95-263DECB1FC34}" type="datetimeFigureOut">
               <a:rPr lang="en-US" smtClean="0"/>
-              <a:t>1/6/23</a:t>
+              <a:t>5/9/23</a:t>
             </a:fld>
             <a:endParaRPr lang="en-US" dirty="0"/>
           </a:p>
@@ -2106,7 +2106,7 @@
           <a:p>
             <a:fld id="{5D97E163-DB95-D24D-8C95-263DECB1FC34}" type="datetimeFigureOut">
               <a:rPr lang="en-US" smtClean="0"/>
-              <a:t>1/6/23</a:t>
+              <a:t>5/9/23</a:t>
             </a:fld>
             <a:endParaRPr lang="en-US" dirty="0"/>
           </a:p>
@@ -2223,7 +2223,7 @@
           <a:p>
             <a:fld id="{5D97E163-DB95-D24D-8C95-263DECB1FC34}" type="datetimeFigureOut">
               <a:rPr lang="en-US" smtClean="0"/>
-              <a:t>1/6/23</a:t>
+              <a:t>5/9/23</a:t>
             </a:fld>
             <a:endParaRPr lang="en-US" dirty="0"/>
           </a:p>
@@ -2318,7 +2318,7 @@
           <a:p>
             <a:fld id="{5D97E163-DB95-D24D-8C95-263DECB1FC34}" type="datetimeFigureOut">
               <a:rPr lang="en-US" smtClean="0"/>
-              <a:t>1/6/23</a:t>
+              <a:t>5/9/23</a:t>
             </a:fld>
             <a:endParaRPr lang="en-US" dirty="0"/>
           </a:p>
@@ -2593,7 +2593,7 @@
           <a:p>
             <a:fld id="{5D97E163-DB95-D24D-8C95-263DECB1FC34}" type="datetimeFigureOut">
               <a:rPr lang="en-US" smtClean="0"/>
-              <a:t>1/6/23</a:t>
+              <a:t>5/9/23</a:t>
             </a:fld>
             <a:endParaRPr lang="en-US" dirty="0"/>
           </a:p>
@@ -2848,7 +2848,7 @@
           <a:p>
             <a:fld id="{5D97E163-DB95-D24D-8C95-263DECB1FC34}" type="datetimeFigureOut">
               <a:rPr lang="en-US" smtClean="0"/>
-              <a:t>1/6/23</a:t>
+              <a:t>5/9/23</a:t>
             </a:fld>
             <a:endParaRPr lang="en-US" dirty="0"/>
           </a:p>
@@ -3059,7 +3059,7 @@
           <a:p>
             <a:fld id="{5D97E163-DB95-D24D-8C95-263DECB1FC34}" type="datetimeFigureOut">
               <a:rPr lang="en-US" smtClean="0"/>
-              <a:t>1/6/23</a:t>
+              <a:t>5/9/23</a:t>
             </a:fld>
             <a:endParaRPr lang="en-US" dirty="0"/>
           </a:p>
@@ -3671,7 +3671,10 @@
             <a:r>
               <a:rPr lang="en-US" sz="1400" dirty="0">
                 <a:solidFill>
-                  <a:schemeClr val="tx2"/>
+                  <a:schemeClr val="tx1">
+                    <a:lumMod val="95000"/>
+                    <a:lumOff val="5000"/>
+                  </a:schemeClr>
                 </a:solidFill>
               </a:rPr>
               <a:t>PHY</a:t>
@@ -3733,7 +3736,10 @@
             <a:r>
               <a:rPr lang="en-US" sz="1400" dirty="0">
                 <a:solidFill>
-                  <a:schemeClr val="tx2"/>
+                  <a:schemeClr val="tx1">
+                    <a:lumMod val="95000"/>
+                    <a:lumOff val="5000"/>
+                  </a:schemeClr>
                 </a:solidFill>
               </a:rPr>
               <a:t>MAC</a:t>
@@ -3795,7 +3801,10 @@
             <a:r>
               <a:rPr lang="en-US" sz="1400" dirty="0">
                 <a:solidFill>
-                  <a:schemeClr val="tx2"/>
+                  <a:schemeClr val="tx1">
+                    <a:lumMod val="95000"/>
+                    <a:lumOff val="5000"/>
+                  </a:schemeClr>
                 </a:solidFill>
               </a:rPr>
               <a:t>PDCP</a:t>
@@ -4487,7 +4496,10 @@
             <a:r>
               <a:rPr lang="en-US" sz="1400" dirty="0">
                 <a:solidFill>
-                  <a:schemeClr val="tx2"/>
+                  <a:schemeClr val="tx1">
+                    <a:lumMod val="95000"/>
+                    <a:lumOff val="5000"/>
+                  </a:schemeClr>
                 </a:solidFill>
               </a:rPr>
               <a:t>RLC</a:t>
@@ -4570,21 +4582,42 @@
           <a:p>
             <a:pPr algn="ctr"/>
             <a:r>
-              <a:rPr lang="en-US" sz="1400" dirty="0"/>
+              <a:rPr lang="en-US" sz="1400" dirty="0">
+                <a:solidFill>
+                  <a:schemeClr val="tx1">
+                    <a:lumMod val="95000"/>
+                    <a:lumOff val="5000"/>
+                  </a:schemeClr>
+                </a:solidFill>
+              </a:rPr>
               <a:t>Other Base Stations</a:t>
             </a:r>
           </a:p>
           <a:p>
             <a:pPr algn="ctr"/>
             <a:r>
-              <a:rPr lang="en-US" sz="1400" dirty="0"/>
+              <a:rPr lang="en-US" sz="1400" dirty="0">
+                <a:solidFill>
+                  <a:schemeClr val="tx1">
+                    <a:lumMod val="95000"/>
+                    <a:lumOff val="5000"/>
+                  </a:schemeClr>
+                </a:solidFill>
+              </a:rPr>
               <a:t>(for Handover or </a:t>
             </a:r>
           </a:p>
           <a:p>
             <a:pPr algn="ctr"/>
             <a:r>
-              <a:rPr lang="en-US" sz="1400" dirty="0"/>
+              <a:rPr lang="en-US" sz="1400" dirty="0">
+                <a:solidFill>
+                  <a:schemeClr val="tx1">
+                    <a:lumMod val="95000"/>
+                    <a:lumOff val="5000"/>
+                  </a:schemeClr>
+                </a:solidFill>
+              </a:rPr>
               <a:t>Link Aggregation)</a:t>
             </a:r>
           </a:p>
@@ -5048,7 +5081,10 @@
             <a:r>
               <a:rPr lang="en-US" sz="1400" dirty="0">
                 <a:solidFill>
-                  <a:schemeClr val="tx2"/>
+                  <a:schemeClr val="tx1">
+                    <a:lumMod val="95000"/>
+                    <a:lumOff val="5000"/>
+                  </a:schemeClr>
                 </a:solidFill>
               </a:rPr>
               <a:t>User</a:t>
@@ -5059,7 +5095,10 @@
             <a:r>
               <a:rPr lang="en-US" sz="1400" dirty="0">
                 <a:solidFill>
-                  <a:schemeClr val="tx2"/>
+                  <a:schemeClr val="tx1">
+                    <a:lumMod val="95000"/>
+                    <a:lumOff val="5000"/>
+                  </a:schemeClr>
                 </a:solidFill>
               </a:rPr>
               <a:t>Plane</a:t>
@@ -5735,7 +5774,10 @@
             <a:r>
               <a:rPr lang="en-US" sz="1600" dirty="0">
                 <a:solidFill>
-                  <a:schemeClr val="tx2"/>
+                  <a:schemeClr val="tx1">
+                    <a:lumMod val="95000"/>
+                    <a:lumOff val="5000"/>
+                  </a:schemeClr>
                 </a:solidFill>
               </a:rPr>
               <a:t>MAC</a:t>
@@ -6124,8 +6166,9 @@
             <a:r>
               <a:rPr lang="en-US" sz="1600" dirty="0">
                 <a:solidFill>
-                  <a:schemeClr val="bg2">
-                    <a:lumMod val="10000"/>
+                  <a:schemeClr val="tx1">
+                    <a:lumMod val="95000"/>
+                    <a:lumOff val="5000"/>
                   </a:schemeClr>
                 </a:solidFill>
                 <a:latin typeface="Calibri" charset="0"/>
@@ -6530,15 +6573,16 @@
             <a:r>
               <a:rPr lang="en-US" sz="1600" dirty="0">
                 <a:solidFill>
-                  <a:schemeClr val="bg2">
-                    <a:lumMod val="10000"/>
+                  <a:schemeClr val="tx1">
+                    <a:lumMod val="95000"/>
+                    <a:lumOff val="5000"/>
                   </a:schemeClr>
                 </a:solidFill>
                 <a:latin typeface="Calibri" charset="0"/>
                 <a:ea typeface="Calibri" charset="0"/>
                 <a:cs typeface="Calibri" charset="0"/>
               </a:rPr>
-              <a:t>CU-U</a:t>
+              <a:t>CU-UP</a:t>
             </a:r>
           </a:p>
         </p:txBody>
@@ -6605,15 +6649,16 @@
             <a:r>
               <a:rPr lang="en-US" sz="1600" dirty="0">
                 <a:solidFill>
-                  <a:schemeClr val="bg2">
-                    <a:lumMod val="10000"/>
+                  <a:schemeClr val="tx1">
+                    <a:lumMod val="95000"/>
+                    <a:lumOff val="5000"/>
                   </a:schemeClr>
                 </a:solidFill>
                 <a:latin typeface="Calibri" charset="0"/>
                 <a:ea typeface="Calibri" charset="0"/>
                 <a:cs typeface="Calibri" charset="0"/>
               </a:rPr>
-              <a:t>CU-C</a:t>
+              <a:t>CU-CP</a:t>
             </a:r>
           </a:p>
         </p:txBody>
@@ -7793,9 +7838,10 @@
                   <a:noFill/>
                 </a:ln>
                 <a:solidFill>
-                  <a:srgbClr val="626262">
-                    <a:lumMod val="50000"/>
-                  </a:srgbClr>
+                  <a:schemeClr val="tx1">
+                    <a:lumMod val="95000"/>
+                    <a:lumOff val="5000"/>
+                  </a:schemeClr>
                 </a:solidFill>
                 <a:effectLst/>
                 <a:uLnTx/>
@@ -8652,8 +8698,8 @@
         </p:nvSpPr>
         <p:spPr>
           <a:xfrm>
-            <a:off x="1009103" y="1778884"/>
-            <a:ext cx="2436564" cy="379591"/>
+            <a:off x="1122852" y="1778884"/>
+            <a:ext cx="2209066" cy="379591"/>
           </a:xfrm>
           <a:prstGeom prst="rect">
             <a:avLst/>
@@ -8706,7 +8752,10 @@
                   <a:noFill/>
                 </a:ln>
                 <a:solidFill>
-                  <a:srgbClr val="414141"/>
+                  <a:schemeClr val="tx1">
+                    <a:lumMod val="95000"/>
+                    <a:lumOff val="5000"/>
+                  </a:schemeClr>
                 </a:solidFill>
                 <a:effectLst/>
                 <a:uFillTx/>
@@ -8966,6 +9015,12 @@
                 <a:ln>
                   <a:noFill/>
                 </a:ln>
+                <a:solidFill>
+                  <a:schemeClr val="tx1">
+                    <a:lumMod val="95000"/>
+                    <a:lumOff val="5000"/>
+                  </a:schemeClr>
+                </a:solidFill>
                 <a:effectLst/>
                 <a:uFillTx/>
                 <a:ea typeface="Palatino"/>
@@ -9028,14 +9083,15 @@
               <a:defRPr/>
             </a:pPr>
             <a:r>
-              <a:rPr kumimoji="0" lang="en-US" b="0" i="0" u="none" strike="noStrike" kern="1200" cap="none" spc="0" normalizeH="0" baseline="0" noProof="0" dirty="0" err="1">
+              <a:rPr kumimoji="0" lang="en-US" b="0" i="0" u="none" strike="noStrike" kern="1200" cap="none" spc="0" normalizeH="0" baseline="0" noProof="0" dirty="0">
                 <a:ln>
                   <a:noFill/>
                 </a:ln>
                 <a:solidFill>
-                  <a:srgbClr val="626262">
-                    <a:lumMod val="50000"/>
-                  </a:srgbClr>
+                  <a:schemeClr val="tx1">
+                    <a:lumMod val="95000"/>
+                    <a:lumOff val="5000"/>
+                  </a:schemeClr>
                 </a:solidFill>
                 <a:effectLst/>
                 <a:uLnTx/>
@@ -9043,32 +9099,15 @@
                 <a:ea typeface="+mn-ea"/>
                 <a:cs typeface="+mn-cs"/>
               </a:rPr>
-              <a:t>WiFi</a:t>
-            </a:r>
-            <a:r>
-              <a:rPr kumimoji="0" lang="en-US" b="0" i="0" u="none" strike="noStrike" kern="1200" cap="none" spc="0" normalizeH="0" baseline="0" noProof="0" dirty="0">
-                <a:ln>
-                  <a:noFill/>
-                </a:ln>
-                <a:solidFill>
-                  <a:srgbClr val="626262">
-                    <a:lumMod val="50000"/>
-                  </a:srgbClr>
-                </a:solidFill>
-                <a:effectLst/>
-                <a:uLnTx/>
-                <a:uFillTx/>
-                <a:ea typeface="+mn-ea"/>
-                <a:cs typeface="+mn-cs"/>
-              </a:rPr>
-              <a:t> </a:t>
+              <a:t>Wi-Fi </a:t>
             </a:r>
             <a:r>
               <a:rPr lang="en-US" dirty="0">
                 <a:solidFill>
-                  <a:srgbClr val="626262">
-                    <a:lumMod val="50000"/>
-                  </a:srgbClr>
+                  <a:schemeClr val="tx1">
+                    <a:lumMod val="95000"/>
+                    <a:lumOff val="5000"/>
+                  </a:schemeClr>
                 </a:solidFill>
               </a:rPr>
               <a:t>Access Network</a:t>
@@ -9078,9 +9117,10 @@
                 <a:noFill/>
               </a:ln>
               <a:solidFill>
-                <a:srgbClr val="626262">
-                  <a:lumMod val="50000"/>
-                </a:srgbClr>
+                <a:schemeClr val="tx1">
+                  <a:lumMod val="95000"/>
+                  <a:lumOff val="5000"/>
+                </a:schemeClr>
               </a:solidFill>
               <a:effectLst/>
               <a:uLnTx/>
@@ -10172,7 +10212,10 @@
             <a:r>
               <a:rPr lang="en-US" sz="1400" dirty="0">
                 <a:solidFill>
-                  <a:schemeClr val="tx2"/>
+                  <a:schemeClr val="tx1">
+                    <a:lumMod val="95000"/>
+                    <a:lumOff val="5000"/>
+                  </a:schemeClr>
                 </a:solidFill>
               </a:rPr>
               <a:t>PHY</a:t>
@@ -10234,7 +10277,10 @@
             <a:r>
               <a:rPr lang="en-US" sz="1400" dirty="0">
                 <a:solidFill>
-                  <a:schemeClr val="tx2"/>
+                  <a:schemeClr val="tx1">
+                    <a:lumMod val="95000"/>
+                    <a:lumOff val="5000"/>
+                  </a:schemeClr>
                 </a:solidFill>
               </a:rPr>
               <a:t>MAC</a:t>
@@ -10296,7 +10342,10 @@
             <a:r>
               <a:rPr lang="en-US" sz="1400" dirty="0">
                 <a:solidFill>
-                  <a:schemeClr val="tx2"/>
+                  <a:schemeClr val="tx1">
+                    <a:lumMod val="95000"/>
+                    <a:lumOff val="5000"/>
+                  </a:schemeClr>
                 </a:solidFill>
               </a:rPr>
               <a:t>PDCP</a:t>
@@ -11041,7 +11090,10 @@
             <a:r>
               <a:rPr lang="en-US" sz="1400" dirty="0">
                 <a:solidFill>
-                  <a:schemeClr val="tx2"/>
+                  <a:schemeClr val="tx1">
+                    <a:lumMod val="95000"/>
+                    <a:lumOff val="5000"/>
+                  </a:schemeClr>
                 </a:solidFill>
               </a:rPr>
               <a:t>RLC</a:t>
@@ -11345,7 +11397,10 @@
             <a:r>
               <a:rPr lang="en-US" sz="1400" dirty="0">
                 <a:solidFill>
-                  <a:schemeClr val="tx2"/>
+                  <a:schemeClr val="tx1">
+                    <a:lumMod val="95000"/>
+                    <a:lumOff val="5000"/>
+                  </a:schemeClr>
                 </a:solidFill>
               </a:rPr>
               <a:t>User</a:t>
@@ -11356,7 +11411,10 @@
             <a:r>
               <a:rPr lang="en-US" sz="1400" dirty="0">
                 <a:solidFill>
-                  <a:schemeClr val="tx2"/>
+                  <a:schemeClr val="tx1">
+                    <a:lumMod val="95000"/>
+                    <a:lumOff val="5000"/>
+                  </a:schemeClr>
                 </a:solidFill>
               </a:rPr>
               <a:t>Plane</a:t>
@@ -13155,7 +13213,10 @@
             <a:r>
               <a:rPr lang="en-US" sz="1400" dirty="0">
                 <a:solidFill>
-                  <a:schemeClr val="tx1"/>
+                  <a:schemeClr val="tx1">
+                    <a:lumMod val="95000"/>
+                    <a:lumOff val="5000"/>
+                  </a:schemeClr>
                 </a:solidFill>
               </a:rPr>
               <a:t>CU</a:t>
@@ -13876,7 +13937,10 @@
             <a:r>
               <a:rPr lang="en-US" sz="1400" dirty="0">
                 <a:solidFill>
-                  <a:schemeClr val="tx2"/>
+                  <a:schemeClr val="tx1">
+                    <a:lumMod val="95000"/>
+                    <a:lumOff val="5000"/>
+                  </a:schemeClr>
                 </a:solidFill>
               </a:rPr>
               <a:t>PHY</a:t>
@@ -13938,7 +14002,10 @@
             <a:r>
               <a:rPr lang="en-US" sz="1400" dirty="0">
                 <a:solidFill>
-                  <a:schemeClr val="tx2"/>
+                  <a:schemeClr val="tx1">
+                    <a:lumMod val="95000"/>
+                    <a:lumOff val="5000"/>
+                  </a:schemeClr>
                 </a:solidFill>
               </a:rPr>
               <a:t>MAC</a:t>
@@ -14000,7 +14067,10 @@
             <a:r>
               <a:rPr lang="en-US" sz="1400" dirty="0">
                 <a:solidFill>
-                  <a:schemeClr val="tx2"/>
+                  <a:schemeClr val="tx1">
+                    <a:lumMod val="95000"/>
+                    <a:lumOff val="5000"/>
+                  </a:schemeClr>
                 </a:solidFill>
               </a:rPr>
               <a:t>PDCP</a:t>
@@ -14722,7 +14792,10 @@
             <a:r>
               <a:rPr lang="en-US" sz="1400" dirty="0">
                 <a:solidFill>
-                  <a:schemeClr val="tx2"/>
+                  <a:schemeClr val="tx1">
+                    <a:lumMod val="95000"/>
+                    <a:lumOff val="5000"/>
+                  </a:schemeClr>
                 </a:solidFill>
               </a:rPr>
               <a:t>RLC</a:t>
@@ -14832,7 +14905,10 @@
             <a:r>
               <a:rPr lang="en-US" sz="1600" dirty="0">
                 <a:solidFill>
-                  <a:sysClr val="windowText" lastClr="000000"/>
+                  <a:schemeClr val="tx1">
+                    <a:lumMod val="95000"/>
+                    <a:lumOff val="5000"/>
+                  </a:schemeClr>
                 </a:solidFill>
               </a:rPr>
               <a:t>Mobile</a:t>
@@ -14847,7 +14923,10 @@
             <a:r>
               <a:rPr lang="en-US" sz="1600" dirty="0">
                 <a:solidFill>
-                  <a:sysClr val="windowText" lastClr="000000"/>
+                  <a:schemeClr val="tx1">
+                    <a:lumMod val="95000"/>
+                    <a:lumOff val="5000"/>
+                  </a:schemeClr>
                 </a:solidFill>
               </a:rPr>
               <a:t>Core</a:t>
@@ -15026,7 +15105,10 @@
             <a:r>
               <a:rPr lang="en-US" sz="1400" dirty="0">
                 <a:solidFill>
-                  <a:schemeClr val="tx2"/>
+                  <a:schemeClr val="tx1">
+                    <a:lumMod val="95000"/>
+                    <a:lumOff val="5000"/>
+                  </a:schemeClr>
                 </a:solidFill>
               </a:rPr>
               <a:t>User</a:t>
@@ -15037,7 +15119,10 @@
             <a:r>
               <a:rPr lang="en-US" sz="1400" dirty="0">
                 <a:solidFill>
-                  <a:schemeClr val="tx2"/>
+                  <a:schemeClr val="tx1">
+                    <a:lumMod val="95000"/>
+                    <a:lumOff val="5000"/>
+                  </a:schemeClr>
                 </a:solidFill>
               </a:rPr>
               <a:t>Plane</a:t>
@@ -16452,7 +16537,9 @@
             <a:avLst/>
           </a:prstGeom>
           <a:solidFill>
-            <a:srgbClr val="0070C0"/>
+            <a:schemeClr val="accent1">
+              <a:lumMod val="75000"/>
+            </a:schemeClr>
           </a:solidFill>
           <a:ln w="28575">
             <a:solidFill>
@@ -18930,8 +19017,9 @@
             <a:r>
               <a:rPr lang="en-US" sz="1200" dirty="0">
                 <a:solidFill>
-                  <a:schemeClr val="bg2">
-                    <a:lumMod val="10000"/>
+                  <a:schemeClr val="tx1">
+                    <a:lumMod val="95000"/>
+                    <a:lumOff val="5000"/>
                   </a:schemeClr>
                 </a:solidFill>
                 <a:latin typeface="Calibri" charset="0"/>
@@ -19305,8 +19393,9 @@
             <a:r>
               <a:rPr lang="en-US" sz="1200" dirty="0">
                 <a:solidFill>
-                  <a:schemeClr val="bg2">
-                    <a:lumMod val="10000"/>
+                  <a:schemeClr val="tx1">
+                    <a:lumMod val="95000"/>
+                    <a:lumOff val="5000"/>
                   </a:schemeClr>
                 </a:solidFill>
                 <a:latin typeface="Calibri" charset="0"/>
@@ -19378,8 +19467,9 @@
             <a:r>
               <a:rPr lang="en-US" sz="1200" dirty="0">
                 <a:solidFill>
-                  <a:schemeClr val="bg2">
-                    <a:lumMod val="10000"/>
+                  <a:schemeClr val="tx1">
+                    <a:lumMod val="95000"/>
+                    <a:lumOff val="5000"/>
                   </a:schemeClr>
                 </a:solidFill>
                 <a:latin typeface="Calibri" charset="0"/>
@@ -19622,8 +19712,9 @@
             <a:r>
               <a:rPr lang="en-US" sz="1200" dirty="0">
                 <a:solidFill>
-                  <a:schemeClr val="bg2">
-                    <a:lumMod val="10000"/>
+                  <a:schemeClr val="tx1">
+                    <a:lumMod val="95000"/>
+                    <a:lumOff val="5000"/>
                   </a:schemeClr>
                 </a:solidFill>
                 <a:latin typeface="Calibri" charset="0"/>
@@ -19698,15 +19789,16 @@
             <a:r>
               <a:rPr lang="en-US" sz="1200" dirty="0">
                 <a:solidFill>
-                  <a:schemeClr val="bg2">
-                    <a:lumMod val="10000"/>
+                  <a:schemeClr val="tx1">
+                    <a:lumMod val="95000"/>
+                    <a:lumOff val="5000"/>
                   </a:schemeClr>
                 </a:solidFill>
                 <a:latin typeface="Calibri" charset="0"/>
                 <a:ea typeface="Calibri" charset="0"/>
                 <a:cs typeface="Calibri" charset="0"/>
               </a:rPr>
-              <a:t>CU-U</a:t>
+              <a:t>CU-UP</a:t>
             </a:r>
           </a:p>
         </p:txBody>
@@ -19774,7 +19866,7 @@
                 <a:ea typeface="Calibri" charset="0"/>
                 <a:cs typeface="Calibri" charset="0"/>
               </a:rPr>
-              <a:t>CU-C</a:t>
+              <a:t>CU-CP</a:t>
             </a:r>
           </a:p>
         </p:txBody>
@@ -20139,8 +20231,8 @@
         </p:nvSpPr>
         <p:spPr>
           <a:xfrm>
-            <a:off x="3943535" y="2905151"/>
-            <a:ext cx="270976" cy="245561"/>
+            <a:off x="3895319" y="2905151"/>
+            <a:ext cx="367409" cy="276999"/>
           </a:xfrm>
           <a:prstGeom prst="rect">
             <a:avLst/>
@@ -20157,8 +20249,9 @@
             <a:r>
               <a:rPr lang="en-US" sz="1200" dirty="0">
                 <a:solidFill>
-                  <a:schemeClr val="bg2">
-                    <a:lumMod val="10000"/>
+                  <a:schemeClr val="tx1">
+                    <a:lumMod val="95000"/>
+                    <a:lumOff val="5000"/>
                   </a:schemeClr>
                 </a:solidFill>
                 <a:latin typeface="Calibri" charset="0"/>
@@ -20228,8 +20321,9 @@
             <a:r>
               <a:rPr lang="en-US" sz="1200" dirty="0">
                 <a:solidFill>
-                  <a:schemeClr val="bg2">
-                    <a:lumMod val="10000"/>
+                  <a:schemeClr val="tx1">
+                    <a:lumMod val="95000"/>
+                    <a:lumOff val="5000"/>
                   </a:schemeClr>
                 </a:solidFill>
                 <a:latin typeface="Calibri" charset="0"/>
@@ -20847,12 +20941,12 @@
           <a:p>
             <a:pPr algn="ctr"/>
             <a:r>
-              <a:rPr lang="en-US" sz="1000" dirty="0">
+              <a:rPr lang="en-US" sz="800" dirty="0">
                 <a:solidFill>
                   <a:schemeClr val="bg1"/>
                 </a:solidFill>
               </a:rPr>
-              <a:t>CU-C</a:t>
+              <a:t>CU-CP</a:t>
             </a:r>
           </a:p>
         </p:txBody>
@@ -20889,8 +20983,9 @@
             <a:r>
               <a:rPr lang="en-US" sz="1000" dirty="0">
                 <a:solidFill>
-                  <a:schemeClr val="bg2">
-                    <a:lumMod val="10000"/>
+                  <a:schemeClr val="tx1">
+                    <a:lumMod val="95000"/>
+                    <a:lumOff val="5000"/>
                   </a:schemeClr>
                 </a:solidFill>
                 <a:latin typeface="Calibri" charset="0"/>
@@ -21004,8 +21099,9 @@
             <a:r>
               <a:rPr lang="en-US" sz="1000">
                 <a:solidFill>
-                  <a:schemeClr val="bg2">
-                    <a:lumMod val="10000"/>
+                  <a:schemeClr val="tx1">
+                    <a:lumMod val="95000"/>
+                    <a:lumOff val="5000"/>
                   </a:schemeClr>
                 </a:solidFill>
                 <a:latin typeface="Calibri" charset="0"/>
@@ -21017,8 +21113,9 @@
             <a:r>
               <a:rPr lang="en-US" sz="1000" dirty="0">
                 <a:solidFill>
-                  <a:schemeClr val="bg2">
-                    <a:lumMod val="10000"/>
+                  <a:schemeClr val="tx1">
+                    <a:lumMod val="95000"/>
+                    <a:lumOff val="5000"/>
                   </a:schemeClr>
                 </a:solidFill>
                 <a:latin typeface="Calibri" charset="0"/>
@@ -21087,7 +21184,7 @@
           <a:lstStyle/>
           <a:p>
             <a:pPr algn="ctr"/>
-            <a:endParaRPr lang="en-US" sz="1000" dirty="0">
+            <a:endParaRPr lang="en-US" sz="900" dirty="0">
               <a:solidFill>
                 <a:schemeClr val="bg2">
                   <a:lumMod val="10000"/>
@@ -21132,8 +21229,9 @@
             <a:r>
               <a:rPr lang="en-US" sz="1000" dirty="0">
                 <a:solidFill>
-                  <a:schemeClr val="bg2">
-                    <a:lumMod val="10000"/>
+                  <a:schemeClr val="tx1">
+                    <a:lumMod val="95000"/>
+                    <a:lumOff val="5000"/>
                   </a:schemeClr>
                 </a:solidFill>
                 <a:latin typeface="Calibri" charset="0"/>
@@ -21412,8 +21510,9 @@
             <a:r>
               <a:rPr lang="en-US" sz="1100" dirty="0" err="1">
                 <a:solidFill>
-                  <a:schemeClr val="bg2">
-                    <a:lumMod val="10000"/>
+                  <a:schemeClr val="tx1">
+                    <a:lumMod val="95000"/>
+                    <a:lumOff val="5000"/>
                   </a:schemeClr>
                 </a:solidFill>
                 <a:latin typeface="Calibri" charset="0"/>
@@ -21424,8 +21523,9 @@
             </a:r>
             <a:endParaRPr lang="en-US" sz="1100" dirty="0">
               <a:solidFill>
-                <a:schemeClr val="bg2">
-                  <a:lumMod val="10000"/>
+                <a:schemeClr val="tx1">
+                  <a:lumMod val="95000"/>
+                  <a:lumOff val="5000"/>
                 </a:schemeClr>
               </a:solidFill>
               <a:latin typeface="Calibri" charset="0"/>
@@ -21488,8 +21588,9 @@
             <a:r>
               <a:rPr lang="en-US" sz="1100" dirty="0" err="1">
                 <a:solidFill>
-                  <a:schemeClr val="bg2">
-                    <a:lumMod val="10000"/>
+                  <a:schemeClr val="tx1">
+                    <a:lumMod val="95000"/>
+                    <a:lumOff val="5000"/>
                   </a:schemeClr>
                 </a:solidFill>
                 <a:latin typeface="Calibri" charset="0"/>
@@ -21500,8 +21601,9 @@
             </a:r>
             <a:endParaRPr lang="en-US" sz="1100" dirty="0">
               <a:solidFill>
-                <a:schemeClr val="bg2">
-                  <a:lumMod val="10000"/>
+                <a:schemeClr val="tx1">
+                  <a:lumMod val="95000"/>
+                  <a:lumOff val="5000"/>
                 </a:schemeClr>
               </a:solidFill>
               <a:latin typeface="Calibri" charset="0"/>
@@ -21564,8 +21666,9 @@
             <a:r>
               <a:rPr lang="en-US" sz="1100" dirty="0" err="1">
                 <a:solidFill>
-                  <a:schemeClr val="bg2">
-                    <a:lumMod val="10000"/>
+                  <a:schemeClr val="tx1">
+                    <a:lumMod val="95000"/>
+                    <a:lumOff val="5000"/>
                   </a:schemeClr>
                 </a:solidFill>
                 <a:latin typeface="Calibri" charset="0"/>
@@ -21576,8 +21679,9 @@
             </a:r>
             <a:endParaRPr lang="en-US" sz="1100" dirty="0">
               <a:solidFill>
-                <a:schemeClr val="bg2">
-                  <a:lumMod val="10000"/>
+                <a:schemeClr val="tx1">
+                  <a:lumMod val="95000"/>
+                  <a:lumOff val="5000"/>
                 </a:schemeClr>
               </a:solidFill>
               <a:latin typeface="Calibri" charset="0"/>
@@ -21775,8 +21879,9 @@
               <a:r>
                 <a:rPr lang="en-US" sz="1400" dirty="0">
                   <a:solidFill>
-                    <a:schemeClr val="bg2">
-                      <a:lumMod val="10000"/>
+                    <a:schemeClr val="tx1">
+                      <a:lumMod val="95000"/>
+                      <a:lumOff val="5000"/>
                     </a:schemeClr>
                   </a:solidFill>
                   <a:latin typeface="Calibri" charset="0"/>
@@ -21905,8 +22010,9 @@
             <a:r>
               <a:rPr lang="en-US" sz="1400" dirty="0">
                 <a:solidFill>
-                  <a:schemeClr val="bg2">
-                    <a:lumMod val="10000"/>
+                  <a:schemeClr val="tx1">
+                    <a:lumMod val="95000"/>
+                    <a:lumOff val="5000"/>
                   </a:schemeClr>
                 </a:solidFill>
                 <a:latin typeface="Calibri" charset="0"/>
@@ -21950,8 +22056,9 @@
             <a:r>
               <a:rPr lang="en-US" sz="1400" dirty="0">
                 <a:solidFill>
-                  <a:schemeClr val="bg2">
-                    <a:lumMod val="10000"/>
+                  <a:schemeClr val="tx1">
+                    <a:lumMod val="95000"/>
+                    <a:lumOff val="5000"/>
                   </a:schemeClr>
                 </a:solidFill>
                 <a:latin typeface="Calibri" charset="0"/>
@@ -21995,8 +22102,9 @@
             <a:r>
               <a:rPr lang="en-US" sz="1400" dirty="0">
                 <a:solidFill>
-                  <a:schemeClr val="bg2">
-                    <a:lumMod val="10000"/>
+                  <a:schemeClr val="tx1">
+                    <a:lumMod val="95000"/>
+                    <a:lumOff val="5000"/>
                   </a:schemeClr>
                 </a:solidFill>
                 <a:latin typeface="Calibri" charset="0"/>
@@ -22251,7 +22359,7 @@
             <a:r>
               <a:rPr lang="en-US" sz="1600" dirty="0">
                 <a:solidFill>
-                  <a:sysClr val="windowText" lastClr="000000"/>
+                  <a:srgbClr val="000000"/>
                 </a:solidFill>
               </a:rPr>
               <a:t>Mobile Core</a:t>
@@ -22372,7 +22480,10 @@
             <a:r>
               <a:rPr lang="en-US" sz="1400" dirty="0">
                 <a:solidFill>
-                  <a:schemeClr val="tx1"/>
+                  <a:schemeClr val="tx1">
+                    <a:lumMod val="95000"/>
+                    <a:lumOff val="5000"/>
+                  </a:schemeClr>
                 </a:solidFill>
               </a:rPr>
               <a:t>User Plane</a:t>
@@ -22434,12 +22545,15 @@
           <a:p>
             <a:pPr algn="ctr"/>
             <a:r>
-              <a:rPr lang="en-US" sz="1000" dirty="0">
+              <a:rPr lang="en-US" sz="800" dirty="0">
                 <a:solidFill>
-                  <a:schemeClr val="tx1"/>
+                  <a:schemeClr val="tx1">
+                    <a:lumMod val="95000"/>
+                    <a:lumOff val="5000"/>
+                  </a:schemeClr>
                 </a:solidFill>
               </a:rPr>
-              <a:t>CU-U</a:t>
+              <a:t>CU-UP</a:t>
             </a:r>
           </a:p>
         </p:txBody>
@@ -22512,8 +22626,9 @@
             <a:r>
               <a:rPr lang="en-US" sz="1200" dirty="0">
                 <a:solidFill>
-                  <a:schemeClr val="bg2">
-                    <a:lumMod val="10000"/>
+                  <a:schemeClr val="tx1">
+                    <a:lumMod val="95000"/>
+                    <a:lumOff val="5000"/>
                   </a:schemeClr>
                 </a:solidFill>
                 <a:latin typeface="Calibri" charset="0"/>
@@ -22600,8 +22715,9 @@
             <a:r>
               <a:rPr lang="en-US" sz="1200" dirty="0">
                 <a:solidFill>
-                  <a:schemeClr val="bg2">
-                    <a:lumMod val="10000"/>
+                  <a:schemeClr val="tx1">
+                    <a:lumMod val="95000"/>
+                    <a:lumOff val="5000"/>
                   </a:schemeClr>
                 </a:solidFill>
                 <a:latin typeface="Calibri" charset="0"/>
@@ -22644,8 +22760,9 @@
             <a:r>
               <a:rPr lang="en-US" sz="1200" dirty="0">
                 <a:solidFill>
-                  <a:schemeClr val="bg2">
-                    <a:lumMod val="10000"/>
+                  <a:schemeClr val="tx1">
+                    <a:lumMod val="95000"/>
+                    <a:lumOff val="5000"/>
                   </a:schemeClr>
                 </a:solidFill>
                 <a:latin typeface="Calibri" charset="0"/>
